--- a/vignettes/figures/sequences_cas9.pptx
+++ b/vignettes/figures/sequences_cas9.pptx
@@ -2,12 +2,12 @@
 <file path=ppt/presentation.xml><?xml version="1.0" encoding="utf-8"?>
 <p:presentation xmlns:a="http://schemas.openxmlformats.org/drawingml/2006/main" xmlns:r="http://schemas.openxmlformats.org/officeDocument/2006/relationships" xmlns:p="http://schemas.openxmlformats.org/presentationml/2006/main" saveSubsetFonts="1" autoCompressPictures="0">
   <p:sldMasterIdLst>
-    <p:sldMasterId id="2147483684" r:id="rId1"/>
+    <p:sldMasterId id="2147483708" r:id="rId1"/>
   </p:sldMasterIdLst>
   <p:sldIdLst>
     <p:sldId id="257" r:id="rId2"/>
   </p:sldIdLst>
-  <p:sldSz cx="12344400" cy="3475038"/>
+  <p:sldSz cx="12344400" cy="4572000"/>
   <p:notesSz cx="6858000" cy="9144000"/>
   <p:defaultTextStyle>
     <a:defPPr>
@@ -141,15 +141,15 @@
         </p:nvSpPr>
         <p:spPr>
           <a:xfrm>
-            <a:off x="1543050" y="568716"/>
-            <a:ext cx="9258300" cy="1209828"/>
+            <a:off x="1543050" y="748242"/>
+            <a:ext cx="9258300" cy="1591733"/>
           </a:xfrm>
         </p:spPr>
         <p:txBody>
           <a:bodyPr anchor="b"/>
           <a:lstStyle>
             <a:lvl1pPr algn="ctr">
-              <a:defRPr sz="3040"/>
+              <a:defRPr sz="4000"/>
             </a:lvl1pPr>
           </a:lstStyle>
           <a:p>
@@ -173,8 +173,8 @@
         </p:nvSpPr>
         <p:spPr>
           <a:xfrm>
-            <a:off x="1543050" y="1825200"/>
-            <a:ext cx="9258300" cy="838996"/>
+            <a:off x="1543050" y="2401359"/>
+            <a:ext cx="9258300" cy="1103841"/>
           </a:xfrm>
         </p:spPr>
         <p:txBody>
@@ -182,39 +182,39 @@
           <a:lstStyle>
             <a:lvl1pPr marL="0" indent="0" algn="ctr">
               <a:buNone/>
-              <a:defRPr sz="1216"/>
+              <a:defRPr sz="1600"/>
             </a:lvl1pPr>
-            <a:lvl2pPr marL="231663" indent="0" algn="ctr">
-              <a:buNone/>
-              <a:defRPr sz="1013"/>
+            <a:lvl2pPr marL="304815" indent="0" algn="ctr">
+              <a:buNone/>
+              <a:defRPr sz="1333"/>
             </a:lvl2pPr>
-            <a:lvl3pPr marL="463326" indent="0" algn="ctr">
-              <a:buNone/>
-              <a:defRPr sz="912"/>
+            <a:lvl3pPr marL="609630" indent="0" algn="ctr">
+              <a:buNone/>
+              <a:defRPr sz="1200"/>
             </a:lvl3pPr>
-            <a:lvl4pPr marL="694990" indent="0" algn="ctr">
-              <a:buNone/>
-              <a:defRPr sz="811"/>
+            <a:lvl4pPr marL="914446" indent="0" algn="ctr">
+              <a:buNone/>
+              <a:defRPr sz="1067"/>
             </a:lvl4pPr>
-            <a:lvl5pPr marL="926653" indent="0" algn="ctr">
-              <a:buNone/>
-              <a:defRPr sz="811"/>
+            <a:lvl5pPr marL="1219261" indent="0" algn="ctr">
+              <a:buNone/>
+              <a:defRPr sz="1067"/>
             </a:lvl5pPr>
-            <a:lvl6pPr marL="1158316" indent="0" algn="ctr">
-              <a:buNone/>
-              <a:defRPr sz="811"/>
+            <a:lvl6pPr marL="1524076" indent="0" algn="ctr">
+              <a:buNone/>
+              <a:defRPr sz="1067"/>
             </a:lvl6pPr>
-            <a:lvl7pPr marL="1389979" indent="0" algn="ctr">
-              <a:buNone/>
-              <a:defRPr sz="811"/>
+            <a:lvl7pPr marL="1828891" indent="0" algn="ctr">
+              <a:buNone/>
+              <a:defRPr sz="1067"/>
             </a:lvl7pPr>
-            <a:lvl8pPr marL="1621643" indent="0" algn="ctr">
-              <a:buNone/>
-              <a:defRPr sz="811"/>
+            <a:lvl8pPr marL="2133707" indent="0" algn="ctr">
+              <a:buNone/>
+              <a:defRPr sz="1067"/>
             </a:lvl8pPr>
-            <a:lvl9pPr marL="1853306" indent="0" algn="ctr">
-              <a:buNone/>
-              <a:defRPr sz="811"/>
+            <a:lvl9pPr marL="2438522" indent="0" algn="ctr">
+              <a:buNone/>
+              <a:defRPr sz="1067"/>
             </a:lvl9pPr>
           </a:lstStyle>
           <a:p>
@@ -243,7 +243,7 @@
           <a:p>
             <a:fld id="{DD6D9246-4FED-8E4D-BC9B-CDD794F2A5B7}" type="datetimeFigureOut">
               <a:rPr lang="en-US" smtClean="0"/>
-              <a:t>3/11/21</a:t>
+              <a:t>2/11/22</a:t>
             </a:fld>
             <a:endParaRPr lang="en-US"/>
           </a:p>
@@ -294,7 +294,7 @@
     </p:spTree>
     <p:extLst>
       <p:ext uri="{BB962C8B-B14F-4D97-AF65-F5344CB8AC3E}">
-        <p14:creationId xmlns:p14="http://schemas.microsoft.com/office/powerpoint/2010/main" val="3840919605"/>
+        <p14:creationId xmlns:p14="http://schemas.microsoft.com/office/powerpoint/2010/main" val="897427278"/>
       </p:ext>
     </p:extLst>
   </p:cSld>
@@ -413,7 +413,7 @@
           <a:p>
             <a:fld id="{DD6D9246-4FED-8E4D-BC9B-CDD794F2A5B7}" type="datetimeFigureOut">
               <a:rPr lang="en-US" smtClean="0"/>
-              <a:t>3/11/21</a:t>
+              <a:t>2/11/22</a:t>
             </a:fld>
             <a:endParaRPr lang="en-US"/>
           </a:p>
@@ -464,7 +464,7 @@
     </p:spTree>
     <p:extLst>
       <p:ext uri="{BB962C8B-B14F-4D97-AF65-F5344CB8AC3E}">
-        <p14:creationId xmlns:p14="http://schemas.microsoft.com/office/powerpoint/2010/main" val="1684111432"/>
+        <p14:creationId xmlns:p14="http://schemas.microsoft.com/office/powerpoint/2010/main" val="1852765551"/>
       </p:ext>
     </p:extLst>
   </p:cSld>
@@ -503,8 +503,8 @@
         </p:nvSpPr>
         <p:spPr>
           <a:xfrm>
-            <a:off x="8833961" y="185014"/>
-            <a:ext cx="2661761" cy="2944934"/>
+            <a:off x="8833961" y="243417"/>
+            <a:ext cx="2661761" cy="3874559"/>
           </a:xfrm>
         </p:spPr>
         <p:txBody>
@@ -531,8 +531,8 @@
         </p:nvSpPr>
         <p:spPr>
           <a:xfrm>
-            <a:off x="848677" y="185014"/>
-            <a:ext cx="7830979" cy="2944934"/>
+            <a:off x="848677" y="243417"/>
+            <a:ext cx="7830979" cy="3874559"/>
           </a:xfrm>
         </p:spPr>
         <p:txBody>
@@ -593,7 +593,7 @@
           <a:p>
             <a:fld id="{DD6D9246-4FED-8E4D-BC9B-CDD794F2A5B7}" type="datetimeFigureOut">
               <a:rPr lang="en-US" smtClean="0"/>
-              <a:t>3/11/21</a:t>
+              <a:t>2/11/22</a:t>
             </a:fld>
             <a:endParaRPr lang="en-US"/>
           </a:p>
@@ -644,7 +644,7 @@
     </p:spTree>
     <p:extLst>
       <p:ext uri="{BB962C8B-B14F-4D97-AF65-F5344CB8AC3E}">
-        <p14:creationId xmlns:p14="http://schemas.microsoft.com/office/powerpoint/2010/main" val="2519225982"/>
+        <p14:creationId xmlns:p14="http://schemas.microsoft.com/office/powerpoint/2010/main" val="4164035889"/>
       </p:ext>
     </p:extLst>
   </p:cSld>
@@ -763,7 +763,7 @@
           <a:p>
             <a:fld id="{DD6D9246-4FED-8E4D-BC9B-CDD794F2A5B7}" type="datetimeFigureOut">
               <a:rPr lang="en-US" smtClean="0"/>
-              <a:t>3/11/21</a:t>
+              <a:t>2/11/22</a:t>
             </a:fld>
             <a:endParaRPr lang="en-US"/>
           </a:p>
@@ -814,7 +814,7 @@
     </p:spTree>
     <p:extLst>
       <p:ext uri="{BB962C8B-B14F-4D97-AF65-F5344CB8AC3E}">
-        <p14:creationId xmlns:p14="http://schemas.microsoft.com/office/powerpoint/2010/main" val="2140686767"/>
+        <p14:creationId xmlns:p14="http://schemas.microsoft.com/office/powerpoint/2010/main" val="2197428051"/>
       </p:ext>
     </p:extLst>
   </p:cSld>
@@ -853,15 +853,15 @@
         </p:nvSpPr>
         <p:spPr>
           <a:xfrm>
-            <a:off x="842248" y="866347"/>
-            <a:ext cx="10647045" cy="1445519"/>
+            <a:off x="842248" y="1139826"/>
+            <a:ext cx="10647045" cy="1901825"/>
           </a:xfrm>
         </p:spPr>
         <p:txBody>
           <a:bodyPr anchor="b"/>
           <a:lstStyle>
             <a:lvl1pPr>
-              <a:defRPr sz="3040"/>
+              <a:defRPr sz="4000"/>
             </a:lvl1pPr>
           </a:lstStyle>
           <a:p>
@@ -885,8 +885,8 @@
         </p:nvSpPr>
         <p:spPr>
           <a:xfrm>
-            <a:off x="842248" y="2325541"/>
-            <a:ext cx="10647045" cy="760164"/>
+            <a:off x="842248" y="3059642"/>
+            <a:ext cx="10647045" cy="1000125"/>
           </a:xfrm>
         </p:spPr>
         <p:txBody>
@@ -894,7 +894,7 @@
           <a:lstStyle>
             <a:lvl1pPr marL="0" indent="0">
               <a:buNone/>
-              <a:defRPr sz="1216">
+              <a:defRPr sz="1600">
                 <a:solidFill>
                   <a:schemeClr val="tx1">
                     <a:tint val="75000"/>
@@ -902,9 +902,9 @@
                 </a:solidFill>
               </a:defRPr>
             </a:lvl1pPr>
-            <a:lvl2pPr marL="231663" indent="0">
-              <a:buNone/>
-              <a:defRPr sz="1013">
+            <a:lvl2pPr marL="304815" indent="0">
+              <a:buNone/>
+              <a:defRPr sz="1333">
                 <a:solidFill>
                   <a:schemeClr val="tx1">
                     <a:tint val="75000"/>
@@ -912,9 +912,9 @@
                 </a:solidFill>
               </a:defRPr>
             </a:lvl2pPr>
-            <a:lvl3pPr marL="463326" indent="0">
-              <a:buNone/>
-              <a:defRPr sz="912">
+            <a:lvl3pPr marL="609630" indent="0">
+              <a:buNone/>
+              <a:defRPr sz="1200">
                 <a:solidFill>
                   <a:schemeClr val="tx1">
                     <a:tint val="75000"/>
@@ -922,9 +922,9 @@
                 </a:solidFill>
               </a:defRPr>
             </a:lvl3pPr>
-            <a:lvl4pPr marL="694990" indent="0">
-              <a:buNone/>
-              <a:defRPr sz="811">
+            <a:lvl4pPr marL="914446" indent="0">
+              <a:buNone/>
+              <a:defRPr sz="1067">
                 <a:solidFill>
                   <a:schemeClr val="tx1">
                     <a:tint val="75000"/>
@@ -932,9 +932,9 @@
                 </a:solidFill>
               </a:defRPr>
             </a:lvl4pPr>
-            <a:lvl5pPr marL="926653" indent="0">
-              <a:buNone/>
-              <a:defRPr sz="811">
+            <a:lvl5pPr marL="1219261" indent="0">
+              <a:buNone/>
+              <a:defRPr sz="1067">
                 <a:solidFill>
                   <a:schemeClr val="tx1">
                     <a:tint val="75000"/>
@@ -942,9 +942,9 @@
                 </a:solidFill>
               </a:defRPr>
             </a:lvl5pPr>
-            <a:lvl6pPr marL="1158316" indent="0">
-              <a:buNone/>
-              <a:defRPr sz="811">
+            <a:lvl6pPr marL="1524076" indent="0">
+              <a:buNone/>
+              <a:defRPr sz="1067">
                 <a:solidFill>
                   <a:schemeClr val="tx1">
                     <a:tint val="75000"/>
@@ -952,9 +952,9 @@
                 </a:solidFill>
               </a:defRPr>
             </a:lvl6pPr>
-            <a:lvl7pPr marL="1389979" indent="0">
-              <a:buNone/>
-              <a:defRPr sz="811">
+            <a:lvl7pPr marL="1828891" indent="0">
+              <a:buNone/>
+              <a:defRPr sz="1067">
                 <a:solidFill>
                   <a:schemeClr val="tx1">
                     <a:tint val="75000"/>
@@ -962,9 +962,9 @@
                 </a:solidFill>
               </a:defRPr>
             </a:lvl7pPr>
-            <a:lvl8pPr marL="1621643" indent="0">
-              <a:buNone/>
-              <a:defRPr sz="811">
+            <a:lvl8pPr marL="2133707" indent="0">
+              <a:buNone/>
+              <a:defRPr sz="1067">
                 <a:solidFill>
                   <a:schemeClr val="tx1">
                     <a:tint val="75000"/>
@@ -972,9 +972,9 @@
                 </a:solidFill>
               </a:defRPr>
             </a:lvl8pPr>
-            <a:lvl9pPr marL="1853306" indent="0">
-              <a:buNone/>
-              <a:defRPr sz="811">
+            <a:lvl9pPr marL="2438522" indent="0">
+              <a:buNone/>
+              <a:defRPr sz="1067">
                 <a:solidFill>
                   <a:schemeClr val="tx1">
                     <a:tint val="75000"/>
@@ -1009,7 +1009,7 @@
           <a:p>
             <a:fld id="{DD6D9246-4FED-8E4D-BC9B-CDD794F2A5B7}" type="datetimeFigureOut">
               <a:rPr lang="en-US" smtClean="0"/>
-              <a:t>3/11/21</a:t>
+              <a:t>2/11/22</a:t>
             </a:fld>
             <a:endParaRPr lang="en-US"/>
           </a:p>
@@ -1060,7 +1060,7 @@
     </p:spTree>
     <p:extLst>
       <p:ext uri="{BB962C8B-B14F-4D97-AF65-F5344CB8AC3E}">
-        <p14:creationId xmlns:p14="http://schemas.microsoft.com/office/powerpoint/2010/main" val="1232606232"/>
+        <p14:creationId xmlns:p14="http://schemas.microsoft.com/office/powerpoint/2010/main" val="3429102994"/>
       </p:ext>
     </p:extLst>
   </p:cSld>
@@ -1122,8 +1122,8 @@
         </p:nvSpPr>
         <p:spPr>
           <a:xfrm>
-            <a:off x="848678" y="925068"/>
-            <a:ext cx="5246370" cy="2204880"/>
+            <a:off x="848678" y="1217083"/>
+            <a:ext cx="5246370" cy="2900892"/>
           </a:xfrm>
         </p:spPr>
         <p:txBody>
@@ -1179,8 +1179,8 @@
         </p:nvSpPr>
         <p:spPr>
           <a:xfrm>
-            <a:off x="6249353" y="925068"/>
-            <a:ext cx="5246370" cy="2204880"/>
+            <a:off x="6249353" y="1217083"/>
+            <a:ext cx="5246370" cy="2900892"/>
           </a:xfrm>
         </p:spPr>
         <p:txBody>
@@ -1241,7 +1241,7 @@
           <a:p>
             <a:fld id="{DD6D9246-4FED-8E4D-BC9B-CDD794F2A5B7}" type="datetimeFigureOut">
               <a:rPr lang="en-US" smtClean="0"/>
-              <a:t>3/11/21</a:t>
+              <a:t>2/11/22</a:t>
             </a:fld>
             <a:endParaRPr lang="en-US"/>
           </a:p>
@@ -1292,7 +1292,7 @@
     </p:spTree>
     <p:extLst>
       <p:ext uri="{BB962C8B-B14F-4D97-AF65-F5344CB8AC3E}">
-        <p14:creationId xmlns:p14="http://schemas.microsoft.com/office/powerpoint/2010/main" val="4025208587"/>
+        <p14:creationId xmlns:p14="http://schemas.microsoft.com/office/powerpoint/2010/main" val="3533558518"/>
       </p:ext>
     </p:extLst>
   </p:cSld>
@@ -1331,8 +1331,8 @@
         </p:nvSpPr>
         <p:spPr>
           <a:xfrm>
-            <a:off x="850285" y="185014"/>
-            <a:ext cx="10647045" cy="671680"/>
+            <a:off x="850285" y="243417"/>
+            <a:ext cx="10647045" cy="883709"/>
           </a:xfrm>
         </p:spPr>
         <p:txBody>
@@ -1359,8 +1359,8 @@
         </p:nvSpPr>
         <p:spPr>
           <a:xfrm>
-            <a:off x="850286" y="851867"/>
-            <a:ext cx="5222259" cy="417487"/>
+            <a:off x="850286" y="1120775"/>
+            <a:ext cx="5222259" cy="549275"/>
           </a:xfrm>
         </p:spPr>
         <p:txBody>
@@ -1368,39 +1368,39 @@
           <a:lstStyle>
             <a:lvl1pPr marL="0" indent="0">
               <a:buNone/>
-              <a:defRPr sz="1216" b="1"/>
+              <a:defRPr sz="1600" b="1"/>
             </a:lvl1pPr>
-            <a:lvl2pPr marL="231663" indent="0">
-              <a:buNone/>
-              <a:defRPr sz="1013" b="1"/>
+            <a:lvl2pPr marL="304815" indent="0">
+              <a:buNone/>
+              <a:defRPr sz="1333" b="1"/>
             </a:lvl2pPr>
-            <a:lvl3pPr marL="463326" indent="0">
-              <a:buNone/>
-              <a:defRPr sz="912" b="1"/>
+            <a:lvl3pPr marL="609630" indent="0">
+              <a:buNone/>
+              <a:defRPr sz="1200" b="1"/>
             </a:lvl3pPr>
-            <a:lvl4pPr marL="694990" indent="0">
-              <a:buNone/>
-              <a:defRPr sz="811" b="1"/>
+            <a:lvl4pPr marL="914446" indent="0">
+              <a:buNone/>
+              <a:defRPr sz="1067" b="1"/>
             </a:lvl4pPr>
-            <a:lvl5pPr marL="926653" indent="0">
-              <a:buNone/>
-              <a:defRPr sz="811" b="1"/>
+            <a:lvl5pPr marL="1219261" indent="0">
+              <a:buNone/>
+              <a:defRPr sz="1067" b="1"/>
             </a:lvl5pPr>
-            <a:lvl6pPr marL="1158316" indent="0">
-              <a:buNone/>
-              <a:defRPr sz="811" b="1"/>
+            <a:lvl6pPr marL="1524076" indent="0">
+              <a:buNone/>
+              <a:defRPr sz="1067" b="1"/>
             </a:lvl6pPr>
-            <a:lvl7pPr marL="1389979" indent="0">
-              <a:buNone/>
-              <a:defRPr sz="811" b="1"/>
+            <a:lvl7pPr marL="1828891" indent="0">
+              <a:buNone/>
+              <a:defRPr sz="1067" b="1"/>
             </a:lvl7pPr>
-            <a:lvl8pPr marL="1621643" indent="0">
-              <a:buNone/>
-              <a:defRPr sz="811" b="1"/>
+            <a:lvl8pPr marL="2133707" indent="0">
+              <a:buNone/>
+              <a:defRPr sz="1067" b="1"/>
             </a:lvl8pPr>
-            <a:lvl9pPr marL="1853306" indent="0">
-              <a:buNone/>
-              <a:defRPr sz="811" b="1"/>
+            <a:lvl9pPr marL="2438522" indent="0">
+              <a:buNone/>
+              <a:defRPr sz="1067" b="1"/>
             </a:lvl9pPr>
           </a:lstStyle>
           <a:p>
@@ -1424,8 +1424,8 @@
         </p:nvSpPr>
         <p:spPr>
           <a:xfrm>
-            <a:off x="850286" y="1269354"/>
-            <a:ext cx="5222259" cy="1867029"/>
+            <a:off x="850286" y="1670050"/>
+            <a:ext cx="5222259" cy="2456392"/>
           </a:xfrm>
         </p:spPr>
         <p:txBody>
@@ -1481,8 +1481,8 @@
         </p:nvSpPr>
         <p:spPr>
           <a:xfrm>
-            <a:off x="6249352" y="851867"/>
-            <a:ext cx="5247978" cy="417487"/>
+            <a:off x="6249352" y="1120775"/>
+            <a:ext cx="5247978" cy="549275"/>
           </a:xfrm>
         </p:spPr>
         <p:txBody>
@@ -1490,39 +1490,39 @@
           <a:lstStyle>
             <a:lvl1pPr marL="0" indent="0">
               <a:buNone/>
-              <a:defRPr sz="1216" b="1"/>
+              <a:defRPr sz="1600" b="1"/>
             </a:lvl1pPr>
-            <a:lvl2pPr marL="231663" indent="0">
-              <a:buNone/>
-              <a:defRPr sz="1013" b="1"/>
+            <a:lvl2pPr marL="304815" indent="0">
+              <a:buNone/>
+              <a:defRPr sz="1333" b="1"/>
             </a:lvl2pPr>
-            <a:lvl3pPr marL="463326" indent="0">
-              <a:buNone/>
-              <a:defRPr sz="912" b="1"/>
+            <a:lvl3pPr marL="609630" indent="0">
+              <a:buNone/>
+              <a:defRPr sz="1200" b="1"/>
             </a:lvl3pPr>
-            <a:lvl4pPr marL="694990" indent="0">
-              <a:buNone/>
-              <a:defRPr sz="811" b="1"/>
+            <a:lvl4pPr marL="914446" indent="0">
+              <a:buNone/>
+              <a:defRPr sz="1067" b="1"/>
             </a:lvl4pPr>
-            <a:lvl5pPr marL="926653" indent="0">
-              <a:buNone/>
-              <a:defRPr sz="811" b="1"/>
+            <a:lvl5pPr marL="1219261" indent="0">
+              <a:buNone/>
+              <a:defRPr sz="1067" b="1"/>
             </a:lvl5pPr>
-            <a:lvl6pPr marL="1158316" indent="0">
-              <a:buNone/>
-              <a:defRPr sz="811" b="1"/>
+            <a:lvl6pPr marL="1524076" indent="0">
+              <a:buNone/>
+              <a:defRPr sz="1067" b="1"/>
             </a:lvl6pPr>
-            <a:lvl7pPr marL="1389979" indent="0">
-              <a:buNone/>
-              <a:defRPr sz="811" b="1"/>
+            <a:lvl7pPr marL="1828891" indent="0">
+              <a:buNone/>
+              <a:defRPr sz="1067" b="1"/>
             </a:lvl7pPr>
-            <a:lvl8pPr marL="1621643" indent="0">
-              <a:buNone/>
-              <a:defRPr sz="811" b="1"/>
+            <a:lvl8pPr marL="2133707" indent="0">
+              <a:buNone/>
+              <a:defRPr sz="1067" b="1"/>
             </a:lvl8pPr>
-            <a:lvl9pPr marL="1853306" indent="0">
-              <a:buNone/>
-              <a:defRPr sz="811" b="1"/>
+            <a:lvl9pPr marL="2438522" indent="0">
+              <a:buNone/>
+              <a:defRPr sz="1067" b="1"/>
             </a:lvl9pPr>
           </a:lstStyle>
           <a:p>
@@ -1546,8 +1546,8 @@
         </p:nvSpPr>
         <p:spPr>
           <a:xfrm>
-            <a:off x="6249352" y="1269354"/>
-            <a:ext cx="5247978" cy="1867029"/>
+            <a:off x="6249352" y="1670050"/>
+            <a:ext cx="5247978" cy="2456392"/>
           </a:xfrm>
         </p:spPr>
         <p:txBody>
@@ -1608,7 +1608,7 @@
           <a:p>
             <a:fld id="{DD6D9246-4FED-8E4D-BC9B-CDD794F2A5B7}" type="datetimeFigureOut">
               <a:rPr lang="en-US" smtClean="0"/>
-              <a:t>3/11/21</a:t>
+              <a:t>2/11/22</a:t>
             </a:fld>
             <a:endParaRPr lang="en-US"/>
           </a:p>
@@ -1659,7 +1659,7 @@
     </p:spTree>
     <p:extLst>
       <p:ext uri="{BB962C8B-B14F-4D97-AF65-F5344CB8AC3E}">
-        <p14:creationId xmlns:p14="http://schemas.microsoft.com/office/powerpoint/2010/main" val="4127152117"/>
+        <p14:creationId xmlns:p14="http://schemas.microsoft.com/office/powerpoint/2010/main" val="2882431151"/>
       </p:ext>
     </p:extLst>
   </p:cSld>
@@ -1726,7 +1726,7 @@
           <a:p>
             <a:fld id="{DD6D9246-4FED-8E4D-BC9B-CDD794F2A5B7}" type="datetimeFigureOut">
               <a:rPr lang="en-US" smtClean="0"/>
-              <a:t>3/11/21</a:t>
+              <a:t>2/11/22</a:t>
             </a:fld>
             <a:endParaRPr lang="en-US"/>
           </a:p>
@@ -1777,7 +1777,7 @@
     </p:spTree>
     <p:extLst>
       <p:ext uri="{BB962C8B-B14F-4D97-AF65-F5344CB8AC3E}">
-        <p14:creationId xmlns:p14="http://schemas.microsoft.com/office/powerpoint/2010/main" val="4066170827"/>
+        <p14:creationId xmlns:p14="http://schemas.microsoft.com/office/powerpoint/2010/main" val="125232349"/>
       </p:ext>
     </p:extLst>
   </p:cSld>
@@ -1821,7 +1821,7 @@
           <a:p>
             <a:fld id="{DD6D9246-4FED-8E4D-BC9B-CDD794F2A5B7}" type="datetimeFigureOut">
               <a:rPr lang="en-US" smtClean="0"/>
-              <a:t>3/11/21</a:t>
+              <a:t>2/11/22</a:t>
             </a:fld>
             <a:endParaRPr lang="en-US"/>
           </a:p>
@@ -1872,7 +1872,7 @@
     </p:spTree>
     <p:extLst>
       <p:ext uri="{BB962C8B-B14F-4D97-AF65-F5344CB8AC3E}">
-        <p14:creationId xmlns:p14="http://schemas.microsoft.com/office/powerpoint/2010/main" val="1428312646"/>
+        <p14:creationId xmlns:p14="http://schemas.microsoft.com/office/powerpoint/2010/main" val="2993598731"/>
       </p:ext>
     </p:extLst>
   </p:cSld>
@@ -1911,15 +1911,15 @@
         </p:nvSpPr>
         <p:spPr>
           <a:xfrm>
-            <a:off x="850286" y="231669"/>
-            <a:ext cx="3981390" cy="810842"/>
+            <a:off x="850286" y="304800"/>
+            <a:ext cx="3981390" cy="1066800"/>
           </a:xfrm>
         </p:spPr>
         <p:txBody>
           <a:bodyPr anchor="b"/>
           <a:lstStyle>
             <a:lvl1pPr>
-              <a:defRPr sz="1621"/>
+              <a:defRPr sz="2133"/>
             </a:lvl1pPr>
           </a:lstStyle>
           <a:p>
@@ -1943,39 +1943,39 @@
         </p:nvSpPr>
         <p:spPr>
           <a:xfrm>
-            <a:off x="5247978" y="500342"/>
-            <a:ext cx="6249353" cy="2469529"/>
+            <a:off x="5247978" y="658284"/>
+            <a:ext cx="6249353" cy="3249083"/>
           </a:xfrm>
         </p:spPr>
         <p:txBody>
           <a:bodyPr/>
           <a:lstStyle>
             <a:lvl1pPr>
-              <a:defRPr sz="1621"/>
+              <a:defRPr sz="2133"/>
             </a:lvl1pPr>
             <a:lvl2pPr>
-              <a:defRPr sz="1419"/>
+              <a:defRPr sz="1867"/>
             </a:lvl2pPr>
             <a:lvl3pPr>
-              <a:defRPr sz="1216"/>
+              <a:defRPr sz="1600"/>
             </a:lvl3pPr>
             <a:lvl4pPr>
-              <a:defRPr sz="1013"/>
+              <a:defRPr sz="1333"/>
             </a:lvl4pPr>
             <a:lvl5pPr>
-              <a:defRPr sz="1013"/>
+              <a:defRPr sz="1333"/>
             </a:lvl5pPr>
             <a:lvl6pPr>
-              <a:defRPr sz="1013"/>
+              <a:defRPr sz="1333"/>
             </a:lvl6pPr>
             <a:lvl7pPr>
-              <a:defRPr sz="1013"/>
+              <a:defRPr sz="1333"/>
             </a:lvl7pPr>
             <a:lvl8pPr>
-              <a:defRPr sz="1013"/>
+              <a:defRPr sz="1333"/>
             </a:lvl8pPr>
             <a:lvl9pPr>
-              <a:defRPr sz="1013"/>
+              <a:defRPr sz="1333"/>
             </a:lvl9pPr>
           </a:lstStyle>
           <a:p>
@@ -2028,8 +2028,8 @@
         </p:nvSpPr>
         <p:spPr>
           <a:xfrm>
-            <a:off x="850286" y="1042512"/>
-            <a:ext cx="3981390" cy="1931381"/>
+            <a:off x="850286" y="1371600"/>
+            <a:ext cx="3981390" cy="2541059"/>
           </a:xfrm>
         </p:spPr>
         <p:txBody>
@@ -2037,39 +2037,39 @@
           <a:lstStyle>
             <a:lvl1pPr marL="0" indent="0">
               <a:buNone/>
-              <a:defRPr sz="811"/>
+              <a:defRPr sz="1067"/>
             </a:lvl1pPr>
-            <a:lvl2pPr marL="231663" indent="0">
-              <a:buNone/>
-              <a:defRPr sz="709"/>
+            <a:lvl2pPr marL="304815" indent="0">
+              <a:buNone/>
+              <a:defRPr sz="933"/>
             </a:lvl2pPr>
-            <a:lvl3pPr marL="463326" indent="0">
-              <a:buNone/>
-              <a:defRPr sz="608"/>
+            <a:lvl3pPr marL="609630" indent="0">
+              <a:buNone/>
+              <a:defRPr sz="800"/>
             </a:lvl3pPr>
-            <a:lvl4pPr marL="694990" indent="0">
-              <a:buNone/>
-              <a:defRPr sz="507"/>
+            <a:lvl4pPr marL="914446" indent="0">
+              <a:buNone/>
+              <a:defRPr sz="667"/>
             </a:lvl4pPr>
-            <a:lvl5pPr marL="926653" indent="0">
-              <a:buNone/>
-              <a:defRPr sz="507"/>
+            <a:lvl5pPr marL="1219261" indent="0">
+              <a:buNone/>
+              <a:defRPr sz="667"/>
             </a:lvl5pPr>
-            <a:lvl6pPr marL="1158316" indent="0">
-              <a:buNone/>
-              <a:defRPr sz="507"/>
+            <a:lvl6pPr marL="1524076" indent="0">
+              <a:buNone/>
+              <a:defRPr sz="667"/>
             </a:lvl6pPr>
-            <a:lvl7pPr marL="1389979" indent="0">
-              <a:buNone/>
-              <a:defRPr sz="507"/>
+            <a:lvl7pPr marL="1828891" indent="0">
+              <a:buNone/>
+              <a:defRPr sz="667"/>
             </a:lvl7pPr>
-            <a:lvl8pPr marL="1621643" indent="0">
-              <a:buNone/>
-              <a:defRPr sz="507"/>
+            <a:lvl8pPr marL="2133707" indent="0">
+              <a:buNone/>
+              <a:defRPr sz="667"/>
             </a:lvl8pPr>
-            <a:lvl9pPr marL="1853306" indent="0">
-              <a:buNone/>
-              <a:defRPr sz="507"/>
+            <a:lvl9pPr marL="2438522" indent="0">
+              <a:buNone/>
+              <a:defRPr sz="667"/>
             </a:lvl9pPr>
           </a:lstStyle>
           <a:p>
@@ -2098,7 +2098,7 @@
           <a:p>
             <a:fld id="{DD6D9246-4FED-8E4D-BC9B-CDD794F2A5B7}" type="datetimeFigureOut">
               <a:rPr lang="en-US" smtClean="0"/>
-              <a:t>3/11/21</a:t>
+              <a:t>2/11/22</a:t>
             </a:fld>
             <a:endParaRPr lang="en-US"/>
           </a:p>
@@ -2149,7 +2149,7 @@
     </p:spTree>
     <p:extLst>
       <p:ext uri="{BB962C8B-B14F-4D97-AF65-F5344CB8AC3E}">
-        <p14:creationId xmlns:p14="http://schemas.microsoft.com/office/powerpoint/2010/main" val="930996635"/>
+        <p14:creationId xmlns:p14="http://schemas.microsoft.com/office/powerpoint/2010/main" val="1996657658"/>
       </p:ext>
     </p:extLst>
   </p:cSld>
@@ -2188,15 +2188,15 @@
         </p:nvSpPr>
         <p:spPr>
           <a:xfrm>
-            <a:off x="850286" y="231669"/>
-            <a:ext cx="3981390" cy="810842"/>
+            <a:off x="850286" y="304800"/>
+            <a:ext cx="3981390" cy="1066800"/>
           </a:xfrm>
         </p:spPr>
         <p:txBody>
           <a:bodyPr anchor="b"/>
           <a:lstStyle>
             <a:lvl1pPr>
-              <a:defRPr sz="1621"/>
+              <a:defRPr sz="2133"/>
             </a:lvl1pPr>
           </a:lstStyle>
           <a:p>
@@ -2220,8 +2220,8 @@
         </p:nvSpPr>
         <p:spPr>
           <a:xfrm>
-            <a:off x="5247978" y="500342"/>
-            <a:ext cx="6249353" cy="2469529"/>
+            <a:off x="5247978" y="658284"/>
+            <a:ext cx="6249353" cy="3249083"/>
           </a:xfrm>
         </p:spPr>
         <p:txBody>
@@ -2229,39 +2229,39 @@
           <a:lstStyle>
             <a:lvl1pPr marL="0" indent="0">
               <a:buNone/>
-              <a:defRPr sz="1621"/>
+              <a:defRPr sz="2133"/>
             </a:lvl1pPr>
-            <a:lvl2pPr marL="231663" indent="0">
-              <a:buNone/>
-              <a:defRPr sz="1419"/>
+            <a:lvl2pPr marL="304815" indent="0">
+              <a:buNone/>
+              <a:defRPr sz="1867"/>
             </a:lvl2pPr>
-            <a:lvl3pPr marL="463326" indent="0">
-              <a:buNone/>
-              <a:defRPr sz="1216"/>
+            <a:lvl3pPr marL="609630" indent="0">
+              <a:buNone/>
+              <a:defRPr sz="1600"/>
             </a:lvl3pPr>
-            <a:lvl4pPr marL="694990" indent="0">
-              <a:buNone/>
-              <a:defRPr sz="1013"/>
+            <a:lvl4pPr marL="914446" indent="0">
+              <a:buNone/>
+              <a:defRPr sz="1333"/>
             </a:lvl4pPr>
-            <a:lvl5pPr marL="926653" indent="0">
-              <a:buNone/>
-              <a:defRPr sz="1013"/>
+            <a:lvl5pPr marL="1219261" indent="0">
+              <a:buNone/>
+              <a:defRPr sz="1333"/>
             </a:lvl5pPr>
-            <a:lvl6pPr marL="1158316" indent="0">
-              <a:buNone/>
-              <a:defRPr sz="1013"/>
+            <a:lvl6pPr marL="1524076" indent="0">
+              <a:buNone/>
+              <a:defRPr sz="1333"/>
             </a:lvl6pPr>
-            <a:lvl7pPr marL="1389979" indent="0">
-              <a:buNone/>
-              <a:defRPr sz="1013"/>
+            <a:lvl7pPr marL="1828891" indent="0">
+              <a:buNone/>
+              <a:defRPr sz="1333"/>
             </a:lvl7pPr>
-            <a:lvl8pPr marL="1621643" indent="0">
-              <a:buNone/>
-              <a:defRPr sz="1013"/>
+            <a:lvl8pPr marL="2133707" indent="0">
+              <a:buNone/>
+              <a:defRPr sz="1333"/>
             </a:lvl8pPr>
-            <a:lvl9pPr marL="1853306" indent="0">
-              <a:buNone/>
-              <a:defRPr sz="1013"/>
+            <a:lvl9pPr marL="2438522" indent="0">
+              <a:buNone/>
+              <a:defRPr sz="1333"/>
             </a:lvl9pPr>
           </a:lstStyle>
           <a:p>
@@ -2285,8 +2285,8 @@
         </p:nvSpPr>
         <p:spPr>
           <a:xfrm>
-            <a:off x="850286" y="1042512"/>
-            <a:ext cx="3981390" cy="1931381"/>
+            <a:off x="850286" y="1371600"/>
+            <a:ext cx="3981390" cy="2541059"/>
           </a:xfrm>
         </p:spPr>
         <p:txBody>
@@ -2294,39 +2294,39 @@
           <a:lstStyle>
             <a:lvl1pPr marL="0" indent="0">
               <a:buNone/>
-              <a:defRPr sz="811"/>
+              <a:defRPr sz="1067"/>
             </a:lvl1pPr>
-            <a:lvl2pPr marL="231663" indent="0">
-              <a:buNone/>
-              <a:defRPr sz="709"/>
+            <a:lvl2pPr marL="304815" indent="0">
+              <a:buNone/>
+              <a:defRPr sz="933"/>
             </a:lvl2pPr>
-            <a:lvl3pPr marL="463326" indent="0">
-              <a:buNone/>
-              <a:defRPr sz="608"/>
+            <a:lvl3pPr marL="609630" indent="0">
+              <a:buNone/>
+              <a:defRPr sz="800"/>
             </a:lvl3pPr>
-            <a:lvl4pPr marL="694990" indent="0">
-              <a:buNone/>
-              <a:defRPr sz="507"/>
+            <a:lvl4pPr marL="914446" indent="0">
+              <a:buNone/>
+              <a:defRPr sz="667"/>
             </a:lvl4pPr>
-            <a:lvl5pPr marL="926653" indent="0">
-              <a:buNone/>
-              <a:defRPr sz="507"/>
+            <a:lvl5pPr marL="1219261" indent="0">
+              <a:buNone/>
+              <a:defRPr sz="667"/>
             </a:lvl5pPr>
-            <a:lvl6pPr marL="1158316" indent="0">
-              <a:buNone/>
-              <a:defRPr sz="507"/>
+            <a:lvl6pPr marL="1524076" indent="0">
+              <a:buNone/>
+              <a:defRPr sz="667"/>
             </a:lvl6pPr>
-            <a:lvl7pPr marL="1389979" indent="0">
-              <a:buNone/>
-              <a:defRPr sz="507"/>
+            <a:lvl7pPr marL="1828891" indent="0">
+              <a:buNone/>
+              <a:defRPr sz="667"/>
             </a:lvl7pPr>
-            <a:lvl8pPr marL="1621643" indent="0">
-              <a:buNone/>
-              <a:defRPr sz="507"/>
+            <a:lvl8pPr marL="2133707" indent="0">
+              <a:buNone/>
+              <a:defRPr sz="667"/>
             </a:lvl8pPr>
-            <a:lvl9pPr marL="1853306" indent="0">
-              <a:buNone/>
-              <a:defRPr sz="507"/>
+            <a:lvl9pPr marL="2438522" indent="0">
+              <a:buNone/>
+              <a:defRPr sz="667"/>
             </a:lvl9pPr>
           </a:lstStyle>
           <a:p>
@@ -2355,7 +2355,7 @@
           <a:p>
             <a:fld id="{DD6D9246-4FED-8E4D-BC9B-CDD794F2A5B7}" type="datetimeFigureOut">
               <a:rPr lang="en-US" smtClean="0"/>
-              <a:t>3/11/21</a:t>
+              <a:t>2/11/22</a:t>
             </a:fld>
             <a:endParaRPr lang="en-US"/>
           </a:p>
@@ -2406,7 +2406,7 @@
     </p:spTree>
     <p:extLst>
       <p:ext uri="{BB962C8B-B14F-4D97-AF65-F5344CB8AC3E}">
-        <p14:creationId xmlns:p14="http://schemas.microsoft.com/office/powerpoint/2010/main" val="381424223"/>
+        <p14:creationId xmlns:p14="http://schemas.microsoft.com/office/powerpoint/2010/main" val="1192855786"/>
       </p:ext>
     </p:extLst>
   </p:cSld>
@@ -2450,8 +2450,8 @@
         </p:nvSpPr>
         <p:spPr>
           <a:xfrm>
-            <a:off x="848678" y="185014"/>
-            <a:ext cx="10647045" cy="671680"/>
+            <a:off x="848678" y="243417"/>
+            <a:ext cx="10647045" cy="883709"/>
           </a:xfrm>
           <a:prstGeom prst="rect">
             <a:avLst/>
@@ -2483,8 +2483,8 @@
         </p:nvSpPr>
         <p:spPr>
           <a:xfrm>
-            <a:off x="848678" y="925068"/>
-            <a:ext cx="10647045" cy="2204880"/>
+            <a:off x="848678" y="1217083"/>
+            <a:ext cx="10647045" cy="2900892"/>
           </a:xfrm>
           <a:prstGeom prst="rect">
             <a:avLst/>
@@ -2545,8 +2545,8 @@
         </p:nvSpPr>
         <p:spPr>
           <a:xfrm>
-            <a:off x="848678" y="3220845"/>
-            <a:ext cx="2777490" cy="185014"/>
+            <a:off x="848678" y="4237567"/>
+            <a:ext cx="2777490" cy="243417"/>
           </a:xfrm>
           <a:prstGeom prst="rect">
             <a:avLst/>
@@ -2556,7 +2556,7 @@
           <a:bodyPr vert="horz" lIns="91440" tIns="45720" rIns="91440" bIns="45720" rtlCol="0" anchor="ctr"/>
           <a:lstStyle>
             <a:lvl1pPr algn="l">
-              <a:defRPr sz="608">
+              <a:defRPr sz="800">
                 <a:solidFill>
                   <a:schemeClr val="tx1">
                     <a:tint val="75000"/>
@@ -2568,7 +2568,7 @@
           <a:p>
             <a:fld id="{DD6D9246-4FED-8E4D-BC9B-CDD794F2A5B7}" type="datetimeFigureOut">
               <a:rPr lang="en-US" smtClean="0"/>
-              <a:t>3/11/21</a:t>
+              <a:t>2/11/22</a:t>
             </a:fld>
             <a:endParaRPr lang="en-US"/>
           </a:p>
@@ -2586,8 +2586,8 @@
         </p:nvSpPr>
         <p:spPr>
           <a:xfrm>
-            <a:off x="4089083" y="3220845"/>
-            <a:ext cx="4166235" cy="185014"/>
+            <a:off x="4089083" y="4237567"/>
+            <a:ext cx="4166235" cy="243417"/>
           </a:xfrm>
           <a:prstGeom prst="rect">
             <a:avLst/>
@@ -2597,7 +2597,7 @@
           <a:bodyPr vert="horz" lIns="91440" tIns="45720" rIns="91440" bIns="45720" rtlCol="0" anchor="ctr"/>
           <a:lstStyle>
             <a:lvl1pPr algn="ctr">
-              <a:defRPr sz="608">
+              <a:defRPr sz="800">
                 <a:solidFill>
                   <a:schemeClr val="tx1">
                     <a:tint val="75000"/>
@@ -2623,8 +2623,8 @@
         </p:nvSpPr>
         <p:spPr>
           <a:xfrm>
-            <a:off x="8718233" y="3220845"/>
-            <a:ext cx="2777490" cy="185014"/>
+            <a:off x="8718233" y="4237567"/>
+            <a:ext cx="2777490" cy="243417"/>
           </a:xfrm>
           <a:prstGeom prst="rect">
             <a:avLst/>
@@ -2634,7 +2634,7 @@
           <a:bodyPr vert="horz" lIns="91440" tIns="45720" rIns="91440" bIns="45720" rtlCol="0" anchor="ctr"/>
           <a:lstStyle>
             <a:lvl1pPr algn="r">
-              <a:defRPr sz="608">
+              <a:defRPr sz="800">
                 <a:solidFill>
                   <a:schemeClr val="tx1">
                     <a:tint val="75000"/>
@@ -2655,27 +2655,27 @@
     </p:spTree>
     <p:extLst>
       <p:ext uri="{BB962C8B-B14F-4D97-AF65-F5344CB8AC3E}">
-        <p14:creationId xmlns:p14="http://schemas.microsoft.com/office/powerpoint/2010/main" val="1441058695"/>
+        <p14:creationId xmlns:p14="http://schemas.microsoft.com/office/powerpoint/2010/main" val="3321046470"/>
       </p:ext>
     </p:extLst>
   </p:cSld>
   <p:clrMap bg1="lt1" tx1="dk1" bg2="lt2" tx2="dk2" accent1="accent1" accent2="accent2" accent3="accent3" accent4="accent4" accent5="accent5" accent6="accent6" hlink="hlink" folHlink="folHlink"/>
   <p:sldLayoutIdLst>
-    <p:sldLayoutId id="2147483685" r:id="rId1"/>
-    <p:sldLayoutId id="2147483686" r:id="rId2"/>
-    <p:sldLayoutId id="2147483687" r:id="rId3"/>
-    <p:sldLayoutId id="2147483688" r:id="rId4"/>
-    <p:sldLayoutId id="2147483689" r:id="rId5"/>
-    <p:sldLayoutId id="2147483690" r:id="rId6"/>
-    <p:sldLayoutId id="2147483691" r:id="rId7"/>
-    <p:sldLayoutId id="2147483692" r:id="rId8"/>
-    <p:sldLayoutId id="2147483693" r:id="rId9"/>
-    <p:sldLayoutId id="2147483694" r:id="rId10"/>
-    <p:sldLayoutId id="2147483695" r:id="rId11"/>
+    <p:sldLayoutId id="2147483709" r:id="rId1"/>
+    <p:sldLayoutId id="2147483710" r:id="rId2"/>
+    <p:sldLayoutId id="2147483711" r:id="rId3"/>
+    <p:sldLayoutId id="2147483712" r:id="rId4"/>
+    <p:sldLayoutId id="2147483713" r:id="rId5"/>
+    <p:sldLayoutId id="2147483714" r:id="rId6"/>
+    <p:sldLayoutId id="2147483715" r:id="rId7"/>
+    <p:sldLayoutId id="2147483716" r:id="rId8"/>
+    <p:sldLayoutId id="2147483717" r:id="rId9"/>
+    <p:sldLayoutId id="2147483718" r:id="rId10"/>
+    <p:sldLayoutId id="2147483719" r:id="rId11"/>
   </p:sldLayoutIdLst>
   <p:txStyles>
     <p:titleStyle>
-      <a:lvl1pPr algn="l" defTabSz="463326" rtl="0" eaLnBrk="1" latinLnBrk="0" hangingPunct="1">
+      <a:lvl1pPr algn="l" defTabSz="609630" rtl="0" eaLnBrk="1" latinLnBrk="0" hangingPunct="1">
         <a:lnSpc>
           <a:spcPct val="90000"/>
         </a:lnSpc>
@@ -2683,7 +2683,7 @@
           <a:spcPct val="0"/>
         </a:spcBef>
         <a:buNone/>
-        <a:defRPr sz="2229" kern="1200">
+        <a:defRPr sz="2933" kern="1200">
           <a:solidFill>
             <a:schemeClr val="tx1"/>
           </a:solidFill>
@@ -2694,16 +2694,16 @@
       </a:lvl1pPr>
     </p:titleStyle>
     <p:bodyStyle>
-      <a:lvl1pPr marL="115832" indent="-115832" algn="l" defTabSz="463326" rtl="0" eaLnBrk="1" latinLnBrk="0" hangingPunct="1">
+      <a:lvl1pPr marL="152408" indent="-152408" algn="l" defTabSz="609630" rtl="0" eaLnBrk="1" latinLnBrk="0" hangingPunct="1">
         <a:lnSpc>
           <a:spcPct val="90000"/>
         </a:lnSpc>
         <a:spcBef>
-          <a:spcPts val="507"/>
+          <a:spcPts val="667"/>
         </a:spcBef>
         <a:buFont typeface="Arial" panose="020B0604020202020204" pitchFamily="34" charset="0"/>
         <a:buChar char="•"/>
-        <a:defRPr sz="1419" kern="1200">
+        <a:defRPr sz="1867" kern="1200">
           <a:solidFill>
             <a:schemeClr val="tx1"/>
           </a:solidFill>
@@ -2712,16 +2712,16 @@
           <a:cs typeface="+mn-cs"/>
         </a:defRPr>
       </a:lvl1pPr>
-      <a:lvl2pPr marL="347495" indent="-115832" algn="l" defTabSz="463326" rtl="0" eaLnBrk="1" latinLnBrk="0" hangingPunct="1">
+      <a:lvl2pPr marL="457223" indent="-152408" algn="l" defTabSz="609630" rtl="0" eaLnBrk="1" latinLnBrk="0" hangingPunct="1">
         <a:lnSpc>
           <a:spcPct val="90000"/>
         </a:lnSpc>
         <a:spcBef>
-          <a:spcPts val="253"/>
+          <a:spcPts val="333"/>
         </a:spcBef>
         <a:buFont typeface="Arial" panose="020B0604020202020204" pitchFamily="34" charset="0"/>
         <a:buChar char="•"/>
-        <a:defRPr sz="1216" kern="1200">
+        <a:defRPr sz="1600" kern="1200">
           <a:solidFill>
             <a:schemeClr val="tx1"/>
           </a:solidFill>
@@ -2730,16 +2730,16 @@
           <a:cs typeface="+mn-cs"/>
         </a:defRPr>
       </a:lvl2pPr>
-      <a:lvl3pPr marL="579158" indent="-115832" algn="l" defTabSz="463326" rtl="0" eaLnBrk="1" latinLnBrk="0" hangingPunct="1">
+      <a:lvl3pPr marL="762038" indent="-152408" algn="l" defTabSz="609630" rtl="0" eaLnBrk="1" latinLnBrk="0" hangingPunct="1">
         <a:lnSpc>
           <a:spcPct val="90000"/>
         </a:lnSpc>
         <a:spcBef>
-          <a:spcPts val="253"/>
+          <a:spcPts val="333"/>
         </a:spcBef>
         <a:buFont typeface="Arial" panose="020B0604020202020204" pitchFamily="34" charset="0"/>
         <a:buChar char="•"/>
-        <a:defRPr sz="1013" kern="1200">
+        <a:defRPr sz="1333" kern="1200">
           <a:solidFill>
             <a:schemeClr val="tx1"/>
           </a:solidFill>
@@ -2748,16 +2748,16 @@
           <a:cs typeface="+mn-cs"/>
         </a:defRPr>
       </a:lvl3pPr>
-      <a:lvl4pPr marL="810821" indent="-115832" algn="l" defTabSz="463326" rtl="0" eaLnBrk="1" latinLnBrk="0" hangingPunct="1">
+      <a:lvl4pPr marL="1066853" indent="-152408" algn="l" defTabSz="609630" rtl="0" eaLnBrk="1" latinLnBrk="0" hangingPunct="1">
         <a:lnSpc>
           <a:spcPct val="90000"/>
         </a:lnSpc>
         <a:spcBef>
-          <a:spcPts val="253"/>
+          <a:spcPts val="333"/>
         </a:spcBef>
         <a:buFont typeface="Arial" panose="020B0604020202020204" pitchFamily="34" charset="0"/>
         <a:buChar char="•"/>
-        <a:defRPr sz="912" kern="1200">
+        <a:defRPr sz="1200" kern="1200">
           <a:solidFill>
             <a:schemeClr val="tx1"/>
           </a:solidFill>
@@ -2766,16 +2766,16 @@
           <a:cs typeface="+mn-cs"/>
         </a:defRPr>
       </a:lvl4pPr>
-      <a:lvl5pPr marL="1042485" indent="-115832" algn="l" defTabSz="463326" rtl="0" eaLnBrk="1" latinLnBrk="0" hangingPunct="1">
+      <a:lvl5pPr marL="1371669" indent="-152408" algn="l" defTabSz="609630" rtl="0" eaLnBrk="1" latinLnBrk="0" hangingPunct="1">
         <a:lnSpc>
           <a:spcPct val="90000"/>
         </a:lnSpc>
         <a:spcBef>
-          <a:spcPts val="253"/>
+          <a:spcPts val="333"/>
         </a:spcBef>
         <a:buFont typeface="Arial" panose="020B0604020202020204" pitchFamily="34" charset="0"/>
         <a:buChar char="•"/>
-        <a:defRPr sz="912" kern="1200">
+        <a:defRPr sz="1200" kern="1200">
           <a:solidFill>
             <a:schemeClr val="tx1"/>
           </a:solidFill>
@@ -2784,16 +2784,16 @@
           <a:cs typeface="+mn-cs"/>
         </a:defRPr>
       </a:lvl5pPr>
-      <a:lvl6pPr marL="1274148" indent="-115832" algn="l" defTabSz="463326" rtl="0" eaLnBrk="1" latinLnBrk="0" hangingPunct="1">
+      <a:lvl6pPr marL="1676484" indent="-152408" algn="l" defTabSz="609630" rtl="0" eaLnBrk="1" latinLnBrk="0" hangingPunct="1">
         <a:lnSpc>
           <a:spcPct val="90000"/>
         </a:lnSpc>
         <a:spcBef>
-          <a:spcPts val="253"/>
+          <a:spcPts val="333"/>
         </a:spcBef>
         <a:buFont typeface="Arial" panose="020B0604020202020204" pitchFamily="34" charset="0"/>
         <a:buChar char="•"/>
-        <a:defRPr sz="912" kern="1200">
+        <a:defRPr sz="1200" kern="1200">
           <a:solidFill>
             <a:schemeClr val="tx1"/>
           </a:solidFill>
@@ -2802,16 +2802,16 @@
           <a:cs typeface="+mn-cs"/>
         </a:defRPr>
       </a:lvl6pPr>
-      <a:lvl7pPr marL="1505811" indent="-115832" algn="l" defTabSz="463326" rtl="0" eaLnBrk="1" latinLnBrk="0" hangingPunct="1">
+      <a:lvl7pPr marL="1981299" indent="-152408" algn="l" defTabSz="609630" rtl="0" eaLnBrk="1" latinLnBrk="0" hangingPunct="1">
         <a:lnSpc>
           <a:spcPct val="90000"/>
         </a:lnSpc>
         <a:spcBef>
-          <a:spcPts val="253"/>
+          <a:spcPts val="333"/>
         </a:spcBef>
         <a:buFont typeface="Arial" panose="020B0604020202020204" pitchFamily="34" charset="0"/>
         <a:buChar char="•"/>
-        <a:defRPr sz="912" kern="1200">
+        <a:defRPr sz="1200" kern="1200">
           <a:solidFill>
             <a:schemeClr val="tx1"/>
           </a:solidFill>
@@ -2820,16 +2820,16 @@
           <a:cs typeface="+mn-cs"/>
         </a:defRPr>
       </a:lvl7pPr>
-      <a:lvl8pPr marL="1737474" indent="-115832" algn="l" defTabSz="463326" rtl="0" eaLnBrk="1" latinLnBrk="0" hangingPunct="1">
+      <a:lvl8pPr marL="2286114" indent="-152408" algn="l" defTabSz="609630" rtl="0" eaLnBrk="1" latinLnBrk="0" hangingPunct="1">
         <a:lnSpc>
           <a:spcPct val="90000"/>
         </a:lnSpc>
         <a:spcBef>
-          <a:spcPts val="253"/>
+          <a:spcPts val="333"/>
         </a:spcBef>
         <a:buFont typeface="Arial" panose="020B0604020202020204" pitchFamily="34" charset="0"/>
         <a:buChar char="•"/>
-        <a:defRPr sz="912" kern="1200">
+        <a:defRPr sz="1200" kern="1200">
           <a:solidFill>
             <a:schemeClr val="tx1"/>
           </a:solidFill>
@@ -2838,16 +2838,16 @@
           <a:cs typeface="+mn-cs"/>
         </a:defRPr>
       </a:lvl8pPr>
-      <a:lvl9pPr marL="1969138" indent="-115832" algn="l" defTabSz="463326" rtl="0" eaLnBrk="1" latinLnBrk="0" hangingPunct="1">
+      <a:lvl9pPr marL="2590930" indent="-152408" algn="l" defTabSz="609630" rtl="0" eaLnBrk="1" latinLnBrk="0" hangingPunct="1">
         <a:lnSpc>
           <a:spcPct val="90000"/>
         </a:lnSpc>
         <a:spcBef>
-          <a:spcPts val="253"/>
+          <a:spcPts val="333"/>
         </a:spcBef>
         <a:buFont typeface="Arial" panose="020B0604020202020204" pitchFamily="34" charset="0"/>
         <a:buChar char="•"/>
-        <a:defRPr sz="912" kern="1200">
+        <a:defRPr sz="1200" kern="1200">
           <a:solidFill>
             <a:schemeClr val="tx1"/>
           </a:solidFill>
@@ -2861,8 +2861,8 @@
       <a:defPPr>
         <a:defRPr lang="en-US"/>
       </a:defPPr>
-      <a:lvl1pPr marL="0" algn="l" defTabSz="463326" rtl="0" eaLnBrk="1" latinLnBrk="0" hangingPunct="1">
-        <a:defRPr sz="912" kern="1200">
+      <a:lvl1pPr marL="0" algn="l" defTabSz="609630" rtl="0" eaLnBrk="1" latinLnBrk="0" hangingPunct="1">
+        <a:defRPr sz="1200" kern="1200">
           <a:solidFill>
             <a:schemeClr val="tx1"/>
           </a:solidFill>
@@ -2871,8 +2871,8 @@
           <a:cs typeface="+mn-cs"/>
         </a:defRPr>
       </a:lvl1pPr>
-      <a:lvl2pPr marL="231663" algn="l" defTabSz="463326" rtl="0" eaLnBrk="1" latinLnBrk="0" hangingPunct="1">
-        <a:defRPr sz="912" kern="1200">
+      <a:lvl2pPr marL="304815" algn="l" defTabSz="609630" rtl="0" eaLnBrk="1" latinLnBrk="0" hangingPunct="1">
+        <a:defRPr sz="1200" kern="1200">
           <a:solidFill>
             <a:schemeClr val="tx1"/>
           </a:solidFill>
@@ -2881,8 +2881,8 @@
           <a:cs typeface="+mn-cs"/>
         </a:defRPr>
       </a:lvl2pPr>
-      <a:lvl3pPr marL="463326" algn="l" defTabSz="463326" rtl="0" eaLnBrk="1" latinLnBrk="0" hangingPunct="1">
-        <a:defRPr sz="912" kern="1200">
+      <a:lvl3pPr marL="609630" algn="l" defTabSz="609630" rtl="0" eaLnBrk="1" latinLnBrk="0" hangingPunct="1">
+        <a:defRPr sz="1200" kern="1200">
           <a:solidFill>
             <a:schemeClr val="tx1"/>
           </a:solidFill>
@@ -2891,8 +2891,8 @@
           <a:cs typeface="+mn-cs"/>
         </a:defRPr>
       </a:lvl3pPr>
-      <a:lvl4pPr marL="694990" algn="l" defTabSz="463326" rtl="0" eaLnBrk="1" latinLnBrk="0" hangingPunct="1">
-        <a:defRPr sz="912" kern="1200">
+      <a:lvl4pPr marL="914446" algn="l" defTabSz="609630" rtl="0" eaLnBrk="1" latinLnBrk="0" hangingPunct="1">
+        <a:defRPr sz="1200" kern="1200">
           <a:solidFill>
             <a:schemeClr val="tx1"/>
           </a:solidFill>
@@ -2901,8 +2901,8 @@
           <a:cs typeface="+mn-cs"/>
         </a:defRPr>
       </a:lvl4pPr>
-      <a:lvl5pPr marL="926653" algn="l" defTabSz="463326" rtl="0" eaLnBrk="1" latinLnBrk="0" hangingPunct="1">
-        <a:defRPr sz="912" kern="1200">
+      <a:lvl5pPr marL="1219261" algn="l" defTabSz="609630" rtl="0" eaLnBrk="1" latinLnBrk="0" hangingPunct="1">
+        <a:defRPr sz="1200" kern="1200">
           <a:solidFill>
             <a:schemeClr val="tx1"/>
           </a:solidFill>
@@ -2911,8 +2911,8 @@
           <a:cs typeface="+mn-cs"/>
         </a:defRPr>
       </a:lvl5pPr>
-      <a:lvl6pPr marL="1158316" algn="l" defTabSz="463326" rtl="0" eaLnBrk="1" latinLnBrk="0" hangingPunct="1">
-        <a:defRPr sz="912" kern="1200">
+      <a:lvl6pPr marL="1524076" algn="l" defTabSz="609630" rtl="0" eaLnBrk="1" latinLnBrk="0" hangingPunct="1">
+        <a:defRPr sz="1200" kern="1200">
           <a:solidFill>
             <a:schemeClr val="tx1"/>
           </a:solidFill>
@@ -2921,8 +2921,8 @@
           <a:cs typeface="+mn-cs"/>
         </a:defRPr>
       </a:lvl6pPr>
-      <a:lvl7pPr marL="1389979" algn="l" defTabSz="463326" rtl="0" eaLnBrk="1" latinLnBrk="0" hangingPunct="1">
-        <a:defRPr sz="912" kern="1200">
+      <a:lvl7pPr marL="1828891" algn="l" defTabSz="609630" rtl="0" eaLnBrk="1" latinLnBrk="0" hangingPunct="1">
+        <a:defRPr sz="1200" kern="1200">
           <a:solidFill>
             <a:schemeClr val="tx1"/>
           </a:solidFill>
@@ -2931,8 +2931,8 @@
           <a:cs typeface="+mn-cs"/>
         </a:defRPr>
       </a:lvl7pPr>
-      <a:lvl8pPr marL="1621643" algn="l" defTabSz="463326" rtl="0" eaLnBrk="1" latinLnBrk="0" hangingPunct="1">
-        <a:defRPr sz="912" kern="1200">
+      <a:lvl8pPr marL="2133707" algn="l" defTabSz="609630" rtl="0" eaLnBrk="1" latinLnBrk="0" hangingPunct="1">
+        <a:defRPr sz="1200" kern="1200">
           <a:solidFill>
             <a:schemeClr val="tx1"/>
           </a:solidFill>
@@ -2941,8 +2941,8 @@
           <a:cs typeface="+mn-cs"/>
         </a:defRPr>
       </a:lvl8pPr>
-      <a:lvl9pPr marL="1853306" algn="l" defTabSz="463326" rtl="0" eaLnBrk="1" latinLnBrk="0" hangingPunct="1">
-        <a:defRPr sz="912" kern="1200">
+      <a:lvl9pPr marL="2438522" algn="l" defTabSz="609630" rtl="0" eaLnBrk="1" latinLnBrk="0" hangingPunct="1">
+        <a:defRPr sz="1200" kern="1200">
           <a:solidFill>
             <a:schemeClr val="tx1"/>
           </a:solidFill>
@@ -2987,7 +2987,7 @@
         </p:nvSpPr>
         <p:spPr>
           <a:xfrm>
-            <a:off x="4418501" y="1108695"/>
+            <a:off x="4418501" y="1263886"/>
             <a:ext cx="6697980" cy="477054"/>
           </a:xfrm>
           <a:prstGeom prst="rect">
@@ -3073,7 +3073,7 @@
         </p:nvCxnSpPr>
         <p:spPr>
           <a:xfrm>
-            <a:off x="1605545" y="1360564"/>
+            <a:off x="1605547" y="1515755"/>
             <a:ext cx="2785439" cy="0"/>
           </a:xfrm>
           <a:prstGeom prst="line">
@@ -3116,7 +3116,7 @@
         </p:nvCxnSpPr>
         <p:spPr>
           <a:xfrm>
-            <a:off x="1605541" y="1781118"/>
+            <a:off x="1605541" y="1936309"/>
             <a:ext cx="2054114" cy="0"/>
           </a:xfrm>
           <a:prstGeom prst="line">
@@ -3159,7 +3159,7 @@
         </p:nvCxnSpPr>
         <p:spPr>
           <a:xfrm>
-            <a:off x="9011110" y="1360564"/>
+            <a:off x="9011112" y="1515755"/>
             <a:ext cx="2573401" cy="0"/>
           </a:xfrm>
           <a:prstGeom prst="line">
@@ -3202,7 +3202,7 @@
         </p:nvCxnSpPr>
         <p:spPr>
           <a:xfrm>
-            <a:off x="9592308" y="1781118"/>
+            <a:off x="9592310" y="1936309"/>
             <a:ext cx="1992203" cy="0"/>
           </a:xfrm>
           <a:prstGeom prst="line">
@@ -3243,7 +3243,7 @@
         </p:nvSpPr>
         <p:spPr>
           <a:xfrm>
-            <a:off x="233403" y="1150206"/>
+            <a:off x="233405" y="1305397"/>
             <a:ext cx="1237617" cy="369332"/>
           </a:xfrm>
           <a:prstGeom prst="rect">
@@ -3280,7 +3280,7 @@
         </p:nvSpPr>
         <p:spPr>
           <a:xfrm>
-            <a:off x="3659655" y="1533971"/>
+            <a:off x="3659655" y="1689162"/>
             <a:ext cx="5959730" cy="477054"/>
           </a:xfrm>
           <a:prstGeom prst="rect">
@@ -3388,7 +3388,7 @@
         </p:nvSpPr>
         <p:spPr>
           <a:xfrm>
-            <a:off x="233403" y="1590481"/>
+            <a:off x="233405" y="1745672"/>
             <a:ext cx="1237617" cy="369332"/>
           </a:xfrm>
           <a:prstGeom prst="rect">
@@ -3424,7 +3424,7 @@
         </p:nvSpPr>
         <p:spPr>
           <a:xfrm>
-            <a:off x="11746995" y="1184964"/>
+            <a:off x="11746997" y="1340155"/>
             <a:ext cx="1237617" cy="369332"/>
           </a:xfrm>
           <a:prstGeom prst="rect">
@@ -3459,7 +3459,7 @@
         </p:nvSpPr>
         <p:spPr>
           <a:xfrm>
-            <a:off x="11746995" y="1612116"/>
+            <a:off x="11746997" y="1767307"/>
             <a:ext cx="1237617" cy="369332"/>
           </a:xfrm>
           <a:prstGeom prst="rect">
@@ -3496,7 +3496,7 @@
         </p:nvCxnSpPr>
         <p:spPr>
           <a:xfrm>
-            <a:off x="1605541" y="2201397"/>
+            <a:off x="1605541" y="3162833"/>
             <a:ext cx="1303020" cy="0"/>
           </a:xfrm>
           <a:prstGeom prst="line">
@@ -3537,7 +3537,7 @@
         </p:nvCxnSpPr>
         <p:spPr>
           <a:xfrm>
-            <a:off x="10281487" y="2201397"/>
+            <a:off x="10281487" y="3162833"/>
             <a:ext cx="1303020" cy="0"/>
           </a:xfrm>
           <a:prstGeom prst="line">
@@ -3578,7 +3578,7 @@
         </p:nvSpPr>
         <p:spPr>
           <a:xfrm>
-            <a:off x="2908561" y="1967843"/>
+            <a:off x="2908561" y="2929279"/>
             <a:ext cx="7615784" cy="477054"/>
           </a:xfrm>
           <a:prstGeom prst="rect">
@@ -3686,7 +3686,7 @@
         </p:nvSpPr>
         <p:spPr>
           <a:xfrm>
-            <a:off x="233407" y="2030755"/>
+            <a:off x="233409" y="2992191"/>
             <a:ext cx="1237617" cy="369332"/>
           </a:xfrm>
           <a:prstGeom prst="rect">
@@ -3723,7 +3723,7 @@
         </p:nvSpPr>
         <p:spPr>
           <a:xfrm>
-            <a:off x="11746999" y="2039269"/>
+            <a:off x="11747001" y="3000705"/>
             <a:ext cx="1237617" cy="369332"/>
           </a:xfrm>
           <a:prstGeom prst="rect">
@@ -3758,7 +3758,7 @@
         </p:nvSpPr>
         <p:spPr>
           <a:xfrm rot="16200000">
-            <a:off x="9410552" y="2106401"/>
+            <a:off x="9410552" y="3067837"/>
             <a:ext cx="369332" cy="1338398"/>
           </a:xfrm>
           <a:prstGeom prst="leftBrace">
@@ -3810,7 +3810,7 @@
         </p:nvSpPr>
         <p:spPr>
           <a:xfrm rot="16200000">
-            <a:off x="3557895" y="2079339"/>
+            <a:off x="3557897" y="3040775"/>
             <a:ext cx="409377" cy="1438850"/>
           </a:xfrm>
           <a:prstGeom prst="leftBrace">
@@ -3862,7 +3862,7 @@
         </p:nvSpPr>
         <p:spPr>
           <a:xfrm rot="16200000">
-            <a:off x="6212657" y="951935"/>
+            <a:off x="6212659" y="1913371"/>
             <a:ext cx="409377" cy="3715436"/>
           </a:xfrm>
           <a:prstGeom prst="leftBrace">
@@ -3914,7 +3914,7 @@
         </p:nvSpPr>
         <p:spPr>
           <a:xfrm rot="16200000">
-            <a:off x="8435287" y="2505199"/>
+            <a:off x="8435289" y="3466635"/>
             <a:ext cx="330521" cy="565346"/>
           </a:xfrm>
           <a:prstGeom prst="leftBrace">
@@ -3966,7 +3966,7 @@
         </p:nvSpPr>
         <p:spPr>
           <a:xfrm>
-            <a:off x="5688465" y="3044754"/>
+            <a:off x="5688465" y="4006190"/>
             <a:ext cx="2055976" cy="400110"/>
           </a:xfrm>
           <a:prstGeom prst="rect">
@@ -4004,7 +4004,7 @@
         </p:nvSpPr>
         <p:spPr>
           <a:xfrm>
-            <a:off x="7907882" y="3044754"/>
+            <a:off x="7907884" y="4006190"/>
             <a:ext cx="1392923" cy="400110"/>
           </a:xfrm>
           <a:prstGeom prst="rect">
@@ -4042,7 +4042,7 @@
         </p:nvSpPr>
         <p:spPr>
           <a:xfrm>
-            <a:off x="9300805" y="3044754"/>
+            <a:off x="9300807" y="4006190"/>
             <a:ext cx="767823" cy="400110"/>
           </a:xfrm>
           <a:prstGeom prst="rect">
@@ -4080,7 +4080,7 @@
         </p:nvSpPr>
         <p:spPr>
           <a:xfrm>
-            <a:off x="3364293" y="3044754"/>
+            <a:off x="3364295" y="4006190"/>
             <a:ext cx="767823" cy="400110"/>
           </a:xfrm>
           <a:prstGeom prst="rect">
@@ -4118,7 +4118,7 @@
         </p:nvSpPr>
         <p:spPr>
           <a:xfrm>
-            <a:off x="4418501" y="693791"/>
+            <a:off x="4418501" y="848982"/>
             <a:ext cx="6697980" cy="477054"/>
           </a:xfrm>
           <a:prstGeom prst="rect">
@@ -4204,7 +4204,7 @@
         </p:nvCxnSpPr>
         <p:spPr>
           <a:xfrm>
-            <a:off x="1605545" y="945660"/>
+            <a:off x="1605547" y="1100851"/>
             <a:ext cx="2769397" cy="0"/>
           </a:xfrm>
           <a:prstGeom prst="line">
@@ -4247,7 +4247,7 @@
         </p:nvCxnSpPr>
         <p:spPr>
           <a:xfrm>
-            <a:off x="8979026" y="945660"/>
+            <a:off x="8979028" y="1100851"/>
             <a:ext cx="2605485" cy="0"/>
           </a:xfrm>
           <a:prstGeom prst="line">
@@ -4290,7 +4290,7 @@
         </p:nvCxnSpPr>
         <p:spPr>
           <a:xfrm flipV="1">
-            <a:off x="8427363" y="351007"/>
+            <a:off x="8427363" y="506200"/>
             <a:ext cx="0" cy="383391"/>
           </a:xfrm>
           <a:prstGeom prst="straightConnector1">
@@ -4332,7 +4332,7 @@
         </p:nvSpPr>
         <p:spPr>
           <a:xfrm>
-            <a:off x="7907874" y="0"/>
+            <a:off x="7907874" y="155191"/>
             <a:ext cx="1584736" cy="369332"/>
           </a:xfrm>
           <a:prstGeom prst="rect">
@@ -4371,7 +4371,7 @@
         </p:nvSpPr>
         <p:spPr>
           <a:xfrm>
-            <a:off x="6842633" y="0"/>
+            <a:off x="6842635" y="155191"/>
             <a:ext cx="1013263" cy="369332"/>
           </a:xfrm>
           <a:prstGeom prst="rect">
@@ -4412,7 +4412,7 @@
         </p:nvCxnSpPr>
         <p:spPr>
           <a:xfrm flipH="1" flipV="1">
-            <a:off x="7426290" y="383023"/>
+            <a:off x="7426292" y="538214"/>
             <a:ext cx="198141" cy="359620"/>
           </a:xfrm>
           <a:prstGeom prst="straightConnector1">
@@ -4454,7 +4454,7 @@
         </p:nvSpPr>
         <p:spPr>
           <a:xfrm>
-            <a:off x="-164978" y="709931"/>
+            <a:off x="-164978" y="865122"/>
             <a:ext cx="1635997" cy="369332"/>
           </a:xfrm>
           <a:prstGeom prst="rect">
@@ -4490,7 +4490,7 @@
         </p:nvSpPr>
         <p:spPr>
           <a:xfrm>
-            <a:off x="4260798" y="563677"/>
+            <a:off x="4260800" y="718868"/>
             <a:ext cx="1013263" cy="369332"/>
           </a:xfrm>
           <a:prstGeom prst="rect">
@@ -4525,7 +4525,7 @@
         </p:nvSpPr>
         <p:spPr>
           <a:xfrm>
-            <a:off x="8882489" y="563677"/>
+            <a:off x="8882491" y="718868"/>
             <a:ext cx="1013263" cy="369332"/>
           </a:xfrm>
           <a:prstGeom prst="rect">
@@ -4560,7 +4560,7 @@
         </p:nvSpPr>
         <p:spPr>
           <a:xfrm>
-            <a:off x="11746994" y="757812"/>
+            <a:off x="11746996" y="913003"/>
             <a:ext cx="1237617" cy="369332"/>
           </a:xfrm>
           <a:prstGeom prst="rect">
@@ -4577,6 +4577,537 @@
             <a:r>
               <a:rPr lang="en-US" dirty="0"/>
               <a:t>23nt</a:t>
+            </a:r>
+          </a:p>
+        </p:txBody>
+      </p:sp>
+      <p:cxnSp>
+        <p:nvCxnSpPr>
+          <p:cNvPr id="36" name="Straight Connector 35">
+            <a:extLst>
+              <a:ext uri="{FF2B5EF4-FFF2-40B4-BE49-F238E27FC236}">
+                <a16:creationId xmlns:a16="http://schemas.microsoft.com/office/drawing/2014/main" id="{A61B72F6-11A2-494A-93E1-A7DFEFF70072}"/>
+              </a:ext>
+            </a:extLst>
+          </p:cNvPr>
+          <p:cNvCxnSpPr>
+            <a:cxnSpLocks/>
+          </p:cNvCxnSpPr>
+          <p:nvPr/>
+        </p:nvCxnSpPr>
+        <p:spPr>
+          <a:xfrm>
+            <a:off x="1605541" y="2314832"/>
+            <a:ext cx="2054114" cy="0"/>
+          </a:xfrm>
+          <a:prstGeom prst="line">
+            <a:avLst/>
+          </a:prstGeom>
+          <a:ln w="22225">
+            <a:solidFill>
+              <a:schemeClr val="tx1"/>
+            </a:solidFill>
+          </a:ln>
+        </p:spPr>
+        <p:style>
+          <a:lnRef idx="1">
+            <a:schemeClr val="accent1"/>
+          </a:lnRef>
+          <a:fillRef idx="0">
+            <a:schemeClr val="accent1"/>
+          </a:fillRef>
+          <a:effectRef idx="0">
+            <a:schemeClr val="accent1"/>
+          </a:effectRef>
+          <a:fontRef idx="minor">
+            <a:schemeClr val="tx1"/>
+          </a:fontRef>
+        </p:style>
+      </p:cxnSp>
+      <p:cxnSp>
+        <p:nvCxnSpPr>
+          <p:cNvPr id="37" name="Straight Connector 36">
+            <a:extLst>
+              <a:ext uri="{FF2B5EF4-FFF2-40B4-BE49-F238E27FC236}">
+                <a16:creationId xmlns:a16="http://schemas.microsoft.com/office/drawing/2014/main" id="{36026001-BE30-0345-A59B-CECB28035DA4}"/>
+              </a:ext>
+            </a:extLst>
+          </p:cNvPr>
+          <p:cNvCxnSpPr>
+            <a:cxnSpLocks/>
+          </p:cNvCxnSpPr>
+          <p:nvPr/>
+        </p:nvCxnSpPr>
+        <p:spPr>
+          <a:xfrm>
+            <a:off x="9592310" y="2314832"/>
+            <a:ext cx="1992203" cy="0"/>
+          </a:xfrm>
+          <a:prstGeom prst="line">
+            <a:avLst/>
+          </a:prstGeom>
+          <a:ln w="22225">
+            <a:solidFill>
+              <a:schemeClr val="tx1"/>
+            </a:solidFill>
+          </a:ln>
+        </p:spPr>
+        <p:style>
+          <a:lnRef idx="1">
+            <a:schemeClr val="accent1"/>
+          </a:lnRef>
+          <a:fillRef idx="0">
+            <a:schemeClr val="accent1"/>
+          </a:fillRef>
+          <a:effectRef idx="0">
+            <a:schemeClr val="accent1"/>
+          </a:effectRef>
+          <a:fontRef idx="minor">
+            <a:schemeClr val="tx1"/>
+          </a:fontRef>
+        </p:style>
+      </p:cxnSp>
+      <p:sp>
+        <p:nvSpPr>
+          <p:cNvPr id="38" name="TextBox 37">
+            <a:extLst>
+              <a:ext uri="{FF2B5EF4-FFF2-40B4-BE49-F238E27FC236}">
+                <a16:creationId xmlns:a16="http://schemas.microsoft.com/office/drawing/2014/main" id="{D0F6D912-0762-3D4B-8D62-A3C8EE7EC126}"/>
+              </a:ext>
+            </a:extLst>
+          </p:cNvPr>
+          <p:cNvSpPr txBox="1"/>
+          <p:nvPr/>
+        </p:nvSpPr>
+        <p:spPr>
+          <a:xfrm>
+            <a:off x="3659655" y="2067685"/>
+            <a:ext cx="5959730" cy="477054"/>
+          </a:xfrm>
+          <a:prstGeom prst="rect">
+            <a:avLst/>
+          </a:prstGeom>
+          <a:noFill/>
+        </p:spPr>
+        <p:txBody>
+          <a:bodyPr wrap="square" rtlCol="0">
+            <a:spAutoFit/>
+          </a:bodyPr>
+          <a:lstStyle/>
+          <a:p>
+            <a:r>
+              <a:rPr lang="en-US" sz="2500" dirty="0">
+                <a:solidFill>
+                  <a:schemeClr val="accent6">
+                    <a:lumMod val="60000"/>
+                    <a:lumOff val="40000"/>
+                  </a:schemeClr>
+                </a:solidFill>
+                <a:latin typeface="Courier" pitchFamily="2" charset="0"/>
+              </a:rPr>
+              <a:t>ACCT</a:t>
+            </a:r>
+            <a:r>
+              <a:rPr lang="en-US" sz="2500" dirty="0">
+                <a:solidFill>
+                  <a:schemeClr val="accent4">
+                    <a:lumMod val="60000"/>
+                    <a:lumOff val="40000"/>
+                  </a:schemeClr>
+                </a:solidFill>
+                <a:latin typeface="Courier" pitchFamily="2" charset="0"/>
+              </a:rPr>
+              <a:t>ATCGATGCTGATGCTA</a:t>
+            </a:r>
+            <a:r>
+              <a:rPr lang="en-US" sz="2500" dirty="0">
+                <a:solidFill>
+                  <a:srgbClr val="FF0000"/>
+                </a:solidFill>
+                <a:latin typeface="Courier" pitchFamily="2" charset="0"/>
+              </a:rPr>
+              <a:t>G</a:t>
+            </a:r>
+            <a:r>
+              <a:rPr lang="en-US" sz="2500" dirty="0">
+                <a:solidFill>
+                  <a:schemeClr val="accent4">
+                    <a:lumMod val="60000"/>
+                    <a:lumOff val="40000"/>
+                  </a:schemeClr>
+                </a:solidFill>
+                <a:latin typeface="Courier" pitchFamily="2" charset="0"/>
+              </a:rPr>
+              <a:t>ATA</a:t>
+            </a:r>
+            <a:r>
+              <a:rPr lang="en-US" sz="2500" dirty="0">
+                <a:solidFill>
+                  <a:srgbClr val="FF0000"/>
+                </a:solidFill>
+                <a:latin typeface="Courier" pitchFamily="2" charset="0"/>
+              </a:rPr>
+              <a:t>A</a:t>
+            </a:r>
+            <a:r>
+              <a:rPr lang="en-US" sz="2500" dirty="0">
+                <a:solidFill>
+                  <a:schemeClr val="accent2">
+                    <a:lumMod val="75000"/>
+                  </a:schemeClr>
+                </a:solidFill>
+                <a:latin typeface="Courier" pitchFamily="2" charset="0"/>
+              </a:rPr>
+              <a:t>GG</a:t>
+            </a:r>
+            <a:r>
+              <a:rPr lang="en-US" sz="2500" dirty="0">
+                <a:solidFill>
+                  <a:schemeClr val="accent6">
+                    <a:lumMod val="60000"/>
+                    <a:lumOff val="40000"/>
+                  </a:schemeClr>
+                </a:solidFill>
+                <a:latin typeface="Courier" pitchFamily="2" charset="0"/>
+              </a:rPr>
+              <a:t>TTG</a:t>
+            </a:r>
+          </a:p>
+        </p:txBody>
+      </p:sp>
+      <p:sp>
+        <p:nvSpPr>
+          <p:cNvPr id="39" name="TextBox 38">
+            <a:extLst>
+              <a:ext uri="{FF2B5EF4-FFF2-40B4-BE49-F238E27FC236}">
+                <a16:creationId xmlns:a16="http://schemas.microsoft.com/office/drawing/2014/main" id="{5A5D260F-9F3A-E146-AA41-DF665B55904E}"/>
+              </a:ext>
+            </a:extLst>
+          </p:cNvPr>
+          <p:cNvSpPr txBox="1"/>
+          <p:nvPr/>
+        </p:nvSpPr>
+        <p:spPr>
+          <a:xfrm>
+            <a:off x="233405" y="2124195"/>
+            <a:ext cx="1237617" cy="369332"/>
+          </a:xfrm>
+          <a:prstGeom prst="rect">
+            <a:avLst/>
+          </a:prstGeom>
+          <a:noFill/>
+        </p:spPr>
+        <p:txBody>
+          <a:bodyPr wrap="square" rtlCol="0">
+            <a:spAutoFit/>
+          </a:bodyPr>
+          <a:lstStyle/>
+          <a:p>
+            <a:pPr algn="r"/>
+            <a:r>
+              <a:rPr lang="en-US" dirty="0"/>
+              <a:t>RuleSet1</a:t>
+            </a:r>
+          </a:p>
+        </p:txBody>
+      </p:sp>
+      <p:sp>
+        <p:nvSpPr>
+          <p:cNvPr id="40" name="TextBox 39">
+            <a:extLst>
+              <a:ext uri="{FF2B5EF4-FFF2-40B4-BE49-F238E27FC236}">
+                <a16:creationId xmlns:a16="http://schemas.microsoft.com/office/drawing/2014/main" id="{6DB8A459-7B82-294C-9571-6CC093904502}"/>
+              </a:ext>
+            </a:extLst>
+          </p:cNvPr>
+          <p:cNvSpPr txBox="1"/>
+          <p:nvPr/>
+        </p:nvSpPr>
+        <p:spPr>
+          <a:xfrm>
+            <a:off x="11746997" y="2145830"/>
+            <a:ext cx="1237617" cy="369332"/>
+          </a:xfrm>
+          <a:prstGeom prst="rect">
+            <a:avLst/>
+          </a:prstGeom>
+          <a:noFill/>
+        </p:spPr>
+        <p:txBody>
+          <a:bodyPr wrap="square" rtlCol="0">
+            <a:spAutoFit/>
+          </a:bodyPr>
+          <a:lstStyle/>
+          <a:p>
+            <a:r>
+              <a:rPr lang="en-US" dirty="0"/>
+              <a:t>30nt</a:t>
+            </a:r>
+          </a:p>
+        </p:txBody>
+      </p:sp>
+      <p:cxnSp>
+        <p:nvCxnSpPr>
+          <p:cNvPr id="41" name="Straight Connector 40">
+            <a:extLst>
+              <a:ext uri="{FF2B5EF4-FFF2-40B4-BE49-F238E27FC236}">
+                <a16:creationId xmlns:a16="http://schemas.microsoft.com/office/drawing/2014/main" id="{F25CAE65-674C-AF4C-88C0-728ABC12B5BA}"/>
+              </a:ext>
+            </a:extLst>
+          </p:cNvPr>
+          <p:cNvCxnSpPr>
+            <a:cxnSpLocks/>
+          </p:cNvCxnSpPr>
+          <p:nvPr/>
+        </p:nvCxnSpPr>
+        <p:spPr>
+          <a:xfrm>
+            <a:off x="1605541" y="2722453"/>
+            <a:ext cx="1758754" cy="0"/>
+          </a:xfrm>
+          <a:prstGeom prst="line">
+            <a:avLst/>
+          </a:prstGeom>
+          <a:ln w="22225">
+            <a:solidFill>
+              <a:schemeClr val="tx1"/>
+            </a:solidFill>
+          </a:ln>
+        </p:spPr>
+        <p:style>
+          <a:lnRef idx="1">
+            <a:schemeClr val="accent1"/>
+          </a:lnRef>
+          <a:fillRef idx="0">
+            <a:schemeClr val="accent1"/>
+          </a:fillRef>
+          <a:effectRef idx="0">
+            <a:schemeClr val="accent1"/>
+          </a:effectRef>
+          <a:fontRef idx="minor">
+            <a:schemeClr val="tx1"/>
+          </a:fontRef>
+        </p:style>
+      </p:cxnSp>
+      <p:cxnSp>
+        <p:nvCxnSpPr>
+          <p:cNvPr id="42" name="Straight Connector 41">
+            <a:extLst>
+              <a:ext uri="{FF2B5EF4-FFF2-40B4-BE49-F238E27FC236}">
+                <a16:creationId xmlns:a16="http://schemas.microsoft.com/office/drawing/2014/main" id="{15B07041-16B5-3B44-8781-3373AAFFB806}"/>
+              </a:ext>
+            </a:extLst>
+          </p:cNvPr>
+          <p:cNvCxnSpPr>
+            <a:cxnSpLocks/>
+          </p:cNvCxnSpPr>
+          <p:nvPr/>
+        </p:nvCxnSpPr>
+        <p:spPr>
+          <a:xfrm>
+            <a:off x="10068630" y="2722453"/>
+            <a:ext cx="1515883" cy="0"/>
+          </a:xfrm>
+          <a:prstGeom prst="line">
+            <a:avLst/>
+          </a:prstGeom>
+          <a:ln w="22225">
+            <a:solidFill>
+              <a:schemeClr val="tx1"/>
+            </a:solidFill>
+          </a:ln>
+        </p:spPr>
+        <p:style>
+          <a:lnRef idx="1">
+            <a:schemeClr val="accent1"/>
+          </a:lnRef>
+          <a:fillRef idx="0">
+            <a:schemeClr val="accent1"/>
+          </a:fillRef>
+          <a:effectRef idx="0">
+            <a:schemeClr val="accent1"/>
+          </a:effectRef>
+          <a:fontRef idx="minor">
+            <a:schemeClr val="tx1"/>
+          </a:fontRef>
+        </p:style>
+      </p:cxnSp>
+      <p:sp>
+        <p:nvSpPr>
+          <p:cNvPr id="43" name="TextBox 42">
+            <a:extLst>
+              <a:ext uri="{FF2B5EF4-FFF2-40B4-BE49-F238E27FC236}">
+                <a16:creationId xmlns:a16="http://schemas.microsoft.com/office/drawing/2014/main" id="{F504F1E5-DEE7-3F48-AADA-77A414F6472C}"/>
+              </a:ext>
+            </a:extLst>
+          </p:cNvPr>
+          <p:cNvSpPr txBox="1"/>
+          <p:nvPr/>
+        </p:nvSpPr>
+        <p:spPr>
+          <a:xfrm>
+            <a:off x="3295471" y="2475306"/>
+            <a:ext cx="7228874" cy="477054"/>
+          </a:xfrm>
+          <a:prstGeom prst="rect">
+            <a:avLst/>
+          </a:prstGeom>
+          <a:noFill/>
+        </p:spPr>
+        <p:txBody>
+          <a:bodyPr wrap="square" rtlCol="0">
+            <a:spAutoFit/>
+          </a:bodyPr>
+          <a:lstStyle/>
+          <a:p>
+            <a:r>
+              <a:rPr lang="en-US" sz="2500" dirty="0">
+                <a:solidFill>
+                  <a:schemeClr val="accent6">
+                    <a:lumMod val="60000"/>
+                    <a:lumOff val="40000"/>
+                  </a:schemeClr>
+                </a:solidFill>
+                <a:latin typeface="Courier" pitchFamily="2" charset="0"/>
+              </a:rPr>
+              <a:t>AAACCT</a:t>
+            </a:r>
+            <a:r>
+              <a:rPr lang="en-US" sz="2500" dirty="0">
+                <a:solidFill>
+                  <a:schemeClr val="accent4">
+                    <a:lumMod val="60000"/>
+                    <a:lumOff val="40000"/>
+                  </a:schemeClr>
+                </a:solidFill>
+                <a:latin typeface="Courier" pitchFamily="2" charset="0"/>
+              </a:rPr>
+              <a:t>ATCGATGCTGATGCTA</a:t>
+            </a:r>
+            <a:r>
+              <a:rPr lang="en-US" sz="2500" dirty="0">
+                <a:solidFill>
+                  <a:srgbClr val="FF0000"/>
+                </a:solidFill>
+                <a:latin typeface="Courier" pitchFamily="2" charset="0"/>
+              </a:rPr>
+              <a:t>G</a:t>
+            </a:r>
+            <a:r>
+              <a:rPr lang="en-US" sz="2500" dirty="0">
+                <a:solidFill>
+                  <a:schemeClr val="accent4">
+                    <a:lumMod val="60000"/>
+                    <a:lumOff val="40000"/>
+                  </a:schemeClr>
+                </a:solidFill>
+                <a:latin typeface="Courier" pitchFamily="2" charset="0"/>
+              </a:rPr>
+              <a:t>ATA</a:t>
+            </a:r>
+            <a:r>
+              <a:rPr lang="en-US" sz="2500" dirty="0">
+                <a:solidFill>
+                  <a:srgbClr val="FF0000"/>
+                </a:solidFill>
+                <a:latin typeface="Courier" pitchFamily="2" charset="0"/>
+              </a:rPr>
+              <a:t>A</a:t>
+            </a:r>
+            <a:r>
+              <a:rPr lang="en-US" sz="2500" dirty="0">
+                <a:solidFill>
+                  <a:schemeClr val="accent2">
+                    <a:lumMod val="75000"/>
+                  </a:schemeClr>
+                </a:solidFill>
+                <a:latin typeface="Courier" pitchFamily="2" charset="0"/>
+              </a:rPr>
+              <a:t>GG</a:t>
+            </a:r>
+            <a:r>
+              <a:rPr lang="en-US" sz="2500" dirty="0">
+                <a:solidFill>
+                  <a:schemeClr val="accent6">
+                    <a:lumMod val="60000"/>
+                    <a:lumOff val="40000"/>
+                  </a:schemeClr>
+                </a:solidFill>
+                <a:latin typeface="Courier" pitchFamily="2" charset="0"/>
+              </a:rPr>
+              <a:t>TTGGGC</a:t>
+            </a:r>
+          </a:p>
+        </p:txBody>
+      </p:sp>
+      <p:sp>
+        <p:nvSpPr>
+          <p:cNvPr id="44" name="TextBox 43">
+            <a:extLst>
+              <a:ext uri="{FF2B5EF4-FFF2-40B4-BE49-F238E27FC236}">
+                <a16:creationId xmlns:a16="http://schemas.microsoft.com/office/drawing/2014/main" id="{75E8C7BC-9FB5-714D-9518-478C89B03EFF}"/>
+              </a:ext>
+            </a:extLst>
+          </p:cNvPr>
+          <p:cNvSpPr txBox="1"/>
+          <p:nvPr/>
+        </p:nvSpPr>
+        <p:spPr>
+          <a:xfrm>
+            <a:off x="-164977" y="2531816"/>
+            <a:ext cx="1636000" cy="369332"/>
+          </a:xfrm>
+          <a:prstGeom prst="rect">
+            <a:avLst/>
+          </a:prstGeom>
+          <a:noFill/>
+        </p:spPr>
+        <p:txBody>
+          <a:bodyPr wrap="square" rtlCol="0">
+            <a:spAutoFit/>
+          </a:bodyPr>
+          <a:lstStyle/>
+          <a:p>
+            <a:pPr algn="r"/>
+            <a:r>
+              <a:rPr lang="en-US" dirty="0" err="1"/>
+              <a:t>CRISPRscan</a:t>
+            </a:r>
+            <a:endParaRPr lang="en-US" dirty="0"/>
+          </a:p>
+        </p:txBody>
+      </p:sp>
+      <p:sp>
+        <p:nvSpPr>
+          <p:cNvPr id="45" name="TextBox 44">
+            <a:extLst>
+              <a:ext uri="{FF2B5EF4-FFF2-40B4-BE49-F238E27FC236}">
+                <a16:creationId xmlns:a16="http://schemas.microsoft.com/office/drawing/2014/main" id="{2562DEB0-C976-6440-A3DF-75F54E003640}"/>
+              </a:ext>
+            </a:extLst>
+          </p:cNvPr>
+          <p:cNvSpPr txBox="1"/>
+          <p:nvPr/>
+        </p:nvSpPr>
+        <p:spPr>
+          <a:xfrm>
+            <a:off x="11746997" y="2553451"/>
+            <a:ext cx="1237617" cy="369332"/>
+          </a:xfrm>
+          <a:prstGeom prst="rect">
+            <a:avLst/>
+          </a:prstGeom>
+          <a:noFill/>
+        </p:spPr>
+        <p:txBody>
+          <a:bodyPr wrap="square" rtlCol="0">
+            <a:spAutoFit/>
+          </a:bodyPr>
+          <a:lstStyle/>
+          <a:p>
+            <a:r>
+              <a:rPr lang="en-US" dirty="0"/>
+              <a:t>35nt</a:t>
             </a:r>
           </a:p>
         </p:txBody>

--- a/vignettes/figures/sequences_cas9.pptx
+++ b/vignettes/figures/sequences_cas9.pptx
@@ -2,12 +2,15 @@
 <file path=ppt/presentation.xml><?xml version="1.0" encoding="utf-8"?>
 <p:presentation xmlns:a="http://schemas.openxmlformats.org/drawingml/2006/main" xmlns:r="http://schemas.openxmlformats.org/officeDocument/2006/relationships" xmlns:p="http://schemas.openxmlformats.org/presentationml/2006/main" saveSubsetFonts="1" autoCompressPictures="0">
   <p:sldMasterIdLst>
-    <p:sldMasterId id="2147483708" r:id="rId1"/>
+    <p:sldMasterId id="2147483756" r:id="rId1"/>
   </p:sldMasterIdLst>
+  <p:notesMasterIdLst>
+    <p:notesMasterId r:id="rId3"/>
+  </p:notesMasterIdLst>
   <p:sldIdLst>
     <p:sldId id="257" r:id="rId2"/>
   </p:sldIdLst>
-  <p:sldSz cx="12344400" cy="4572000"/>
+  <p:sldSz cx="12344400" cy="4754563"/>
   <p:notesSz cx="6858000" cy="9144000"/>
   <p:defaultTextStyle>
     <a:defPPr>
@@ -112,6 +115,444 @@
 </p:presentation>
 </file>
 
+<file path=ppt/notesMasters/notesMaster1.xml><?xml version="1.0" encoding="utf-8"?>
+<p:notesMaster xmlns:a="http://schemas.openxmlformats.org/drawingml/2006/main" xmlns:r="http://schemas.openxmlformats.org/officeDocument/2006/relationships" xmlns:p="http://schemas.openxmlformats.org/presentationml/2006/main">
+  <p:cSld>
+    <p:bg>
+      <p:bgRef idx="1001">
+        <a:schemeClr val="bg1"/>
+      </p:bgRef>
+    </p:bg>
+    <p:spTree>
+      <p:nvGrpSpPr>
+        <p:cNvPr id="1" name=""/>
+        <p:cNvGrpSpPr/>
+        <p:nvPr/>
+      </p:nvGrpSpPr>
+      <p:grpSpPr>
+        <a:xfrm>
+          <a:off x="0" y="0"/>
+          <a:ext cx="0" cy="0"/>
+          <a:chOff x="0" y="0"/>
+          <a:chExt cx="0" cy="0"/>
+        </a:xfrm>
+      </p:grpSpPr>
+      <p:sp>
+        <p:nvSpPr>
+          <p:cNvPr id="2" name="Header Placeholder 1"/>
+          <p:cNvSpPr>
+            <a:spLocks noGrp="1"/>
+          </p:cNvSpPr>
+          <p:nvPr>
+            <p:ph type="hdr" sz="quarter"/>
+          </p:nvPr>
+        </p:nvSpPr>
+        <p:spPr>
+          <a:xfrm>
+            <a:off x="0" y="0"/>
+            <a:ext cx="2971800" cy="458788"/>
+          </a:xfrm>
+          <a:prstGeom prst="rect">
+            <a:avLst/>
+          </a:prstGeom>
+        </p:spPr>
+        <p:txBody>
+          <a:bodyPr vert="horz" lIns="91440" tIns="45720" rIns="91440" bIns="45720" rtlCol="0"/>
+          <a:lstStyle>
+            <a:lvl1pPr algn="l">
+              <a:defRPr sz="1200"/>
+            </a:lvl1pPr>
+          </a:lstStyle>
+          <a:p>
+            <a:endParaRPr lang="en-US"/>
+          </a:p>
+        </p:txBody>
+      </p:sp>
+      <p:sp>
+        <p:nvSpPr>
+          <p:cNvPr id="3" name="Date Placeholder 2"/>
+          <p:cNvSpPr>
+            <a:spLocks noGrp="1"/>
+          </p:cNvSpPr>
+          <p:nvPr>
+            <p:ph type="dt" idx="1"/>
+          </p:nvPr>
+        </p:nvSpPr>
+        <p:spPr>
+          <a:xfrm>
+            <a:off x="3884613" y="0"/>
+            <a:ext cx="2971800" cy="458788"/>
+          </a:xfrm>
+          <a:prstGeom prst="rect">
+            <a:avLst/>
+          </a:prstGeom>
+        </p:spPr>
+        <p:txBody>
+          <a:bodyPr vert="horz" lIns="91440" tIns="45720" rIns="91440" bIns="45720" rtlCol="0"/>
+          <a:lstStyle>
+            <a:lvl1pPr algn="r">
+              <a:defRPr sz="1200"/>
+            </a:lvl1pPr>
+          </a:lstStyle>
+          <a:p>
+            <a:fld id="{9735EE8D-AAE5-5944-A858-0F27626AA23E}" type="datetimeFigureOut">
+              <a:rPr lang="en-US" smtClean="0"/>
+              <a:t>6/23/22</a:t>
+            </a:fld>
+            <a:endParaRPr lang="en-US"/>
+          </a:p>
+        </p:txBody>
+      </p:sp>
+      <p:sp>
+        <p:nvSpPr>
+          <p:cNvPr id="4" name="Slide Image Placeholder 3"/>
+          <p:cNvSpPr>
+            <a:spLocks noGrp="1" noRot="1" noChangeAspect="1"/>
+          </p:cNvSpPr>
+          <p:nvPr>
+            <p:ph type="sldImg" idx="2"/>
+          </p:nvPr>
+        </p:nvSpPr>
+        <p:spPr>
+          <a:xfrm>
+            <a:off x="-576263" y="1143000"/>
+            <a:ext cx="8010526" cy="3086100"/>
+          </a:xfrm>
+          <a:prstGeom prst="rect">
+            <a:avLst/>
+          </a:prstGeom>
+          <a:noFill/>
+          <a:ln w="12700">
+            <a:solidFill>
+              <a:prstClr val="black"/>
+            </a:solidFill>
+          </a:ln>
+        </p:spPr>
+        <p:txBody>
+          <a:bodyPr vert="horz" lIns="91440" tIns="45720" rIns="91440" bIns="45720" rtlCol="0" anchor="ctr"/>
+          <a:lstStyle/>
+          <a:p>
+            <a:endParaRPr lang="en-US"/>
+          </a:p>
+        </p:txBody>
+      </p:sp>
+      <p:sp>
+        <p:nvSpPr>
+          <p:cNvPr id="5" name="Notes Placeholder 4"/>
+          <p:cNvSpPr>
+            <a:spLocks noGrp="1"/>
+          </p:cNvSpPr>
+          <p:nvPr>
+            <p:ph type="body" sz="quarter" idx="3"/>
+          </p:nvPr>
+        </p:nvSpPr>
+        <p:spPr>
+          <a:xfrm>
+            <a:off x="685800" y="4400550"/>
+            <a:ext cx="5486400" cy="3600450"/>
+          </a:xfrm>
+          <a:prstGeom prst="rect">
+            <a:avLst/>
+          </a:prstGeom>
+        </p:spPr>
+        <p:txBody>
+          <a:bodyPr vert="horz" lIns="91440" tIns="45720" rIns="91440" bIns="45720" rtlCol="0"/>
+          <a:lstStyle/>
+          <a:p>
+            <a:pPr lvl="0"/>
+            <a:r>
+              <a:rPr lang="en-US"/>
+              <a:t>Click to edit Master text styles</a:t>
+            </a:r>
+          </a:p>
+          <a:p>
+            <a:pPr lvl="1"/>
+            <a:r>
+              <a:rPr lang="en-US"/>
+              <a:t>Second level</a:t>
+            </a:r>
+          </a:p>
+          <a:p>
+            <a:pPr lvl="2"/>
+            <a:r>
+              <a:rPr lang="en-US"/>
+              <a:t>Third level</a:t>
+            </a:r>
+          </a:p>
+          <a:p>
+            <a:pPr lvl="3"/>
+            <a:r>
+              <a:rPr lang="en-US"/>
+              <a:t>Fourth level</a:t>
+            </a:r>
+          </a:p>
+          <a:p>
+            <a:pPr lvl="4"/>
+            <a:r>
+              <a:rPr lang="en-US"/>
+              <a:t>Fifth level</a:t>
+            </a:r>
+          </a:p>
+        </p:txBody>
+      </p:sp>
+      <p:sp>
+        <p:nvSpPr>
+          <p:cNvPr id="6" name="Footer Placeholder 5"/>
+          <p:cNvSpPr>
+            <a:spLocks noGrp="1"/>
+          </p:cNvSpPr>
+          <p:nvPr>
+            <p:ph type="ftr" sz="quarter" idx="4"/>
+          </p:nvPr>
+        </p:nvSpPr>
+        <p:spPr>
+          <a:xfrm>
+            <a:off x="0" y="8685213"/>
+            <a:ext cx="2971800" cy="458787"/>
+          </a:xfrm>
+          <a:prstGeom prst="rect">
+            <a:avLst/>
+          </a:prstGeom>
+        </p:spPr>
+        <p:txBody>
+          <a:bodyPr vert="horz" lIns="91440" tIns="45720" rIns="91440" bIns="45720" rtlCol="0" anchor="b"/>
+          <a:lstStyle>
+            <a:lvl1pPr algn="l">
+              <a:defRPr sz="1200"/>
+            </a:lvl1pPr>
+          </a:lstStyle>
+          <a:p>
+            <a:endParaRPr lang="en-US"/>
+          </a:p>
+        </p:txBody>
+      </p:sp>
+      <p:sp>
+        <p:nvSpPr>
+          <p:cNvPr id="7" name="Slide Number Placeholder 6"/>
+          <p:cNvSpPr>
+            <a:spLocks noGrp="1"/>
+          </p:cNvSpPr>
+          <p:nvPr>
+            <p:ph type="sldNum" sz="quarter" idx="5"/>
+          </p:nvPr>
+        </p:nvSpPr>
+        <p:spPr>
+          <a:xfrm>
+            <a:off x="3884613" y="8685213"/>
+            <a:ext cx="2971800" cy="458787"/>
+          </a:xfrm>
+          <a:prstGeom prst="rect">
+            <a:avLst/>
+          </a:prstGeom>
+        </p:spPr>
+        <p:txBody>
+          <a:bodyPr vert="horz" lIns="91440" tIns="45720" rIns="91440" bIns="45720" rtlCol="0" anchor="b"/>
+          <a:lstStyle>
+            <a:lvl1pPr algn="r">
+              <a:defRPr sz="1200"/>
+            </a:lvl1pPr>
+          </a:lstStyle>
+          <a:p>
+            <a:fld id="{8CFFED38-D4E9-F04C-A133-14BFB8D33A85}" type="slidenum">
+              <a:rPr lang="en-US" smtClean="0"/>
+              <a:t>‹#›</a:t>
+            </a:fld>
+            <a:endParaRPr lang="en-US"/>
+          </a:p>
+        </p:txBody>
+      </p:sp>
+    </p:spTree>
+    <p:extLst>
+      <p:ext uri="{BB962C8B-B14F-4D97-AF65-F5344CB8AC3E}">
+        <p14:creationId xmlns:p14="http://schemas.microsoft.com/office/powerpoint/2010/main" val="861760188"/>
+      </p:ext>
+    </p:extLst>
+  </p:cSld>
+  <p:clrMap bg1="lt1" tx1="dk1" bg2="lt2" tx2="dk2" accent1="accent1" accent2="accent2" accent3="accent3" accent4="accent4" accent5="accent5" accent6="accent6" hlink="hlink" folHlink="folHlink"/>
+  <p:notesStyle>
+    <a:lvl1pPr marL="0" algn="l" defTabSz="914400" rtl="0" eaLnBrk="1" latinLnBrk="0" hangingPunct="1">
+      <a:defRPr sz="1200" kern="1200">
+        <a:solidFill>
+          <a:schemeClr val="tx1"/>
+        </a:solidFill>
+        <a:latin typeface="+mn-lt"/>
+        <a:ea typeface="+mn-ea"/>
+        <a:cs typeface="+mn-cs"/>
+      </a:defRPr>
+    </a:lvl1pPr>
+    <a:lvl2pPr marL="457200" algn="l" defTabSz="914400" rtl="0" eaLnBrk="1" latinLnBrk="0" hangingPunct="1">
+      <a:defRPr sz="1200" kern="1200">
+        <a:solidFill>
+          <a:schemeClr val="tx1"/>
+        </a:solidFill>
+        <a:latin typeface="+mn-lt"/>
+        <a:ea typeface="+mn-ea"/>
+        <a:cs typeface="+mn-cs"/>
+      </a:defRPr>
+    </a:lvl2pPr>
+    <a:lvl3pPr marL="914400" algn="l" defTabSz="914400" rtl="0" eaLnBrk="1" latinLnBrk="0" hangingPunct="1">
+      <a:defRPr sz="1200" kern="1200">
+        <a:solidFill>
+          <a:schemeClr val="tx1"/>
+        </a:solidFill>
+        <a:latin typeface="+mn-lt"/>
+        <a:ea typeface="+mn-ea"/>
+        <a:cs typeface="+mn-cs"/>
+      </a:defRPr>
+    </a:lvl3pPr>
+    <a:lvl4pPr marL="1371600" algn="l" defTabSz="914400" rtl="0" eaLnBrk="1" latinLnBrk="0" hangingPunct="1">
+      <a:defRPr sz="1200" kern="1200">
+        <a:solidFill>
+          <a:schemeClr val="tx1"/>
+        </a:solidFill>
+        <a:latin typeface="+mn-lt"/>
+        <a:ea typeface="+mn-ea"/>
+        <a:cs typeface="+mn-cs"/>
+      </a:defRPr>
+    </a:lvl4pPr>
+    <a:lvl5pPr marL="1828800" algn="l" defTabSz="914400" rtl="0" eaLnBrk="1" latinLnBrk="0" hangingPunct="1">
+      <a:defRPr sz="1200" kern="1200">
+        <a:solidFill>
+          <a:schemeClr val="tx1"/>
+        </a:solidFill>
+        <a:latin typeface="+mn-lt"/>
+        <a:ea typeface="+mn-ea"/>
+        <a:cs typeface="+mn-cs"/>
+      </a:defRPr>
+    </a:lvl5pPr>
+    <a:lvl6pPr marL="2286000" algn="l" defTabSz="914400" rtl="0" eaLnBrk="1" latinLnBrk="0" hangingPunct="1">
+      <a:defRPr sz="1200" kern="1200">
+        <a:solidFill>
+          <a:schemeClr val="tx1"/>
+        </a:solidFill>
+        <a:latin typeface="+mn-lt"/>
+        <a:ea typeface="+mn-ea"/>
+        <a:cs typeface="+mn-cs"/>
+      </a:defRPr>
+    </a:lvl6pPr>
+    <a:lvl7pPr marL="2743200" algn="l" defTabSz="914400" rtl="0" eaLnBrk="1" latinLnBrk="0" hangingPunct="1">
+      <a:defRPr sz="1200" kern="1200">
+        <a:solidFill>
+          <a:schemeClr val="tx1"/>
+        </a:solidFill>
+        <a:latin typeface="+mn-lt"/>
+        <a:ea typeface="+mn-ea"/>
+        <a:cs typeface="+mn-cs"/>
+      </a:defRPr>
+    </a:lvl7pPr>
+    <a:lvl8pPr marL="3200400" algn="l" defTabSz="914400" rtl="0" eaLnBrk="1" latinLnBrk="0" hangingPunct="1">
+      <a:defRPr sz="1200" kern="1200">
+        <a:solidFill>
+          <a:schemeClr val="tx1"/>
+        </a:solidFill>
+        <a:latin typeface="+mn-lt"/>
+        <a:ea typeface="+mn-ea"/>
+        <a:cs typeface="+mn-cs"/>
+      </a:defRPr>
+    </a:lvl8pPr>
+    <a:lvl9pPr marL="3657600" algn="l" defTabSz="914400" rtl="0" eaLnBrk="1" latinLnBrk="0" hangingPunct="1">
+      <a:defRPr sz="1200" kern="1200">
+        <a:solidFill>
+          <a:schemeClr val="tx1"/>
+        </a:solidFill>
+        <a:latin typeface="+mn-lt"/>
+        <a:ea typeface="+mn-ea"/>
+        <a:cs typeface="+mn-cs"/>
+      </a:defRPr>
+    </a:lvl9pPr>
+  </p:notesStyle>
+</p:notesMaster>
+</file>
+
+<file path=ppt/notesSlides/notesSlide1.xml><?xml version="1.0" encoding="utf-8"?>
+<p:notes xmlns:a="http://schemas.openxmlformats.org/drawingml/2006/main" xmlns:r="http://schemas.openxmlformats.org/officeDocument/2006/relationships" xmlns:p="http://schemas.openxmlformats.org/presentationml/2006/main">
+  <p:cSld>
+    <p:spTree>
+      <p:nvGrpSpPr>
+        <p:cNvPr id="1" name=""/>
+        <p:cNvGrpSpPr/>
+        <p:nvPr/>
+      </p:nvGrpSpPr>
+      <p:grpSpPr>
+        <a:xfrm>
+          <a:off x="0" y="0"/>
+          <a:ext cx="0" cy="0"/>
+          <a:chOff x="0" y="0"/>
+          <a:chExt cx="0" cy="0"/>
+        </a:xfrm>
+      </p:grpSpPr>
+      <p:sp>
+        <p:nvSpPr>
+          <p:cNvPr id="2" name="Slide Image Placeholder 1"/>
+          <p:cNvSpPr>
+            <a:spLocks noGrp="1" noRot="1" noChangeAspect="1"/>
+          </p:cNvSpPr>
+          <p:nvPr>
+            <p:ph type="sldImg"/>
+          </p:nvPr>
+        </p:nvSpPr>
+        <p:spPr>
+          <a:xfrm>
+            <a:off x="-576263" y="1143000"/>
+            <a:ext cx="8010526" cy="3086100"/>
+          </a:xfrm>
+        </p:spPr>
+      </p:sp>
+      <p:sp>
+        <p:nvSpPr>
+          <p:cNvPr id="3" name="Notes Placeholder 2"/>
+          <p:cNvSpPr>
+            <a:spLocks noGrp="1"/>
+          </p:cNvSpPr>
+          <p:nvPr>
+            <p:ph type="body" idx="1"/>
+          </p:nvPr>
+        </p:nvSpPr>
+        <p:spPr/>
+        <p:txBody>
+          <a:bodyPr/>
+          <a:lstStyle/>
+          <a:p>
+            <a:endParaRPr lang="en-US" dirty="0"/>
+          </a:p>
+        </p:txBody>
+      </p:sp>
+      <p:sp>
+        <p:nvSpPr>
+          <p:cNvPr id="4" name="Slide Number Placeholder 3"/>
+          <p:cNvSpPr>
+            <a:spLocks noGrp="1"/>
+          </p:cNvSpPr>
+          <p:nvPr>
+            <p:ph type="sldNum" sz="quarter" idx="5"/>
+          </p:nvPr>
+        </p:nvSpPr>
+        <p:spPr/>
+        <p:txBody>
+          <a:bodyPr/>
+          <a:lstStyle/>
+          <a:p>
+            <a:fld id="{8CFFED38-D4E9-F04C-A133-14BFB8D33A85}" type="slidenum">
+              <a:rPr lang="en-US" smtClean="0"/>
+              <a:t>1</a:t>
+            </a:fld>
+            <a:endParaRPr lang="en-US"/>
+          </a:p>
+        </p:txBody>
+      </p:sp>
+    </p:spTree>
+    <p:extLst>
+      <p:ext uri="{BB962C8B-B14F-4D97-AF65-F5344CB8AC3E}">
+        <p14:creationId xmlns:p14="http://schemas.microsoft.com/office/powerpoint/2010/main" val="2204219763"/>
+      </p:ext>
+    </p:extLst>
+  </p:cSld>
+  <p:clrMapOvr>
+    <a:masterClrMapping/>
+  </p:clrMapOvr>
+</p:notes>
+</file>
+
 <file path=ppt/slideLayouts/slideLayout1.xml><?xml version="1.0" encoding="utf-8"?>
 <p:sldLayout xmlns:a="http://schemas.openxmlformats.org/drawingml/2006/main" xmlns:r="http://schemas.openxmlformats.org/officeDocument/2006/relationships" xmlns:p="http://schemas.openxmlformats.org/presentationml/2006/main" type="title" preserve="1">
   <p:cSld name="Title Slide">
@@ -141,15 +582,15 @@
         </p:nvSpPr>
         <p:spPr>
           <a:xfrm>
-            <a:off x="1543050" y="748242"/>
-            <a:ext cx="9258300" cy="1591733"/>
+            <a:off x="1543050" y="778120"/>
+            <a:ext cx="9258300" cy="1655292"/>
           </a:xfrm>
         </p:spPr>
         <p:txBody>
           <a:bodyPr anchor="b"/>
           <a:lstStyle>
             <a:lvl1pPr algn="ctr">
-              <a:defRPr sz="4000"/>
+              <a:defRPr sz="4160"/>
             </a:lvl1pPr>
           </a:lstStyle>
           <a:p>
@@ -173,8 +614,8 @@
         </p:nvSpPr>
         <p:spPr>
           <a:xfrm>
-            <a:off x="1543050" y="2401359"/>
-            <a:ext cx="9258300" cy="1103841"/>
+            <a:off x="1543050" y="2497247"/>
+            <a:ext cx="9258300" cy="1147918"/>
           </a:xfrm>
         </p:spPr>
         <p:txBody>
@@ -182,39 +623,39 @@
           <a:lstStyle>
             <a:lvl1pPr marL="0" indent="0" algn="ctr">
               <a:buNone/>
-              <a:defRPr sz="1600"/>
+              <a:defRPr sz="1664"/>
             </a:lvl1pPr>
-            <a:lvl2pPr marL="304815" indent="0" algn="ctr">
+            <a:lvl2pPr marL="316977" indent="0" algn="ctr">
               <a:buNone/>
-              <a:defRPr sz="1333"/>
+              <a:defRPr sz="1387"/>
             </a:lvl2pPr>
-            <a:lvl3pPr marL="609630" indent="0" algn="ctr">
+            <a:lvl3pPr marL="633954" indent="0" algn="ctr">
               <a:buNone/>
-              <a:defRPr sz="1200"/>
+              <a:defRPr sz="1248"/>
             </a:lvl3pPr>
-            <a:lvl4pPr marL="914446" indent="0" algn="ctr">
+            <a:lvl4pPr marL="950930" indent="0" algn="ctr">
               <a:buNone/>
-              <a:defRPr sz="1067"/>
+              <a:defRPr sz="1109"/>
             </a:lvl4pPr>
-            <a:lvl5pPr marL="1219261" indent="0" algn="ctr">
+            <a:lvl5pPr marL="1267907" indent="0" algn="ctr">
               <a:buNone/>
-              <a:defRPr sz="1067"/>
+              <a:defRPr sz="1109"/>
             </a:lvl5pPr>
-            <a:lvl6pPr marL="1524076" indent="0" algn="ctr">
+            <a:lvl6pPr marL="1584884" indent="0" algn="ctr">
               <a:buNone/>
-              <a:defRPr sz="1067"/>
+              <a:defRPr sz="1109"/>
             </a:lvl6pPr>
-            <a:lvl7pPr marL="1828891" indent="0" algn="ctr">
+            <a:lvl7pPr marL="1901861" indent="0" algn="ctr">
               <a:buNone/>
-              <a:defRPr sz="1067"/>
+              <a:defRPr sz="1109"/>
             </a:lvl7pPr>
-            <a:lvl8pPr marL="2133707" indent="0" algn="ctr">
+            <a:lvl8pPr marL="2218837" indent="0" algn="ctr">
               <a:buNone/>
-              <a:defRPr sz="1067"/>
+              <a:defRPr sz="1109"/>
             </a:lvl8pPr>
-            <a:lvl9pPr marL="2438522" indent="0" algn="ctr">
+            <a:lvl9pPr marL="2535814" indent="0" algn="ctr">
               <a:buNone/>
-              <a:defRPr sz="1067"/>
+              <a:defRPr sz="1109"/>
             </a:lvl9pPr>
           </a:lstStyle>
           <a:p>
@@ -243,7 +684,7 @@
           <a:p>
             <a:fld id="{DD6D9246-4FED-8E4D-BC9B-CDD794F2A5B7}" type="datetimeFigureOut">
               <a:rPr lang="en-US" smtClean="0"/>
-              <a:t>2/11/22</a:t>
+              <a:t>6/23/22</a:t>
             </a:fld>
             <a:endParaRPr lang="en-US"/>
           </a:p>
@@ -294,7 +735,7 @@
     </p:spTree>
     <p:extLst>
       <p:ext uri="{BB962C8B-B14F-4D97-AF65-F5344CB8AC3E}">
-        <p14:creationId xmlns:p14="http://schemas.microsoft.com/office/powerpoint/2010/main" val="897427278"/>
+        <p14:creationId xmlns:p14="http://schemas.microsoft.com/office/powerpoint/2010/main" val="3378003944"/>
       </p:ext>
     </p:extLst>
   </p:cSld>
@@ -413,7 +854,7 @@
           <a:p>
             <a:fld id="{DD6D9246-4FED-8E4D-BC9B-CDD794F2A5B7}" type="datetimeFigureOut">
               <a:rPr lang="en-US" smtClean="0"/>
-              <a:t>2/11/22</a:t>
+              <a:t>6/23/22</a:t>
             </a:fld>
             <a:endParaRPr lang="en-US"/>
           </a:p>
@@ -464,7 +905,7 @@
     </p:spTree>
     <p:extLst>
       <p:ext uri="{BB962C8B-B14F-4D97-AF65-F5344CB8AC3E}">
-        <p14:creationId xmlns:p14="http://schemas.microsoft.com/office/powerpoint/2010/main" val="1852765551"/>
+        <p14:creationId xmlns:p14="http://schemas.microsoft.com/office/powerpoint/2010/main" val="3290246028"/>
       </p:ext>
     </p:extLst>
   </p:cSld>
@@ -503,8 +944,8 @@
         </p:nvSpPr>
         <p:spPr>
           <a:xfrm>
-            <a:off x="8833961" y="243417"/>
-            <a:ext cx="2661761" cy="3874559"/>
+            <a:off x="8833961" y="253137"/>
+            <a:ext cx="2661761" cy="4029272"/>
           </a:xfrm>
         </p:spPr>
         <p:txBody>
@@ -531,8 +972,8 @@
         </p:nvSpPr>
         <p:spPr>
           <a:xfrm>
-            <a:off x="848677" y="243417"/>
-            <a:ext cx="7830979" cy="3874559"/>
+            <a:off x="848677" y="253137"/>
+            <a:ext cx="7830979" cy="4029272"/>
           </a:xfrm>
         </p:spPr>
         <p:txBody>
@@ -593,7 +1034,7 @@
           <a:p>
             <a:fld id="{DD6D9246-4FED-8E4D-BC9B-CDD794F2A5B7}" type="datetimeFigureOut">
               <a:rPr lang="en-US" smtClean="0"/>
-              <a:t>2/11/22</a:t>
+              <a:t>6/23/22</a:t>
             </a:fld>
             <a:endParaRPr lang="en-US"/>
           </a:p>
@@ -644,7 +1085,7 @@
     </p:spTree>
     <p:extLst>
       <p:ext uri="{BB962C8B-B14F-4D97-AF65-F5344CB8AC3E}">
-        <p14:creationId xmlns:p14="http://schemas.microsoft.com/office/powerpoint/2010/main" val="4164035889"/>
+        <p14:creationId xmlns:p14="http://schemas.microsoft.com/office/powerpoint/2010/main" val="3017250443"/>
       </p:ext>
     </p:extLst>
   </p:cSld>
@@ -763,7 +1204,7 @@
           <a:p>
             <a:fld id="{DD6D9246-4FED-8E4D-BC9B-CDD794F2A5B7}" type="datetimeFigureOut">
               <a:rPr lang="en-US" smtClean="0"/>
-              <a:t>2/11/22</a:t>
+              <a:t>6/23/22</a:t>
             </a:fld>
             <a:endParaRPr lang="en-US"/>
           </a:p>
@@ -814,7 +1255,7 @@
     </p:spTree>
     <p:extLst>
       <p:ext uri="{BB962C8B-B14F-4D97-AF65-F5344CB8AC3E}">
-        <p14:creationId xmlns:p14="http://schemas.microsoft.com/office/powerpoint/2010/main" val="2197428051"/>
+        <p14:creationId xmlns:p14="http://schemas.microsoft.com/office/powerpoint/2010/main" val="2030343763"/>
       </p:ext>
     </p:extLst>
   </p:cSld>
@@ -853,15 +1294,15 @@
         </p:nvSpPr>
         <p:spPr>
           <a:xfrm>
-            <a:off x="842248" y="1139826"/>
-            <a:ext cx="10647045" cy="1901825"/>
+            <a:off x="842248" y="1185340"/>
+            <a:ext cx="10647045" cy="1977766"/>
           </a:xfrm>
         </p:spPr>
         <p:txBody>
           <a:bodyPr anchor="b"/>
           <a:lstStyle>
             <a:lvl1pPr>
-              <a:defRPr sz="4000"/>
+              <a:defRPr sz="4160"/>
             </a:lvl1pPr>
           </a:lstStyle>
           <a:p>
@@ -885,8 +1326,8 @@
         </p:nvSpPr>
         <p:spPr>
           <a:xfrm>
-            <a:off x="842248" y="3059642"/>
-            <a:ext cx="10647045" cy="1000125"/>
+            <a:off x="842248" y="3181816"/>
+            <a:ext cx="10647045" cy="1040060"/>
           </a:xfrm>
         </p:spPr>
         <p:txBody>
@@ -894,7 +1335,7 @@
           <a:lstStyle>
             <a:lvl1pPr marL="0" indent="0">
               <a:buNone/>
-              <a:defRPr sz="1600">
+              <a:defRPr sz="1664">
                 <a:solidFill>
                   <a:schemeClr val="tx1">
                     <a:tint val="75000"/>
@@ -902,9 +1343,9 @@
                 </a:solidFill>
               </a:defRPr>
             </a:lvl1pPr>
-            <a:lvl2pPr marL="304815" indent="0">
+            <a:lvl2pPr marL="316977" indent="0">
               <a:buNone/>
-              <a:defRPr sz="1333">
+              <a:defRPr sz="1387">
                 <a:solidFill>
                   <a:schemeClr val="tx1">
                     <a:tint val="75000"/>
@@ -912,9 +1353,9 @@
                 </a:solidFill>
               </a:defRPr>
             </a:lvl2pPr>
-            <a:lvl3pPr marL="609630" indent="0">
+            <a:lvl3pPr marL="633954" indent="0">
               <a:buNone/>
-              <a:defRPr sz="1200">
+              <a:defRPr sz="1248">
                 <a:solidFill>
                   <a:schemeClr val="tx1">
                     <a:tint val="75000"/>
@@ -922,9 +1363,9 @@
                 </a:solidFill>
               </a:defRPr>
             </a:lvl3pPr>
-            <a:lvl4pPr marL="914446" indent="0">
+            <a:lvl4pPr marL="950930" indent="0">
               <a:buNone/>
-              <a:defRPr sz="1067">
+              <a:defRPr sz="1109">
                 <a:solidFill>
                   <a:schemeClr val="tx1">
                     <a:tint val="75000"/>
@@ -932,9 +1373,9 @@
                 </a:solidFill>
               </a:defRPr>
             </a:lvl4pPr>
-            <a:lvl5pPr marL="1219261" indent="0">
+            <a:lvl5pPr marL="1267907" indent="0">
               <a:buNone/>
-              <a:defRPr sz="1067">
+              <a:defRPr sz="1109">
                 <a:solidFill>
                   <a:schemeClr val="tx1">
                     <a:tint val="75000"/>
@@ -942,9 +1383,9 @@
                 </a:solidFill>
               </a:defRPr>
             </a:lvl5pPr>
-            <a:lvl6pPr marL="1524076" indent="0">
+            <a:lvl6pPr marL="1584884" indent="0">
               <a:buNone/>
-              <a:defRPr sz="1067">
+              <a:defRPr sz="1109">
                 <a:solidFill>
                   <a:schemeClr val="tx1">
                     <a:tint val="75000"/>
@@ -952,9 +1393,9 @@
                 </a:solidFill>
               </a:defRPr>
             </a:lvl6pPr>
-            <a:lvl7pPr marL="1828891" indent="0">
+            <a:lvl7pPr marL="1901861" indent="0">
               <a:buNone/>
-              <a:defRPr sz="1067">
+              <a:defRPr sz="1109">
                 <a:solidFill>
                   <a:schemeClr val="tx1">
                     <a:tint val="75000"/>
@@ -962,9 +1403,9 @@
                 </a:solidFill>
               </a:defRPr>
             </a:lvl7pPr>
-            <a:lvl8pPr marL="2133707" indent="0">
+            <a:lvl8pPr marL="2218837" indent="0">
               <a:buNone/>
-              <a:defRPr sz="1067">
+              <a:defRPr sz="1109">
                 <a:solidFill>
                   <a:schemeClr val="tx1">
                     <a:tint val="75000"/>
@@ -972,9 +1413,9 @@
                 </a:solidFill>
               </a:defRPr>
             </a:lvl8pPr>
-            <a:lvl9pPr marL="2438522" indent="0">
+            <a:lvl9pPr marL="2535814" indent="0">
               <a:buNone/>
-              <a:defRPr sz="1067">
+              <a:defRPr sz="1109">
                 <a:solidFill>
                   <a:schemeClr val="tx1">
                     <a:tint val="75000"/>
@@ -1009,7 +1450,7 @@
           <a:p>
             <a:fld id="{DD6D9246-4FED-8E4D-BC9B-CDD794F2A5B7}" type="datetimeFigureOut">
               <a:rPr lang="en-US" smtClean="0"/>
-              <a:t>2/11/22</a:t>
+              <a:t>6/23/22</a:t>
             </a:fld>
             <a:endParaRPr lang="en-US"/>
           </a:p>
@@ -1060,7 +1501,7 @@
     </p:spTree>
     <p:extLst>
       <p:ext uri="{BB962C8B-B14F-4D97-AF65-F5344CB8AC3E}">
-        <p14:creationId xmlns:p14="http://schemas.microsoft.com/office/powerpoint/2010/main" val="3429102994"/>
+        <p14:creationId xmlns:p14="http://schemas.microsoft.com/office/powerpoint/2010/main" val="3987860263"/>
       </p:ext>
     </p:extLst>
   </p:cSld>
@@ -1122,8 +1563,8 @@
         </p:nvSpPr>
         <p:spPr>
           <a:xfrm>
-            <a:off x="848678" y="1217083"/>
-            <a:ext cx="5246370" cy="2900892"/>
+            <a:off x="848678" y="1265682"/>
+            <a:ext cx="5246370" cy="3016727"/>
           </a:xfrm>
         </p:spPr>
         <p:txBody>
@@ -1179,8 +1620,8 @@
         </p:nvSpPr>
         <p:spPr>
           <a:xfrm>
-            <a:off x="6249353" y="1217083"/>
-            <a:ext cx="5246370" cy="2900892"/>
+            <a:off x="6249353" y="1265682"/>
+            <a:ext cx="5246370" cy="3016727"/>
           </a:xfrm>
         </p:spPr>
         <p:txBody>
@@ -1241,7 +1682,7 @@
           <a:p>
             <a:fld id="{DD6D9246-4FED-8E4D-BC9B-CDD794F2A5B7}" type="datetimeFigureOut">
               <a:rPr lang="en-US" smtClean="0"/>
-              <a:t>2/11/22</a:t>
+              <a:t>6/23/22</a:t>
             </a:fld>
             <a:endParaRPr lang="en-US"/>
           </a:p>
@@ -1292,7 +1733,7 @@
     </p:spTree>
     <p:extLst>
       <p:ext uri="{BB962C8B-B14F-4D97-AF65-F5344CB8AC3E}">
-        <p14:creationId xmlns:p14="http://schemas.microsoft.com/office/powerpoint/2010/main" val="3533558518"/>
+        <p14:creationId xmlns:p14="http://schemas.microsoft.com/office/powerpoint/2010/main" val="3934672592"/>
       </p:ext>
     </p:extLst>
   </p:cSld>
@@ -1331,8 +1772,8 @@
         </p:nvSpPr>
         <p:spPr>
           <a:xfrm>
-            <a:off x="850285" y="243417"/>
-            <a:ext cx="10647045" cy="883709"/>
+            <a:off x="850285" y="253137"/>
+            <a:ext cx="10647045" cy="918996"/>
           </a:xfrm>
         </p:spPr>
         <p:txBody>
@@ -1359,8 +1800,8 @@
         </p:nvSpPr>
         <p:spPr>
           <a:xfrm>
-            <a:off x="850286" y="1120775"/>
-            <a:ext cx="5222259" cy="549275"/>
+            <a:off x="850286" y="1165528"/>
+            <a:ext cx="5222259" cy="571208"/>
           </a:xfrm>
         </p:spPr>
         <p:txBody>
@@ -1368,39 +1809,39 @@
           <a:lstStyle>
             <a:lvl1pPr marL="0" indent="0">
               <a:buNone/>
-              <a:defRPr sz="1600" b="1"/>
+              <a:defRPr sz="1664" b="1"/>
             </a:lvl1pPr>
-            <a:lvl2pPr marL="304815" indent="0">
+            <a:lvl2pPr marL="316977" indent="0">
               <a:buNone/>
-              <a:defRPr sz="1333" b="1"/>
+              <a:defRPr sz="1387" b="1"/>
             </a:lvl2pPr>
-            <a:lvl3pPr marL="609630" indent="0">
+            <a:lvl3pPr marL="633954" indent="0">
               <a:buNone/>
-              <a:defRPr sz="1200" b="1"/>
+              <a:defRPr sz="1248" b="1"/>
             </a:lvl3pPr>
-            <a:lvl4pPr marL="914446" indent="0">
+            <a:lvl4pPr marL="950930" indent="0">
               <a:buNone/>
-              <a:defRPr sz="1067" b="1"/>
+              <a:defRPr sz="1109" b="1"/>
             </a:lvl4pPr>
-            <a:lvl5pPr marL="1219261" indent="0">
+            <a:lvl5pPr marL="1267907" indent="0">
               <a:buNone/>
-              <a:defRPr sz="1067" b="1"/>
+              <a:defRPr sz="1109" b="1"/>
             </a:lvl5pPr>
-            <a:lvl6pPr marL="1524076" indent="0">
+            <a:lvl6pPr marL="1584884" indent="0">
               <a:buNone/>
-              <a:defRPr sz="1067" b="1"/>
+              <a:defRPr sz="1109" b="1"/>
             </a:lvl6pPr>
-            <a:lvl7pPr marL="1828891" indent="0">
+            <a:lvl7pPr marL="1901861" indent="0">
               <a:buNone/>
-              <a:defRPr sz="1067" b="1"/>
+              <a:defRPr sz="1109" b="1"/>
             </a:lvl7pPr>
-            <a:lvl8pPr marL="2133707" indent="0">
+            <a:lvl8pPr marL="2218837" indent="0">
               <a:buNone/>
-              <a:defRPr sz="1067" b="1"/>
+              <a:defRPr sz="1109" b="1"/>
             </a:lvl8pPr>
-            <a:lvl9pPr marL="2438522" indent="0">
+            <a:lvl9pPr marL="2535814" indent="0">
               <a:buNone/>
-              <a:defRPr sz="1067" b="1"/>
+              <a:defRPr sz="1109" b="1"/>
             </a:lvl9pPr>
           </a:lstStyle>
           <a:p>
@@ -1424,8 +1865,8 @@
         </p:nvSpPr>
         <p:spPr>
           <a:xfrm>
-            <a:off x="850286" y="1670050"/>
-            <a:ext cx="5222259" cy="2456392"/>
+            <a:off x="850286" y="1736736"/>
+            <a:ext cx="5222259" cy="2554477"/>
           </a:xfrm>
         </p:spPr>
         <p:txBody>
@@ -1481,8 +1922,8 @@
         </p:nvSpPr>
         <p:spPr>
           <a:xfrm>
-            <a:off x="6249352" y="1120775"/>
-            <a:ext cx="5247978" cy="549275"/>
+            <a:off x="6249352" y="1165528"/>
+            <a:ext cx="5247978" cy="571208"/>
           </a:xfrm>
         </p:spPr>
         <p:txBody>
@@ -1490,39 +1931,39 @@
           <a:lstStyle>
             <a:lvl1pPr marL="0" indent="0">
               <a:buNone/>
-              <a:defRPr sz="1600" b="1"/>
+              <a:defRPr sz="1664" b="1"/>
             </a:lvl1pPr>
-            <a:lvl2pPr marL="304815" indent="0">
+            <a:lvl2pPr marL="316977" indent="0">
               <a:buNone/>
-              <a:defRPr sz="1333" b="1"/>
+              <a:defRPr sz="1387" b="1"/>
             </a:lvl2pPr>
-            <a:lvl3pPr marL="609630" indent="0">
+            <a:lvl3pPr marL="633954" indent="0">
               <a:buNone/>
-              <a:defRPr sz="1200" b="1"/>
+              <a:defRPr sz="1248" b="1"/>
             </a:lvl3pPr>
-            <a:lvl4pPr marL="914446" indent="0">
+            <a:lvl4pPr marL="950930" indent="0">
               <a:buNone/>
-              <a:defRPr sz="1067" b="1"/>
+              <a:defRPr sz="1109" b="1"/>
             </a:lvl4pPr>
-            <a:lvl5pPr marL="1219261" indent="0">
+            <a:lvl5pPr marL="1267907" indent="0">
               <a:buNone/>
-              <a:defRPr sz="1067" b="1"/>
+              <a:defRPr sz="1109" b="1"/>
             </a:lvl5pPr>
-            <a:lvl6pPr marL="1524076" indent="0">
+            <a:lvl6pPr marL="1584884" indent="0">
               <a:buNone/>
-              <a:defRPr sz="1067" b="1"/>
+              <a:defRPr sz="1109" b="1"/>
             </a:lvl6pPr>
-            <a:lvl7pPr marL="1828891" indent="0">
+            <a:lvl7pPr marL="1901861" indent="0">
               <a:buNone/>
-              <a:defRPr sz="1067" b="1"/>
+              <a:defRPr sz="1109" b="1"/>
             </a:lvl7pPr>
-            <a:lvl8pPr marL="2133707" indent="0">
+            <a:lvl8pPr marL="2218837" indent="0">
               <a:buNone/>
-              <a:defRPr sz="1067" b="1"/>
+              <a:defRPr sz="1109" b="1"/>
             </a:lvl8pPr>
-            <a:lvl9pPr marL="2438522" indent="0">
+            <a:lvl9pPr marL="2535814" indent="0">
               <a:buNone/>
-              <a:defRPr sz="1067" b="1"/>
+              <a:defRPr sz="1109" b="1"/>
             </a:lvl9pPr>
           </a:lstStyle>
           <a:p>
@@ -1546,8 +1987,8 @@
         </p:nvSpPr>
         <p:spPr>
           <a:xfrm>
-            <a:off x="6249352" y="1670050"/>
-            <a:ext cx="5247978" cy="2456392"/>
+            <a:off x="6249352" y="1736736"/>
+            <a:ext cx="5247978" cy="2554477"/>
           </a:xfrm>
         </p:spPr>
         <p:txBody>
@@ -1608,7 +2049,7 @@
           <a:p>
             <a:fld id="{DD6D9246-4FED-8E4D-BC9B-CDD794F2A5B7}" type="datetimeFigureOut">
               <a:rPr lang="en-US" smtClean="0"/>
-              <a:t>2/11/22</a:t>
+              <a:t>6/23/22</a:t>
             </a:fld>
             <a:endParaRPr lang="en-US"/>
           </a:p>
@@ -1659,7 +2100,7 @@
     </p:spTree>
     <p:extLst>
       <p:ext uri="{BB962C8B-B14F-4D97-AF65-F5344CB8AC3E}">
-        <p14:creationId xmlns:p14="http://schemas.microsoft.com/office/powerpoint/2010/main" val="2882431151"/>
+        <p14:creationId xmlns:p14="http://schemas.microsoft.com/office/powerpoint/2010/main" val="2166530467"/>
       </p:ext>
     </p:extLst>
   </p:cSld>
@@ -1726,7 +2167,7 @@
           <a:p>
             <a:fld id="{DD6D9246-4FED-8E4D-BC9B-CDD794F2A5B7}" type="datetimeFigureOut">
               <a:rPr lang="en-US" smtClean="0"/>
-              <a:t>2/11/22</a:t>
+              <a:t>6/23/22</a:t>
             </a:fld>
             <a:endParaRPr lang="en-US"/>
           </a:p>
@@ -1777,7 +2218,7 @@
     </p:spTree>
     <p:extLst>
       <p:ext uri="{BB962C8B-B14F-4D97-AF65-F5344CB8AC3E}">
-        <p14:creationId xmlns:p14="http://schemas.microsoft.com/office/powerpoint/2010/main" val="125232349"/>
+        <p14:creationId xmlns:p14="http://schemas.microsoft.com/office/powerpoint/2010/main" val="1015467324"/>
       </p:ext>
     </p:extLst>
   </p:cSld>
@@ -1821,7 +2262,7 @@
           <a:p>
             <a:fld id="{DD6D9246-4FED-8E4D-BC9B-CDD794F2A5B7}" type="datetimeFigureOut">
               <a:rPr lang="en-US" smtClean="0"/>
-              <a:t>2/11/22</a:t>
+              <a:t>6/23/22</a:t>
             </a:fld>
             <a:endParaRPr lang="en-US"/>
           </a:p>
@@ -1872,7 +2313,7 @@
     </p:spTree>
     <p:extLst>
       <p:ext uri="{BB962C8B-B14F-4D97-AF65-F5344CB8AC3E}">
-        <p14:creationId xmlns:p14="http://schemas.microsoft.com/office/powerpoint/2010/main" val="2993598731"/>
+        <p14:creationId xmlns:p14="http://schemas.microsoft.com/office/powerpoint/2010/main" val="3607978305"/>
       </p:ext>
     </p:extLst>
   </p:cSld>
@@ -1911,15 +2352,15 @@
         </p:nvSpPr>
         <p:spPr>
           <a:xfrm>
-            <a:off x="850286" y="304800"/>
-            <a:ext cx="3981390" cy="1066800"/>
+            <a:off x="850286" y="316971"/>
+            <a:ext cx="3981390" cy="1109398"/>
           </a:xfrm>
         </p:spPr>
         <p:txBody>
           <a:bodyPr anchor="b"/>
           <a:lstStyle>
             <a:lvl1pPr>
-              <a:defRPr sz="2133"/>
+              <a:defRPr sz="2219"/>
             </a:lvl1pPr>
           </a:lstStyle>
           <a:p>
@@ -1943,39 +2384,39 @@
         </p:nvSpPr>
         <p:spPr>
           <a:xfrm>
-            <a:off x="5247978" y="658284"/>
-            <a:ext cx="6249353" cy="3249083"/>
+            <a:off x="5247978" y="684570"/>
+            <a:ext cx="6249353" cy="3378821"/>
           </a:xfrm>
         </p:spPr>
         <p:txBody>
           <a:bodyPr/>
           <a:lstStyle>
             <a:lvl1pPr>
-              <a:defRPr sz="2133"/>
+              <a:defRPr sz="2219"/>
             </a:lvl1pPr>
             <a:lvl2pPr>
-              <a:defRPr sz="1867"/>
+              <a:defRPr sz="1941"/>
             </a:lvl2pPr>
             <a:lvl3pPr>
-              <a:defRPr sz="1600"/>
+              <a:defRPr sz="1664"/>
             </a:lvl3pPr>
             <a:lvl4pPr>
-              <a:defRPr sz="1333"/>
+              <a:defRPr sz="1387"/>
             </a:lvl4pPr>
             <a:lvl5pPr>
-              <a:defRPr sz="1333"/>
+              <a:defRPr sz="1387"/>
             </a:lvl5pPr>
             <a:lvl6pPr>
-              <a:defRPr sz="1333"/>
+              <a:defRPr sz="1387"/>
             </a:lvl6pPr>
             <a:lvl7pPr>
-              <a:defRPr sz="1333"/>
+              <a:defRPr sz="1387"/>
             </a:lvl7pPr>
             <a:lvl8pPr>
-              <a:defRPr sz="1333"/>
+              <a:defRPr sz="1387"/>
             </a:lvl8pPr>
             <a:lvl9pPr>
-              <a:defRPr sz="1333"/>
+              <a:defRPr sz="1387"/>
             </a:lvl9pPr>
           </a:lstStyle>
           <a:p>
@@ -2028,8 +2469,8 @@
         </p:nvSpPr>
         <p:spPr>
           <a:xfrm>
-            <a:off x="850286" y="1371600"/>
-            <a:ext cx="3981390" cy="2541059"/>
+            <a:off x="850286" y="1426369"/>
+            <a:ext cx="3981390" cy="2642525"/>
           </a:xfrm>
         </p:spPr>
         <p:txBody>
@@ -2037,39 +2478,39 @@
           <a:lstStyle>
             <a:lvl1pPr marL="0" indent="0">
               <a:buNone/>
-              <a:defRPr sz="1067"/>
+              <a:defRPr sz="1109"/>
             </a:lvl1pPr>
-            <a:lvl2pPr marL="304815" indent="0">
+            <a:lvl2pPr marL="316977" indent="0">
               <a:buNone/>
-              <a:defRPr sz="933"/>
+              <a:defRPr sz="971"/>
             </a:lvl2pPr>
-            <a:lvl3pPr marL="609630" indent="0">
+            <a:lvl3pPr marL="633954" indent="0">
               <a:buNone/>
-              <a:defRPr sz="800"/>
+              <a:defRPr sz="832"/>
             </a:lvl3pPr>
-            <a:lvl4pPr marL="914446" indent="0">
+            <a:lvl4pPr marL="950930" indent="0">
               <a:buNone/>
-              <a:defRPr sz="667"/>
+              <a:defRPr sz="693"/>
             </a:lvl4pPr>
-            <a:lvl5pPr marL="1219261" indent="0">
+            <a:lvl5pPr marL="1267907" indent="0">
               <a:buNone/>
-              <a:defRPr sz="667"/>
+              <a:defRPr sz="693"/>
             </a:lvl5pPr>
-            <a:lvl6pPr marL="1524076" indent="0">
+            <a:lvl6pPr marL="1584884" indent="0">
               <a:buNone/>
-              <a:defRPr sz="667"/>
+              <a:defRPr sz="693"/>
             </a:lvl6pPr>
-            <a:lvl7pPr marL="1828891" indent="0">
+            <a:lvl7pPr marL="1901861" indent="0">
               <a:buNone/>
-              <a:defRPr sz="667"/>
+              <a:defRPr sz="693"/>
             </a:lvl7pPr>
-            <a:lvl8pPr marL="2133707" indent="0">
+            <a:lvl8pPr marL="2218837" indent="0">
               <a:buNone/>
-              <a:defRPr sz="667"/>
+              <a:defRPr sz="693"/>
             </a:lvl8pPr>
-            <a:lvl9pPr marL="2438522" indent="0">
+            <a:lvl9pPr marL="2535814" indent="0">
               <a:buNone/>
-              <a:defRPr sz="667"/>
+              <a:defRPr sz="693"/>
             </a:lvl9pPr>
           </a:lstStyle>
           <a:p>
@@ -2098,7 +2539,7 @@
           <a:p>
             <a:fld id="{DD6D9246-4FED-8E4D-BC9B-CDD794F2A5B7}" type="datetimeFigureOut">
               <a:rPr lang="en-US" smtClean="0"/>
-              <a:t>2/11/22</a:t>
+              <a:t>6/23/22</a:t>
             </a:fld>
             <a:endParaRPr lang="en-US"/>
           </a:p>
@@ -2149,7 +2590,7 @@
     </p:spTree>
     <p:extLst>
       <p:ext uri="{BB962C8B-B14F-4D97-AF65-F5344CB8AC3E}">
-        <p14:creationId xmlns:p14="http://schemas.microsoft.com/office/powerpoint/2010/main" val="1996657658"/>
+        <p14:creationId xmlns:p14="http://schemas.microsoft.com/office/powerpoint/2010/main" val="2191581925"/>
       </p:ext>
     </p:extLst>
   </p:cSld>
@@ -2188,15 +2629,15 @@
         </p:nvSpPr>
         <p:spPr>
           <a:xfrm>
-            <a:off x="850286" y="304800"/>
-            <a:ext cx="3981390" cy="1066800"/>
+            <a:off x="850286" y="316971"/>
+            <a:ext cx="3981390" cy="1109398"/>
           </a:xfrm>
         </p:spPr>
         <p:txBody>
           <a:bodyPr anchor="b"/>
           <a:lstStyle>
             <a:lvl1pPr>
-              <a:defRPr sz="2133"/>
+              <a:defRPr sz="2219"/>
             </a:lvl1pPr>
           </a:lstStyle>
           <a:p>
@@ -2220,8 +2661,8 @@
         </p:nvSpPr>
         <p:spPr>
           <a:xfrm>
-            <a:off x="5247978" y="658284"/>
-            <a:ext cx="6249353" cy="3249083"/>
+            <a:off x="5247978" y="684570"/>
+            <a:ext cx="6249353" cy="3378821"/>
           </a:xfrm>
         </p:spPr>
         <p:txBody>
@@ -2229,39 +2670,39 @@
           <a:lstStyle>
             <a:lvl1pPr marL="0" indent="0">
               <a:buNone/>
-              <a:defRPr sz="2133"/>
+              <a:defRPr sz="2219"/>
             </a:lvl1pPr>
-            <a:lvl2pPr marL="304815" indent="0">
+            <a:lvl2pPr marL="316977" indent="0">
               <a:buNone/>
-              <a:defRPr sz="1867"/>
+              <a:defRPr sz="1941"/>
             </a:lvl2pPr>
-            <a:lvl3pPr marL="609630" indent="0">
+            <a:lvl3pPr marL="633954" indent="0">
               <a:buNone/>
-              <a:defRPr sz="1600"/>
+              <a:defRPr sz="1664"/>
             </a:lvl3pPr>
-            <a:lvl4pPr marL="914446" indent="0">
+            <a:lvl4pPr marL="950930" indent="0">
               <a:buNone/>
-              <a:defRPr sz="1333"/>
+              <a:defRPr sz="1387"/>
             </a:lvl4pPr>
-            <a:lvl5pPr marL="1219261" indent="0">
+            <a:lvl5pPr marL="1267907" indent="0">
               <a:buNone/>
-              <a:defRPr sz="1333"/>
+              <a:defRPr sz="1387"/>
             </a:lvl5pPr>
-            <a:lvl6pPr marL="1524076" indent="0">
+            <a:lvl6pPr marL="1584884" indent="0">
               <a:buNone/>
-              <a:defRPr sz="1333"/>
+              <a:defRPr sz="1387"/>
             </a:lvl6pPr>
-            <a:lvl7pPr marL="1828891" indent="0">
+            <a:lvl7pPr marL="1901861" indent="0">
               <a:buNone/>
-              <a:defRPr sz="1333"/>
+              <a:defRPr sz="1387"/>
             </a:lvl7pPr>
-            <a:lvl8pPr marL="2133707" indent="0">
+            <a:lvl8pPr marL="2218837" indent="0">
               <a:buNone/>
-              <a:defRPr sz="1333"/>
+              <a:defRPr sz="1387"/>
             </a:lvl8pPr>
-            <a:lvl9pPr marL="2438522" indent="0">
+            <a:lvl9pPr marL="2535814" indent="0">
               <a:buNone/>
-              <a:defRPr sz="1333"/>
+              <a:defRPr sz="1387"/>
             </a:lvl9pPr>
           </a:lstStyle>
           <a:p>
@@ -2285,8 +2726,8 @@
         </p:nvSpPr>
         <p:spPr>
           <a:xfrm>
-            <a:off x="850286" y="1371600"/>
-            <a:ext cx="3981390" cy="2541059"/>
+            <a:off x="850286" y="1426369"/>
+            <a:ext cx="3981390" cy="2642525"/>
           </a:xfrm>
         </p:spPr>
         <p:txBody>
@@ -2294,39 +2735,39 @@
           <a:lstStyle>
             <a:lvl1pPr marL="0" indent="0">
               <a:buNone/>
-              <a:defRPr sz="1067"/>
+              <a:defRPr sz="1109"/>
             </a:lvl1pPr>
-            <a:lvl2pPr marL="304815" indent="0">
+            <a:lvl2pPr marL="316977" indent="0">
               <a:buNone/>
-              <a:defRPr sz="933"/>
+              <a:defRPr sz="971"/>
             </a:lvl2pPr>
-            <a:lvl3pPr marL="609630" indent="0">
+            <a:lvl3pPr marL="633954" indent="0">
               <a:buNone/>
-              <a:defRPr sz="800"/>
+              <a:defRPr sz="832"/>
             </a:lvl3pPr>
-            <a:lvl4pPr marL="914446" indent="0">
+            <a:lvl4pPr marL="950930" indent="0">
               <a:buNone/>
-              <a:defRPr sz="667"/>
+              <a:defRPr sz="693"/>
             </a:lvl4pPr>
-            <a:lvl5pPr marL="1219261" indent="0">
+            <a:lvl5pPr marL="1267907" indent="0">
               <a:buNone/>
-              <a:defRPr sz="667"/>
+              <a:defRPr sz="693"/>
             </a:lvl5pPr>
-            <a:lvl6pPr marL="1524076" indent="0">
+            <a:lvl6pPr marL="1584884" indent="0">
               <a:buNone/>
-              <a:defRPr sz="667"/>
+              <a:defRPr sz="693"/>
             </a:lvl6pPr>
-            <a:lvl7pPr marL="1828891" indent="0">
+            <a:lvl7pPr marL="1901861" indent="0">
               <a:buNone/>
-              <a:defRPr sz="667"/>
+              <a:defRPr sz="693"/>
             </a:lvl7pPr>
-            <a:lvl8pPr marL="2133707" indent="0">
+            <a:lvl8pPr marL="2218837" indent="0">
               <a:buNone/>
-              <a:defRPr sz="667"/>
+              <a:defRPr sz="693"/>
             </a:lvl8pPr>
-            <a:lvl9pPr marL="2438522" indent="0">
+            <a:lvl9pPr marL="2535814" indent="0">
               <a:buNone/>
-              <a:defRPr sz="667"/>
+              <a:defRPr sz="693"/>
             </a:lvl9pPr>
           </a:lstStyle>
           <a:p>
@@ -2355,7 +2796,7 @@
           <a:p>
             <a:fld id="{DD6D9246-4FED-8E4D-BC9B-CDD794F2A5B7}" type="datetimeFigureOut">
               <a:rPr lang="en-US" smtClean="0"/>
-              <a:t>2/11/22</a:t>
+              <a:t>6/23/22</a:t>
             </a:fld>
             <a:endParaRPr lang="en-US"/>
           </a:p>
@@ -2406,7 +2847,7 @@
     </p:spTree>
     <p:extLst>
       <p:ext uri="{BB962C8B-B14F-4D97-AF65-F5344CB8AC3E}">
-        <p14:creationId xmlns:p14="http://schemas.microsoft.com/office/powerpoint/2010/main" val="1192855786"/>
+        <p14:creationId xmlns:p14="http://schemas.microsoft.com/office/powerpoint/2010/main" val="3935618335"/>
       </p:ext>
     </p:extLst>
   </p:cSld>
@@ -2450,8 +2891,8 @@
         </p:nvSpPr>
         <p:spPr>
           <a:xfrm>
-            <a:off x="848678" y="243417"/>
-            <a:ext cx="10647045" cy="883709"/>
+            <a:off x="848678" y="253137"/>
+            <a:ext cx="10647045" cy="918996"/>
           </a:xfrm>
           <a:prstGeom prst="rect">
             <a:avLst/>
@@ -2483,8 +2924,8 @@
         </p:nvSpPr>
         <p:spPr>
           <a:xfrm>
-            <a:off x="848678" y="1217083"/>
-            <a:ext cx="10647045" cy="2900892"/>
+            <a:off x="848678" y="1265682"/>
+            <a:ext cx="10647045" cy="3016727"/>
           </a:xfrm>
           <a:prstGeom prst="rect">
             <a:avLst/>
@@ -2545,8 +2986,8 @@
         </p:nvSpPr>
         <p:spPr>
           <a:xfrm>
-            <a:off x="848678" y="4237567"/>
-            <a:ext cx="2777490" cy="243417"/>
+            <a:off x="848678" y="4406776"/>
+            <a:ext cx="2777490" cy="253136"/>
           </a:xfrm>
           <a:prstGeom prst="rect">
             <a:avLst/>
@@ -2556,7 +2997,7 @@
           <a:bodyPr vert="horz" lIns="91440" tIns="45720" rIns="91440" bIns="45720" rtlCol="0" anchor="ctr"/>
           <a:lstStyle>
             <a:lvl1pPr algn="l">
-              <a:defRPr sz="800">
+              <a:defRPr sz="832">
                 <a:solidFill>
                   <a:schemeClr val="tx1">
                     <a:tint val="75000"/>
@@ -2568,7 +3009,7 @@
           <a:p>
             <a:fld id="{DD6D9246-4FED-8E4D-BC9B-CDD794F2A5B7}" type="datetimeFigureOut">
               <a:rPr lang="en-US" smtClean="0"/>
-              <a:t>2/11/22</a:t>
+              <a:t>6/23/22</a:t>
             </a:fld>
             <a:endParaRPr lang="en-US"/>
           </a:p>
@@ -2586,8 +3027,8 @@
         </p:nvSpPr>
         <p:spPr>
           <a:xfrm>
-            <a:off x="4089083" y="4237567"/>
-            <a:ext cx="4166235" cy="243417"/>
+            <a:off x="4089083" y="4406776"/>
+            <a:ext cx="4166235" cy="253136"/>
           </a:xfrm>
           <a:prstGeom prst="rect">
             <a:avLst/>
@@ -2597,7 +3038,7 @@
           <a:bodyPr vert="horz" lIns="91440" tIns="45720" rIns="91440" bIns="45720" rtlCol="0" anchor="ctr"/>
           <a:lstStyle>
             <a:lvl1pPr algn="ctr">
-              <a:defRPr sz="800">
+              <a:defRPr sz="832">
                 <a:solidFill>
                   <a:schemeClr val="tx1">
                     <a:tint val="75000"/>
@@ -2623,8 +3064,8 @@
         </p:nvSpPr>
         <p:spPr>
           <a:xfrm>
-            <a:off x="8718233" y="4237567"/>
-            <a:ext cx="2777490" cy="243417"/>
+            <a:off x="8718233" y="4406776"/>
+            <a:ext cx="2777490" cy="253136"/>
           </a:xfrm>
           <a:prstGeom prst="rect">
             <a:avLst/>
@@ -2634,7 +3075,7 @@
           <a:bodyPr vert="horz" lIns="91440" tIns="45720" rIns="91440" bIns="45720" rtlCol="0" anchor="ctr"/>
           <a:lstStyle>
             <a:lvl1pPr algn="r">
-              <a:defRPr sz="800">
+              <a:defRPr sz="832">
                 <a:solidFill>
                   <a:schemeClr val="tx1">
                     <a:tint val="75000"/>
@@ -2655,27 +3096,27 @@
     </p:spTree>
     <p:extLst>
       <p:ext uri="{BB962C8B-B14F-4D97-AF65-F5344CB8AC3E}">
-        <p14:creationId xmlns:p14="http://schemas.microsoft.com/office/powerpoint/2010/main" val="3321046470"/>
+        <p14:creationId xmlns:p14="http://schemas.microsoft.com/office/powerpoint/2010/main" val="2683191803"/>
       </p:ext>
     </p:extLst>
   </p:cSld>
   <p:clrMap bg1="lt1" tx1="dk1" bg2="lt2" tx2="dk2" accent1="accent1" accent2="accent2" accent3="accent3" accent4="accent4" accent5="accent5" accent6="accent6" hlink="hlink" folHlink="folHlink"/>
   <p:sldLayoutIdLst>
-    <p:sldLayoutId id="2147483709" r:id="rId1"/>
-    <p:sldLayoutId id="2147483710" r:id="rId2"/>
-    <p:sldLayoutId id="2147483711" r:id="rId3"/>
-    <p:sldLayoutId id="2147483712" r:id="rId4"/>
-    <p:sldLayoutId id="2147483713" r:id="rId5"/>
-    <p:sldLayoutId id="2147483714" r:id="rId6"/>
-    <p:sldLayoutId id="2147483715" r:id="rId7"/>
-    <p:sldLayoutId id="2147483716" r:id="rId8"/>
-    <p:sldLayoutId id="2147483717" r:id="rId9"/>
-    <p:sldLayoutId id="2147483718" r:id="rId10"/>
-    <p:sldLayoutId id="2147483719" r:id="rId11"/>
+    <p:sldLayoutId id="2147483757" r:id="rId1"/>
+    <p:sldLayoutId id="2147483758" r:id="rId2"/>
+    <p:sldLayoutId id="2147483759" r:id="rId3"/>
+    <p:sldLayoutId id="2147483760" r:id="rId4"/>
+    <p:sldLayoutId id="2147483761" r:id="rId5"/>
+    <p:sldLayoutId id="2147483762" r:id="rId6"/>
+    <p:sldLayoutId id="2147483763" r:id="rId7"/>
+    <p:sldLayoutId id="2147483764" r:id="rId8"/>
+    <p:sldLayoutId id="2147483765" r:id="rId9"/>
+    <p:sldLayoutId id="2147483766" r:id="rId10"/>
+    <p:sldLayoutId id="2147483767" r:id="rId11"/>
   </p:sldLayoutIdLst>
   <p:txStyles>
     <p:titleStyle>
-      <a:lvl1pPr algn="l" defTabSz="609630" rtl="0" eaLnBrk="1" latinLnBrk="0" hangingPunct="1">
+      <a:lvl1pPr algn="l" defTabSz="633954" rtl="0" eaLnBrk="1" latinLnBrk="0" hangingPunct="1">
         <a:lnSpc>
           <a:spcPct val="90000"/>
         </a:lnSpc>
@@ -2683,7 +3124,7 @@
           <a:spcPct val="0"/>
         </a:spcBef>
         <a:buNone/>
-        <a:defRPr sz="2933" kern="1200">
+        <a:defRPr sz="3051" kern="1200">
           <a:solidFill>
             <a:schemeClr val="tx1"/>
           </a:solidFill>
@@ -2694,16 +3135,16 @@
       </a:lvl1pPr>
     </p:titleStyle>
     <p:bodyStyle>
-      <a:lvl1pPr marL="152408" indent="-152408" algn="l" defTabSz="609630" rtl="0" eaLnBrk="1" latinLnBrk="0" hangingPunct="1">
+      <a:lvl1pPr marL="158488" indent="-158488" algn="l" defTabSz="633954" rtl="0" eaLnBrk="1" latinLnBrk="0" hangingPunct="1">
         <a:lnSpc>
           <a:spcPct val="90000"/>
         </a:lnSpc>
         <a:spcBef>
-          <a:spcPts val="667"/>
+          <a:spcPts val="693"/>
         </a:spcBef>
         <a:buFont typeface="Arial" panose="020B0604020202020204" pitchFamily="34" charset="0"/>
         <a:buChar char="•"/>
-        <a:defRPr sz="1867" kern="1200">
+        <a:defRPr sz="1941" kern="1200">
           <a:solidFill>
             <a:schemeClr val="tx1"/>
           </a:solidFill>
@@ -2712,16 +3153,16 @@
           <a:cs typeface="+mn-cs"/>
         </a:defRPr>
       </a:lvl1pPr>
-      <a:lvl2pPr marL="457223" indent="-152408" algn="l" defTabSz="609630" rtl="0" eaLnBrk="1" latinLnBrk="0" hangingPunct="1">
+      <a:lvl2pPr marL="475465" indent="-158488" algn="l" defTabSz="633954" rtl="0" eaLnBrk="1" latinLnBrk="0" hangingPunct="1">
         <a:lnSpc>
           <a:spcPct val="90000"/>
         </a:lnSpc>
         <a:spcBef>
-          <a:spcPts val="333"/>
+          <a:spcPts val="347"/>
         </a:spcBef>
         <a:buFont typeface="Arial" panose="020B0604020202020204" pitchFamily="34" charset="0"/>
         <a:buChar char="•"/>
-        <a:defRPr sz="1600" kern="1200">
+        <a:defRPr sz="1664" kern="1200">
           <a:solidFill>
             <a:schemeClr val="tx1"/>
           </a:solidFill>
@@ -2730,16 +3171,16 @@
           <a:cs typeface="+mn-cs"/>
         </a:defRPr>
       </a:lvl2pPr>
-      <a:lvl3pPr marL="762038" indent="-152408" algn="l" defTabSz="609630" rtl="0" eaLnBrk="1" latinLnBrk="0" hangingPunct="1">
+      <a:lvl3pPr marL="792442" indent="-158488" algn="l" defTabSz="633954" rtl="0" eaLnBrk="1" latinLnBrk="0" hangingPunct="1">
         <a:lnSpc>
           <a:spcPct val="90000"/>
         </a:lnSpc>
         <a:spcBef>
-          <a:spcPts val="333"/>
+          <a:spcPts val="347"/>
         </a:spcBef>
         <a:buFont typeface="Arial" panose="020B0604020202020204" pitchFamily="34" charset="0"/>
         <a:buChar char="•"/>
-        <a:defRPr sz="1333" kern="1200">
+        <a:defRPr sz="1387" kern="1200">
           <a:solidFill>
             <a:schemeClr val="tx1"/>
           </a:solidFill>
@@ -2748,16 +3189,16 @@
           <a:cs typeface="+mn-cs"/>
         </a:defRPr>
       </a:lvl3pPr>
-      <a:lvl4pPr marL="1066853" indent="-152408" algn="l" defTabSz="609630" rtl="0" eaLnBrk="1" latinLnBrk="0" hangingPunct="1">
+      <a:lvl4pPr marL="1109419" indent="-158488" algn="l" defTabSz="633954" rtl="0" eaLnBrk="1" latinLnBrk="0" hangingPunct="1">
         <a:lnSpc>
           <a:spcPct val="90000"/>
         </a:lnSpc>
         <a:spcBef>
-          <a:spcPts val="333"/>
+          <a:spcPts val="347"/>
         </a:spcBef>
         <a:buFont typeface="Arial" panose="020B0604020202020204" pitchFamily="34" charset="0"/>
         <a:buChar char="•"/>
-        <a:defRPr sz="1200" kern="1200">
+        <a:defRPr sz="1248" kern="1200">
           <a:solidFill>
             <a:schemeClr val="tx1"/>
           </a:solidFill>
@@ -2766,16 +3207,16 @@
           <a:cs typeface="+mn-cs"/>
         </a:defRPr>
       </a:lvl4pPr>
-      <a:lvl5pPr marL="1371669" indent="-152408" algn="l" defTabSz="609630" rtl="0" eaLnBrk="1" latinLnBrk="0" hangingPunct="1">
+      <a:lvl5pPr marL="1426395" indent="-158488" algn="l" defTabSz="633954" rtl="0" eaLnBrk="1" latinLnBrk="0" hangingPunct="1">
         <a:lnSpc>
           <a:spcPct val="90000"/>
         </a:lnSpc>
         <a:spcBef>
-          <a:spcPts val="333"/>
+          <a:spcPts val="347"/>
         </a:spcBef>
         <a:buFont typeface="Arial" panose="020B0604020202020204" pitchFamily="34" charset="0"/>
         <a:buChar char="•"/>
-        <a:defRPr sz="1200" kern="1200">
+        <a:defRPr sz="1248" kern="1200">
           <a:solidFill>
             <a:schemeClr val="tx1"/>
           </a:solidFill>
@@ -2784,16 +3225,16 @@
           <a:cs typeface="+mn-cs"/>
         </a:defRPr>
       </a:lvl5pPr>
-      <a:lvl6pPr marL="1676484" indent="-152408" algn="l" defTabSz="609630" rtl="0" eaLnBrk="1" latinLnBrk="0" hangingPunct="1">
+      <a:lvl6pPr marL="1743372" indent="-158488" algn="l" defTabSz="633954" rtl="0" eaLnBrk="1" latinLnBrk="0" hangingPunct="1">
         <a:lnSpc>
           <a:spcPct val="90000"/>
         </a:lnSpc>
         <a:spcBef>
-          <a:spcPts val="333"/>
+          <a:spcPts val="347"/>
         </a:spcBef>
         <a:buFont typeface="Arial" panose="020B0604020202020204" pitchFamily="34" charset="0"/>
         <a:buChar char="•"/>
-        <a:defRPr sz="1200" kern="1200">
+        <a:defRPr sz="1248" kern="1200">
           <a:solidFill>
             <a:schemeClr val="tx1"/>
           </a:solidFill>
@@ -2802,16 +3243,16 @@
           <a:cs typeface="+mn-cs"/>
         </a:defRPr>
       </a:lvl6pPr>
-      <a:lvl7pPr marL="1981299" indent="-152408" algn="l" defTabSz="609630" rtl="0" eaLnBrk="1" latinLnBrk="0" hangingPunct="1">
+      <a:lvl7pPr marL="2060349" indent="-158488" algn="l" defTabSz="633954" rtl="0" eaLnBrk="1" latinLnBrk="0" hangingPunct="1">
         <a:lnSpc>
           <a:spcPct val="90000"/>
         </a:lnSpc>
         <a:spcBef>
-          <a:spcPts val="333"/>
+          <a:spcPts val="347"/>
         </a:spcBef>
         <a:buFont typeface="Arial" panose="020B0604020202020204" pitchFamily="34" charset="0"/>
         <a:buChar char="•"/>
-        <a:defRPr sz="1200" kern="1200">
+        <a:defRPr sz="1248" kern="1200">
           <a:solidFill>
             <a:schemeClr val="tx1"/>
           </a:solidFill>
@@ -2820,16 +3261,16 @@
           <a:cs typeface="+mn-cs"/>
         </a:defRPr>
       </a:lvl7pPr>
-      <a:lvl8pPr marL="2286114" indent="-152408" algn="l" defTabSz="609630" rtl="0" eaLnBrk="1" latinLnBrk="0" hangingPunct="1">
+      <a:lvl8pPr marL="2377326" indent="-158488" algn="l" defTabSz="633954" rtl="0" eaLnBrk="1" latinLnBrk="0" hangingPunct="1">
         <a:lnSpc>
           <a:spcPct val="90000"/>
         </a:lnSpc>
         <a:spcBef>
-          <a:spcPts val="333"/>
+          <a:spcPts val="347"/>
         </a:spcBef>
         <a:buFont typeface="Arial" panose="020B0604020202020204" pitchFamily="34" charset="0"/>
         <a:buChar char="•"/>
-        <a:defRPr sz="1200" kern="1200">
+        <a:defRPr sz="1248" kern="1200">
           <a:solidFill>
             <a:schemeClr val="tx1"/>
           </a:solidFill>
@@ -2838,16 +3279,16 @@
           <a:cs typeface="+mn-cs"/>
         </a:defRPr>
       </a:lvl8pPr>
-      <a:lvl9pPr marL="2590930" indent="-152408" algn="l" defTabSz="609630" rtl="0" eaLnBrk="1" latinLnBrk="0" hangingPunct="1">
+      <a:lvl9pPr marL="2694302" indent="-158488" algn="l" defTabSz="633954" rtl="0" eaLnBrk="1" latinLnBrk="0" hangingPunct="1">
         <a:lnSpc>
           <a:spcPct val="90000"/>
         </a:lnSpc>
         <a:spcBef>
-          <a:spcPts val="333"/>
+          <a:spcPts val="347"/>
         </a:spcBef>
         <a:buFont typeface="Arial" panose="020B0604020202020204" pitchFamily="34" charset="0"/>
         <a:buChar char="•"/>
-        <a:defRPr sz="1200" kern="1200">
+        <a:defRPr sz="1248" kern="1200">
           <a:solidFill>
             <a:schemeClr val="tx1"/>
           </a:solidFill>
@@ -2861,8 +3302,8 @@
       <a:defPPr>
         <a:defRPr lang="en-US"/>
       </a:defPPr>
-      <a:lvl1pPr marL="0" algn="l" defTabSz="609630" rtl="0" eaLnBrk="1" latinLnBrk="0" hangingPunct="1">
-        <a:defRPr sz="1200" kern="1200">
+      <a:lvl1pPr marL="0" algn="l" defTabSz="633954" rtl="0" eaLnBrk="1" latinLnBrk="0" hangingPunct="1">
+        <a:defRPr sz="1248" kern="1200">
           <a:solidFill>
             <a:schemeClr val="tx1"/>
           </a:solidFill>
@@ -2871,8 +3312,8 @@
           <a:cs typeface="+mn-cs"/>
         </a:defRPr>
       </a:lvl1pPr>
-      <a:lvl2pPr marL="304815" algn="l" defTabSz="609630" rtl="0" eaLnBrk="1" latinLnBrk="0" hangingPunct="1">
-        <a:defRPr sz="1200" kern="1200">
+      <a:lvl2pPr marL="316977" algn="l" defTabSz="633954" rtl="0" eaLnBrk="1" latinLnBrk="0" hangingPunct="1">
+        <a:defRPr sz="1248" kern="1200">
           <a:solidFill>
             <a:schemeClr val="tx1"/>
           </a:solidFill>
@@ -2881,8 +3322,8 @@
           <a:cs typeface="+mn-cs"/>
         </a:defRPr>
       </a:lvl2pPr>
-      <a:lvl3pPr marL="609630" algn="l" defTabSz="609630" rtl="0" eaLnBrk="1" latinLnBrk="0" hangingPunct="1">
-        <a:defRPr sz="1200" kern="1200">
+      <a:lvl3pPr marL="633954" algn="l" defTabSz="633954" rtl="0" eaLnBrk="1" latinLnBrk="0" hangingPunct="1">
+        <a:defRPr sz="1248" kern="1200">
           <a:solidFill>
             <a:schemeClr val="tx1"/>
           </a:solidFill>
@@ -2891,8 +3332,8 @@
           <a:cs typeface="+mn-cs"/>
         </a:defRPr>
       </a:lvl3pPr>
-      <a:lvl4pPr marL="914446" algn="l" defTabSz="609630" rtl="0" eaLnBrk="1" latinLnBrk="0" hangingPunct="1">
-        <a:defRPr sz="1200" kern="1200">
+      <a:lvl4pPr marL="950930" algn="l" defTabSz="633954" rtl="0" eaLnBrk="1" latinLnBrk="0" hangingPunct="1">
+        <a:defRPr sz="1248" kern="1200">
           <a:solidFill>
             <a:schemeClr val="tx1"/>
           </a:solidFill>
@@ -2901,8 +3342,8 @@
           <a:cs typeface="+mn-cs"/>
         </a:defRPr>
       </a:lvl4pPr>
-      <a:lvl5pPr marL="1219261" algn="l" defTabSz="609630" rtl="0" eaLnBrk="1" latinLnBrk="0" hangingPunct="1">
-        <a:defRPr sz="1200" kern="1200">
+      <a:lvl5pPr marL="1267907" algn="l" defTabSz="633954" rtl="0" eaLnBrk="1" latinLnBrk="0" hangingPunct="1">
+        <a:defRPr sz="1248" kern="1200">
           <a:solidFill>
             <a:schemeClr val="tx1"/>
           </a:solidFill>
@@ -2911,8 +3352,8 @@
           <a:cs typeface="+mn-cs"/>
         </a:defRPr>
       </a:lvl5pPr>
-      <a:lvl6pPr marL="1524076" algn="l" defTabSz="609630" rtl="0" eaLnBrk="1" latinLnBrk="0" hangingPunct="1">
-        <a:defRPr sz="1200" kern="1200">
+      <a:lvl6pPr marL="1584884" algn="l" defTabSz="633954" rtl="0" eaLnBrk="1" latinLnBrk="0" hangingPunct="1">
+        <a:defRPr sz="1248" kern="1200">
           <a:solidFill>
             <a:schemeClr val="tx1"/>
           </a:solidFill>
@@ -2921,8 +3362,8 @@
           <a:cs typeface="+mn-cs"/>
         </a:defRPr>
       </a:lvl6pPr>
-      <a:lvl7pPr marL="1828891" algn="l" defTabSz="609630" rtl="0" eaLnBrk="1" latinLnBrk="0" hangingPunct="1">
-        <a:defRPr sz="1200" kern="1200">
+      <a:lvl7pPr marL="1901861" algn="l" defTabSz="633954" rtl="0" eaLnBrk="1" latinLnBrk="0" hangingPunct="1">
+        <a:defRPr sz="1248" kern="1200">
           <a:solidFill>
             <a:schemeClr val="tx1"/>
           </a:solidFill>
@@ -2931,8 +3372,8 @@
           <a:cs typeface="+mn-cs"/>
         </a:defRPr>
       </a:lvl7pPr>
-      <a:lvl8pPr marL="2133707" algn="l" defTabSz="609630" rtl="0" eaLnBrk="1" latinLnBrk="0" hangingPunct="1">
-        <a:defRPr sz="1200" kern="1200">
+      <a:lvl8pPr marL="2218837" algn="l" defTabSz="633954" rtl="0" eaLnBrk="1" latinLnBrk="0" hangingPunct="1">
+        <a:defRPr sz="1248" kern="1200">
           <a:solidFill>
             <a:schemeClr val="tx1"/>
           </a:solidFill>
@@ -2941,8 +3382,8 @@
           <a:cs typeface="+mn-cs"/>
         </a:defRPr>
       </a:lvl8pPr>
-      <a:lvl9pPr marL="2438522" algn="l" defTabSz="609630" rtl="0" eaLnBrk="1" latinLnBrk="0" hangingPunct="1">
-        <a:defRPr sz="1200" kern="1200">
+      <a:lvl9pPr marL="2535814" algn="l" defTabSz="633954" rtl="0" eaLnBrk="1" latinLnBrk="0" hangingPunct="1">
+        <a:defRPr sz="1248" kern="1200">
           <a:solidFill>
             <a:schemeClr val="tx1"/>
           </a:solidFill>
@@ -2987,7 +3428,7 @@
         </p:nvSpPr>
         <p:spPr>
           <a:xfrm>
-            <a:off x="4418501" y="1263886"/>
+            <a:off x="4418501" y="1914624"/>
             <a:ext cx="6697980" cy="477054"/>
           </a:xfrm>
           <a:prstGeom prst="rect">
@@ -3073,7 +3514,7 @@
         </p:nvCxnSpPr>
         <p:spPr>
           <a:xfrm>
-            <a:off x="1605547" y="1515755"/>
+            <a:off x="1605551" y="2166493"/>
             <a:ext cx="2785439" cy="0"/>
           </a:xfrm>
           <a:prstGeom prst="line">
@@ -3116,7 +3557,7 @@
         </p:nvCxnSpPr>
         <p:spPr>
           <a:xfrm>
-            <a:off x="1605541" y="1936309"/>
+            <a:off x="1605541" y="2548410"/>
             <a:ext cx="2054114" cy="0"/>
           </a:xfrm>
           <a:prstGeom prst="line">
@@ -3159,7 +3600,7 @@
         </p:nvCxnSpPr>
         <p:spPr>
           <a:xfrm>
-            <a:off x="9011112" y="1515755"/>
+            <a:off x="9011116" y="2166493"/>
             <a:ext cx="2573401" cy="0"/>
           </a:xfrm>
           <a:prstGeom prst="line">
@@ -3202,7 +3643,7 @@
         </p:nvCxnSpPr>
         <p:spPr>
           <a:xfrm>
-            <a:off x="9592310" y="1936309"/>
+            <a:off x="9592314" y="2548410"/>
             <a:ext cx="1992203" cy="0"/>
           </a:xfrm>
           <a:prstGeom prst="line">
@@ -3243,7 +3684,7 @@
         </p:nvSpPr>
         <p:spPr>
           <a:xfrm>
-            <a:off x="233405" y="1305397"/>
+            <a:off x="233413" y="1956135"/>
             <a:ext cx="1237617" cy="369332"/>
           </a:xfrm>
           <a:prstGeom prst="rect">
@@ -3280,7 +3721,7 @@
         </p:nvSpPr>
         <p:spPr>
           <a:xfrm>
-            <a:off x="3659655" y="1689162"/>
+            <a:off x="3659655" y="2301263"/>
             <a:ext cx="5959730" cy="477054"/>
           </a:xfrm>
           <a:prstGeom prst="rect">
@@ -3388,7 +3829,7 @@
         </p:nvSpPr>
         <p:spPr>
           <a:xfrm>
-            <a:off x="233405" y="1745672"/>
+            <a:off x="233413" y="2357773"/>
             <a:ext cx="1237617" cy="369332"/>
           </a:xfrm>
           <a:prstGeom prst="rect">
@@ -3424,7 +3865,7 @@
         </p:nvSpPr>
         <p:spPr>
           <a:xfrm>
-            <a:off x="11746997" y="1340155"/>
+            <a:off x="11740900" y="1990893"/>
             <a:ext cx="1237617" cy="369332"/>
           </a:xfrm>
           <a:prstGeom prst="rect">
@@ -3459,7 +3900,7 @@
         </p:nvSpPr>
         <p:spPr>
           <a:xfrm>
-            <a:off x="11746997" y="1767307"/>
+            <a:off x="11740900" y="2379408"/>
             <a:ext cx="1237617" cy="369332"/>
           </a:xfrm>
           <a:prstGeom prst="rect">
@@ -3496,7 +3937,7 @@
         </p:nvCxnSpPr>
         <p:spPr>
           <a:xfrm>
-            <a:off x="1605541" y="3162833"/>
+            <a:off x="1605541" y="3762055"/>
             <a:ext cx="1303020" cy="0"/>
           </a:xfrm>
           <a:prstGeom prst="line">
@@ -3537,7 +3978,7 @@
         </p:nvCxnSpPr>
         <p:spPr>
           <a:xfrm>
-            <a:off x="10281487" y="3162833"/>
+            <a:off x="10281487" y="3762055"/>
             <a:ext cx="1303020" cy="0"/>
           </a:xfrm>
           <a:prstGeom prst="line">
@@ -3578,7 +4019,7 @@
         </p:nvSpPr>
         <p:spPr>
           <a:xfrm>
-            <a:off x="2908561" y="2929279"/>
+            <a:off x="2908561" y="3528501"/>
             <a:ext cx="7615784" cy="477054"/>
           </a:xfrm>
           <a:prstGeom prst="rect">
@@ -3686,7 +4127,7 @@
         </p:nvSpPr>
         <p:spPr>
           <a:xfrm>
-            <a:off x="233409" y="2992191"/>
+            <a:off x="233413" y="3591413"/>
             <a:ext cx="1237617" cy="369332"/>
           </a:xfrm>
           <a:prstGeom prst="rect">
@@ -3723,7 +4164,7 @@
         </p:nvSpPr>
         <p:spPr>
           <a:xfrm>
-            <a:off x="11747001" y="3000705"/>
+            <a:off x="11740900" y="3599927"/>
             <a:ext cx="1237617" cy="369332"/>
           </a:xfrm>
           <a:prstGeom prst="rect">
@@ -3758,7 +4199,7 @@
         </p:nvSpPr>
         <p:spPr>
           <a:xfrm rot="16200000">
-            <a:off x="9410552" y="3067837"/>
+            <a:off x="9410552" y="3447923"/>
             <a:ext cx="369332" cy="1338398"/>
           </a:xfrm>
           <a:prstGeom prst="leftBrace">
@@ -3810,7 +4251,7 @@
         </p:nvSpPr>
         <p:spPr>
           <a:xfrm rot="16200000">
-            <a:off x="3557897" y="3040775"/>
+            <a:off x="3557901" y="3420861"/>
             <a:ext cx="409377" cy="1438850"/>
           </a:xfrm>
           <a:prstGeom prst="leftBrace">
@@ -3862,7 +4303,7 @@
         </p:nvSpPr>
         <p:spPr>
           <a:xfrm rot="16200000">
-            <a:off x="6212659" y="1913371"/>
+            <a:off x="6212663" y="2293457"/>
             <a:ext cx="409377" cy="3715436"/>
           </a:xfrm>
           <a:prstGeom prst="leftBrace">
@@ -3914,7 +4355,7 @@
         </p:nvSpPr>
         <p:spPr>
           <a:xfrm rot="16200000">
-            <a:off x="8435289" y="3466635"/>
+            <a:off x="8435293" y="3846721"/>
             <a:ext cx="330521" cy="565346"/>
           </a:xfrm>
           <a:prstGeom prst="leftBrace">
@@ -3966,7 +4407,7 @@
         </p:nvSpPr>
         <p:spPr>
           <a:xfrm>
-            <a:off x="5688465" y="4006190"/>
+            <a:off x="5688465" y="4386276"/>
             <a:ext cx="2055976" cy="400110"/>
           </a:xfrm>
           <a:prstGeom prst="rect">
@@ -4004,7 +4445,7 @@
         </p:nvSpPr>
         <p:spPr>
           <a:xfrm>
-            <a:off x="7907884" y="4006190"/>
+            <a:off x="7907888" y="4386276"/>
             <a:ext cx="1392923" cy="400110"/>
           </a:xfrm>
           <a:prstGeom prst="rect">
@@ -4042,7 +4483,7 @@
         </p:nvSpPr>
         <p:spPr>
           <a:xfrm>
-            <a:off x="9300807" y="4006190"/>
+            <a:off x="9300811" y="4386276"/>
             <a:ext cx="767823" cy="400110"/>
           </a:xfrm>
           <a:prstGeom prst="rect">
@@ -4080,7 +4521,7 @@
         </p:nvSpPr>
         <p:spPr>
           <a:xfrm>
-            <a:off x="3364295" y="4006190"/>
+            <a:off x="3364299" y="4386276"/>
             <a:ext cx="767823" cy="400110"/>
           </a:xfrm>
           <a:prstGeom prst="rect">
@@ -4104,483 +4545,504 @@
           </a:p>
         </p:txBody>
       </p:sp>
-      <p:sp>
-        <p:nvSpPr>
-          <p:cNvPr id="138" name="TextBox 137">
+      <p:grpSp>
+        <p:nvGrpSpPr>
+          <p:cNvPr id="2" name="Group 1">
             <a:extLst>
               <a:ext uri="{FF2B5EF4-FFF2-40B4-BE49-F238E27FC236}">
-                <a16:creationId xmlns:a16="http://schemas.microsoft.com/office/drawing/2014/main" id="{9BFC8EEB-1A0D-0A48-98DE-1BB80F380F5A}"/>
+                <a16:creationId xmlns:a16="http://schemas.microsoft.com/office/drawing/2014/main" id="{DF7CAE90-9EDC-D9CD-57F4-77EB9BEB22E1}"/>
               </a:ext>
             </a:extLst>
           </p:cNvPr>
-          <p:cNvSpPr txBox="1"/>
+          <p:cNvGrpSpPr/>
           <p:nvPr/>
-        </p:nvSpPr>
-        <p:spPr>
+        </p:nvGrpSpPr>
+        <p:grpSpPr>
           <a:xfrm>
-            <a:off x="4418501" y="848982"/>
-            <a:ext cx="6697980" cy="477054"/>
-          </a:xfrm>
-          <a:prstGeom prst="rect">
-            <a:avLst/>
-          </a:prstGeom>
-          <a:noFill/>
-        </p:spPr>
-        <p:txBody>
-          <a:bodyPr wrap="square" rtlCol="0">
-            <a:spAutoFit/>
-          </a:bodyPr>
-          <a:lstStyle/>
-          <a:p>
-            <a:r>
-              <a:rPr lang="en-US" sz="2500" dirty="0">
-                <a:solidFill>
-                  <a:schemeClr val="accent4">
-                    <a:lumMod val="60000"/>
-                    <a:lumOff val="40000"/>
-                  </a:schemeClr>
-                </a:solidFill>
-                <a:latin typeface="Courier" pitchFamily="2" charset="0"/>
-              </a:rPr>
-              <a:t>ATCGATGCTGATGCTA</a:t>
-            </a:r>
-            <a:r>
-              <a:rPr lang="en-US" sz="2500" dirty="0">
-                <a:solidFill>
-                  <a:srgbClr val="FF0000"/>
-                </a:solidFill>
-                <a:latin typeface="Courier" pitchFamily="2" charset="0"/>
-              </a:rPr>
-              <a:t>G</a:t>
-            </a:r>
-            <a:r>
-              <a:rPr lang="en-US" sz="2500" dirty="0">
-                <a:solidFill>
-                  <a:schemeClr val="accent4">
-                    <a:lumMod val="60000"/>
-                    <a:lumOff val="40000"/>
-                  </a:schemeClr>
-                </a:solidFill>
-                <a:latin typeface="Courier" pitchFamily="2" charset="0"/>
-              </a:rPr>
-              <a:t>ATA</a:t>
-            </a:r>
-            <a:r>
-              <a:rPr lang="en-US" sz="2500" dirty="0">
-                <a:solidFill>
-                  <a:srgbClr val="FF0000"/>
-                </a:solidFill>
-                <a:latin typeface="Courier" pitchFamily="2" charset="0"/>
-              </a:rPr>
-              <a:t>A</a:t>
-            </a:r>
-            <a:r>
-              <a:rPr lang="en-US" sz="2500" dirty="0">
-                <a:solidFill>
-                  <a:schemeClr val="accent2">
-                    <a:lumMod val="75000"/>
-                  </a:schemeClr>
-                </a:solidFill>
-                <a:latin typeface="Courier" pitchFamily="2" charset="0"/>
-              </a:rPr>
-              <a:t>GG</a:t>
-            </a:r>
-          </a:p>
-        </p:txBody>
-      </p:sp>
-      <p:cxnSp>
-        <p:nvCxnSpPr>
-          <p:cNvPr id="139" name="Straight Connector 138">
-            <a:extLst>
-              <a:ext uri="{FF2B5EF4-FFF2-40B4-BE49-F238E27FC236}">
-                <a16:creationId xmlns:a16="http://schemas.microsoft.com/office/drawing/2014/main" id="{9B502C1C-B6D0-2F4B-AC27-CA377546D459}"/>
-              </a:ext>
-            </a:extLst>
-          </p:cNvPr>
-          <p:cNvCxnSpPr>
-            <a:cxnSpLocks/>
-          </p:cNvCxnSpPr>
-          <p:nvPr/>
-        </p:nvCxnSpPr>
-        <p:spPr>
-          <a:xfrm>
-            <a:off x="1605547" y="1100851"/>
-            <a:ext cx="2769397" cy="0"/>
-          </a:xfrm>
-          <a:prstGeom prst="line">
-            <a:avLst/>
-          </a:prstGeom>
-          <a:ln w="22225">
-            <a:solidFill>
+            <a:off x="-164978" y="60491"/>
+            <a:ext cx="13149592" cy="1170845"/>
+            <a:chOff x="-164978" y="1983991"/>
+            <a:chExt cx="13149592" cy="1170845"/>
+          </a:xfrm>
+        </p:grpSpPr>
+        <p:sp>
+          <p:nvSpPr>
+            <p:cNvPr id="138" name="TextBox 137">
+              <a:extLst>
+                <a:ext uri="{FF2B5EF4-FFF2-40B4-BE49-F238E27FC236}">
+                  <a16:creationId xmlns:a16="http://schemas.microsoft.com/office/drawing/2014/main" id="{9BFC8EEB-1A0D-0A48-98DE-1BB80F380F5A}"/>
+                </a:ext>
+              </a:extLst>
+            </p:cNvPr>
+            <p:cNvSpPr txBox="1"/>
+            <p:nvPr/>
+          </p:nvSpPr>
+          <p:spPr>
+            <a:xfrm>
+              <a:off x="4418501" y="2677782"/>
+              <a:ext cx="6697980" cy="477054"/>
+            </a:xfrm>
+            <a:prstGeom prst="rect">
+              <a:avLst/>
+            </a:prstGeom>
+            <a:noFill/>
+          </p:spPr>
+          <p:txBody>
+            <a:bodyPr wrap="square" rtlCol="0">
+              <a:spAutoFit/>
+            </a:bodyPr>
+            <a:lstStyle/>
+            <a:p>
+              <a:r>
+                <a:rPr lang="en-US" sz="2500" dirty="0">
+                  <a:solidFill>
+                    <a:schemeClr val="accent4">
+                      <a:lumMod val="60000"/>
+                      <a:lumOff val="40000"/>
+                    </a:schemeClr>
+                  </a:solidFill>
+                  <a:latin typeface="Courier" pitchFamily="2" charset="0"/>
+                </a:rPr>
+                <a:t>ATCGATGCTGATGCTA</a:t>
+              </a:r>
+              <a:r>
+                <a:rPr lang="en-US" sz="2500" dirty="0">
+                  <a:solidFill>
+                    <a:srgbClr val="FF0000"/>
+                  </a:solidFill>
+                  <a:latin typeface="Courier" pitchFamily="2" charset="0"/>
+                </a:rPr>
+                <a:t>G</a:t>
+              </a:r>
+              <a:r>
+                <a:rPr lang="en-US" sz="2500" dirty="0">
+                  <a:solidFill>
+                    <a:schemeClr val="accent4">
+                      <a:lumMod val="60000"/>
+                      <a:lumOff val="40000"/>
+                    </a:schemeClr>
+                  </a:solidFill>
+                  <a:latin typeface="Courier" pitchFamily="2" charset="0"/>
+                </a:rPr>
+                <a:t>ATA</a:t>
+              </a:r>
+              <a:r>
+                <a:rPr lang="en-US" sz="2500" dirty="0">
+                  <a:solidFill>
+                    <a:srgbClr val="FF0000"/>
+                  </a:solidFill>
+                  <a:latin typeface="Courier" pitchFamily="2" charset="0"/>
+                </a:rPr>
+                <a:t>A</a:t>
+              </a:r>
+              <a:r>
+                <a:rPr lang="en-US" sz="2500" dirty="0">
+                  <a:solidFill>
+                    <a:schemeClr val="accent2">
+                      <a:lumMod val="75000"/>
+                    </a:schemeClr>
+                  </a:solidFill>
+                  <a:latin typeface="Courier" pitchFamily="2" charset="0"/>
+                </a:rPr>
+                <a:t>GG</a:t>
+              </a:r>
+            </a:p>
+          </p:txBody>
+        </p:sp>
+        <p:cxnSp>
+          <p:nvCxnSpPr>
+            <p:cNvPr id="139" name="Straight Connector 138">
+              <a:extLst>
+                <a:ext uri="{FF2B5EF4-FFF2-40B4-BE49-F238E27FC236}">
+                  <a16:creationId xmlns:a16="http://schemas.microsoft.com/office/drawing/2014/main" id="{9B502C1C-B6D0-2F4B-AC27-CA377546D459}"/>
+                </a:ext>
+              </a:extLst>
+            </p:cNvPr>
+            <p:cNvCxnSpPr>
+              <a:cxnSpLocks/>
+            </p:cNvCxnSpPr>
+            <p:nvPr/>
+          </p:nvCxnSpPr>
+          <p:spPr>
+            <a:xfrm>
+              <a:off x="1605548" y="2929651"/>
+              <a:ext cx="2769397" cy="0"/>
+            </a:xfrm>
+            <a:prstGeom prst="line">
+              <a:avLst/>
+            </a:prstGeom>
+            <a:ln w="22225">
+              <a:solidFill>
+                <a:schemeClr val="tx1"/>
+              </a:solidFill>
+            </a:ln>
+          </p:spPr>
+          <p:style>
+            <a:lnRef idx="1">
+              <a:schemeClr val="accent1"/>
+            </a:lnRef>
+            <a:fillRef idx="0">
+              <a:schemeClr val="accent1"/>
+            </a:fillRef>
+            <a:effectRef idx="0">
+              <a:schemeClr val="accent1"/>
+            </a:effectRef>
+            <a:fontRef idx="minor">
               <a:schemeClr val="tx1"/>
-            </a:solidFill>
-          </a:ln>
-        </p:spPr>
-        <p:style>
-          <a:lnRef idx="1">
-            <a:schemeClr val="accent1"/>
-          </a:lnRef>
-          <a:fillRef idx="0">
-            <a:schemeClr val="accent1"/>
-          </a:fillRef>
-          <a:effectRef idx="0">
-            <a:schemeClr val="accent1"/>
-          </a:effectRef>
-          <a:fontRef idx="minor">
-            <a:schemeClr val="tx1"/>
-          </a:fontRef>
-        </p:style>
-      </p:cxnSp>
-      <p:cxnSp>
-        <p:nvCxnSpPr>
-          <p:cNvPr id="140" name="Straight Connector 139">
-            <a:extLst>
-              <a:ext uri="{FF2B5EF4-FFF2-40B4-BE49-F238E27FC236}">
-                <a16:creationId xmlns:a16="http://schemas.microsoft.com/office/drawing/2014/main" id="{B25D61B9-2E97-5A45-AE38-ED08B9B042B9}"/>
-              </a:ext>
-            </a:extLst>
-          </p:cNvPr>
-          <p:cNvCxnSpPr>
-            <a:cxnSpLocks/>
-          </p:cNvCxnSpPr>
-          <p:nvPr/>
-        </p:nvCxnSpPr>
-        <p:spPr>
-          <a:xfrm>
-            <a:off x="8979028" y="1100851"/>
-            <a:ext cx="2605485" cy="0"/>
-          </a:xfrm>
-          <a:prstGeom prst="line">
-            <a:avLst/>
-          </a:prstGeom>
-          <a:ln w="22225">
-            <a:solidFill>
+            </a:fontRef>
+          </p:style>
+        </p:cxnSp>
+        <p:cxnSp>
+          <p:nvCxnSpPr>
+            <p:cNvPr id="140" name="Straight Connector 139">
+              <a:extLst>
+                <a:ext uri="{FF2B5EF4-FFF2-40B4-BE49-F238E27FC236}">
+                  <a16:creationId xmlns:a16="http://schemas.microsoft.com/office/drawing/2014/main" id="{B25D61B9-2E97-5A45-AE38-ED08B9B042B9}"/>
+                </a:ext>
+              </a:extLst>
+            </p:cNvPr>
+            <p:cNvCxnSpPr>
+              <a:cxnSpLocks/>
+            </p:cNvCxnSpPr>
+            <p:nvPr/>
+          </p:nvCxnSpPr>
+          <p:spPr>
+            <a:xfrm>
+              <a:off x="8979029" y="2929651"/>
+              <a:ext cx="2605485" cy="0"/>
+            </a:xfrm>
+            <a:prstGeom prst="line">
+              <a:avLst/>
+            </a:prstGeom>
+            <a:ln w="22225">
+              <a:solidFill>
+                <a:schemeClr val="tx1"/>
+              </a:solidFill>
+            </a:ln>
+          </p:spPr>
+          <p:style>
+            <a:lnRef idx="1">
+              <a:schemeClr val="accent1"/>
+            </a:lnRef>
+            <a:fillRef idx="0">
+              <a:schemeClr val="accent1"/>
+            </a:fillRef>
+            <a:effectRef idx="0">
+              <a:schemeClr val="accent1"/>
+            </a:effectRef>
+            <a:fontRef idx="minor">
               <a:schemeClr val="tx1"/>
-            </a:solidFill>
-          </a:ln>
-        </p:spPr>
-        <p:style>
-          <a:lnRef idx="1">
-            <a:schemeClr val="accent1"/>
-          </a:lnRef>
-          <a:fillRef idx="0">
-            <a:schemeClr val="accent1"/>
-          </a:fillRef>
-          <a:effectRef idx="0">
-            <a:schemeClr val="accent1"/>
-          </a:effectRef>
-          <a:fontRef idx="minor">
-            <a:schemeClr val="tx1"/>
-          </a:fontRef>
-        </p:style>
-      </p:cxnSp>
-      <p:cxnSp>
-        <p:nvCxnSpPr>
-          <p:cNvPr id="141" name="Straight Arrow Connector 140">
-            <a:extLst>
-              <a:ext uri="{FF2B5EF4-FFF2-40B4-BE49-F238E27FC236}">
-                <a16:creationId xmlns:a16="http://schemas.microsoft.com/office/drawing/2014/main" id="{08BDB0FE-E39F-7444-A79D-D79DF408280C}"/>
-              </a:ext>
-            </a:extLst>
-          </p:cNvPr>
-          <p:cNvCxnSpPr>
-            <a:cxnSpLocks/>
-          </p:cNvCxnSpPr>
-          <p:nvPr/>
-        </p:nvCxnSpPr>
-        <p:spPr>
-          <a:xfrm flipV="1">
-            <a:off x="8427363" y="506200"/>
-            <a:ext cx="0" cy="383391"/>
-          </a:xfrm>
-          <a:prstGeom prst="straightConnector1">
-            <a:avLst/>
-          </a:prstGeom>
-          <a:ln w="28575">
-            <a:solidFill>
-              <a:srgbClr val="FF0000"/>
-            </a:solidFill>
-            <a:tailEnd type="triangle"/>
-          </a:ln>
-        </p:spPr>
-        <p:style>
-          <a:lnRef idx="1">
-            <a:schemeClr val="accent1"/>
-          </a:lnRef>
-          <a:fillRef idx="0">
-            <a:schemeClr val="accent1"/>
-          </a:fillRef>
-          <a:effectRef idx="0">
-            <a:schemeClr val="accent1"/>
-          </a:effectRef>
-          <a:fontRef idx="minor">
-            <a:schemeClr val="tx1"/>
-          </a:fontRef>
-        </p:style>
-      </p:cxnSp>
-      <p:sp>
-        <p:nvSpPr>
-          <p:cNvPr id="142" name="TextBox 141">
-            <a:extLst>
-              <a:ext uri="{FF2B5EF4-FFF2-40B4-BE49-F238E27FC236}">
-                <a16:creationId xmlns:a16="http://schemas.microsoft.com/office/drawing/2014/main" id="{2C44025A-0A77-AF4E-BFFE-9F92B6CB07BE}"/>
-              </a:ext>
-            </a:extLst>
-          </p:cNvPr>
-          <p:cNvSpPr txBox="1"/>
-          <p:nvPr/>
-        </p:nvSpPr>
-        <p:spPr>
-          <a:xfrm>
-            <a:off x="7907874" y="155191"/>
-            <a:ext cx="1584736" cy="369332"/>
-          </a:xfrm>
-          <a:prstGeom prst="rect">
-            <a:avLst/>
-          </a:prstGeom>
-          <a:noFill/>
-        </p:spPr>
-        <p:txBody>
-          <a:bodyPr wrap="square" rtlCol="0">
-            <a:spAutoFit/>
-          </a:bodyPr>
-          <a:lstStyle/>
-          <a:p>
-            <a:r>
-              <a:rPr lang="en-US" dirty="0">
-                <a:solidFill>
-                  <a:srgbClr val="FF0000"/>
-                </a:solidFill>
-              </a:rPr>
-              <a:t>PAM site</a:t>
-            </a:r>
-          </a:p>
-        </p:txBody>
-      </p:sp>
-      <p:sp>
-        <p:nvSpPr>
-          <p:cNvPr id="143" name="TextBox 142">
-            <a:extLst>
-              <a:ext uri="{FF2B5EF4-FFF2-40B4-BE49-F238E27FC236}">
-                <a16:creationId xmlns:a16="http://schemas.microsoft.com/office/drawing/2014/main" id="{A044D67F-480D-0B4F-8250-6375B2FE8220}"/>
-              </a:ext>
-            </a:extLst>
-          </p:cNvPr>
-          <p:cNvSpPr txBox="1"/>
-          <p:nvPr/>
-        </p:nvSpPr>
-        <p:spPr>
-          <a:xfrm>
-            <a:off x="6842635" y="155191"/>
-            <a:ext cx="1013263" cy="369332"/>
-          </a:xfrm>
-          <a:prstGeom prst="rect">
-            <a:avLst/>
-          </a:prstGeom>
-          <a:noFill/>
-        </p:spPr>
-        <p:txBody>
-          <a:bodyPr wrap="square" rtlCol="0">
-            <a:spAutoFit/>
-          </a:bodyPr>
-          <a:lstStyle/>
-          <a:p>
-            <a:r>
-              <a:rPr lang="en-US" dirty="0">
-                <a:solidFill>
-                  <a:srgbClr val="FF0000"/>
-                </a:solidFill>
-              </a:rPr>
-              <a:t>Cut site</a:t>
-            </a:r>
-          </a:p>
-        </p:txBody>
-      </p:sp>
-      <p:cxnSp>
-        <p:nvCxnSpPr>
-          <p:cNvPr id="144" name="Straight Arrow Connector 143">
-            <a:extLst>
-              <a:ext uri="{FF2B5EF4-FFF2-40B4-BE49-F238E27FC236}">
-                <a16:creationId xmlns:a16="http://schemas.microsoft.com/office/drawing/2014/main" id="{48009394-0FA5-D349-9E57-A50B993AB067}"/>
-              </a:ext>
-            </a:extLst>
-          </p:cNvPr>
-          <p:cNvCxnSpPr>
-            <a:cxnSpLocks/>
-          </p:cNvCxnSpPr>
-          <p:nvPr/>
-        </p:nvCxnSpPr>
-        <p:spPr>
-          <a:xfrm flipH="1" flipV="1">
-            <a:off x="7426292" y="538214"/>
-            <a:ext cx="198141" cy="359620"/>
-          </a:xfrm>
-          <a:prstGeom prst="straightConnector1">
-            <a:avLst/>
-          </a:prstGeom>
-          <a:ln w="28575">
-            <a:solidFill>
-              <a:srgbClr val="FF0000"/>
-            </a:solidFill>
-            <a:tailEnd type="triangle"/>
-          </a:ln>
-        </p:spPr>
-        <p:style>
-          <a:lnRef idx="1">
-            <a:schemeClr val="accent1"/>
-          </a:lnRef>
-          <a:fillRef idx="0">
-            <a:schemeClr val="accent1"/>
-          </a:fillRef>
-          <a:effectRef idx="0">
-            <a:schemeClr val="accent1"/>
-          </a:effectRef>
-          <a:fontRef idx="minor">
-            <a:schemeClr val="tx1"/>
-          </a:fontRef>
-        </p:style>
-      </p:cxnSp>
-      <p:sp>
-        <p:nvSpPr>
-          <p:cNvPr id="145" name="TextBox 144">
-            <a:extLst>
-              <a:ext uri="{FF2B5EF4-FFF2-40B4-BE49-F238E27FC236}">
-                <a16:creationId xmlns:a16="http://schemas.microsoft.com/office/drawing/2014/main" id="{5AF12E23-815D-F947-9118-BD309A15DCDA}"/>
-              </a:ext>
-            </a:extLst>
-          </p:cNvPr>
-          <p:cNvSpPr txBox="1"/>
-          <p:nvPr/>
-        </p:nvSpPr>
-        <p:spPr>
-          <a:xfrm>
-            <a:off x="-164978" y="865122"/>
-            <a:ext cx="1635997" cy="369332"/>
-          </a:xfrm>
-          <a:prstGeom prst="rect">
-            <a:avLst/>
-          </a:prstGeom>
-          <a:noFill/>
-        </p:spPr>
-        <p:txBody>
-          <a:bodyPr wrap="square" rtlCol="0">
-            <a:spAutoFit/>
-          </a:bodyPr>
-          <a:lstStyle/>
-          <a:p>
-            <a:pPr algn="r"/>
-            <a:r>
-              <a:rPr lang="en-US" dirty="0"/>
-              <a:t>(Protospacer)</a:t>
-            </a:r>
-          </a:p>
-        </p:txBody>
-      </p:sp>
-      <p:sp>
-        <p:nvSpPr>
-          <p:cNvPr id="146" name="TextBox 145">
-            <a:extLst>
-              <a:ext uri="{FF2B5EF4-FFF2-40B4-BE49-F238E27FC236}">
-                <a16:creationId xmlns:a16="http://schemas.microsoft.com/office/drawing/2014/main" id="{D6AA5B2F-4151-2043-A295-4B32C2A0865B}"/>
-              </a:ext>
-            </a:extLst>
-          </p:cNvPr>
-          <p:cNvSpPr txBox="1"/>
-          <p:nvPr/>
-        </p:nvSpPr>
-        <p:spPr>
-          <a:xfrm>
-            <a:off x="4260800" y="718868"/>
-            <a:ext cx="1013263" cy="369332"/>
-          </a:xfrm>
-          <a:prstGeom prst="rect">
-            <a:avLst/>
-          </a:prstGeom>
-          <a:noFill/>
-        </p:spPr>
-        <p:txBody>
-          <a:bodyPr wrap="square" rtlCol="0">
-            <a:spAutoFit/>
-          </a:bodyPr>
-          <a:lstStyle/>
-          <a:p>
-            <a:r>
-              <a:rPr lang="en-US" dirty="0"/>
-              <a:t>5’</a:t>
-            </a:r>
-          </a:p>
-        </p:txBody>
-      </p:sp>
-      <p:sp>
-        <p:nvSpPr>
-          <p:cNvPr id="147" name="TextBox 146">
-            <a:extLst>
-              <a:ext uri="{FF2B5EF4-FFF2-40B4-BE49-F238E27FC236}">
-                <a16:creationId xmlns:a16="http://schemas.microsoft.com/office/drawing/2014/main" id="{EFE33A65-E663-3C49-AA65-B034A09DE076}"/>
-              </a:ext>
-            </a:extLst>
-          </p:cNvPr>
-          <p:cNvSpPr txBox="1"/>
-          <p:nvPr/>
-        </p:nvSpPr>
-        <p:spPr>
-          <a:xfrm>
-            <a:off x="8882491" y="718868"/>
-            <a:ext cx="1013263" cy="369332"/>
-          </a:xfrm>
-          <a:prstGeom prst="rect">
-            <a:avLst/>
-          </a:prstGeom>
-          <a:noFill/>
-        </p:spPr>
-        <p:txBody>
-          <a:bodyPr wrap="square" rtlCol="0">
-            <a:spAutoFit/>
-          </a:bodyPr>
-          <a:lstStyle/>
-          <a:p>
-            <a:r>
-              <a:rPr lang="en-US" dirty="0"/>
-              <a:t>3’</a:t>
-            </a:r>
-          </a:p>
-        </p:txBody>
-      </p:sp>
-      <p:sp>
-        <p:nvSpPr>
-          <p:cNvPr id="148" name="TextBox 147">
-            <a:extLst>
-              <a:ext uri="{FF2B5EF4-FFF2-40B4-BE49-F238E27FC236}">
-                <a16:creationId xmlns:a16="http://schemas.microsoft.com/office/drawing/2014/main" id="{E9884D7E-D945-8948-8883-D42511E75F73}"/>
-              </a:ext>
-            </a:extLst>
-          </p:cNvPr>
-          <p:cNvSpPr txBox="1"/>
-          <p:nvPr/>
-        </p:nvSpPr>
-        <p:spPr>
-          <a:xfrm>
-            <a:off x="11746996" y="913003"/>
-            <a:ext cx="1237617" cy="369332"/>
-          </a:xfrm>
-          <a:prstGeom prst="rect">
-            <a:avLst/>
-          </a:prstGeom>
-          <a:noFill/>
-        </p:spPr>
-        <p:txBody>
-          <a:bodyPr wrap="square" rtlCol="0">
-            <a:spAutoFit/>
-          </a:bodyPr>
-          <a:lstStyle/>
-          <a:p>
-            <a:r>
-              <a:rPr lang="en-US" dirty="0"/>
-              <a:t>23nt</a:t>
-            </a:r>
-          </a:p>
-        </p:txBody>
-      </p:sp>
+            </a:fontRef>
+          </p:style>
+        </p:cxnSp>
+        <p:cxnSp>
+          <p:nvCxnSpPr>
+            <p:cNvPr id="141" name="Straight Arrow Connector 140">
+              <a:extLst>
+                <a:ext uri="{FF2B5EF4-FFF2-40B4-BE49-F238E27FC236}">
+                  <a16:creationId xmlns:a16="http://schemas.microsoft.com/office/drawing/2014/main" id="{08BDB0FE-E39F-7444-A79D-D79DF408280C}"/>
+                </a:ext>
+              </a:extLst>
+            </p:cNvPr>
+            <p:cNvCxnSpPr>
+              <a:cxnSpLocks/>
+            </p:cNvCxnSpPr>
+            <p:nvPr/>
+          </p:nvCxnSpPr>
+          <p:spPr>
+            <a:xfrm flipV="1">
+              <a:off x="8427363" y="2335001"/>
+              <a:ext cx="0" cy="383391"/>
+            </a:xfrm>
+            <a:prstGeom prst="straightConnector1">
+              <a:avLst/>
+            </a:prstGeom>
+            <a:ln w="28575">
+              <a:solidFill>
+                <a:srgbClr val="FF0000"/>
+              </a:solidFill>
+              <a:tailEnd type="triangle"/>
+            </a:ln>
+          </p:spPr>
+          <p:style>
+            <a:lnRef idx="1">
+              <a:schemeClr val="accent1"/>
+            </a:lnRef>
+            <a:fillRef idx="0">
+              <a:schemeClr val="accent1"/>
+            </a:fillRef>
+            <a:effectRef idx="0">
+              <a:schemeClr val="accent1"/>
+            </a:effectRef>
+            <a:fontRef idx="minor">
+              <a:schemeClr val="tx1"/>
+            </a:fontRef>
+          </p:style>
+        </p:cxnSp>
+        <p:sp>
+          <p:nvSpPr>
+            <p:cNvPr id="142" name="TextBox 141">
+              <a:extLst>
+                <a:ext uri="{FF2B5EF4-FFF2-40B4-BE49-F238E27FC236}">
+                  <a16:creationId xmlns:a16="http://schemas.microsoft.com/office/drawing/2014/main" id="{2C44025A-0A77-AF4E-BFFE-9F92B6CB07BE}"/>
+                </a:ext>
+              </a:extLst>
+            </p:cNvPr>
+            <p:cNvSpPr txBox="1"/>
+            <p:nvPr/>
+          </p:nvSpPr>
+          <p:spPr>
+            <a:xfrm>
+              <a:off x="7907874" y="1983991"/>
+              <a:ext cx="1584736" cy="369332"/>
+            </a:xfrm>
+            <a:prstGeom prst="rect">
+              <a:avLst/>
+            </a:prstGeom>
+            <a:noFill/>
+          </p:spPr>
+          <p:txBody>
+            <a:bodyPr wrap="square" rtlCol="0">
+              <a:spAutoFit/>
+            </a:bodyPr>
+            <a:lstStyle/>
+            <a:p>
+              <a:r>
+                <a:rPr lang="en-US" dirty="0">
+                  <a:solidFill>
+                    <a:srgbClr val="FF0000"/>
+                  </a:solidFill>
+                </a:rPr>
+                <a:t>PAM site</a:t>
+              </a:r>
+            </a:p>
+          </p:txBody>
+        </p:sp>
+        <p:sp>
+          <p:nvSpPr>
+            <p:cNvPr id="143" name="TextBox 142">
+              <a:extLst>
+                <a:ext uri="{FF2B5EF4-FFF2-40B4-BE49-F238E27FC236}">
+                  <a16:creationId xmlns:a16="http://schemas.microsoft.com/office/drawing/2014/main" id="{A044D67F-480D-0B4F-8250-6375B2FE8220}"/>
+                </a:ext>
+              </a:extLst>
+            </p:cNvPr>
+            <p:cNvSpPr txBox="1"/>
+            <p:nvPr/>
+          </p:nvSpPr>
+          <p:spPr>
+            <a:xfrm>
+              <a:off x="6842636" y="1983991"/>
+              <a:ext cx="1013263" cy="369332"/>
+            </a:xfrm>
+            <a:prstGeom prst="rect">
+              <a:avLst/>
+            </a:prstGeom>
+            <a:noFill/>
+          </p:spPr>
+          <p:txBody>
+            <a:bodyPr wrap="square" rtlCol="0">
+              <a:spAutoFit/>
+            </a:bodyPr>
+            <a:lstStyle/>
+            <a:p>
+              <a:r>
+                <a:rPr lang="en-US" dirty="0">
+                  <a:solidFill>
+                    <a:srgbClr val="FF0000"/>
+                  </a:solidFill>
+                </a:rPr>
+                <a:t>Cut site</a:t>
+              </a:r>
+            </a:p>
+          </p:txBody>
+        </p:sp>
+        <p:cxnSp>
+          <p:nvCxnSpPr>
+            <p:cNvPr id="144" name="Straight Arrow Connector 143">
+              <a:extLst>
+                <a:ext uri="{FF2B5EF4-FFF2-40B4-BE49-F238E27FC236}">
+                  <a16:creationId xmlns:a16="http://schemas.microsoft.com/office/drawing/2014/main" id="{48009394-0FA5-D349-9E57-A50B993AB067}"/>
+                </a:ext>
+              </a:extLst>
+            </p:cNvPr>
+            <p:cNvCxnSpPr>
+              <a:cxnSpLocks/>
+            </p:cNvCxnSpPr>
+            <p:nvPr/>
+          </p:nvCxnSpPr>
+          <p:spPr>
+            <a:xfrm flipH="1" flipV="1">
+              <a:off x="7426293" y="2367014"/>
+              <a:ext cx="198141" cy="359620"/>
+            </a:xfrm>
+            <a:prstGeom prst="straightConnector1">
+              <a:avLst/>
+            </a:prstGeom>
+            <a:ln w="28575">
+              <a:solidFill>
+                <a:srgbClr val="FF0000"/>
+              </a:solidFill>
+              <a:tailEnd type="triangle"/>
+            </a:ln>
+          </p:spPr>
+          <p:style>
+            <a:lnRef idx="1">
+              <a:schemeClr val="accent1"/>
+            </a:lnRef>
+            <a:fillRef idx="0">
+              <a:schemeClr val="accent1"/>
+            </a:fillRef>
+            <a:effectRef idx="0">
+              <a:schemeClr val="accent1"/>
+            </a:effectRef>
+            <a:fontRef idx="minor">
+              <a:schemeClr val="tx1"/>
+            </a:fontRef>
+          </p:style>
+        </p:cxnSp>
+        <p:sp>
+          <p:nvSpPr>
+            <p:cNvPr id="145" name="TextBox 144">
+              <a:extLst>
+                <a:ext uri="{FF2B5EF4-FFF2-40B4-BE49-F238E27FC236}">
+                  <a16:creationId xmlns:a16="http://schemas.microsoft.com/office/drawing/2014/main" id="{5AF12E23-815D-F947-9118-BD309A15DCDA}"/>
+                </a:ext>
+              </a:extLst>
+            </p:cNvPr>
+            <p:cNvSpPr txBox="1"/>
+            <p:nvPr/>
+          </p:nvSpPr>
+          <p:spPr>
+            <a:xfrm>
+              <a:off x="-164978" y="2693922"/>
+              <a:ext cx="1635997" cy="369332"/>
+            </a:xfrm>
+            <a:prstGeom prst="rect">
+              <a:avLst/>
+            </a:prstGeom>
+            <a:noFill/>
+          </p:spPr>
+          <p:txBody>
+            <a:bodyPr wrap="square" rtlCol="0">
+              <a:spAutoFit/>
+            </a:bodyPr>
+            <a:lstStyle/>
+            <a:p>
+              <a:pPr algn="r"/>
+              <a:r>
+                <a:rPr lang="en-US" dirty="0"/>
+                <a:t>(Protospacer)</a:t>
+              </a:r>
+            </a:p>
+          </p:txBody>
+        </p:sp>
+        <p:sp>
+          <p:nvSpPr>
+            <p:cNvPr id="146" name="TextBox 145">
+              <a:extLst>
+                <a:ext uri="{FF2B5EF4-FFF2-40B4-BE49-F238E27FC236}">
+                  <a16:creationId xmlns:a16="http://schemas.microsoft.com/office/drawing/2014/main" id="{D6AA5B2F-4151-2043-A295-4B32C2A0865B}"/>
+                </a:ext>
+              </a:extLst>
+            </p:cNvPr>
+            <p:cNvSpPr txBox="1"/>
+            <p:nvPr/>
+          </p:nvSpPr>
+          <p:spPr>
+            <a:xfrm>
+              <a:off x="4260801" y="2547668"/>
+              <a:ext cx="1013263" cy="369332"/>
+            </a:xfrm>
+            <a:prstGeom prst="rect">
+              <a:avLst/>
+            </a:prstGeom>
+            <a:noFill/>
+          </p:spPr>
+          <p:txBody>
+            <a:bodyPr wrap="square" rtlCol="0">
+              <a:spAutoFit/>
+            </a:bodyPr>
+            <a:lstStyle/>
+            <a:p>
+              <a:r>
+                <a:rPr lang="en-US" dirty="0"/>
+                <a:t>5’</a:t>
+              </a:r>
+            </a:p>
+          </p:txBody>
+        </p:sp>
+        <p:sp>
+          <p:nvSpPr>
+            <p:cNvPr id="147" name="TextBox 146">
+              <a:extLst>
+                <a:ext uri="{FF2B5EF4-FFF2-40B4-BE49-F238E27FC236}">
+                  <a16:creationId xmlns:a16="http://schemas.microsoft.com/office/drawing/2014/main" id="{EFE33A65-E663-3C49-AA65-B034A09DE076}"/>
+                </a:ext>
+              </a:extLst>
+            </p:cNvPr>
+            <p:cNvSpPr txBox="1"/>
+            <p:nvPr/>
+          </p:nvSpPr>
+          <p:spPr>
+            <a:xfrm>
+              <a:off x="8882492" y="2547668"/>
+              <a:ext cx="1013263" cy="369332"/>
+            </a:xfrm>
+            <a:prstGeom prst="rect">
+              <a:avLst/>
+            </a:prstGeom>
+            <a:noFill/>
+          </p:spPr>
+          <p:txBody>
+            <a:bodyPr wrap="square" rtlCol="0">
+              <a:spAutoFit/>
+            </a:bodyPr>
+            <a:lstStyle/>
+            <a:p>
+              <a:r>
+                <a:rPr lang="en-US" dirty="0"/>
+                <a:t>3’</a:t>
+              </a:r>
+            </a:p>
+          </p:txBody>
+        </p:sp>
+        <p:sp>
+          <p:nvSpPr>
+            <p:cNvPr id="148" name="TextBox 147">
+              <a:extLst>
+                <a:ext uri="{FF2B5EF4-FFF2-40B4-BE49-F238E27FC236}">
+                  <a16:creationId xmlns:a16="http://schemas.microsoft.com/office/drawing/2014/main" id="{E9884D7E-D945-8948-8883-D42511E75F73}"/>
+                </a:ext>
+              </a:extLst>
+            </p:cNvPr>
+            <p:cNvSpPr txBox="1"/>
+            <p:nvPr/>
+          </p:nvSpPr>
+          <p:spPr>
+            <a:xfrm>
+              <a:off x="11746997" y="2741803"/>
+              <a:ext cx="1237617" cy="369332"/>
+            </a:xfrm>
+            <a:prstGeom prst="rect">
+              <a:avLst/>
+            </a:prstGeom>
+            <a:noFill/>
+          </p:spPr>
+          <p:txBody>
+            <a:bodyPr wrap="square" rtlCol="0">
+              <a:spAutoFit/>
+            </a:bodyPr>
+            <a:lstStyle/>
+            <a:p>
+              <a:r>
+                <a:rPr lang="en-US" dirty="0"/>
+                <a:t>23nt</a:t>
+              </a:r>
+            </a:p>
+          </p:txBody>
+        </p:sp>
+      </p:grpSp>
       <p:cxnSp>
         <p:nvCxnSpPr>
           <p:cNvPr id="36" name="Straight Connector 35">
@@ -4597,7 +5059,7 @@
         </p:nvCxnSpPr>
         <p:spPr>
           <a:xfrm>
-            <a:off x="1605541" y="2314832"/>
+            <a:off x="1605541" y="2926933"/>
             <a:ext cx="2054114" cy="0"/>
           </a:xfrm>
           <a:prstGeom prst="line">
@@ -4640,7 +5102,7 @@
         </p:nvCxnSpPr>
         <p:spPr>
           <a:xfrm>
-            <a:off x="9592310" y="2314832"/>
+            <a:off x="9592314" y="2926933"/>
             <a:ext cx="1992203" cy="0"/>
           </a:xfrm>
           <a:prstGeom prst="line">
@@ -4681,7 +5143,7 @@
         </p:nvSpPr>
         <p:spPr>
           <a:xfrm>
-            <a:off x="3659655" y="2067685"/>
+            <a:off x="3659655" y="2679786"/>
             <a:ext cx="5959730" cy="477054"/>
           </a:xfrm>
           <a:prstGeom prst="rect">
@@ -4789,7 +5251,7 @@
         </p:nvSpPr>
         <p:spPr>
           <a:xfrm>
-            <a:off x="233405" y="2124195"/>
+            <a:off x="233413" y="2736296"/>
             <a:ext cx="1237617" cy="369332"/>
           </a:xfrm>
           <a:prstGeom prst="rect">
@@ -4825,7 +5287,7 @@
         </p:nvSpPr>
         <p:spPr>
           <a:xfrm>
-            <a:off x="11746997" y="2145830"/>
+            <a:off x="11740900" y="2757931"/>
             <a:ext cx="1237617" cy="369332"/>
           </a:xfrm>
           <a:prstGeom prst="rect">
@@ -4862,7 +5324,7 @@
         </p:nvCxnSpPr>
         <p:spPr>
           <a:xfrm>
-            <a:off x="1605541" y="2722453"/>
+            <a:off x="1605541" y="3334554"/>
             <a:ext cx="1758754" cy="0"/>
           </a:xfrm>
           <a:prstGeom prst="line">
@@ -4905,7 +5367,7 @@
         </p:nvCxnSpPr>
         <p:spPr>
           <a:xfrm>
-            <a:off x="10068630" y="2722453"/>
+            <a:off x="10068634" y="3334554"/>
             <a:ext cx="1515883" cy="0"/>
           </a:xfrm>
           <a:prstGeom prst="line">
@@ -4946,7 +5408,7 @@
         </p:nvSpPr>
         <p:spPr>
           <a:xfrm>
-            <a:off x="3295471" y="2475306"/>
+            <a:off x="3295471" y="3087407"/>
             <a:ext cx="7228874" cy="477054"/>
           </a:xfrm>
           <a:prstGeom prst="rect">
@@ -5054,7 +5516,7 @@
         </p:nvSpPr>
         <p:spPr>
           <a:xfrm>
-            <a:off x="-164977" y="2531816"/>
+            <a:off x="-164977" y="3143917"/>
             <a:ext cx="1636000" cy="369332"/>
           </a:xfrm>
           <a:prstGeom prst="rect">
@@ -5091,7 +5553,7 @@
         </p:nvSpPr>
         <p:spPr>
           <a:xfrm>
-            <a:off x="11746997" y="2553451"/>
+            <a:off x="11740900" y="3165552"/>
             <a:ext cx="1237617" cy="369332"/>
           </a:xfrm>
           <a:prstGeom prst="rect">
@@ -5108,6 +5570,499 @@
             <a:r>
               <a:rPr lang="en-US" dirty="0"/>
               <a:t>35nt</a:t>
+            </a:r>
+          </a:p>
+        </p:txBody>
+      </p:sp>
+      <p:grpSp>
+        <p:nvGrpSpPr>
+          <p:cNvPr id="3" name="Group 2">
+            <a:extLst>
+              <a:ext uri="{FF2B5EF4-FFF2-40B4-BE49-F238E27FC236}">
+                <a16:creationId xmlns:a16="http://schemas.microsoft.com/office/drawing/2014/main" id="{9DC2141D-9A8D-5D3B-2F43-0E5B9FAEA2CA}"/>
+              </a:ext>
+            </a:extLst>
+          </p:cNvPr>
+          <p:cNvGrpSpPr/>
+          <p:nvPr/>
+        </p:nvGrpSpPr>
+        <p:grpSpPr>
+          <a:xfrm>
+            <a:off x="231261" y="1526110"/>
+            <a:ext cx="12751209" cy="477054"/>
+            <a:chOff x="231258" y="2729930"/>
+            <a:chExt cx="12751209" cy="477054"/>
+          </a:xfrm>
+        </p:grpSpPr>
+        <p:sp>
+          <p:nvSpPr>
+            <p:cNvPr id="47" name="TextBox 46">
+              <a:extLst>
+                <a:ext uri="{FF2B5EF4-FFF2-40B4-BE49-F238E27FC236}">
+                  <a16:creationId xmlns:a16="http://schemas.microsoft.com/office/drawing/2014/main" id="{C0AC3701-1CFD-729A-9FE7-705AEDC212EF}"/>
+                </a:ext>
+              </a:extLst>
+            </p:cNvPr>
+            <p:cNvSpPr txBox="1"/>
+            <p:nvPr/>
+          </p:nvSpPr>
+          <p:spPr>
+            <a:xfrm>
+              <a:off x="4416353" y="2729930"/>
+              <a:ext cx="6697980" cy="477054"/>
+            </a:xfrm>
+            <a:prstGeom prst="rect">
+              <a:avLst/>
+            </a:prstGeom>
+            <a:noFill/>
+          </p:spPr>
+          <p:txBody>
+            <a:bodyPr wrap="square" rtlCol="0">
+              <a:spAutoFit/>
+            </a:bodyPr>
+            <a:lstStyle/>
+            <a:p>
+              <a:r>
+                <a:rPr lang="en-US" sz="2500" dirty="0">
+                  <a:solidFill>
+                    <a:schemeClr val="accent4">
+                      <a:lumMod val="60000"/>
+                      <a:lumOff val="40000"/>
+                    </a:schemeClr>
+                  </a:solidFill>
+                  <a:latin typeface="Courier" pitchFamily="2" charset="0"/>
+                </a:rPr>
+                <a:t>ATCGATGCTGATGCTA</a:t>
+              </a:r>
+              <a:r>
+                <a:rPr lang="en-US" sz="2500" dirty="0">
+                  <a:solidFill>
+                    <a:srgbClr val="FF0000"/>
+                  </a:solidFill>
+                  <a:latin typeface="Courier" pitchFamily="2" charset="0"/>
+                </a:rPr>
+                <a:t>G</a:t>
+              </a:r>
+              <a:r>
+                <a:rPr lang="en-US" sz="2500" dirty="0">
+                  <a:solidFill>
+                    <a:schemeClr val="accent4">
+                      <a:lumMod val="60000"/>
+                      <a:lumOff val="40000"/>
+                    </a:schemeClr>
+                  </a:solidFill>
+                  <a:latin typeface="Courier" pitchFamily="2" charset="0"/>
+                </a:rPr>
+                <a:t>ATA</a:t>
+              </a:r>
+              <a:endParaRPr lang="en-US" sz="2500" dirty="0">
+                <a:solidFill>
+                  <a:schemeClr val="accent2">
+                    <a:lumMod val="75000"/>
+                  </a:schemeClr>
+                </a:solidFill>
+                <a:latin typeface="Courier" pitchFamily="2" charset="0"/>
+              </a:endParaRPr>
+            </a:p>
+          </p:txBody>
+        </p:sp>
+        <p:cxnSp>
+          <p:nvCxnSpPr>
+            <p:cNvPr id="48" name="Straight Connector 47">
+              <a:extLst>
+                <a:ext uri="{FF2B5EF4-FFF2-40B4-BE49-F238E27FC236}">
+                  <a16:creationId xmlns:a16="http://schemas.microsoft.com/office/drawing/2014/main" id="{3FB4061C-BDF0-6B0D-A3ED-FBF15FA27A19}"/>
+                </a:ext>
+              </a:extLst>
+            </p:cNvPr>
+            <p:cNvCxnSpPr>
+              <a:cxnSpLocks/>
+            </p:cNvCxnSpPr>
+            <p:nvPr/>
+          </p:nvCxnSpPr>
+          <p:spPr>
+            <a:xfrm>
+              <a:off x="1603400" y="2981799"/>
+              <a:ext cx="2785439" cy="0"/>
+            </a:xfrm>
+            <a:prstGeom prst="line">
+              <a:avLst/>
+            </a:prstGeom>
+            <a:ln w="22225">
+              <a:solidFill>
+                <a:schemeClr val="tx1"/>
+              </a:solidFill>
+            </a:ln>
+          </p:spPr>
+          <p:style>
+            <a:lnRef idx="1">
+              <a:schemeClr val="accent1"/>
+            </a:lnRef>
+            <a:fillRef idx="0">
+              <a:schemeClr val="accent1"/>
+            </a:fillRef>
+            <a:effectRef idx="0">
+              <a:schemeClr val="accent1"/>
+            </a:effectRef>
+            <a:fontRef idx="minor">
+              <a:schemeClr val="tx1"/>
+            </a:fontRef>
+          </p:style>
+        </p:cxnSp>
+        <p:cxnSp>
+          <p:nvCxnSpPr>
+            <p:cNvPr id="49" name="Straight Connector 48">
+              <a:extLst>
+                <a:ext uri="{FF2B5EF4-FFF2-40B4-BE49-F238E27FC236}">
+                  <a16:creationId xmlns:a16="http://schemas.microsoft.com/office/drawing/2014/main" id="{6059AE01-4F18-F1D0-6D8A-71336E8F8AAE}"/>
+                </a:ext>
+              </a:extLst>
+            </p:cNvPr>
+            <p:cNvCxnSpPr>
+              <a:cxnSpLocks/>
+            </p:cNvCxnSpPr>
+            <p:nvPr/>
+          </p:nvCxnSpPr>
+          <p:spPr>
+            <a:xfrm>
+              <a:off x="8427363" y="2981799"/>
+              <a:ext cx="3155003" cy="0"/>
+            </a:xfrm>
+            <a:prstGeom prst="line">
+              <a:avLst/>
+            </a:prstGeom>
+            <a:ln w="22225">
+              <a:solidFill>
+                <a:schemeClr val="tx1"/>
+              </a:solidFill>
+            </a:ln>
+          </p:spPr>
+          <p:style>
+            <a:lnRef idx="1">
+              <a:schemeClr val="accent1"/>
+            </a:lnRef>
+            <a:fillRef idx="0">
+              <a:schemeClr val="accent1"/>
+            </a:fillRef>
+            <a:effectRef idx="0">
+              <a:schemeClr val="accent1"/>
+            </a:effectRef>
+            <a:fontRef idx="minor">
+              <a:schemeClr val="tx1"/>
+            </a:fontRef>
+          </p:style>
+        </p:cxnSp>
+        <p:sp>
+          <p:nvSpPr>
+            <p:cNvPr id="50" name="TextBox 49">
+              <a:extLst>
+                <a:ext uri="{FF2B5EF4-FFF2-40B4-BE49-F238E27FC236}">
+                  <a16:creationId xmlns:a16="http://schemas.microsoft.com/office/drawing/2014/main" id="{D22877A7-21E2-1B5C-431F-CFA5E595693B}"/>
+                </a:ext>
+              </a:extLst>
+            </p:cNvPr>
+            <p:cNvSpPr txBox="1"/>
+            <p:nvPr/>
+          </p:nvSpPr>
+          <p:spPr>
+            <a:xfrm>
+              <a:off x="231258" y="2771441"/>
+              <a:ext cx="1237617" cy="369332"/>
+            </a:xfrm>
+            <a:prstGeom prst="rect">
+              <a:avLst/>
+            </a:prstGeom>
+            <a:noFill/>
+          </p:spPr>
+          <p:txBody>
+            <a:bodyPr wrap="square" rtlCol="0">
+              <a:spAutoFit/>
+            </a:bodyPr>
+            <a:lstStyle/>
+            <a:p>
+              <a:pPr algn="r"/>
+              <a:r>
+                <a:rPr lang="en-US" dirty="0" err="1"/>
+                <a:t>CRISPRater</a:t>
+              </a:r>
+              <a:endParaRPr lang="en-US" dirty="0"/>
+            </a:p>
+          </p:txBody>
+        </p:sp>
+        <p:sp>
+          <p:nvSpPr>
+            <p:cNvPr id="52" name="TextBox 51">
+              <a:extLst>
+                <a:ext uri="{FF2B5EF4-FFF2-40B4-BE49-F238E27FC236}">
+                  <a16:creationId xmlns:a16="http://schemas.microsoft.com/office/drawing/2014/main" id="{292D4A18-074B-47A0-72A1-FAD5859E3EA5}"/>
+                </a:ext>
+              </a:extLst>
+            </p:cNvPr>
+            <p:cNvSpPr txBox="1"/>
+            <p:nvPr/>
+          </p:nvSpPr>
+          <p:spPr>
+            <a:xfrm>
+              <a:off x="11744850" y="2806199"/>
+              <a:ext cx="1237617" cy="369332"/>
+            </a:xfrm>
+            <a:prstGeom prst="rect">
+              <a:avLst/>
+            </a:prstGeom>
+            <a:noFill/>
+          </p:spPr>
+          <p:txBody>
+            <a:bodyPr wrap="square" rtlCol="0">
+              <a:spAutoFit/>
+            </a:bodyPr>
+            <a:lstStyle/>
+            <a:p>
+              <a:r>
+                <a:rPr lang="en-US" dirty="0"/>
+                <a:t>20nt</a:t>
+              </a:r>
+            </a:p>
+          </p:txBody>
+        </p:sp>
+      </p:grpSp>
+      <p:sp>
+        <p:nvSpPr>
+          <p:cNvPr id="62" name="TextBox 61">
+            <a:extLst>
+              <a:ext uri="{FF2B5EF4-FFF2-40B4-BE49-F238E27FC236}">
+                <a16:creationId xmlns:a16="http://schemas.microsoft.com/office/drawing/2014/main" id="{4A77E9B4-D4DA-EB0B-450F-0488DB1B43B3}"/>
+              </a:ext>
+            </a:extLst>
+          </p:cNvPr>
+          <p:cNvSpPr txBox="1"/>
+          <p:nvPr/>
+        </p:nvSpPr>
+        <p:spPr>
+          <a:xfrm>
+            <a:off x="4412400" y="1139469"/>
+            <a:ext cx="6697980" cy="477054"/>
+          </a:xfrm>
+          <a:prstGeom prst="rect">
+            <a:avLst/>
+          </a:prstGeom>
+          <a:noFill/>
+        </p:spPr>
+        <p:txBody>
+          <a:bodyPr wrap="square" rtlCol="0">
+            <a:spAutoFit/>
+          </a:bodyPr>
+          <a:lstStyle/>
+          <a:p>
+            <a:r>
+              <a:rPr lang="en-US" sz="2500" dirty="0">
+                <a:solidFill>
+                  <a:schemeClr val="accent4">
+                    <a:lumMod val="60000"/>
+                    <a:lumOff val="40000"/>
+                  </a:schemeClr>
+                </a:solidFill>
+                <a:latin typeface="Courier" pitchFamily="2" charset="0"/>
+              </a:rPr>
+              <a:t> TCGATGCTGATGCTA</a:t>
+            </a:r>
+            <a:r>
+              <a:rPr lang="en-US" sz="2500" dirty="0">
+                <a:solidFill>
+                  <a:srgbClr val="FF0000"/>
+                </a:solidFill>
+                <a:latin typeface="Courier" pitchFamily="2" charset="0"/>
+              </a:rPr>
+              <a:t>G</a:t>
+            </a:r>
+            <a:r>
+              <a:rPr lang="en-US" sz="2500" dirty="0">
+                <a:solidFill>
+                  <a:schemeClr val="accent4">
+                    <a:lumMod val="60000"/>
+                    <a:lumOff val="40000"/>
+                  </a:schemeClr>
+                </a:solidFill>
+                <a:latin typeface="Courier" pitchFamily="2" charset="0"/>
+              </a:rPr>
+              <a:t>ATA</a:t>
+            </a:r>
+            <a:r>
+              <a:rPr lang="en-US" sz="2500" dirty="0">
+                <a:solidFill>
+                  <a:srgbClr val="FF0000"/>
+                </a:solidFill>
+                <a:latin typeface="Courier" pitchFamily="2" charset="0"/>
+              </a:rPr>
+              <a:t>A</a:t>
+            </a:r>
+            <a:r>
+              <a:rPr lang="en-US" sz="2500" dirty="0">
+                <a:solidFill>
+                  <a:schemeClr val="accent2">
+                    <a:lumMod val="75000"/>
+                  </a:schemeClr>
+                </a:solidFill>
+                <a:latin typeface="Courier" pitchFamily="2" charset="0"/>
+              </a:rPr>
+              <a:t>GG</a:t>
+            </a:r>
+          </a:p>
+        </p:txBody>
+      </p:sp>
+      <p:cxnSp>
+        <p:nvCxnSpPr>
+          <p:cNvPr id="63" name="Straight Connector 62">
+            <a:extLst>
+              <a:ext uri="{FF2B5EF4-FFF2-40B4-BE49-F238E27FC236}">
+                <a16:creationId xmlns:a16="http://schemas.microsoft.com/office/drawing/2014/main" id="{5EBD3026-D1D9-3957-6E48-1733F5B83971}"/>
+              </a:ext>
+            </a:extLst>
+          </p:cNvPr>
+          <p:cNvCxnSpPr>
+            <a:cxnSpLocks/>
+          </p:cNvCxnSpPr>
+          <p:nvPr/>
+        </p:nvCxnSpPr>
+        <p:spPr>
+          <a:xfrm flipV="1">
+            <a:off x="1599450" y="1390025"/>
+            <a:ext cx="2972553" cy="1315"/>
+          </a:xfrm>
+          <a:prstGeom prst="line">
+            <a:avLst/>
+          </a:prstGeom>
+          <a:ln w="22225">
+            <a:solidFill>
+              <a:schemeClr val="tx1"/>
+            </a:solidFill>
+          </a:ln>
+        </p:spPr>
+        <p:style>
+          <a:lnRef idx="1">
+            <a:schemeClr val="accent1"/>
+          </a:lnRef>
+          <a:fillRef idx="0">
+            <a:schemeClr val="accent1"/>
+          </a:fillRef>
+          <a:effectRef idx="0">
+            <a:schemeClr val="accent1"/>
+          </a:effectRef>
+          <a:fontRef idx="minor">
+            <a:schemeClr val="tx1"/>
+          </a:fontRef>
+        </p:style>
+      </p:cxnSp>
+      <p:cxnSp>
+        <p:nvCxnSpPr>
+          <p:cNvPr id="64" name="Straight Connector 63">
+            <a:extLst>
+              <a:ext uri="{FF2B5EF4-FFF2-40B4-BE49-F238E27FC236}">
+                <a16:creationId xmlns:a16="http://schemas.microsoft.com/office/drawing/2014/main" id="{C178C979-980A-CBCB-477C-85E75B41C471}"/>
+              </a:ext>
+            </a:extLst>
+          </p:cNvPr>
+          <p:cNvCxnSpPr>
+            <a:cxnSpLocks/>
+          </p:cNvCxnSpPr>
+          <p:nvPr/>
+        </p:nvCxnSpPr>
+        <p:spPr>
+          <a:xfrm>
+            <a:off x="9005015" y="1391338"/>
+            <a:ext cx="2573401" cy="0"/>
+          </a:xfrm>
+          <a:prstGeom prst="line">
+            <a:avLst/>
+          </a:prstGeom>
+          <a:ln w="22225">
+            <a:solidFill>
+              <a:schemeClr val="tx1"/>
+            </a:solidFill>
+          </a:ln>
+        </p:spPr>
+        <p:style>
+          <a:lnRef idx="1">
+            <a:schemeClr val="accent1"/>
+          </a:lnRef>
+          <a:fillRef idx="0">
+            <a:schemeClr val="accent1"/>
+          </a:fillRef>
+          <a:effectRef idx="0">
+            <a:schemeClr val="accent1"/>
+          </a:effectRef>
+          <a:fontRef idx="minor">
+            <a:schemeClr val="tx1"/>
+          </a:fontRef>
+        </p:style>
+      </p:cxnSp>
+      <p:sp>
+        <p:nvSpPr>
+          <p:cNvPr id="65" name="TextBox 64">
+            <a:extLst>
+              <a:ext uri="{FF2B5EF4-FFF2-40B4-BE49-F238E27FC236}">
+                <a16:creationId xmlns:a16="http://schemas.microsoft.com/office/drawing/2014/main" id="{4E1A89FC-F379-8691-9FF3-C303739CF444}"/>
+              </a:ext>
+            </a:extLst>
+          </p:cNvPr>
+          <p:cNvSpPr txBox="1"/>
+          <p:nvPr/>
+        </p:nvSpPr>
+        <p:spPr>
+          <a:xfrm>
+            <a:off x="233413" y="1180980"/>
+            <a:ext cx="1237617" cy="369332"/>
+          </a:xfrm>
+          <a:prstGeom prst="rect">
+            <a:avLst/>
+          </a:prstGeom>
+          <a:noFill/>
+        </p:spPr>
+        <p:txBody>
+          <a:bodyPr wrap="square" rtlCol="0">
+            <a:spAutoFit/>
+          </a:bodyPr>
+          <a:lstStyle/>
+          <a:p>
+            <a:pPr algn="r"/>
+            <a:r>
+              <a:rPr lang="en-US" dirty="0" err="1"/>
+              <a:t>CRISPRai</a:t>
+            </a:r>
+            <a:endParaRPr lang="en-US" dirty="0"/>
+          </a:p>
+        </p:txBody>
+      </p:sp>
+      <p:sp>
+        <p:nvSpPr>
+          <p:cNvPr id="66" name="TextBox 65">
+            <a:extLst>
+              <a:ext uri="{FF2B5EF4-FFF2-40B4-BE49-F238E27FC236}">
+                <a16:creationId xmlns:a16="http://schemas.microsoft.com/office/drawing/2014/main" id="{5910DDA3-C9D2-2587-09AB-CEB4814ECE5B}"/>
+              </a:ext>
+            </a:extLst>
+          </p:cNvPr>
+          <p:cNvSpPr txBox="1"/>
+          <p:nvPr/>
+        </p:nvSpPr>
+        <p:spPr>
+          <a:xfrm>
+            <a:off x="11740900" y="1161146"/>
+            <a:ext cx="1237617" cy="369332"/>
+          </a:xfrm>
+          <a:prstGeom prst="rect">
+            <a:avLst/>
+          </a:prstGeom>
+          <a:noFill/>
+        </p:spPr>
+        <p:txBody>
+          <a:bodyPr wrap="square" rtlCol="0">
+            <a:spAutoFit/>
+          </a:bodyPr>
+          <a:lstStyle/>
+          <a:p>
+            <a:r>
+              <a:rPr lang="en-US" dirty="0"/>
+              <a:t>22nt</a:t>
             </a:r>
           </a:p>
         </p:txBody>
@@ -5384,4 +6339,299 @@
     </a:ext>
   </a:extLst>
 </a:theme>
+</file>
+
+<file path=ppt/theme/theme2.xml><?xml version="1.0" encoding="utf-8"?>
+<a:theme xmlns:a="http://schemas.openxmlformats.org/drawingml/2006/main" name="Office Theme">
+  <a:themeElements>
+    <a:clrScheme name="Office">
+      <a:dk1>
+        <a:sysClr val="windowText" lastClr="000000"/>
+      </a:dk1>
+      <a:lt1>
+        <a:sysClr val="window" lastClr="FFFFFF"/>
+      </a:lt1>
+      <a:dk2>
+        <a:srgbClr val="44546A"/>
+      </a:dk2>
+      <a:lt2>
+        <a:srgbClr val="E7E6E6"/>
+      </a:lt2>
+      <a:accent1>
+        <a:srgbClr val="4472C4"/>
+      </a:accent1>
+      <a:accent2>
+        <a:srgbClr val="ED7D31"/>
+      </a:accent2>
+      <a:accent3>
+        <a:srgbClr val="A5A5A5"/>
+      </a:accent3>
+      <a:accent4>
+        <a:srgbClr val="FFC000"/>
+      </a:accent4>
+      <a:accent5>
+        <a:srgbClr val="5B9BD5"/>
+      </a:accent5>
+      <a:accent6>
+        <a:srgbClr val="70AD47"/>
+      </a:accent6>
+      <a:hlink>
+        <a:srgbClr val="0563C1"/>
+      </a:hlink>
+      <a:folHlink>
+        <a:srgbClr val="954F72"/>
+      </a:folHlink>
+    </a:clrScheme>
+    <a:fontScheme name="Office">
+      <a:majorFont>
+        <a:latin typeface="Calibri Light" panose="020F0302020204030204"/>
+        <a:ea typeface=""/>
+        <a:cs typeface=""/>
+        <a:font script="Jpan" typeface="游ゴシック Light"/>
+        <a:font script="Hang" typeface="맑은 고딕"/>
+        <a:font script="Hans" typeface="等线 Light"/>
+        <a:font script="Hant" typeface="新細明體"/>
+        <a:font script="Arab" typeface="Times New Roman"/>
+        <a:font script="Hebr" typeface="Times New Roman"/>
+        <a:font script="Thai" typeface="Angsana New"/>
+        <a:font script="Ethi" typeface="Nyala"/>
+        <a:font script="Beng" typeface="Vrinda"/>
+        <a:font script="Gujr" typeface="Shruti"/>
+        <a:font script="Khmr" typeface="MoolBoran"/>
+        <a:font script="Knda" typeface="Tunga"/>
+        <a:font script="Guru" typeface="Raavi"/>
+        <a:font script="Cans" typeface="Euphemia"/>
+        <a:font script="Cher" typeface="Plantagenet Cherokee"/>
+        <a:font script="Yiii" typeface="Microsoft Yi Baiti"/>
+        <a:font script="Tibt" typeface="Microsoft Himalaya"/>
+        <a:font script="Thaa" typeface="MV Boli"/>
+        <a:font script="Deva" typeface="Mangal"/>
+        <a:font script="Telu" typeface="Gautami"/>
+        <a:font script="Taml" typeface="Latha"/>
+        <a:font script="Syrc" typeface="Estrangelo Edessa"/>
+        <a:font script="Orya" typeface="Kalinga"/>
+        <a:font script="Mlym" typeface="Kartika"/>
+        <a:font script="Laoo" typeface="DokChampa"/>
+        <a:font script="Sinh" typeface="Iskoola Pota"/>
+        <a:font script="Mong" typeface="Mongolian Baiti"/>
+        <a:font script="Viet" typeface="Times New Roman"/>
+        <a:font script="Uigh" typeface="Microsoft Uighur"/>
+        <a:font script="Geor" typeface="Sylfaen"/>
+        <a:font script="Armn" typeface="Arial"/>
+        <a:font script="Bugi" typeface="Leelawadee UI"/>
+        <a:font script="Bopo" typeface="Microsoft JhengHei"/>
+        <a:font script="Java" typeface="Javanese Text"/>
+        <a:font script="Lisu" typeface="Segoe UI"/>
+        <a:font script="Mymr" typeface="Myanmar Text"/>
+        <a:font script="Nkoo" typeface="Ebrima"/>
+        <a:font script="Olck" typeface="Nirmala UI"/>
+        <a:font script="Osma" typeface="Ebrima"/>
+        <a:font script="Phag" typeface="Phagspa"/>
+        <a:font script="Syrn" typeface="Estrangelo Edessa"/>
+        <a:font script="Syrj" typeface="Estrangelo Edessa"/>
+        <a:font script="Syre" typeface="Estrangelo Edessa"/>
+        <a:font script="Sora" typeface="Nirmala UI"/>
+        <a:font script="Tale" typeface="Microsoft Tai Le"/>
+        <a:font script="Talu" typeface="Microsoft New Tai Lue"/>
+        <a:font script="Tfng" typeface="Ebrima"/>
+      </a:majorFont>
+      <a:minorFont>
+        <a:latin typeface="Calibri" panose="020F0502020204030204"/>
+        <a:ea typeface=""/>
+        <a:cs typeface=""/>
+        <a:font script="Jpan" typeface="游ゴシック"/>
+        <a:font script="Hang" typeface="맑은 고딕"/>
+        <a:font script="Hans" typeface="等线"/>
+        <a:font script="Hant" typeface="新細明體"/>
+        <a:font script="Arab" typeface="Arial"/>
+        <a:font script="Hebr" typeface="Arial"/>
+        <a:font script="Thai" typeface="Cordia New"/>
+        <a:font script="Ethi" typeface="Nyala"/>
+        <a:font script="Beng" typeface="Vrinda"/>
+        <a:font script="Gujr" typeface="Shruti"/>
+        <a:font script="Khmr" typeface="DaunPenh"/>
+        <a:font script="Knda" typeface="Tunga"/>
+        <a:font script="Guru" typeface="Raavi"/>
+        <a:font script="Cans" typeface="Euphemia"/>
+        <a:font script="Cher" typeface="Plantagenet Cherokee"/>
+        <a:font script="Yiii" typeface="Microsoft Yi Baiti"/>
+        <a:font script="Tibt" typeface="Microsoft Himalaya"/>
+        <a:font script="Thaa" typeface="MV Boli"/>
+        <a:font script="Deva" typeface="Mangal"/>
+        <a:font script="Telu" typeface="Gautami"/>
+        <a:font script="Taml" typeface="Latha"/>
+        <a:font script="Syrc" typeface="Estrangelo Edessa"/>
+        <a:font script="Orya" typeface="Kalinga"/>
+        <a:font script="Mlym" typeface="Kartika"/>
+        <a:font script="Laoo" typeface="DokChampa"/>
+        <a:font script="Sinh" typeface="Iskoola Pota"/>
+        <a:font script="Mong" typeface="Mongolian Baiti"/>
+        <a:font script="Viet" typeface="Arial"/>
+        <a:font script="Uigh" typeface="Microsoft Uighur"/>
+        <a:font script="Geor" typeface="Sylfaen"/>
+        <a:font script="Armn" typeface="Arial"/>
+        <a:font script="Bugi" typeface="Leelawadee UI"/>
+        <a:font script="Bopo" typeface="Microsoft JhengHei"/>
+        <a:font script="Java" typeface="Javanese Text"/>
+        <a:font script="Lisu" typeface="Segoe UI"/>
+        <a:font script="Mymr" typeface="Myanmar Text"/>
+        <a:font script="Nkoo" typeface="Ebrima"/>
+        <a:font script="Olck" typeface="Nirmala UI"/>
+        <a:font script="Osma" typeface="Ebrima"/>
+        <a:font script="Phag" typeface="Phagspa"/>
+        <a:font script="Syrn" typeface="Estrangelo Edessa"/>
+        <a:font script="Syrj" typeface="Estrangelo Edessa"/>
+        <a:font script="Syre" typeface="Estrangelo Edessa"/>
+        <a:font script="Sora" typeface="Nirmala UI"/>
+        <a:font script="Tale" typeface="Microsoft Tai Le"/>
+        <a:font script="Talu" typeface="Microsoft New Tai Lue"/>
+        <a:font script="Tfng" typeface="Ebrima"/>
+      </a:minorFont>
+    </a:fontScheme>
+    <a:fmtScheme name="Office">
+      <a:fillStyleLst>
+        <a:solidFill>
+          <a:schemeClr val="phClr"/>
+        </a:solidFill>
+        <a:gradFill rotWithShape="1">
+          <a:gsLst>
+            <a:gs pos="0">
+              <a:schemeClr val="phClr">
+                <a:lumMod val="110000"/>
+                <a:satMod val="105000"/>
+                <a:tint val="67000"/>
+              </a:schemeClr>
+            </a:gs>
+            <a:gs pos="50000">
+              <a:schemeClr val="phClr">
+                <a:lumMod val="105000"/>
+                <a:satMod val="103000"/>
+                <a:tint val="73000"/>
+              </a:schemeClr>
+            </a:gs>
+            <a:gs pos="100000">
+              <a:schemeClr val="phClr">
+                <a:lumMod val="105000"/>
+                <a:satMod val="109000"/>
+                <a:tint val="81000"/>
+              </a:schemeClr>
+            </a:gs>
+          </a:gsLst>
+          <a:lin ang="5400000" scaled="0"/>
+        </a:gradFill>
+        <a:gradFill rotWithShape="1">
+          <a:gsLst>
+            <a:gs pos="0">
+              <a:schemeClr val="phClr">
+                <a:satMod val="103000"/>
+                <a:lumMod val="102000"/>
+                <a:tint val="94000"/>
+              </a:schemeClr>
+            </a:gs>
+            <a:gs pos="50000">
+              <a:schemeClr val="phClr">
+                <a:satMod val="110000"/>
+                <a:lumMod val="100000"/>
+                <a:shade val="100000"/>
+              </a:schemeClr>
+            </a:gs>
+            <a:gs pos="100000">
+              <a:schemeClr val="phClr">
+                <a:lumMod val="99000"/>
+                <a:satMod val="120000"/>
+                <a:shade val="78000"/>
+              </a:schemeClr>
+            </a:gs>
+          </a:gsLst>
+          <a:lin ang="5400000" scaled="0"/>
+        </a:gradFill>
+      </a:fillStyleLst>
+      <a:lnStyleLst>
+        <a:ln w="6350" cap="flat" cmpd="sng" algn="ctr">
+          <a:solidFill>
+            <a:schemeClr val="phClr"/>
+          </a:solidFill>
+          <a:prstDash val="solid"/>
+          <a:miter lim="800000"/>
+        </a:ln>
+        <a:ln w="12700" cap="flat" cmpd="sng" algn="ctr">
+          <a:solidFill>
+            <a:schemeClr val="phClr"/>
+          </a:solidFill>
+          <a:prstDash val="solid"/>
+          <a:miter lim="800000"/>
+        </a:ln>
+        <a:ln w="19050" cap="flat" cmpd="sng" algn="ctr">
+          <a:solidFill>
+            <a:schemeClr val="phClr"/>
+          </a:solidFill>
+          <a:prstDash val="solid"/>
+          <a:miter lim="800000"/>
+        </a:ln>
+      </a:lnStyleLst>
+      <a:effectStyleLst>
+        <a:effectStyle>
+          <a:effectLst/>
+        </a:effectStyle>
+        <a:effectStyle>
+          <a:effectLst/>
+        </a:effectStyle>
+        <a:effectStyle>
+          <a:effectLst>
+            <a:outerShdw blurRad="57150" dist="19050" dir="5400000" algn="ctr" rotWithShape="0">
+              <a:srgbClr val="000000">
+                <a:alpha val="63000"/>
+              </a:srgbClr>
+            </a:outerShdw>
+          </a:effectLst>
+        </a:effectStyle>
+      </a:effectStyleLst>
+      <a:bgFillStyleLst>
+        <a:solidFill>
+          <a:schemeClr val="phClr"/>
+        </a:solidFill>
+        <a:solidFill>
+          <a:schemeClr val="phClr">
+            <a:tint val="95000"/>
+            <a:satMod val="170000"/>
+          </a:schemeClr>
+        </a:solidFill>
+        <a:gradFill rotWithShape="1">
+          <a:gsLst>
+            <a:gs pos="0">
+              <a:schemeClr val="phClr">
+                <a:tint val="93000"/>
+                <a:satMod val="150000"/>
+                <a:shade val="98000"/>
+                <a:lumMod val="102000"/>
+              </a:schemeClr>
+            </a:gs>
+            <a:gs pos="50000">
+              <a:schemeClr val="phClr">
+                <a:tint val="98000"/>
+                <a:satMod val="130000"/>
+                <a:shade val="90000"/>
+                <a:lumMod val="103000"/>
+              </a:schemeClr>
+            </a:gs>
+            <a:gs pos="100000">
+              <a:schemeClr val="phClr">
+                <a:shade val="63000"/>
+                <a:satMod val="120000"/>
+              </a:schemeClr>
+            </a:gs>
+          </a:gsLst>
+          <a:lin ang="5400000" scaled="0"/>
+        </a:gradFill>
+      </a:bgFillStyleLst>
+    </a:fmtScheme>
+  </a:themeElements>
+  <a:objectDefaults/>
+  <a:extraClrSchemeLst/>
+  <a:extLst>
+    <a:ext uri="{05A4C25C-085E-4340-85A3-A5531E510DB2}">
+      <thm15:themeFamily xmlns:thm15="http://schemas.microsoft.com/office/thememl/2012/main" name="Office Theme" id="{62F939B6-93AF-4DB8-9C6B-D6C7DFDC589F}" vid="{4A3C46E8-61CC-4603-A589-7422A47A8E4A}"/>
+    </a:ext>
+  </a:extLst>
+</a:theme>
 </file>
--- a/vignettes/figures/sequences_cas9.pptx
+++ b/vignettes/figures/sequences_cas9.pptx
@@ -2,7 +2,7 @@
 <file path=ppt/presentation.xml><?xml version="1.0" encoding="utf-8"?>
 <p:presentation xmlns:a="http://schemas.openxmlformats.org/drawingml/2006/main" xmlns:r="http://schemas.openxmlformats.org/officeDocument/2006/relationships" xmlns:p="http://schemas.openxmlformats.org/presentationml/2006/main" saveSubsetFonts="1" autoCompressPictures="0">
   <p:sldMasterIdLst>
-    <p:sldMasterId id="2147483756" r:id="rId1"/>
+    <p:sldMasterId id="2147483780" r:id="rId1"/>
   </p:sldMasterIdLst>
   <p:notesMasterIdLst>
     <p:notesMasterId r:id="rId3"/>
@@ -10,7 +10,7 @@
   <p:sldIdLst>
     <p:sldId id="257" r:id="rId2"/>
   </p:sldIdLst>
-  <p:sldSz cx="12344400" cy="4754563"/>
+  <p:sldSz cx="12344400" cy="5029200"/>
   <p:notesSz cx="6858000" cy="9144000"/>
   <p:defaultTextStyle>
     <a:defPPr>
@@ -197,7 +197,7 @@
           <a:p>
             <a:fld id="{9735EE8D-AAE5-5944-A858-0F27626AA23E}" type="datetimeFigureOut">
               <a:rPr lang="en-US" smtClean="0"/>
-              <a:t>6/23/22</a:t>
+              <a:t>6/29/22</a:t>
             </a:fld>
             <a:endParaRPr lang="en-US"/>
           </a:p>
@@ -215,8 +215,8 @@
         </p:nvSpPr>
         <p:spPr>
           <a:xfrm>
-            <a:off x="-576263" y="1143000"/>
-            <a:ext cx="8010526" cy="3086100"/>
+            <a:off x="-357188" y="1143000"/>
+            <a:ext cx="7572376" cy="3086100"/>
           </a:xfrm>
           <a:prstGeom prst="rect">
             <a:avLst/>
@@ -493,8 +493,8 @@
         </p:nvSpPr>
         <p:spPr>
           <a:xfrm>
-            <a:off x="-576263" y="1143000"/>
-            <a:ext cx="8010526" cy="3086100"/>
+            <a:off x="-357188" y="1143000"/>
+            <a:ext cx="7572376" cy="3086100"/>
           </a:xfrm>
         </p:spPr>
       </p:sp>
@@ -582,15 +582,15 @@
         </p:nvSpPr>
         <p:spPr>
           <a:xfrm>
-            <a:off x="1543050" y="778120"/>
-            <a:ext cx="9258300" cy="1655292"/>
+            <a:off x="1543050" y="823066"/>
+            <a:ext cx="9258300" cy="1750907"/>
           </a:xfrm>
         </p:spPr>
         <p:txBody>
           <a:bodyPr anchor="b"/>
           <a:lstStyle>
             <a:lvl1pPr algn="ctr">
-              <a:defRPr sz="4160"/>
+              <a:defRPr sz="4400"/>
             </a:lvl1pPr>
           </a:lstStyle>
           <a:p>
@@ -614,8 +614,8 @@
         </p:nvSpPr>
         <p:spPr>
           <a:xfrm>
-            <a:off x="1543050" y="2497247"/>
-            <a:ext cx="9258300" cy="1147918"/>
+            <a:off x="1543050" y="2641495"/>
+            <a:ext cx="9258300" cy="1214225"/>
           </a:xfrm>
         </p:spPr>
         <p:txBody>
@@ -623,39 +623,39 @@
           <a:lstStyle>
             <a:lvl1pPr marL="0" indent="0" algn="ctr">
               <a:buNone/>
-              <a:defRPr sz="1664"/>
+              <a:defRPr sz="1760"/>
             </a:lvl1pPr>
-            <a:lvl2pPr marL="316977" indent="0" algn="ctr">
+            <a:lvl2pPr marL="335265" indent="0" algn="ctr">
               <a:buNone/>
-              <a:defRPr sz="1387"/>
+              <a:defRPr sz="1467"/>
             </a:lvl2pPr>
-            <a:lvl3pPr marL="633954" indent="0" algn="ctr">
+            <a:lvl3pPr marL="670530" indent="0" algn="ctr">
               <a:buNone/>
-              <a:defRPr sz="1248"/>
+              <a:defRPr sz="1320"/>
             </a:lvl3pPr>
-            <a:lvl4pPr marL="950930" indent="0" algn="ctr">
+            <a:lvl4pPr marL="1005794" indent="0" algn="ctr">
               <a:buNone/>
-              <a:defRPr sz="1109"/>
+              <a:defRPr sz="1173"/>
             </a:lvl4pPr>
-            <a:lvl5pPr marL="1267907" indent="0" algn="ctr">
+            <a:lvl5pPr marL="1341059" indent="0" algn="ctr">
               <a:buNone/>
-              <a:defRPr sz="1109"/>
+              <a:defRPr sz="1173"/>
             </a:lvl5pPr>
-            <a:lvl6pPr marL="1584884" indent="0" algn="ctr">
+            <a:lvl6pPr marL="1676324" indent="0" algn="ctr">
               <a:buNone/>
-              <a:defRPr sz="1109"/>
+              <a:defRPr sz="1173"/>
             </a:lvl6pPr>
-            <a:lvl7pPr marL="1901861" indent="0" algn="ctr">
+            <a:lvl7pPr marL="2011589" indent="0" algn="ctr">
               <a:buNone/>
-              <a:defRPr sz="1109"/>
+              <a:defRPr sz="1173"/>
             </a:lvl7pPr>
-            <a:lvl8pPr marL="2218837" indent="0" algn="ctr">
+            <a:lvl8pPr marL="2346853" indent="0" algn="ctr">
               <a:buNone/>
-              <a:defRPr sz="1109"/>
+              <a:defRPr sz="1173"/>
             </a:lvl8pPr>
-            <a:lvl9pPr marL="2535814" indent="0" algn="ctr">
+            <a:lvl9pPr marL="2682118" indent="0" algn="ctr">
               <a:buNone/>
-              <a:defRPr sz="1109"/>
+              <a:defRPr sz="1173"/>
             </a:lvl9pPr>
           </a:lstStyle>
           <a:p>
@@ -684,7 +684,7 @@
           <a:p>
             <a:fld id="{DD6D9246-4FED-8E4D-BC9B-CDD794F2A5B7}" type="datetimeFigureOut">
               <a:rPr lang="en-US" smtClean="0"/>
-              <a:t>6/23/22</a:t>
+              <a:t>6/29/22</a:t>
             </a:fld>
             <a:endParaRPr lang="en-US"/>
           </a:p>
@@ -735,7 +735,7 @@
     </p:spTree>
     <p:extLst>
       <p:ext uri="{BB962C8B-B14F-4D97-AF65-F5344CB8AC3E}">
-        <p14:creationId xmlns:p14="http://schemas.microsoft.com/office/powerpoint/2010/main" val="3378003944"/>
+        <p14:creationId xmlns:p14="http://schemas.microsoft.com/office/powerpoint/2010/main" val="3560607293"/>
       </p:ext>
     </p:extLst>
   </p:cSld>
@@ -854,7 +854,7 @@
           <a:p>
             <a:fld id="{DD6D9246-4FED-8E4D-BC9B-CDD794F2A5B7}" type="datetimeFigureOut">
               <a:rPr lang="en-US" smtClean="0"/>
-              <a:t>6/23/22</a:t>
+              <a:t>6/29/22</a:t>
             </a:fld>
             <a:endParaRPr lang="en-US"/>
           </a:p>
@@ -905,7 +905,7 @@
     </p:spTree>
     <p:extLst>
       <p:ext uri="{BB962C8B-B14F-4D97-AF65-F5344CB8AC3E}">
-        <p14:creationId xmlns:p14="http://schemas.microsoft.com/office/powerpoint/2010/main" val="3290246028"/>
+        <p14:creationId xmlns:p14="http://schemas.microsoft.com/office/powerpoint/2010/main" val="1206470635"/>
       </p:ext>
     </p:extLst>
   </p:cSld>
@@ -944,8 +944,8 @@
         </p:nvSpPr>
         <p:spPr>
           <a:xfrm>
-            <a:off x="8833961" y="253137"/>
-            <a:ext cx="2661761" cy="4029272"/>
+            <a:off x="8833961" y="267758"/>
+            <a:ext cx="2661761" cy="4262015"/>
           </a:xfrm>
         </p:spPr>
         <p:txBody>
@@ -972,8 +972,8 @@
         </p:nvSpPr>
         <p:spPr>
           <a:xfrm>
-            <a:off x="848677" y="253137"/>
-            <a:ext cx="7830979" cy="4029272"/>
+            <a:off x="848677" y="267758"/>
+            <a:ext cx="7830979" cy="4262015"/>
           </a:xfrm>
         </p:spPr>
         <p:txBody>
@@ -1034,7 +1034,7 @@
           <a:p>
             <a:fld id="{DD6D9246-4FED-8E4D-BC9B-CDD794F2A5B7}" type="datetimeFigureOut">
               <a:rPr lang="en-US" smtClean="0"/>
-              <a:t>6/23/22</a:t>
+              <a:t>6/29/22</a:t>
             </a:fld>
             <a:endParaRPr lang="en-US"/>
           </a:p>
@@ -1085,7 +1085,7 @@
     </p:spTree>
     <p:extLst>
       <p:ext uri="{BB962C8B-B14F-4D97-AF65-F5344CB8AC3E}">
-        <p14:creationId xmlns:p14="http://schemas.microsoft.com/office/powerpoint/2010/main" val="3017250443"/>
+        <p14:creationId xmlns:p14="http://schemas.microsoft.com/office/powerpoint/2010/main" val="17888179"/>
       </p:ext>
     </p:extLst>
   </p:cSld>
@@ -1204,7 +1204,7 @@
           <a:p>
             <a:fld id="{DD6D9246-4FED-8E4D-BC9B-CDD794F2A5B7}" type="datetimeFigureOut">
               <a:rPr lang="en-US" smtClean="0"/>
-              <a:t>6/23/22</a:t>
+              <a:t>6/29/22</a:t>
             </a:fld>
             <a:endParaRPr lang="en-US"/>
           </a:p>
@@ -1255,7 +1255,7 @@
     </p:spTree>
     <p:extLst>
       <p:ext uri="{BB962C8B-B14F-4D97-AF65-F5344CB8AC3E}">
-        <p14:creationId xmlns:p14="http://schemas.microsoft.com/office/powerpoint/2010/main" val="2030343763"/>
+        <p14:creationId xmlns:p14="http://schemas.microsoft.com/office/powerpoint/2010/main" val="2831995908"/>
       </p:ext>
     </p:extLst>
   </p:cSld>
@@ -1294,15 +1294,15 @@
         </p:nvSpPr>
         <p:spPr>
           <a:xfrm>
-            <a:off x="842248" y="1185340"/>
-            <a:ext cx="10647045" cy="1977766"/>
+            <a:off x="842248" y="1253808"/>
+            <a:ext cx="10647045" cy="2092007"/>
           </a:xfrm>
         </p:spPr>
         <p:txBody>
           <a:bodyPr anchor="b"/>
           <a:lstStyle>
             <a:lvl1pPr>
-              <a:defRPr sz="4160"/>
+              <a:defRPr sz="4400"/>
             </a:lvl1pPr>
           </a:lstStyle>
           <a:p>
@@ -1326,8 +1326,8 @@
         </p:nvSpPr>
         <p:spPr>
           <a:xfrm>
-            <a:off x="842248" y="3181816"/>
-            <a:ext cx="10647045" cy="1040060"/>
+            <a:off x="842248" y="3365607"/>
+            <a:ext cx="10647045" cy="1100137"/>
           </a:xfrm>
         </p:spPr>
         <p:txBody>
@@ -1335,7 +1335,7 @@
           <a:lstStyle>
             <a:lvl1pPr marL="0" indent="0">
               <a:buNone/>
-              <a:defRPr sz="1664">
+              <a:defRPr sz="1760">
                 <a:solidFill>
                   <a:schemeClr val="tx1">
                     <a:tint val="75000"/>
@@ -1343,9 +1343,9 @@
                 </a:solidFill>
               </a:defRPr>
             </a:lvl1pPr>
-            <a:lvl2pPr marL="316977" indent="0">
+            <a:lvl2pPr marL="335265" indent="0">
               <a:buNone/>
-              <a:defRPr sz="1387">
+              <a:defRPr sz="1467">
                 <a:solidFill>
                   <a:schemeClr val="tx1">
                     <a:tint val="75000"/>
@@ -1353,9 +1353,9 @@
                 </a:solidFill>
               </a:defRPr>
             </a:lvl2pPr>
-            <a:lvl3pPr marL="633954" indent="0">
+            <a:lvl3pPr marL="670530" indent="0">
               <a:buNone/>
-              <a:defRPr sz="1248">
+              <a:defRPr sz="1320">
                 <a:solidFill>
                   <a:schemeClr val="tx1">
                     <a:tint val="75000"/>
@@ -1363,9 +1363,9 @@
                 </a:solidFill>
               </a:defRPr>
             </a:lvl3pPr>
-            <a:lvl4pPr marL="950930" indent="0">
+            <a:lvl4pPr marL="1005794" indent="0">
               <a:buNone/>
-              <a:defRPr sz="1109">
+              <a:defRPr sz="1173">
                 <a:solidFill>
                   <a:schemeClr val="tx1">
                     <a:tint val="75000"/>
@@ -1373,9 +1373,9 @@
                 </a:solidFill>
               </a:defRPr>
             </a:lvl4pPr>
-            <a:lvl5pPr marL="1267907" indent="0">
+            <a:lvl5pPr marL="1341059" indent="0">
               <a:buNone/>
-              <a:defRPr sz="1109">
+              <a:defRPr sz="1173">
                 <a:solidFill>
                   <a:schemeClr val="tx1">
                     <a:tint val="75000"/>
@@ -1383,9 +1383,9 @@
                 </a:solidFill>
               </a:defRPr>
             </a:lvl5pPr>
-            <a:lvl6pPr marL="1584884" indent="0">
+            <a:lvl6pPr marL="1676324" indent="0">
               <a:buNone/>
-              <a:defRPr sz="1109">
+              <a:defRPr sz="1173">
                 <a:solidFill>
                   <a:schemeClr val="tx1">
                     <a:tint val="75000"/>
@@ -1393,9 +1393,9 @@
                 </a:solidFill>
               </a:defRPr>
             </a:lvl6pPr>
-            <a:lvl7pPr marL="1901861" indent="0">
+            <a:lvl7pPr marL="2011589" indent="0">
               <a:buNone/>
-              <a:defRPr sz="1109">
+              <a:defRPr sz="1173">
                 <a:solidFill>
                   <a:schemeClr val="tx1">
                     <a:tint val="75000"/>
@@ -1403,9 +1403,9 @@
                 </a:solidFill>
               </a:defRPr>
             </a:lvl7pPr>
-            <a:lvl8pPr marL="2218837" indent="0">
+            <a:lvl8pPr marL="2346853" indent="0">
               <a:buNone/>
-              <a:defRPr sz="1109">
+              <a:defRPr sz="1173">
                 <a:solidFill>
                   <a:schemeClr val="tx1">
                     <a:tint val="75000"/>
@@ -1413,9 +1413,9 @@
                 </a:solidFill>
               </a:defRPr>
             </a:lvl8pPr>
-            <a:lvl9pPr marL="2535814" indent="0">
+            <a:lvl9pPr marL="2682118" indent="0">
               <a:buNone/>
-              <a:defRPr sz="1109">
+              <a:defRPr sz="1173">
                 <a:solidFill>
                   <a:schemeClr val="tx1">
                     <a:tint val="75000"/>
@@ -1450,7 +1450,7 @@
           <a:p>
             <a:fld id="{DD6D9246-4FED-8E4D-BC9B-CDD794F2A5B7}" type="datetimeFigureOut">
               <a:rPr lang="en-US" smtClean="0"/>
-              <a:t>6/23/22</a:t>
+              <a:t>6/29/22</a:t>
             </a:fld>
             <a:endParaRPr lang="en-US"/>
           </a:p>
@@ -1501,7 +1501,7 @@
     </p:spTree>
     <p:extLst>
       <p:ext uri="{BB962C8B-B14F-4D97-AF65-F5344CB8AC3E}">
-        <p14:creationId xmlns:p14="http://schemas.microsoft.com/office/powerpoint/2010/main" val="3987860263"/>
+        <p14:creationId xmlns:p14="http://schemas.microsoft.com/office/powerpoint/2010/main" val="1343173452"/>
       </p:ext>
     </p:extLst>
   </p:cSld>
@@ -1563,8 +1563,8 @@
         </p:nvSpPr>
         <p:spPr>
           <a:xfrm>
-            <a:off x="848678" y="1265682"/>
-            <a:ext cx="5246370" cy="3016727"/>
+            <a:off x="848678" y="1338792"/>
+            <a:ext cx="5246370" cy="3190981"/>
           </a:xfrm>
         </p:spPr>
         <p:txBody>
@@ -1620,8 +1620,8 @@
         </p:nvSpPr>
         <p:spPr>
           <a:xfrm>
-            <a:off x="6249353" y="1265682"/>
-            <a:ext cx="5246370" cy="3016727"/>
+            <a:off x="6249353" y="1338792"/>
+            <a:ext cx="5246370" cy="3190981"/>
           </a:xfrm>
         </p:spPr>
         <p:txBody>
@@ -1682,7 +1682,7 @@
           <a:p>
             <a:fld id="{DD6D9246-4FED-8E4D-BC9B-CDD794F2A5B7}" type="datetimeFigureOut">
               <a:rPr lang="en-US" smtClean="0"/>
-              <a:t>6/23/22</a:t>
+              <a:t>6/29/22</a:t>
             </a:fld>
             <a:endParaRPr lang="en-US"/>
           </a:p>
@@ -1733,7 +1733,7 @@
     </p:spTree>
     <p:extLst>
       <p:ext uri="{BB962C8B-B14F-4D97-AF65-F5344CB8AC3E}">
-        <p14:creationId xmlns:p14="http://schemas.microsoft.com/office/powerpoint/2010/main" val="3934672592"/>
+        <p14:creationId xmlns:p14="http://schemas.microsoft.com/office/powerpoint/2010/main" val="1271191803"/>
       </p:ext>
     </p:extLst>
   </p:cSld>
@@ -1772,8 +1772,8 @@
         </p:nvSpPr>
         <p:spPr>
           <a:xfrm>
-            <a:off x="850285" y="253137"/>
-            <a:ext cx="10647045" cy="918996"/>
+            <a:off x="850285" y="267758"/>
+            <a:ext cx="10647045" cy="972080"/>
           </a:xfrm>
         </p:spPr>
         <p:txBody>
@@ -1800,8 +1800,8 @@
         </p:nvSpPr>
         <p:spPr>
           <a:xfrm>
-            <a:off x="850286" y="1165528"/>
-            <a:ext cx="5222259" cy="571208"/>
+            <a:off x="850286" y="1232853"/>
+            <a:ext cx="5222259" cy="604202"/>
           </a:xfrm>
         </p:spPr>
         <p:txBody>
@@ -1809,39 +1809,39 @@
           <a:lstStyle>
             <a:lvl1pPr marL="0" indent="0">
               <a:buNone/>
-              <a:defRPr sz="1664" b="1"/>
+              <a:defRPr sz="1760" b="1"/>
             </a:lvl1pPr>
-            <a:lvl2pPr marL="316977" indent="0">
+            <a:lvl2pPr marL="335265" indent="0">
               <a:buNone/>
-              <a:defRPr sz="1387" b="1"/>
+              <a:defRPr sz="1467" b="1"/>
             </a:lvl2pPr>
-            <a:lvl3pPr marL="633954" indent="0">
+            <a:lvl3pPr marL="670530" indent="0">
               <a:buNone/>
-              <a:defRPr sz="1248" b="1"/>
+              <a:defRPr sz="1320" b="1"/>
             </a:lvl3pPr>
-            <a:lvl4pPr marL="950930" indent="0">
+            <a:lvl4pPr marL="1005794" indent="0">
               <a:buNone/>
-              <a:defRPr sz="1109" b="1"/>
+              <a:defRPr sz="1173" b="1"/>
             </a:lvl4pPr>
-            <a:lvl5pPr marL="1267907" indent="0">
+            <a:lvl5pPr marL="1341059" indent="0">
               <a:buNone/>
-              <a:defRPr sz="1109" b="1"/>
+              <a:defRPr sz="1173" b="1"/>
             </a:lvl5pPr>
-            <a:lvl6pPr marL="1584884" indent="0">
+            <a:lvl6pPr marL="1676324" indent="0">
               <a:buNone/>
-              <a:defRPr sz="1109" b="1"/>
+              <a:defRPr sz="1173" b="1"/>
             </a:lvl6pPr>
-            <a:lvl7pPr marL="1901861" indent="0">
+            <a:lvl7pPr marL="2011589" indent="0">
               <a:buNone/>
-              <a:defRPr sz="1109" b="1"/>
+              <a:defRPr sz="1173" b="1"/>
             </a:lvl7pPr>
-            <a:lvl8pPr marL="2218837" indent="0">
+            <a:lvl8pPr marL="2346853" indent="0">
               <a:buNone/>
-              <a:defRPr sz="1109" b="1"/>
+              <a:defRPr sz="1173" b="1"/>
             </a:lvl8pPr>
-            <a:lvl9pPr marL="2535814" indent="0">
+            <a:lvl9pPr marL="2682118" indent="0">
               <a:buNone/>
-              <a:defRPr sz="1109" b="1"/>
+              <a:defRPr sz="1173" b="1"/>
             </a:lvl9pPr>
           </a:lstStyle>
           <a:p>
@@ -1865,8 +1865,8 @@
         </p:nvSpPr>
         <p:spPr>
           <a:xfrm>
-            <a:off x="850286" y="1736736"/>
-            <a:ext cx="5222259" cy="2554477"/>
+            <a:off x="850286" y="1837055"/>
+            <a:ext cx="5222259" cy="2702031"/>
           </a:xfrm>
         </p:spPr>
         <p:txBody>
@@ -1922,8 +1922,8 @@
         </p:nvSpPr>
         <p:spPr>
           <a:xfrm>
-            <a:off x="6249352" y="1165528"/>
-            <a:ext cx="5247978" cy="571208"/>
+            <a:off x="6249352" y="1232853"/>
+            <a:ext cx="5247978" cy="604202"/>
           </a:xfrm>
         </p:spPr>
         <p:txBody>
@@ -1931,39 +1931,39 @@
           <a:lstStyle>
             <a:lvl1pPr marL="0" indent="0">
               <a:buNone/>
-              <a:defRPr sz="1664" b="1"/>
+              <a:defRPr sz="1760" b="1"/>
             </a:lvl1pPr>
-            <a:lvl2pPr marL="316977" indent="0">
+            <a:lvl2pPr marL="335265" indent="0">
               <a:buNone/>
-              <a:defRPr sz="1387" b="1"/>
+              <a:defRPr sz="1467" b="1"/>
             </a:lvl2pPr>
-            <a:lvl3pPr marL="633954" indent="0">
+            <a:lvl3pPr marL="670530" indent="0">
               <a:buNone/>
-              <a:defRPr sz="1248" b="1"/>
+              <a:defRPr sz="1320" b="1"/>
             </a:lvl3pPr>
-            <a:lvl4pPr marL="950930" indent="0">
+            <a:lvl4pPr marL="1005794" indent="0">
               <a:buNone/>
-              <a:defRPr sz="1109" b="1"/>
+              <a:defRPr sz="1173" b="1"/>
             </a:lvl4pPr>
-            <a:lvl5pPr marL="1267907" indent="0">
+            <a:lvl5pPr marL="1341059" indent="0">
               <a:buNone/>
-              <a:defRPr sz="1109" b="1"/>
+              <a:defRPr sz="1173" b="1"/>
             </a:lvl5pPr>
-            <a:lvl6pPr marL="1584884" indent="0">
+            <a:lvl6pPr marL="1676324" indent="0">
               <a:buNone/>
-              <a:defRPr sz="1109" b="1"/>
+              <a:defRPr sz="1173" b="1"/>
             </a:lvl6pPr>
-            <a:lvl7pPr marL="1901861" indent="0">
+            <a:lvl7pPr marL="2011589" indent="0">
               <a:buNone/>
-              <a:defRPr sz="1109" b="1"/>
+              <a:defRPr sz="1173" b="1"/>
             </a:lvl7pPr>
-            <a:lvl8pPr marL="2218837" indent="0">
+            <a:lvl8pPr marL="2346853" indent="0">
               <a:buNone/>
-              <a:defRPr sz="1109" b="1"/>
+              <a:defRPr sz="1173" b="1"/>
             </a:lvl8pPr>
-            <a:lvl9pPr marL="2535814" indent="0">
+            <a:lvl9pPr marL="2682118" indent="0">
               <a:buNone/>
-              <a:defRPr sz="1109" b="1"/>
+              <a:defRPr sz="1173" b="1"/>
             </a:lvl9pPr>
           </a:lstStyle>
           <a:p>
@@ -1987,8 +1987,8 @@
         </p:nvSpPr>
         <p:spPr>
           <a:xfrm>
-            <a:off x="6249352" y="1736736"/>
-            <a:ext cx="5247978" cy="2554477"/>
+            <a:off x="6249352" y="1837055"/>
+            <a:ext cx="5247978" cy="2702031"/>
           </a:xfrm>
         </p:spPr>
         <p:txBody>
@@ -2049,7 +2049,7 @@
           <a:p>
             <a:fld id="{DD6D9246-4FED-8E4D-BC9B-CDD794F2A5B7}" type="datetimeFigureOut">
               <a:rPr lang="en-US" smtClean="0"/>
-              <a:t>6/23/22</a:t>
+              <a:t>6/29/22</a:t>
             </a:fld>
             <a:endParaRPr lang="en-US"/>
           </a:p>
@@ -2100,7 +2100,7 @@
     </p:spTree>
     <p:extLst>
       <p:ext uri="{BB962C8B-B14F-4D97-AF65-F5344CB8AC3E}">
-        <p14:creationId xmlns:p14="http://schemas.microsoft.com/office/powerpoint/2010/main" val="2166530467"/>
+        <p14:creationId xmlns:p14="http://schemas.microsoft.com/office/powerpoint/2010/main" val="2168576110"/>
       </p:ext>
     </p:extLst>
   </p:cSld>
@@ -2167,7 +2167,7 @@
           <a:p>
             <a:fld id="{DD6D9246-4FED-8E4D-BC9B-CDD794F2A5B7}" type="datetimeFigureOut">
               <a:rPr lang="en-US" smtClean="0"/>
-              <a:t>6/23/22</a:t>
+              <a:t>6/29/22</a:t>
             </a:fld>
             <a:endParaRPr lang="en-US"/>
           </a:p>
@@ -2218,7 +2218,7 @@
     </p:spTree>
     <p:extLst>
       <p:ext uri="{BB962C8B-B14F-4D97-AF65-F5344CB8AC3E}">
-        <p14:creationId xmlns:p14="http://schemas.microsoft.com/office/powerpoint/2010/main" val="1015467324"/>
+        <p14:creationId xmlns:p14="http://schemas.microsoft.com/office/powerpoint/2010/main" val="1944497434"/>
       </p:ext>
     </p:extLst>
   </p:cSld>
@@ -2262,7 +2262,7 @@
           <a:p>
             <a:fld id="{DD6D9246-4FED-8E4D-BC9B-CDD794F2A5B7}" type="datetimeFigureOut">
               <a:rPr lang="en-US" smtClean="0"/>
-              <a:t>6/23/22</a:t>
+              <a:t>6/29/22</a:t>
             </a:fld>
             <a:endParaRPr lang="en-US"/>
           </a:p>
@@ -2313,7 +2313,7 @@
     </p:spTree>
     <p:extLst>
       <p:ext uri="{BB962C8B-B14F-4D97-AF65-F5344CB8AC3E}">
-        <p14:creationId xmlns:p14="http://schemas.microsoft.com/office/powerpoint/2010/main" val="3607978305"/>
+        <p14:creationId xmlns:p14="http://schemas.microsoft.com/office/powerpoint/2010/main" val="3679361313"/>
       </p:ext>
     </p:extLst>
   </p:cSld>
@@ -2352,15 +2352,15 @@
         </p:nvSpPr>
         <p:spPr>
           <a:xfrm>
-            <a:off x="850286" y="316971"/>
-            <a:ext cx="3981390" cy="1109398"/>
+            <a:off x="850286" y="335280"/>
+            <a:ext cx="3981390" cy="1173480"/>
           </a:xfrm>
         </p:spPr>
         <p:txBody>
           <a:bodyPr anchor="b"/>
           <a:lstStyle>
             <a:lvl1pPr>
-              <a:defRPr sz="2219"/>
+              <a:defRPr sz="2347"/>
             </a:lvl1pPr>
           </a:lstStyle>
           <a:p>
@@ -2384,39 +2384,39 @@
         </p:nvSpPr>
         <p:spPr>
           <a:xfrm>
-            <a:off x="5247978" y="684570"/>
-            <a:ext cx="6249353" cy="3378821"/>
+            <a:off x="5247978" y="724112"/>
+            <a:ext cx="6249353" cy="3573992"/>
           </a:xfrm>
         </p:spPr>
         <p:txBody>
           <a:bodyPr/>
           <a:lstStyle>
             <a:lvl1pPr>
-              <a:defRPr sz="2219"/>
+              <a:defRPr sz="2347"/>
             </a:lvl1pPr>
             <a:lvl2pPr>
-              <a:defRPr sz="1941"/>
+              <a:defRPr sz="2053"/>
             </a:lvl2pPr>
             <a:lvl3pPr>
-              <a:defRPr sz="1664"/>
+              <a:defRPr sz="1760"/>
             </a:lvl3pPr>
             <a:lvl4pPr>
-              <a:defRPr sz="1387"/>
+              <a:defRPr sz="1467"/>
             </a:lvl4pPr>
             <a:lvl5pPr>
-              <a:defRPr sz="1387"/>
+              <a:defRPr sz="1467"/>
             </a:lvl5pPr>
             <a:lvl6pPr>
-              <a:defRPr sz="1387"/>
+              <a:defRPr sz="1467"/>
             </a:lvl6pPr>
             <a:lvl7pPr>
-              <a:defRPr sz="1387"/>
+              <a:defRPr sz="1467"/>
             </a:lvl7pPr>
             <a:lvl8pPr>
-              <a:defRPr sz="1387"/>
+              <a:defRPr sz="1467"/>
             </a:lvl8pPr>
             <a:lvl9pPr>
-              <a:defRPr sz="1387"/>
+              <a:defRPr sz="1467"/>
             </a:lvl9pPr>
           </a:lstStyle>
           <a:p>
@@ -2469,8 +2469,8 @@
         </p:nvSpPr>
         <p:spPr>
           <a:xfrm>
-            <a:off x="850286" y="1426369"/>
-            <a:ext cx="3981390" cy="2642525"/>
+            <a:off x="850286" y="1508760"/>
+            <a:ext cx="3981390" cy="2795165"/>
           </a:xfrm>
         </p:spPr>
         <p:txBody>
@@ -2478,39 +2478,39 @@
           <a:lstStyle>
             <a:lvl1pPr marL="0" indent="0">
               <a:buNone/>
-              <a:defRPr sz="1109"/>
+              <a:defRPr sz="1173"/>
             </a:lvl1pPr>
-            <a:lvl2pPr marL="316977" indent="0">
+            <a:lvl2pPr marL="335265" indent="0">
               <a:buNone/>
-              <a:defRPr sz="971"/>
+              <a:defRPr sz="1027"/>
             </a:lvl2pPr>
-            <a:lvl3pPr marL="633954" indent="0">
+            <a:lvl3pPr marL="670530" indent="0">
               <a:buNone/>
-              <a:defRPr sz="832"/>
+              <a:defRPr sz="880"/>
             </a:lvl3pPr>
-            <a:lvl4pPr marL="950930" indent="0">
+            <a:lvl4pPr marL="1005794" indent="0">
               <a:buNone/>
-              <a:defRPr sz="693"/>
+              <a:defRPr sz="733"/>
             </a:lvl4pPr>
-            <a:lvl5pPr marL="1267907" indent="0">
+            <a:lvl5pPr marL="1341059" indent="0">
               <a:buNone/>
-              <a:defRPr sz="693"/>
+              <a:defRPr sz="733"/>
             </a:lvl5pPr>
-            <a:lvl6pPr marL="1584884" indent="0">
+            <a:lvl6pPr marL="1676324" indent="0">
               <a:buNone/>
-              <a:defRPr sz="693"/>
+              <a:defRPr sz="733"/>
             </a:lvl6pPr>
-            <a:lvl7pPr marL="1901861" indent="0">
+            <a:lvl7pPr marL="2011589" indent="0">
               <a:buNone/>
-              <a:defRPr sz="693"/>
+              <a:defRPr sz="733"/>
             </a:lvl7pPr>
-            <a:lvl8pPr marL="2218837" indent="0">
+            <a:lvl8pPr marL="2346853" indent="0">
               <a:buNone/>
-              <a:defRPr sz="693"/>
+              <a:defRPr sz="733"/>
             </a:lvl8pPr>
-            <a:lvl9pPr marL="2535814" indent="0">
+            <a:lvl9pPr marL="2682118" indent="0">
               <a:buNone/>
-              <a:defRPr sz="693"/>
+              <a:defRPr sz="733"/>
             </a:lvl9pPr>
           </a:lstStyle>
           <a:p>
@@ -2539,7 +2539,7 @@
           <a:p>
             <a:fld id="{DD6D9246-4FED-8E4D-BC9B-CDD794F2A5B7}" type="datetimeFigureOut">
               <a:rPr lang="en-US" smtClean="0"/>
-              <a:t>6/23/22</a:t>
+              <a:t>6/29/22</a:t>
             </a:fld>
             <a:endParaRPr lang="en-US"/>
           </a:p>
@@ -2590,7 +2590,7 @@
     </p:spTree>
     <p:extLst>
       <p:ext uri="{BB962C8B-B14F-4D97-AF65-F5344CB8AC3E}">
-        <p14:creationId xmlns:p14="http://schemas.microsoft.com/office/powerpoint/2010/main" val="2191581925"/>
+        <p14:creationId xmlns:p14="http://schemas.microsoft.com/office/powerpoint/2010/main" val="3434157086"/>
       </p:ext>
     </p:extLst>
   </p:cSld>
@@ -2629,15 +2629,15 @@
         </p:nvSpPr>
         <p:spPr>
           <a:xfrm>
-            <a:off x="850286" y="316971"/>
-            <a:ext cx="3981390" cy="1109398"/>
+            <a:off x="850286" y="335280"/>
+            <a:ext cx="3981390" cy="1173480"/>
           </a:xfrm>
         </p:spPr>
         <p:txBody>
           <a:bodyPr anchor="b"/>
           <a:lstStyle>
             <a:lvl1pPr>
-              <a:defRPr sz="2219"/>
+              <a:defRPr sz="2347"/>
             </a:lvl1pPr>
           </a:lstStyle>
           <a:p>
@@ -2661,8 +2661,8 @@
         </p:nvSpPr>
         <p:spPr>
           <a:xfrm>
-            <a:off x="5247978" y="684570"/>
-            <a:ext cx="6249353" cy="3378821"/>
+            <a:off x="5247978" y="724112"/>
+            <a:ext cx="6249353" cy="3573992"/>
           </a:xfrm>
         </p:spPr>
         <p:txBody>
@@ -2670,39 +2670,39 @@
           <a:lstStyle>
             <a:lvl1pPr marL="0" indent="0">
               <a:buNone/>
-              <a:defRPr sz="2219"/>
+              <a:defRPr sz="2347"/>
             </a:lvl1pPr>
-            <a:lvl2pPr marL="316977" indent="0">
+            <a:lvl2pPr marL="335265" indent="0">
               <a:buNone/>
-              <a:defRPr sz="1941"/>
+              <a:defRPr sz="2053"/>
             </a:lvl2pPr>
-            <a:lvl3pPr marL="633954" indent="0">
+            <a:lvl3pPr marL="670530" indent="0">
               <a:buNone/>
-              <a:defRPr sz="1664"/>
+              <a:defRPr sz="1760"/>
             </a:lvl3pPr>
-            <a:lvl4pPr marL="950930" indent="0">
+            <a:lvl4pPr marL="1005794" indent="0">
               <a:buNone/>
-              <a:defRPr sz="1387"/>
+              <a:defRPr sz="1467"/>
             </a:lvl4pPr>
-            <a:lvl5pPr marL="1267907" indent="0">
+            <a:lvl5pPr marL="1341059" indent="0">
               <a:buNone/>
-              <a:defRPr sz="1387"/>
+              <a:defRPr sz="1467"/>
             </a:lvl5pPr>
-            <a:lvl6pPr marL="1584884" indent="0">
+            <a:lvl6pPr marL="1676324" indent="0">
               <a:buNone/>
-              <a:defRPr sz="1387"/>
+              <a:defRPr sz="1467"/>
             </a:lvl6pPr>
-            <a:lvl7pPr marL="1901861" indent="0">
+            <a:lvl7pPr marL="2011589" indent="0">
               <a:buNone/>
-              <a:defRPr sz="1387"/>
+              <a:defRPr sz="1467"/>
             </a:lvl7pPr>
-            <a:lvl8pPr marL="2218837" indent="0">
+            <a:lvl8pPr marL="2346853" indent="0">
               <a:buNone/>
-              <a:defRPr sz="1387"/>
+              <a:defRPr sz="1467"/>
             </a:lvl8pPr>
-            <a:lvl9pPr marL="2535814" indent="0">
+            <a:lvl9pPr marL="2682118" indent="0">
               <a:buNone/>
-              <a:defRPr sz="1387"/>
+              <a:defRPr sz="1467"/>
             </a:lvl9pPr>
           </a:lstStyle>
           <a:p>
@@ -2726,8 +2726,8 @@
         </p:nvSpPr>
         <p:spPr>
           <a:xfrm>
-            <a:off x="850286" y="1426369"/>
-            <a:ext cx="3981390" cy="2642525"/>
+            <a:off x="850286" y="1508760"/>
+            <a:ext cx="3981390" cy="2795165"/>
           </a:xfrm>
         </p:spPr>
         <p:txBody>
@@ -2735,39 +2735,39 @@
           <a:lstStyle>
             <a:lvl1pPr marL="0" indent="0">
               <a:buNone/>
-              <a:defRPr sz="1109"/>
+              <a:defRPr sz="1173"/>
             </a:lvl1pPr>
-            <a:lvl2pPr marL="316977" indent="0">
+            <a:lvl2pPr marL="335265" indent="0">
               <a:buNone/>
-              <a:defRPr sz="971"/>
+              <a:defRPr sz="1027"/>
             </a:lvl2pPr>
-            <a:lvl3pPr marL="633954" indent="0">
+            <a:lvl3pPr marL="670530" indent="0">
               <a:buNone/>
-              <a:defRPr sz="832"/>
+              <a:defRPr sz="880"/>
             </a:lvl3pPr>
-            <a:lvl4pPr marL="950930" indent="0">
+            <a:lvl4pPr marL="1005794" indent="0">
               <a:buNone/>
-              <a:defRPr sz="693"/>
+              <a:defRPr sz="733"/>
             </a:lvl4pPr>
-            <a:lvl5pPr marL="1267907" indent="0">
+            <a:lvl5pPr marL="1341059" indent="0">
               <a:buNone/>
-              <a:defRPr sz="693"/>
+              <a:defRPr sz="733"/>
             </a:lvl5pPr>
-            <a:lvl6pPr marL="1584884" indent="0">
+            <a:lvl6pPr marL="1676324" indent="0">
               <a:buNone/>
-              <a:defRPr sz="693"/>
+              <a:defRPr sz="733"/>
             </a:lvl6pPr>
-            <a:lvl7pPr marL="1901861" indent="0">
+            <a:lvl7pPr marL="2011589" indent="0">
               <a:buNone/>
-              <a:defRPr sz="693"/>
+              <a:defRPr sz="733"/>
             </a:lvl7pPr>
-            <a:lvl8pPr marL="2218837" indent="0">
+            <a:lvl8pPr marL="2346853" indent="0">
               <a:buNone/>
-              <a:defRPr sz="693"/>
+              <a:defRPr sz="733"/>
             </a:lvl8pPr>
-            <a:lvl9pPr marL="2535814" indent="0">
+            <a:lvl9pPr marL="2682118" indent="0">
               <a:buNone/>
-              <a:defRPr sz="693"/>
+              <a:defRPr sz="733"/>
             </a:lvl9pPr>
           </a:lstStyle>
           <a:p>
@@ -2796,7 +2796,7 @@
           <a:p>
             <a:fld id="{DD6D9246-4FED-8E4D-BC9B-CDD794F2A5B7}" type="datetimeFigureOut">
               <a:rPr lang="en-US" smtClean="0"/>
-              <a:t>6/23/22</a:t>
+              <a:t>6/29/22</a:t>
             </a:fld>
             <a:endParaRPr lang="en-US"/>
           </a:p>
@@ -2847,7 +2847,7 @@
     </p:spTree>
     <p:extLst>
       <p:ext uri="{BB962C8B-B14F-4D97-AF65-F5344CB8AC3E}">
-        <p14:creationId xmlns:p14="http://schemas.microsoft.com/office/powerpoint/2010/main" val="3935618335"/>
+        <p14:creationId xmlns:p14="http://schemas.microsoft.com/office/powerpoint/2010/main" val="3457648929"/>
       </p:ext>
     </p:extLst>
   </p:cSld>
@@ -2891,8 +2891,8 @@
         </p:nvSpPr>
         <p:spPr>
           <a:xfrm>
-            <a:off x="848678" y="253137"/>
-            <a:ext cx="10647045" cy="918996"/>
+            <a:off x="848678" y="267758"/>
+            <a:ext cx="10647045" cy="972080"/>
           </a:xfrm>
           <a:prstGeom prst="rect">
             <a:avLst/>
@@ -2924,8 +2924,8 @@
         </p:nvSpPr>
         <p:spPr>
           <a:xfrm>
-            <a:off x="848678" y="1265682"/>
-            <a:ext cx="10647045" cy="3016727"/>
+            <a:off x="848678" y="1338792"/>
+            <a:ext cx="10647045" cy="3190981"/>
           </a:xfrm>
           <a:prstGeom prst="rect">
             <a:avLst/>
@@ -2986,8 +2986,8 @@
         </p:nvSpPr>
         <p:spPr>
           <a:xfrm>
-            <a:off x="848678" y="4406776"/>
-            <a:ext cx="2777490" cy="253136"/>
+            <a:off x="848678" y="4661324"/>
+            <a:ext cx="2777490" cy="267758"/>
           </a:xfrm>
           <a:prstGeom prst="rect">
             <a:avLst/>
@@ -2997,7 +2997,7 @@
           <a:bodyPr vert="horz" lIns="91440" tIns="45720" rIns="91440" bIns="45720" rtlCol="0" anchor="ctr"/>
           <a:lstStyle>
             <a:lvl1pPr algn="l">
-              <a:defRPr sz="832">
+              <a:defRPr sz="880">
                 <a:solidFill>
                   <a:schemeClr val="tx1">
                     <a:tint val="75000"/>
@@ -3009,7 +3009,7 @@
           <a:p>
             <a:fld id="{DD6D9246-4FED-8E4D-BC9B-CDD794F2A5B7}" type="datetimeFigureOut">
               <a:rPr lang="en-US" smtClean="0"/>
-              <a:t>6/23/22</a:t>
+              <a:t>6/29/22</a:t>
             </a:fld>
             <a:endParaRPr lang="en-US"/>
           </a:p>
@@ -3027,8 +3027,8 @@
         </p:nvSpPr>
         <p:spPr>
           <a:xfrm>
-            <a:off x="4089083" y="4406776"/>
-            <a:ext cx="4166235" cy="253136"/>
+            <a:off x="4089083" y="4661324"/>
+            <a:ext cx="4166235" cy="267758"/>
           </a:xfrm>
           <a:prstGeom prst="rect">
             <a:avLst/>
@@ -3038,7 +3038,7 @@
           <a:bodyPr vert="horz" lIns="91440" tIns="45720" rIns="91440" bIns="45720" rtlCol="0" anchor="ctr"/>
           <a:lstStyle>
             <a:lvl1pPr algn="ctr">
-              <a:defRPr sz="832">
+              <a:defRPr sz="880">
                 <a:solidFill>
                   <a:schemeClr val="tx1">
                     <a:tint val="75000"/>
@@ -3064,8 +3064,8 @@
         </p:nvSpPr>
         <p:spPr>
           <a:xfrm>
-            <a:off x="8718233" y="4406776"/>
-            <a:ext cx="2777490" cy="253136"/>
+            <a:off x="8718233" y="4661324"/>
+            <a:ext cx="2777490" cy="267758"/>
           </a:xfrm>
           <a:prstGeom prst="rect">
             <a:avLst/>
@@ -3075,7 +3075,7 @@
           <a:bodyPr vert="horz" lIns="91440" tIns="45720" rIns="91440" bIns="45720" rtlCol="0" anchor="ctr"/>
           <a:lstStyle>
             <a:lvl1pPr algn="r">
-              <a:defRPr sz="832">
+              <a:defRPr sz="880">
                 <a:solidFill>
                   <a:schemeClr val="tx1">
                     <a:tint val="75000"/>
@@ -3096,27 +3096,27 @@
     </p:spTree>
     <p:extLst>
       <p:ext uri="{BB962C8B-B14F-4D97-AF65-F5344CB8AC3E}">
-        <p14:creationId xmlns:p14="http://schemas.microsoft.com/office/powerpoint/2010/main" val="2683191803"/>
+        <p14:creationId xmlns:p14="http://schemas.microsoft.com/office/powerpoint/2010/main" val="4094021045"/>
       </p:ext>
     </p:extLst>
   </p:cSld>
   <p:clrMap bg1="lt1" tx1="dk1" bg2="lt2" tx2="dk2" accent1="accent1" accent2="accent2" accent3="accent3" accent4="accent4" accent5="accent5" accent6="accent6" hlink="hlink" folHlink="folHlink"/>
   <p:sldLayoutIdLst>
-    <p:sldLayoutId id="2147483757" r:id="rId1"/>
-    <p:sldLayoutId id="2147483758" r:id="rId2"/>
-    <p:sldLayoutId id="2147483759" r:id="rId3"/>
-    <p:sldLayoutId id="2147483760" r:id="rId4"/>
-    <p:sldLayoutId id="2147483761" r:id="rId5"/>
-    <p:sldLayoutId id="2147483762" r:id="rId6"/>
-    <p:sldLayoutId id="2147483763" r:id="rId7"/>
-    <p:sldLayoutId id="2147483764" r:id="rId8"/>
-    <p:sldLayoutId id="2147483765" r:id="rId9"/>
-    <p:sldLayoutId id="2147483766" r:id="rId10"/>
-    <p:sldLayoutId id="2147483767" r:id="rId11"/>
+    <p:sldLayoutId id="2147483781" r:id="rId1"/>
+    <p:sldLayoutId id="2147483782" r:id="rId2"/>
+    <p:sldLayoutId id="2147483783" r:id="rId3"/>
+    <p:sldLayoutId id="2147483784" r:id="rId4"/>
+    <p:sldLayoutId id="2147483785" r:id="rId5"/>
+    <p:sldLayoutId id="2147483786" r:id="rId6"/>
+    <p:sldLayoutId id="2147483787" r:id="rId7"/>
+    <p:sldLayoutId id="2147483788" r:id="rId8"/>
+    <p:sldLayoutId id="2147483789" r:id="rId9"/>
+    <p:sldLayoutId id="2147483790" r:id="rId10"/>
+    <p:sldLayoutId id="2147483791" r:id="rId11"/>
   </p:sldLayoutIdLst>
   <p:txStyles>
     <p:titleStyle>
-      <a:lvl1pPr algn="l" defTabSz="633954" rtl="0" eaLnBrk="1" latinLnBrk="0" hangingPunct="1">
+      <a:lvl1pPr algn="l" defTabSz="670530" rtl="0" eaLnBrk="1" latinLnBrk="0" hangingPunct="1">
         <a:lnSpc>
           <a:spcPct val="90000"/>
         </a:lnSpc>
@@ -3124,7 +3124,7 @@
           <a:spcPct val="0"/>
         </a:spcBef>
         <a:buNone/>
-        <a:defRPr sz="3051" kern="1200">
+        <a:defRPr sz="3227" kern="1200">
           <a:solidFill>
             <a:schemeClr val="tx1"/>
           </a:solidFill>
@@ -3135,16 +3135,16 @@
       </a:lvl1pPr>
     </p:titleStyle>
     <p:bodyStyle>
-      <a:lvl1pPr marL="158488" indent="-158488" algn="l" defTabSz="633954" rtl="0" eaLnBrk="1" latinLnBrk="0" hangingPunct="1">
+      <a:lvl1pPr marL="167632" indent="-167632" algn="l" defTabSz="670530" rtl="0" eaLnBrk="1" latinLnBrk="0" hangingPunct="1">
         <a:lnSpc>
           <a:spcPct val="90000"/>
         </a:lnSpc>
         <a:spcBef>
-          <a:spcPts val="693"/>
+          <a:spcPts val="733"/>
         </a:spcBef>
         <a:buFont typeface="Arial" panose="020B0604020202020204" pitchFamily="34" charset="0"/>
         <a:buChar char="•"/>
-        <a:defRPr sz="1941" kern="1200">
+        <a:defRPr sz="2053" kern="1200">
           <a:solidFill>
             <a:schemeClr val="tx1"/>
           </a:solidFill>
@@ -3153,16 +3153,16 @@
           <a:cs typeface="+mn-cs"/>
         </a:defRPr>
       </a:lvl1pPr>
-      <a:lvl2pPr marL="475465" indent="-158488" algn="l" defTabSz="633954" rtl="0" eaLnBrk="1" latinLnBrk="0" hangingPunct="1">
+      <a:lvl2pPr marL="502897" indent="-167632" algn="l" defTabSz="670530" rtl="0" eaLnBrk="1" latinLnBrk="0" hangingPunct="1">
         <a:lnSpc>
           <a:spcPct val="90000"/>
         </a:lnSpc>
         <a:spcBef>
-          <a:spcPts val="347"/>
+          <a:spcPts val="367"/>
         </a:spcBef>
         <a:buFont typeface="Arial" panose="020B0604020202020204" pitchFamily="34" charset="0"/>
         <a:buChar char="•"/>
-        <a:defRPr sz="1664" kern="1200">
+        <a:defRPr sz="1760" kern="1200">
           <a:solidFill>
             <a:schemeClr val="tx1"/>
           </a:solidFill>
@@ -3171,16 +3171,16 @@
           <a:cs typeface="+mn-cs"/>
         </a:defRPr>
       </a:lvl2pPr>
-      <a:lvl3pPr marL="792442" indent="-158488" algn="l" defTabSz="633954" rtl="0" eaLnBrk="1" latinLnBrk="0" hangingPunct="1">
+      <a:lvl3pPr marL="838162" indent="-167632" algn="l" defTabSz="670530" rtl="0" eaLnBrk="1" latinLnBrk="0" hangingPunct="1">
         <a:lnSpc>
           <a:spcPct val="90000"/>
         </a:lnSpc>
         <a:spcBef>
-          <a:spcPts val="347"/>
+          <a:spcPts val="367"/>
         </a:spcBef>
         <a:buFont typeface="Arial" panose="020B0604020202020204" pitchFamily="34" charset="0"/>
         <a:buChar char="•"/>
-        <a:defRPr sz="1387" kern="1200">
+        <a:defRPr sz="1467" kern="1200">
           <a:solidFill>
             <a:schemeClr val="tx1"/>
           </a:solidFill>
@@ -3189,16 +3189,16 @@
           <a:cs typeface="+mn-cs"/>
         </a:defRPr>
       </a:lvl3pPr>
-      <a:lvl4pPr marL="1109419" indent="-158488" algn="l" defTabSz="633954" rtl="0" eaLnBrk="1" latinLnBrk="0" hangingPunct="1">
+      <a:lvl4pPr marL="1173427" indent="-167632" algn="l" defTabSz="670530" rtl="0" eaLnBrk="1" latinLnBrk="0" hangingPunct="1">
         <a:lnSpc>
           <a:spcPct val="90000"/>
         </a:lnSpc>
         <a:spcBef>
-          <a:spcPts val="347"/>
+          <a:spcPts val="367"/>
         </a:spcBef>
         <a:buFont typeface="Arial" panose="020B0604020202020204" pitchFamily="34" charset="0"/>
         <a:buChar char="•"/>
-        <a:defRPr sz="1248" kern="1200">
+        <a:defRPr sz="1320" kern="1200">
           <a:solidFill>
             <a:schemeClr val="tx1"/>
           </a:solidFill>
@@ -3207,16 +3207,16 @@
           <a:cs typeface="+mn-cs"/>
         </a:defRPr>
       </a:lvl4pPr>
-      <a:lvl5pPr marL="1426395" indent="-158488" algn="l" defTabSz="633954" rtl="0" eaLnBrk="1" latinLnBrk="0" hangingPunct="1">
+      <a:lvl5pPr marL="1508691" indent="-167632" algn="l" defTabSz="670530" rtl="0" eaLnBrk="1" latinLnBrk="0" hangingPunct="1">
         <a:lnSpc>
           <a:spcPct val="90000"/>
         </a:lnSpc>
         <a:spcBef>
-          <a:spcPts val="347"/>
+          <a:spcPts val="367"/>
         </a:spcBef>
         <a:buFont typeface="Arial" panose="020B0604020202020204" pitchFamily="34" charset="0"/>
         <a:buChar char="•"/>
-        <a:defRPr sz="1248" kern="1200">
+        <a:defRPr sz="1320" kern="1200">
           <a:solidFill>
             <a:schemeClr val="tx1"/>
           </a:solidFill>
@@ -3225,16 +3225,16 @@
           <a:cs typeface="+mn-cs"/>
         </a:defRPr>
       </a:lvl5pPr>
-      <a:lvl6pPr marL="1743372" indent="-158488" algn="l" defTabSz="633954" rtl="0" eaLnBrk="1" latinLnBrk="0" hangingPunct="1">
+      <a:lvl6pPr marL="1843956" indent="-167632" algn="l" defTabSz="670530" rtl="0" eaLnBrk="1" latinLnBrk="0" hangingPunct="1">
         <a:lnSpc>
           <a:spcPct val="90000"/>
         </a:lnSpc>
         <a:spcBef>
-          <a:spcPts val="347"/>
+          <a:spcPts val="367"/>
         </a:spcBef>
         <a:buFont typeface="Arial" panose="020B0604020202020204" pitchFamily="34" charset="0"/>
         <a:buChar char="•"/>
-        <a:defRPr sz="1248" kern="1200">
+        <a:defRPr sz="1320" kern="1200">
           <a:solidFill>
             <a:schemeClr val="tx1"/>
           </a:solidFill>
@@ -3243,16 +3243,16 @@
           <a:cs typeface="+mn-cs"/>
         </a:defRPr>
       </a:lvl6pPr>
-      <a:lvl7pPr marL="2060349" indent="-158488" algn="l" defTabSz="633954" rtl="0" eaLnBrk="1" latinLnBrk="0" hangingPunct="1">
+      <a:lvl7pPr marL="2179221" indent="-167632" algn="l" defTabSz="670530" rtl="0" eaLnBrk="1" latinLnBrk="0" hangingPunct="1">
         <a:lnSpc>
           <a:spcPct val="90000"/>
         </a:lnSpc>
         <a:spcBef>
-          <a:spcPts val="347"/>
+          <a:spcPts val="367"/>
         </a:spcBef>
         <a:buFont typeface="Arial" panose="020B0604020202020204" pitchFamily="34" charset="0"/>
         <a:buChar char="•"/>
-        <a:defRPr sz="1248" kern="1200">
+        <a:defRPr sz="1320" kern="1200">
           <a:solidFill>
             <a:schemeClr val="tx1"/>
           </a:solidFill>
@@ -3261,16 +3261,16 @@
           <a:cs typeface="+mn-cs"/>
         </a:defRPr>
       </a:lvl7pPr>
-      <a:lvl8pPr marL="2377326" indent="-158488" algn="l" defTabSz="633954" rtl="0" eaLnBrk="1" latinLnBrk="0" hangingPunct="1">
+      <a:lvl8pPr marL="2514486" indent="-167632" algn="l" defTabSz="670530" rtl="0" eaLnBrk="1" latinLnBrk="0" hangingPunct="1">
         <a:lnSpc>
           <a:spcPct val="90000"/>
         </a:lnSpc>
         <a:spcBef>
-          <a:spcPts val="347"/>
+          <a:spcPts val="367"/>
         </a:spcBef>
         <a:buFont typeface="Arial" panose="020B0604020202020204" pitchFamily="34" charset="0"/>
         <a:buChar char="•"/>
-        <a:defRPr sz="1248" kern="1200">
+        <a:defRPr sz="1320" kern="1200">
           <a:solidFill>
             <a:schemeClr val="tx1"/>
           </a:solidFill>
@@ -3279,16 +3279,16 @@
           <a:cs typeface="+mn-cs"/>
         </a:defRPr>
       </a:lvl8pPr>
-      <a:lvl9pPr marL="2694302" indent="-158488" algn="l" defTabSz="633954" rtl="0" eaLnBrk="1" latinLnBrk="0" hangingPunct="1">
+      <a:lvl9pPr marL="2849750" indent="-167632" algn="l" defTabSz="670530" rtl="0" eaLnBrk="1" latinLnBrk="0" hangingPunct="1">
         <a:lnSpc>
           <a:spcPct val="90000"/>
         </a:lnSpc>
         <a:spcBef>
-          <a:spcPts val="347"/>
+          <a:spcPts val="367"/>
         </a:spcBef>
         <a:buFont typeface="Arial" panose="020B0604020202020204" pitchFamily="34" charset="0"/>
         <a:buChar char="•"/>
-        <a:defRPr sz="1248" kern="1200">
+        <a:defRPr sz="1320" kern="1200">
           <a:solidFill>
             <a:schemeClr val="tx1"/>
           </a:solidFill>
@@ -3302,8 +3302,8 @@
       <a:defPPr>
         <a:defRPr lang="en-US"/>
       </a:defPPr>
-      <a:lvl1pPr marL="0" algn="l" defTabSz="633954" rtl="0" eaLnBrk="1" latinLnBrk="0" hangingPunct="1">
-        <a:defRPr sz="1248" kern="1200">
+      <a:lvl1pPr marL="0" algn="l" defTabSz="670530" rtl="0" eaLnBrk="1" latinLnBrk="0" hangingPunct="1">
+        <a:defRPr sz="1320" kern="1200">
           <a:solidFill>
             <a:schemeClr val="tx1"/>
           </a:solidFill>
@@ -3312,8 +3312,8 @@
           <a:cs typeface="+mn-cs"/>
         </a:defRPr>
       </a:lvl1pPr>
-      <a:lvl2pPr marL="316977" algn="l" defTabSz="633954" rtl="0" eaLnBrk="1" latinLnBrk="0" hangingPunct="1">
-        <a:defRPr sz="1248" kern="1200">
+      <a:lvl2pPr marL="335265" algn="l" defTabSz="670530" rtl="0" eaLnBrk="1" latinLnBrk="0" hangingPunct="1">
+        <a:defRPr sz="1320" kern="1200">
           <a:solidFill>
             <a:schemeClr val="tx1"/>
           </a:solidFill>
@@ -3322,8 +3322,8 @@
           <a:cs typeface="+mn-cs"/>
         </a:defRPr>
       </a:lvl2pPr>
-      <a:lvl3pPr marL="633954" algn="l" defTabSz="633954" rtl="0" eaLnBrk="1" latinLnBrk="0" hangingPunct="1">
-        <a:defRPr sz="1248" kern="1200">
+      <a:lvl3pPr marL="670530" algn="l" defTabSz="670530" rtl="0" eaLnBrk="1" latinLnBrk="0" hangingPunct="1">
+        <a:defRPr sz="1320" kern="1200">
           <a:solidFill>
             <a:schemeClr val="tx1"/>
           </a:solidFill>
@@ -3332,8 +3332,8 @@
           <a:cs typeface="+mn-cs"/>
         </a:defRPr>
       </a:lvl3pPr>
-      <a:lvl4pPr marL="950930" algn="l" defTabSz="633954" rtl="0" eaLnBrk="1" latinLnBrk="0" hangingPunct="1">
-        <a:defRPr sz="1248" kern="1200">
+      <a:lvl4pPr marL="1005794" algn="l" defTabSz="670530" rtl="0" eaLnBrk="1" latinLnBrk="0" hangingPunct="1">
+        <a:defRPr sz="1320" kern="1200">
           <a:solidFill>
             <a:schemeClr val="tx1"/>
           </a:solidFill>
@@ -3342,8 +3342,8 @@
           <a:cs typeface="+mn-cs"/>
         </a:defRPr>
       </a:lvl4pPr>
-      <a:lvl5pPr marL="1267907" algn="l" defTabSz="633954" rtl="0" eaLnBrk="1" latinLnBrk="0" hangingPunct="1">
-        <a:defRPr sz="1248" kern="1200">
+      <a:lvl5pPr marL="1341059" algn="l" defTabSz="670530" rtl="0" eaLnBrk="1" latinLnBrk="0" hangingPunct="1">
+        <a:defRPr sz="1320" kern="1200">
           <a:solidFill>
             <a:schemeClr val="tx1"/>
           </a:solidFill>
@@ -3352,8 +3352,8 @@
           <a:cs typeface="+mn-cs"/>
         </a:defRPr>
       </a:lvl5pPr>
-      <a:lvl6pPr marL="1584884" algn="l" defTabSz="633954" rtl="0" eaLnBrk="1" latinLnBrk="0" hangingPunct="1">
-        <a:defRPr sz="1248" kern="1200">
+      <a:lvl6pPr marL="1676324" algn="l" defTabSz="670530" rtl="0" eaLnBrk="1" latinLnBrk="0" hangingPunct="1">
+        <a:defRPr sz="1320" kern="1200">
           <a:solidFill>
             <a:schemeClr val="tx1"/>
           </a:solidFill>
@@ -3362,8 +3362,8 @@
           <a:cs typeface="+mn-cs"/>
         </a:defRPr>
       </a:lvl6pPr>
-      <a:lvl7pPr marL="1901861" algn="l" defTabSz="633954" rtl="0" eaLnBrk="1" latinLnBrk="0" hangingPunct="1">
-        <a:defRPr sz="1248" kern="1200">
+      <a:lvl7pPr marL="2011589" algn="l" defTabSz="670530" rtl="0" eaLnBrk="1" latinLnBrk="0" hangingPunct="1">
+        <a:defRPr sz="1320" kern="1200">
           <a:solidFill>
             <a:schemeClr val="tx1"/>
           </a:solidFill>
@@ -3372,8 +3372,8 @@
           <a:cs typeface="+mn-cs"/>
         </a:defRPr>
       </a:lvl7pPr>
-      <a:lvl8pPr marL="2218837" algn="l" defTabSz="633954" rtl="0" eaLnBrk="1" latinLnBrk="0" hangingPunct="1">
-        <a:defRPr sz="1248" kern="1200">
+      <a:lvl8pPr marL="2346853" algn="l" defTabSz="670530" rtl="0" eaLnBrk="1" latinLnBrk="0" hangingPunct="1">
+        <a:defRPr sz="1320" kern="1200">
           <a:solidFill>
             <a:schemeClr val="tx1"/>
           </a:solidFill>
@@ -3382,8 +3382,8 @@
           <a:cs typeface="+mn-cs"/>
         </a:defRPr>
       </a:lvl8pPr>
-      <a:lvl9pPr marL="2535814" algn="l" defTabSz="633954" rtl="0" eaLnBrk="1" latinLnBrk="0" hangingPunct="1">
-        <a:defRPr sz="1248" kern="1200">
+      <a:lvl9pPr marL="2682118" algn="l" defTabSz="670530" rtl="0" eaLnBrk="1" latinLnBrk="0" hangingPunct="1">
+        <a:defRPr sz="1320" kern="1200">
           <a:solidFill>
             <a:schemeClr val="tx1"/>
           </a:solidFill>
@@ -3428,7 +3428,7 @@
         </p:nvSpPr>
         <p:spPr>
           <a:xfrm>
-            <a:off x="4418501" y="1914624"/>
+            <a:off x="4418501" y="1865131"/>
             <a:ext cx="6697980" cy="477054"/>
           </a:xfrm>
           <a:prstGeom prst="rect">
@@ -3514,7 +3514,7 @@
         </p:nvCxnSpPr>
         <p:spPr>
           <a:xfrm>
-            <a:off x="1605551" y="2166493"/>
+            <a:off x="1605553" y="2117000"/>
             <a:ext cx="2785439" cy="0"/>
           </a:xfrm>
           <a:prstGeom prst="line">
@@ -3557,7 +3557,7 @@
         </p:nvCxnSpPr>
         <p:spPr>
           <a:xfrm>
-            <a:off x="1605541" y="2548410"/>
+            <a:off x="1605541" y="2498917"/>
             <a:ext cx="2054114" cy="0"/>
           </a:xfrm>
           <a:prstGeom prst="line">
@@ -3600,7 +3600,7 @@
         </p:nvCxnSpPr>
         <p:spPr>
           <a:xfrm>
-            <a:off x="9011116" y="2166493"/>
+            <a:off x="9011118" y="2117000"/>
             <a:ext cx="2573401" cy="0"/>
           </a:xfrm>
           <a:prstGeom prst="line">
@@ -3643,7 +3643,7 @@
         </p:nvCxnSpPr>
         <p:spPr>
           <a:xfrm>
-            <a:off x="9592314" y="2548410"/>
+            <a:off x="9592316" y="2498917"/>
             <a:ext cx="1992203" cy="0"/>
           </a:xfrm>
           <a:prstGeom prst="line">
@@ -3684,7 +3684,7 @@
         </p:nvSpPr>
         <p:spPr>
           <a:xfrm>
-            <a:off x="233413" y="1956135"/>
+            <a:off x="233415" y="1906642"/>
             <a:ext cx="1237617" cy="369332"/>
           </a:xfrm>
           <a:prstGeom prst="rect">
@@ -3721,7 +3721,7 @@
         </p:nvSpPr>
         <p:spPr>
           <a:xfrm>
-            <a:off x="3659655" y="2301263"/>
+            <a:off x="3659655" y="2251770"/>
             <a:ext cx="5959730" cy="477054"/>
           </a:xfrm>
           <a:prstGeom prst="rect">
@@ -3829,7 +3829,7 @@
         </p:nvSpPr>
         <p:spPr>
           <a:xfrm>
-            <a:off x="233413" y="2357773"/>
+            <a:off x="233415" y="2308280"/>
             <a:ext cx="1237617" cy="369332"/>
           </a:xfrm>
           <a:prstGeom prst="rect">
@@ -3865,7 +3865,7 @@
         </p:nvSpPr>
         <p:spPr>
           <a:xfrm>
-            <a:off x="11740900" y="1990893"/>
+            <a:off x="11740902" y="1941400"/>
             <a:ext cx="1237617" cy="369332"/>
           </a:xfrm>
           <a:prstGeom prst="rect">
@@ -3900,7 +3900,7 @@
         </p:nvSpPr>
         <p:spPr>
           <a:xfrm>
-            <a:off x="11740900" y="2379408"/>
+            <a:off x="11740902" y="2329915"/>
             <a:ext cx="1237617" cy="369332"/>
           </a:xfrm>
           <a:prstGeom prst="rect">
@@ -3937,7 +3937,7 @@
         </p:nvCxnSpPr>
         <p:spPr>
           <a:xfrm>
-            <a:off x="1605541" y="3762055"/>
+            <a:off x="1605541" y="4046861"/>
             <a:ext cx="1303020" cy="0"/>
           </a:xfrm>
           <a:prstGeom prst="line">
@@ -3978,7 +3978,7 @@
         </p:nvCxnSpPr>
         <p:spPr>
           <a:xfrm>
-            <a:off x="10281487" y="3762055"/>
+            <a:off x="10281487" y="4046861"/>
             <a:ext cx="1303020" cy="0"/>
           </a:xfrm>
           <a:prstGeom prst="line">
@@ -4019,7 +4019,7 @@
         </p:nvSpPr>
         <p:spPr>
           <a:xfrm>
-            <a:off x="2908561" y="3528501"/>
+            <a:off x="2908561" y="3813307"/>
             <a:ext cx="7615784" cy="477054"/>
           </a:xfrm>
           <a:prstGeom prst="rect">
@@ -4127,7 +4127,7 @@
         </p:nvSpPr>
         <p:spPr>
           <a:xfrm>
-            <a:off x="233413" y="3591413"/>
+            <a:off x="233415" y="3876219"/>
             <a:ext cx="1237617" cy="369332"/>
           </a:xfrm>
           <a:prstGeom prst="rect">
@@ -4164,7 +4164,7 @@
         </p:nvSpPr>
         <p:spPr>
           <a:xfrm>
-            <a:off x="11740900" y="3599927"/>
+            <a:off x="11740902" y="3884733"/>
             <a:ext cx="1237617" cy="369332"/>
           </a:xfrm>
           <a:prstGeom prst="rect">
@@ -4199,7 +4199,7 @@
         </p:nvSpPr>
         <p:spPr>
           <a:xfrm rot="16200000">
-            <a:off x="9410552" y="3447923"/>
+            <a:off x="9410552" y="3732729"/>
             <a:ext cx="369332" cy="1338398"/>
           </a:xfrm>
           <a:prstGeom prst="leftBrace">
@@ -4251,7 +4251,7 @@
         </p:nvSpPr>
         <p:spPr>
           <a:xfrm rot="16200000">
-            <a:off x="3557901" y="3420861"/>
+            <a:off x="3557903" y="3705667"/>
             <a:ext cx="409377" cy="1438850"/>
           </a:xfrm>
           <a:prstGeom prst="leftBrace">
@@ -4303,7 +4303,7 @@
         </p:nvSpPr>
         <p:spPr>
           <a:xfrm rot="16200000">
-            <a:off x="6212663" y="2293457"/>
+            <a:off x="6212665" y="2578263"/>
             <a:ext cx="409377" cy="3715436"/>
           </a:xfrm>
           <a:prstGeom prst="leftBrace">
@@ -4355,7 +4355,7 @@
         </p:nvSpPr>
         <p:spPr>
           <a:xfrm rot="16200000">
-            <a:off x="8435293" y="3846721"/>
+            <a:off x="8435295" y="4131527"/>
             <a:ext cx="330521" cy="565346"/>
           </a:xfrm>
           <a:prstGeom prst="leftBrace">
@@ -4407,7 +4407,7 @@
         </p:nvSpPr>
         <p:spPr>
           <a:xfrm>
-            <a:off x="5688465" y="4386276"/>
+            <a:off x="5688465" y="4671082"/>
             <a:ext cx="2055976" cy="400110"/>
           </a:xfrm>
           <a:prstGeom prst="rect">
@@ -4445,7 +4445,7 @@
         </p:nvSpPr>
         <p:spPr>
           <a:xfrm>
-            <a:off x="7907888" y="4386276"/>
+            <a:off x="7907890" y="4671082"/>
             <a:ext cx="1392923" cy="400110"/>
           </a:xfrm>
           <a:prstGeom prst="rect">
@@ -4483,7 +4483,7 @@
         </p:nvSpPr>
         <p:spPr>
           <a:xfrm>
-            <a:off x="9300811" y="4386276"/>
+            <a:off x="9300813" y="4671082"/>
             <a:ext cx="767823" cy="400110"/>
           </a:xfrm>
           <a:prstGeom prst="rect">
@@ -4521,7 +4521,7 @@
         </p:nvSpPr>
         <p:spPr>
           <a:xfrm>
-            <a:off x="3364299" y="4386276"/>
+            <a:off x="3364301" y="4671082"/>
             <a:ext cx="767823" cy="400110"/>
           </a:xfrm>
           <a:prstGeom prst="rect">
@@ -4559,7 +4559,7 @@
         </p:nvGrpSpPr>
         <p:grpSpPr>
           <a:xfrm>
-            <a:off x="-164978" y="60491"/>
+            <a:off x="-164978" y="10999"/>
             <a:ext cx="13149592" cy="1170845"/>
             <a:chOff x="-164978" y="1983991"/>
             <a:chExt cx="13149592" cy="1170845"/>
@@ -5059,7 +5059,7 @@
         </p:nvCxnSpPr>
         <p:spPr>
           <a:xfrm>
-            <a:off x="1605541" y="2926933"/>
+            <a:off x="1605541" y="2877440"/>
             <a:ext cx="2054114" cy="0"/>
           </a:xfrm>
           <a:prstGeom prst="line">
@@ -5102,7 +5102,7 @@
         </p:nvCxnSpPr>
         <p:spPr>
           <a:xfrm>
-            <a:off x="9592314" y="2926933"/>
+            <a:off x="9592316" y="2877440"/>
             <a:ext cx="1992203" cy="0"/>
           </a:xfrm>
           <a:prstGeom prst="line">
@@ -5143,7 +5143,7 @@
         </p:nvSpPr>
         <p:spPr>
           <a:xfrm>
-            <a:off x="3659655" y="2679786"/>
+            <a:off x="3659655" y="2630293"/>
             <a:ext cx="5959730" cy="477054"/>
           </a:xfrm>
           <a:prstGeom prst="rect">
@@ -5251,7 +5251,7 @@
         </p:nvSpPr>
         <p:spPr>
           <a:xfrm>
-            <a:off x="233413" y="2736296"/>
+            <a:off x="233415" y="2686803"/>
             <a:ext cx="1237617" cy="369332"/>
           </a:xfrm>
           <a:prstGeom prst="rect">
@@ -5287,7 +5287,7 @@
         </p:nvSpPr>
         <p:spPr>
           <a:xfrm>
-            <a:off x="11740900" y="2757931"/>
+            <a:off x="11740902" y="2708438"/>
             <a:ext cx="1237617" cy="369332"/>
           </a:xfrm>
           <a:prstGeom prst="rect">
@@ -5324,7 +5324,7 @@
         </p:nvCxnSpPr>
         <p:spPr>
           <a:xfrm>
-            <a:off x="1605541" y="3334554"/>
+            <a:off x="1605541" y="3619360"/>
             <a:ext cx="1758754" cy="0"/>
           </a:xfrm>
           <a:prstGeom prst="line">
@@ -5367,7 +5367,7 @@
         </p:nvCxnSpPr>
         <p:spPr>
           <a:xfrm>
-            <a:off x="10068634" y="3334554"/>
+            <a:off x="10068636" y="3619360"/>
             <a:ext cx="1515883" cy="0"/>
           </a:xfrm>
           <a:prstGeom prst="line">
@@ -5408,7 +5408,7 @@
         </p:nvSpPr>
         <p:spPr>
           <a:xfrm>
-            <a:off x="3295471" y="3087407"/>
+            <a:off x="3295471" y="3372213"/>
             <a:ext cx="7228874" cy="477054"/>
           </a:xfrm>
           <a:prstGeom prst="rect">
@@ -5516,7 +5516,7 @@
         </p:nvSpPr>
         <p:spPr>
           <a:xfrm>
-            <a:off x="-164977" y="3143917"/>
+            <a:off x="-164977" y="3428723"/>
             <a:ext cx="1636000" cy="369332"/>
           </a:xfrm>
           <a:prstGeom prst="rect">
@@ -5553,7 +5553,7 @@
         </p:nvSpPr>
         <p:spPr>
           <a:xfrm>
-            <a:off x="11740900" y="3165552"/>
+            <a:off x="11740902" y="3450358"/>
             <a:ext cx="1237617" cy="369332"/>
           </a:xfrm>
           <a:prstGeom prst="rect">
@@ -5588,7 +5588,7 @@
         </p:nvGrpSpPr>
         <p:grpSpPr>
           <a:xfrm>
-            <a:off x="231261" y="1526110"/>
+            <a:off x="231263" y="1476617"/>
             <a:ext cx="12751209" cy="477054"/>
             <a:chOff x="231258" y="2729930"/>
             <a:chExt cx="12751209" cy="477054"/>
@@ -5839,7 +5839,7 @@
         </p:nvSpPr>
         <p:spPr>
           <a:xfrm>
-            <a:off x="4412400" y="1139469"/>
+            <a:off x="4412400" y="1089976"/>
             <a:ext cx="6697980" cy="477054"/>
           </a:xfrm>
           <a:prstGeom prst="rect">
@@ -5925,7 +5925,7 @@
         </p:nvCxnSpPr>
         <p:spPr>
           <a:xfrm flipV="1">
-            <a:off x="1599450" y="1390025"/>
+            <a:off x="1599452" y="1340534"/>
             <a:ext cx="2972553" cy="1315"/>
           </a:xfrm>
           <a:prstGeom prst="line">
@@ -5968,7 +5968,7 @@
         </p:nvCxnSpPr>
         <p:spPr>
           <a:xfrm>
-            <a:off x="9005015" y="1391338"/>
+            <a:off x="9005017" y="1341845"/>
             <a:ext cx="2573401" cy="0"/>
           </a:xfrm>
           <a:prstGeom prst="line">
@@ -6009,7 +6009,7 @@
         </p:nvSpPr>
         <p:spPr>
           <a:xfrm>
-            <a:off x="233413" y="1180980"/>
+            <a:off x="233415" y="1131487"/>
             <a:ext cx="1237617" cy="369332"/>
           </a:xfrm>
           <a:prstGeom prst="rect">
@@ -6046,7 +6046,7 @@
         </p:nvSpPr>
         <p:spPr>
           <a:xfrm>
-            <a:off x="11740900" y="1161146"/>
+            <a:off x="11740902" y="1111653"/>
             <a:ext cx="1237617" cy="369332"/>
           </a:xfrm>
           <a:prstGeom prst="rect">
@@ -6063,6 +6063,271 @@
             <a:r>
               <a:rPr lang="en-US" dirty="0"/>
               <a:t>22nt</a:t>
+            </a:r>
+          </a:p>
+        </p:txBody>
+      </p:sp>
+      <p:cxnSp>
+        <p:nvCxnSpPr>
+          <p:cNvPr id="58" name="Straight Connector 57">
+            <a:extLst>
+              <a:ext uri="{FF2B5EF4-FFF2-40B4-BE49-F238E27FC236}">
+                <a16:creationId xmlns:a16="http://schemas.microsoft.com/office/drawing/2014/main" id="{B93B742A-3799-6453-8B82-BEC0C4E441B4}"/>
+              </a:ext>
+            </a:extLst>
+          </p:cNvPr>
+          <p:cNvCxnSpPr>
+            <a:cxnSpLocks/>
+          </p:cNvCxnSpPr>
+          <p:nvPr/>
+        </p:nvCxnSpPr>
+        <p:spPr>
+          <a:xfrm>
+            <a:off x="1610456" y="3246146"/>
+            <a:ext cx="2054114" cy="0"/>
+          </a:xfrm>
+          <a:prstGeom prst="line">
+            <a:avLst/>
+          </a:prstGeom>
+          <a:ln w="22225">
+            <a:solidFill>
+              <a:schemeClr val="tx1"/>
+            </a:solidFill>
+          </a:ln>
+        </p:spPr>
+        <p:style>
+          <a:lnRef idx="1">
+            <a:schemeClr val="accent1"/>
+          </a:lnRef>
+          <a:fillRef idx="0">
+            <a:schemeClr val="accent1"/>
+          </a:fillRef>
+          <a:effectRef idx="0">
+            <a:schemeClr val="accent1"/>
+          </a:effectRef>
+          <a:fontRef idx="minor">
+            <a:schemeClr val="tx1"/>
+          </a:fontRef>
+        </p:style>
+      </p:cxnSp>
+      <p:cxnSp>
+        <p:nvCxnSpPr>
+          <p:cNvPr id="59" name="Straight Connector 58">
+            <a:extLst>
+              <a:ext uri="{FF2B5EF4-FFF2-40B4-BE49-F238E27FC236}">
+                <a16:creationId xmlns:a16="http://schemas.microsoft.com/office/drawing/2014/main" id="{78714C57-B336-C5D1-B474-4865D9F3107F}"/>
+              </a:ext>
+            </a:extLst>
+          </p:cNvPr>
+          <p:cNvCxnSpPr>
+            <a:cxnSpLocks/>
+          </p:cNvCxnSpPr>
+          <p:nvPr/>
+        </p:nvCxnSpPr>
+        <p:spPr>
+          <a:xfrm>
+            <a:off x="9597231" y="3246146"/>
+            <a:ext cx="1992203" cy="0"/>
+          </a:xfrm>
+          <a:prstGeom prst="line">
+            <a:avLst/>
+          </a:prstGeom>
+          <a:ln w="22225">
+            <a:solidFill>
+              <a:schemeClr val="tx1"/>
+            </a:solidFill>
+          </a:ln>
+        </p:spPr>
+        <p:style>
+          <a:lnRef idx="1">
+            <a:schemeClr val="accent1"/>
+          </a:lnRef>
+          <a:fillRef idx="0">
+            <a:schemeClr val="accent1"/>
+          </a:fillRef>
+          <a:effectRef idx="0">
+            <a:schemeClr val="accent1"/>
+          </a:effectRef>
+          <a:fontRef idx="minor">
+            <a:schemeClr val="tx1"/>
+          </a:fontRef>
+        </p:style>
+      </p:cxnSp>
+      <p:sp>
+        <p:nvSpPr>
+          <p:cNvPr id="60" name="TextBox 59">
+            <a:extLst>
+              <a:ext uri="{FF2B5EF4-FFF2-40B4-BE49-F238E27FC236}">
+                <a16:creationId xmlns:a16="http://schemas.microsoft.com/office/drawing/2014/main" id="{68A2AF18-B4D3-579C-F87E-80E1AA74AD10}"/>
+              </a:ext>
+            </a:extLst>
+          </p:cNvPr>
+          <p:cNvSpPr txBox="1"/>
+          <p:nvPr/>
+        </p:nvSpPr>
+        <p:spPr>
+          <a:xfrm>
+            <a:off x="3664570" y="2998999"/>
+            <a:ext cx="5959730" cy="477054"/>
+          </a:xfrm>
+          <a:prstGeom prst="rect">
+            <a:avLst/>
+          </a:prstGeom>
+          <a:noFill/>
+        </p:spPr>
+        <p:txBody>
+          <a:bodyPr wrap="square" rtlCol="0">
+            <a:spAutoFit/>
+          </a:bodyPr>
+          <a:lstStyle/>
+          <a:p>
+            <a:r>
+              <a:rPr lang="en-US" sz="2500" dirty="0">
+                <a:solidFill>
+                  <a:schemeClr val="accent6">
+                    <a:lumMod val="60000"/>
+                    <a:lumOff val="40000"/>
+                  </a:schemeClr>
+                </a:solidFill>
+                <a:latin typeface="Courier" pitchFamily="2" charset="0"/>
+              </a:rPr>
+              <a:t>ACCT</a:t>
+            </a:r>
+            <a:r>
+              <a:rPr lang="en-US" sz="2500" dirty="0">
+                <a:solidFill>
+                  <a:schemeClr val="accent4">
+                    <a:lumMod val="60000"/>
+                    <a:lumOff val="40000"/>
+                  </a:schemeClr>
+                </a:solidFill>
+                <a:latin typeface="Courier" pitchFamily="2" charset="0"/>
+              </a:rPr>
+              <a:t>ATCGATGCTGATGCTA</a:t>
+            </a:r>
+            <a:r>
+              <a:rPr lang="en-US" sz="2500" dirty="0">
+                <a:solidFill>
+                  <a:srgbClr val="FF0000"/>
+                </a:solidFill>
+                <a:latin typeface="Courier" pitchFamily="2" charset="0"/>
+              </a:rPr>
+              <a:t>G</a:t>
+            </a:r>
+            <a:r>
+              <a:rPr lang="en-US" sz="2500" dirty="0">
+                <a:solidFill>
+                  <a:schemeClr val="accent4">
+                    <a:lumMod val="60000"/>
+                    <a:lumOff val="40000"/>
+                  </a:schemeClr>
+                </a:solidFill>
+                <a:latin typeface="Courier" pitchFamily="2" charset="0"/>
+              </a:rPr>
+              <a:t>ATA</a:t>
+            </a:r>
+            <a:r>
+              <a:rPr lang="en-US" sz="2500" dirty="0">
+                <a:solidFill>
+                  <a:srgbClr val="FF0000"/>
+                </a:solidFill>
+                <a:latin typeface="Courier" pitchFamily="2" charset="0"/>
+              </a:rPr>
+              <a:t>A</a:t>
+            </a:r>
+            <a:r>
+              <a:rPr lang="en-US" sz="2500" dirty="0">
+                <a:solidFill>
+                  <a:schemeClr val="accent2">
+                    <a:lumMod val="75000"/>
+                  </a:schemeClr>
+                </a:solidFill>
+                <a:latin typeface="Courier" pitchFamily="2" charset="0"/>
+              </a:rPr>
+              <a:t>GG</a:t>
+            </a:r>
+            <a:r>
+              <a:rPr lang="en-US" sz="2500" dirty="0">
+                <a:solidFill>
+                  <a:schemeClr val="accent6">
+                    <a:lumMod val="60000"/>
+                    <a:lumOff val="40000"/>
+                  </a:schemeClr>
+                </a:solidFill>
+                <a:latin typeface="Courier" pitchFamily="2" charset="0"/>
+              </a:rPr>
+              <a:t>TTG</a:t>
+            </a:r>
+          </a:p>
+        </p:txBody>
+      </p:sp>
+      <p:sp>
+        <p:nvSpPr>
+          <p:cNvPr id="61" name="TextBox 60">
+            <a:extLst>
+              <a:ext uri="{FF2B5EF4-FFF2-40B4-BE49-F238E27FC236}">
+                <a16:creationId xmlns:a16="http://schemas.microsoft.com/office/drawing/2014/main" id="{8A70389D-EFB2-348F-9C3E-6E21C1DB3554}"/>
+              </a:ext>
+            </a:extLst>
+          </p:cNvPr>
+          <p:cNvSpPr txBox="1"/>
+          <p:nvPr/>
+        </p:nvSpPr>
+        <p:spPr>
+          <a:xfrm>
+            <a:off x="1" y="3055509"/>
+            <a:ext cx="1475946" cy="369332"/>
+          </a:xfrm>
+          <a:prstGeom prst="rect">
+            <a:avLst/>
+          </a:prstGeom>
+          <a:noFill/>
+        </p:spPr>
+        <p:txBody>
+          <a:bodyPr wrap="square" rtlCol="0">
+            <a:spAutoFit/>
+          </a:bodyPr>
+          <a:lstStyle/>
+          <a:p>
+            <a:pPr algn="r"/>
+            <a:r>
+              <a:rPr lang="en-US" dirty="0"/>
+              <a:t>DeepSpCas9</a:t>
+            </a:r>
+          </a:p>
+        </p:txBody>
+      </p:sp>
+      <p:sp>
+        <p:nvSpPr>
+          <p:cNvPr id="67" name="TextBox 66">
+            <a:extLst>
+              <a:ext uri="{FF2B5EF4-FFF2-40B4-BE49-F238E27FC236}">
+                <a16:creationId xmlns:a16="http://schemas.microsoft.com/office/drawing/2014/main" id="{EC527034-95CF-7431-8261-BD22FC5FFEB1}"/>
+              </a:ext>
+            </a:extLst>
+          </p:cNvPr>
+          <p:cNvSpPr txBox="1"/>
+          <p:nvPr/>
+        </p:nvSpPr>
+        <p:spPr>
+          <a:xfrm>
+            <a:off x="11745817" y="3077144"/>
+            <a:ext cx="1237617" cy="369332"/>
+          </a:xfrm>
+          <a:prstGeom prst="rect">
+            <a:avLst/>
+          </a:prstGeom>
+          <a:noFill/>
+        </p:spPr>
+        <p:txBody>
+          <a:bodyPr wrap="square" rtlCol="0">
+            <a:spAutoFit/>
+          </a:bodyPr>
+          <a:lstStyle/>
+          <a:p>
+            <a:r>
+              <a:rPr lang="en-US" dirty="0"/>
+              <a:t>30nt</a:t>
             </a:r>
           </a:p>
         </p:txBody>

--- a/vignettes/figures/sequences_cas9.pptx
+++ b/vignettes/figures/sequences_cas9.pptx
@@ -2,7 +2,7 @@
 <file path=ppt/presentation.xml><?xml version="1.0" encoding="utf-8"?>
 <p:presentation xmlns:a="http://schemas.openxmlformats.org/drawingml/2006/main" xmlns:r="http://schemas.openxmlformats.org/officeDocument/2006/relationships" xmlns:p="http://schemas.openxmlformats.org/presentationml/2006/main" saveSubsetFonts="1" autoCompressPictures="0">
   <p:sldMasterIdLst>
-    <p:sldMasterId id="2147483780" r:id="rId1"/>
+    <p:sldMasterId id="2147483792" r:id="rId1"/>
   </p:sldMasterIdLst>
   <p:notesMasterIdLst>
     <p:notesMasterId r:id="rId3"/>
@@ -10,7 +10,7 @@
   <p:sldIdLst>
     <p:sldId id="257" r:id="rId2"/>
   </p:sldIdLst>
-  <p:sldSz cx="12344400" cy="5029200"/>
+  <p:sldSz cx="12344400" cy="5394325"/>
   <p:notesSz cx="6858000" cy="9144000"/>
   <p:defaultTextStyle>
     <a:defPPr>
@@ -197,7 +197,7 @@
           <a:p>
             <a:fld id="{9735EE8D-AAE5-5944-A858-0F27626AA23E}" type="datetimeFigureOut">
               <a:rPr lang="en-US" smtClean="0"/>
-              <a:t>6/29/22</a:t>
+              <a:t>6/30/22</a:t>
             </a:fld>
             <a:endParaRPr lang="en-US"/>
           </a:p>
@@ -215,8 +215,8 @@
         </p:nvSpPr>
         <p:spPr>
           <a:xfrm>
-            <a:off x="-357188" y="1143000"/>
-            <a:ext cx="7572376" cy="3086100"/>
+            <a:off x="-101600" y="1143000"/>
+            <a:ext cx="7061200" cy="3086100"/>
           </a:xfrm>
           <a:prstGeom prst="rect">
             <a:avLst/>
@@ -493,8 +493,8 @@
         </p:nvSpPr>
         <p:spPr>
           <a:xfrm>
-            <a:off x="-357188" y="1143000"/>
-            <a:ext cx="7572376" cy="3086100"/>
+            <a:off x="-101600" y="1143000"/>
+            <a:ext cx="7061200" cy="3086100"/>
           </a:xfrm>
         </p:spPr>
       </p:sp>
@@ -582,15 +582,15 @@
         </p:nvSpPr>
         <p:spPr>
           <a:xfrm>
-            <a:off x="1543050" y="823066"/>
-            <a:ext cx="9258300" cy="1750907"/>
+            <a:off x="1543050" y="882822"/>
+            <a:ext cx="9258300" cy="1878024"/>
           </a:xfrm>
         </p:spPr>
         <p:txBody>
           <a:bodyPr anchor="b"/>
           <a:lstStyle>
             <a:lvl1pPr algn="ctr">
-              <a:defRPr sz="4400"/>
+              <a:defRPr sz="4720"/>
             </a:lvl1pPr>
           </a:lstStyle>
           <a:p>
@@ -614,8 +614,8 @@
         </p:nvSpPr>
         <p:spPr>
           <a:xfrm>
-            <a:off x="1543050" y="2641495"/>
-            <a:ext cx="9258300" cy="1214225"/>
+            <a:off x="1543050" y="2833270"/>
+            <a:ext cx="9258300" cy="1302379"/>
           </a:xfrm>
         </p:spPr>
         <p:txBody>
@@ -623,39 +623,39 @@
           <a:lstStyle>
             <a:lvl1pPr marL="0" indent="0" algn="ctr">
               <a:buNone/>
-              <a:defRPr sz="1760"/>
+              <a:defRPr sz="1888"/>
             </a:lvl1pPr>
-            <a:lvl2pPr marL="335265" indent="0" algn="ctr">
+            <a:lvl2pPr marL="359634" indent="0" algn="ctr">
               <a:buNone/>
-              <a:defRPr sz="1467"/>
+              <a:defRPr sz="1573"/>
             </a:lvl2pPr>
-            <a:lvl3pPr marL="670530" indent="0" algn="ctr">
+            <a:lvl3pPr marL="719267" indent="0" algn="ctr">
               <a:buNone/>
-              <a:defRPr sz="1320"/>
+              <a:defRPr sz="1416"/>
             </a:lvl3pPr>
-            <a:lvl4pPr marL="1005794" indent="0" algn="ctr">
+            <a:lvl4pPr marL="1078901" indent="0" algn="ctr">
               <a:buNone/>
-              <a:defRPr sz="1173"/>
+              <a:defRPr sz="1259"/>
             </a:lvl4pPr>
-            <a:lvl5pPr marL="1341059" indent="0" algn="ctr">
+            <a:lvl5pPr marL="1438534" indent="0" algn="ctr">
               <a:buNone/>
-              <a:defRPr sz="1173"/>
+              <a:defRPr sz="1259"/>
             </a:lvl5pPr>
-            <a:lvl6pPr marL="1676324" indent="0" algn="ctr">
+            <a:lvl6pPr marL="1798168" indent="0" algn="ctr">
               <a:buNone/>
-              <a:defRPr sz="1173"/>
+              <a:defRPr sz="1259"/>
             </a:lvl6pPr>
-            <a:lvl7pPr marL="2011589" indent="0" algn="ctr">
+            <a:lvl7pPr marL="2157801" indent="0" algn="ctr">
               <a:buNone/>
-              <a:defRPr sz="1173"/>
+              <a:defRPr sz="1259"/>
             </a:lvl7pPr>
-            <a:lvl8pPr marL="2346853" indent="0" algn="ctr">
+            <a:lvl8pPr marL="2517435" indent="0" algn="ctr">
               <a:buNone/>
-              <a:defRPr sz="1173"/>
+              <a:defRPr sz="1259"/>
             </a:lvl8pPr>
-            <a:lvl9pPr marL="2682118" indent="0" algn="ctr">
+            <a:lvl9pPr marL="2877068" indent="0" algn="ctr">
               <a:buNone/>
-              <a:defRPr sz="1173"/>
+              <a:defRPr sz="1259"/>
             </a:lvl9pPr>
           </a:lstStyle>
           <a:p>
@@ -684,7 +684,7 @@
           <a:p>
             <a:fld id="{DD6D9246-4FED-8E4D-BC9B-CDD794F2A5B7}" type="datetimeFigureOut">
               <a:rPr lang="en-US" smtClean="0"/>
-              <a:t>6/29/22</a:t>
+              <a:t>6/30/22</a:t>
             </a:fld>
             <a:endParaRPr lang="en-US"/>
           </a:p>
@@ -735,7 +735,7 @@
     </p:spTree>
     <p:extLst>
       <p:ext uri="{BB962C8B-B14F-4D97-AF65-F5344CB8AC3E}">
-        <p14:creationId xmlns:p14="http://schemas.microsoft.com/office/powerpoint/2010/main" val="3560607293"/>
+        <p14:creationId xmlns:p14="http://schemas.microsoft.com/office/powerpoint/2010/main" val="3744623006"/>
       </p:ext>
     </p:extLst>
   </p:cSld>
@@ -854,7 +854,7 @@
           <a:p>
             <a:fld id="{DD6D9246-4FED-8E4D-BC9B-CDD794F2A5B7}" type="datetimeFigureOut">
               <a:rPr lang="en-US" smtClean="0"/>
-              <a:t>6/29/22</a:t>
+              <a:t>6/30/22</a:t>
             </a:fld>
             <a:endParaRPr lang="en-US"/>
           </a:p>
@@ -905,7 +905,7 @@
     </p:spTree>
     <p:extLst>
       <p:ext uri="{BB962C8B-B14F-4D97-AF65-F5344CB8AC3E}">
-        <p14:creationId xmlns:p14="http://schemas.microsoft.com/office/powerpoint/2010/main" val="1206470635"/>
+        <p14:creationId xmlns:p14="http://schemas.microsoft.com/office/powerpoint/2010/main" val="1865418952"/>
       </p:ext>
     </p:extLst>
   </p:cSld>
@@ -944,8 +944,8 @@
         </p:nvSpPr>
         <p:spPr>
           <a:xfrm>
-            <a:off x="8833961" y="267758"/>
-            <a:ext cx="2661761" cy="4262015"/>
+            <a:off x="8833961" y="287198"/>
+            <a:ext cx="2661761" cy="4571441"/>
           </a:xfrm>
         </p:spPr>
         <p:txBody>
@@ -972,8 +972,8 @@
         </p:nvSpPr>
         <p:spPr>
           <a:xfrm>
-            <a:off x="848677" y="267758"/>
-            <a:ext cx="7830979" cy="4262015"/>
+            <a:off x="848677" y="287198"/>
+            <a:ext cx="7830979" cy="4571441"/>
           </a:xfrm>
         </p:spPr>
         <p:txBody>
@@ -1034,7 +1034,7 @@
           <a:p>
             <a:fld id="{DD6D9246-4FED-8E4D-BC9B-CDD794F2A5B7}" type="datetimeFigureOut">
               <a:rPr lang="en-US" smtClean="0"/>
-              <a:t>6/29/22</a:t>
+              <a:t>6/30/22</a:t>
             </a:fld>
             <a:endParaRPr lang="en-US"/>
           </a:p>
@@ -1085,7 +1085,7 @@
     </p:spTree>
     <p:extLst>
       <p:ext uri="{BB962C8B-B14F-4D97-AF65-F5344CB8AC3E}">
-        <p14:creationId xmlns:p14="http://schemas.microsoft.com/office/powerpoint/2010/main" val="17888179"/>
+        <p14:creationId xmlns:p14="http://schemas.microsoft.com/office/powerpoint/2010/main" val="2559138824"/>
       </p:ext>
     </p:extLst>
   </p:cSld>
@@ -1204,7 +1204,7 @@
           <a:p>
             <a:fld id="{DD6D9246-4FED-8E4D-BC9B-CDD794F2A5B7}" type="datetimeFigureOut">
               <a:rPr lang="en-US" smtClean="0"/>
-              <a:t>6/29/22</a:t>
+              <a:t>6/30/22</a:t>
             </a:fld>
             <a:endParaRPr lang="en-US"/>
           </a:p>
@@ -1255,7 +1255,7 @@
     </p:spTree>
     <p:extLst>
       <p:ext uri="{BB962C8B-B14F-4D97-AF65-F5344CB8AC3E}">
-        <p14:creationId xmlns:p14="http://schemas.microsoft.com/office/powerpoint/2010/main" val="2831995908"/>
+        <p14:creationId xmlns:p14="http://schemas.microsoft.com/office/powerpoint/2010/main" val="88345199"/>
       </p:ext>
     </p:extLst>
   </p:cSld>
@@ -1294,15 +1294,15 @@
         </p:nvSpPr>
         <p:spPr>
           <a:xfrm>
-            <a:off x="842248" y="1253808"/>
-            <a:ext cx="10647045" cy="2092007"/>
+            <a:off x="842248" y="1344836"/>
+            <a:ext cx="10647045" cy="2243889"/>
           </a:xfrm>
         </p:spPr>
         <p:txBody>
           <a:bodyPr anchor="b"/>
           <a:lstStyle>
             <a:lvl1pPr>
-              <a:defRPr sz="4400"/>
+              <a:defRPr sz="4720"/>
             </a:lvl1pPr>
           </a:lstStyle>
           <a:p>
@@ -1326,8 +1326,8 @@
         </p:nvSpPr>
         <p:spPr>
           <a:xfrm>
-            <a:off x="842248" y="3365607"/>
-            <a:ext cx="10647045" cy="1100137"/>
+            <a:off x="842248" y="3609953"/>
+            <a:ext cx="10647045" cy="1180008"/>
           </a:xfrm>
         </p:spPr>
         <p:txBody>
@@ -1335,7 +1335,7 @@
           <a:lstStyle>
             <a:lvl1pPr marL="0" indent="0">
               <a:buNone/>
-              <a:defRPr sz="1760">
+              <a:defRPr sz="1888">
                 <a:solidFill>
                   <a:schemeClr val="tx1">
                     <a:tint val="75000"/>
@@ -1343,9 +1343,9 @@
                 </a:solidFill>
               </a:defRPr>
             </a:lvl1pPr>
-            <a:lvl2pPr marL="335265" indent="0">
+            <a:lvl2pPr marL="359634" indent="0">
               <a:buNone/>
-              <a:defRPr sz="1467">
+              <a:defRPr sz="1573">
                 <a:solidFill>
                   <a:schemeClr val="tx1">
                     <a:tint val="75000"/>
@@ -1353,9 +1353,9 @@
                 </a:solidFill>
               </a:defRPr>
             </a:lvl2pPr>
-            <a:lvl3pPr marL="670530" indent="0">
+            <a:lvl3pPr marL="719267" indent="0">
               <a:buNone/>
-              <a:defRPr sz="1320">
+              <a:defRPr sz="1416">
                 <a:solidFill>
                   <a:schemeClr val="tx1">
                     <a:tint val="75000"/>
@@ -1363,9 +1363,9 @@
                 </a:solidFill>
               </a:defRPr>
             </a:lvl3pPr>
-            <a:lvl4pPr marL="1005794" indent="0">
+            <a:lvl4pPr marL="1078901" indent="0">
               <a:buNone/>
-              <a:defRPr sz="1173">
+              <a:defRPr sz="1259">
                 <a:solidFill>
                   <a:schemeClr val="tx1">
                     <a:tint val="75000"/>
@@ -1373,9 +1373,9 @@
                 </a:solidFill>
               </a:defRPr>
             </a:lvl4pPr>
-            <a:lvl5pPr marL="1341059" indent="0">
+            <a:lvl5pPr marL="1438534" indent="0">
               <a:buNone/>
-              <a:defRPr sz="1173">
+              <a:defRPr sz="1259">
                 <a:solidFill>
                   <a:schemeClr val="tx1">
                     <a:tint val="75000"/>
@@ -1383,9 +1383,9 @@
                 </a:solidFill>
               </a:defRPr>
             </a:lvl5pPr>
-            <a:lvl6pPr marL="1676324" indent="0">
+            <a:lvl6pPr marL="1798168" indent="0">
               <a:buNone/>
-              <a:defRPr sz="1173">
+              <a:defRPr sz="1259">
                 <a:solidFill>
                   <a:schemeClr val="tx1">
                     <a:tint val="75000"/>
@@ -1393,9 +1393,9 @@
                 </a:solidFill>
               </a:defRPr>
             </a:lvl6pPr>
-            <a:lvl7pPr marL="2011589" indent="0">
+            <a:lvl7pPr marL="2157801" indent="0">
               <a:buNone/>
-              <a:defRPr sz="1173">
+              <a:defRPr sz="1259">
                 <a:solidFill>
                   <a:schemeClr val="tx1">
                     <a:tint val="75000"/>
@@ -1403,9 +1403,9 @@
                 </a:solidFill>
               </a:defRPr>
             </a:lvl7pPr>
-            <a:lvl8pPr marL="2346853" indent="0">
+            <a:lvl8pPr marL="2517435" indent="0">
               <a:buNone/>
-              <a:defRPr sz="1173">
+              <a:defRPr sz="1259">
                 <a:solidFill>
                   <a:schemeClr val="tx1">
                     <a:tint val="75000"/>
@@ -1413,9 +1413,9 @@
                 </a:solidFill>
               </a:defRPr>
             </a:lvl8pPr>
-            <a:lvl9pPr marL="2682118" indent="0">
+            <a:lvl9pPr marL="2877068" indent="0">
               <a:buNone/>
-              <a:defRPr sz="1173">
+              <a:defRPr sz="1259">
                 <a:solidFill>
                   <a:schemeClr val="tx1">
                     <a:tint val="75000"/>
@@ -1450,7 +1450,7 @@
           <a:p>
             <a:fld id="{DD6D9246-4FED-8E4D-BC9B-CDD794F2A5B7}" type="datetimeFigureOut">
               <a:rPr lang="en-US" smtClean="0"/>
-              <a:t>6/29/22</a:t>
+              <a:t>6/30/22</a:t>
             </a:fld>
             <a:endParaRPr lang="en-US"/>
           </a:p>
@@ -1501,7 +1501,7 @@
     </p:spTree>
     <p:extLst>
       <p:ext uri="{BB962C8B-B14F-4D97-AF65-F5344CB8AC3E}">
-        <p14:creationId xmlns:p14="http://schemas.microsoft.com/office/powerpoint/2010/main" val="1343173452"/>
+        <p14:creationId xmlns:p14="http://schemas.microsoft.com/office/powerpoint/2010/main" val="2914150874"/>
       </p:ext>
     </p:extLst>
   </p:cSld>
@@ -1563,8 +1563,8 @@
         </p:nvSpPr>
         <p:spPr>
           <a:xfrm>
-            <a:off x="848678" y="1338792"/>
-            <a:ext cx="5246370" cy="3190981"/>
+            <a:off x="848678" y="1435989"/>
+            <a:ext cx="5246370" cy="3422650"/>
           </a:xfrm>
         </p:spPr>
         <p:txBody>
@@ -1620,8 +1620,8 @@
         </p:nvSpPr>
         <p:spPr>
           <a:xfrm>
-            <a:off x="6249353" y="1338792"/>
-            <a:ext cx="5246370" cy="3190981"/>
+            <a:off x="6249353" y="1435989"/>
+            <a:ext cx="5246370" cy="3422650"/>
           </a:xfrm>
         </p:spPr>
         <p:txBody>
@@ -1682,7 +1682,7 @@
           <a:p>
             <a:fld id="{DD6D9246-4FED-8E4D-BC9B-CDD794F2A5B7}" type="datetimeFigureOut">
               <a:rPr lang="en-US" smtClean="0"/>
-              <a:t>6/29/22</a:t>
+              <a:t>6/30/22</a:t>
             </a:fld>
             <a:endParaRPr lang="en-US"/>
           </a:p>
@@ -1733,7 +1733,7 @@
     </p:spTree>
     <p:extLst>
       <p:ext uri="{BB962C8B-B14F-4D97-AF65-F5344CB8AC3E}">
-        <p14:creationId xmlns:p14="http://schemas.microsoft.com/office/powerpoint/2010/main" val="1271191803"/>
+        <p14:creationId xmlns:p14="http://schemas.microsoft.com/office/powerpoint/2010/main" val="3653622212"/>
       </p:ext>
     </p:extLst>
   </p:cSld>
@@ -1772,8 +1772,8 @@
         </p:nvSpPr>
         <p:spPr>
           <a:xfrm>
-            <a:off x="850285" y="267758"/>
-            <a:ext cx="10647045" cy="972080"/>
+            <a:off x="850285" y="287198"/>
+            <a:ext cx="10647045" cy="1042653"/>
           </a:xfrm>
         </p:spPr>
         <p:txBody>
@@ -1800,8 +1800,8 @@
         </p:nvSpPr>
         <p:spPr>
           <a:xfrm>
-            <a:off x="850286" y="1232853"/>
-            <a:ext cx="5222259" cy="604202"/>
+            <a:off x="850286" y="1322359"/>
+            <a:ext cx="5222259" cy="648068"/>
           </a:xfrm>
         </p:spPr>
         <p:txBody>
@@ -1809,39 +1809,39 @@
           <a:lstStyle>
             <a:lvl1pPr marL="0" indent="0">
               <a:buNone/>
-              <a:defRPr sz="1760" b="1"/>
+              <a:defRPr sz="1888" b="1"/>
             </a:lvl1pPr>
-            <a:lvl2pPr marL="335265" indent="0">
+            <a:lvl2pPr marL="359634" indent="0">
               <a:buNone/>
-              <a:defRPr sz="1467" b="1"/>
+              <a:defRPr sz="1573" b="1"/>
             </a:lvl2pPr>
-            <a:lvl3pPr marL="670530" indent="0">
+            <a:lvl3pPr marL="719267" indent="0">
               <a:buNone/>
-              <a:defRPr sz="1320" b="1"/>
+              <a:defRPr sz="1416" b="1"/>
             </a:lvl3pPr>
-            <a:lvl4pPr marL="1005794" indent="0">
+            <a:lvl4pPr marL="1078901" indent="0">
               <a:buNone/>
-              <a:defRPr sz="1173" b="1"/>
+              <a:defRPr sz="1259" b="1"/>
             </a:lvl4pPr>
-            <a:lvl5pPr marL="1341059" indent="0">
+            <a:lvl5pPr marL="1438534" indent="0">
               <a:buNone/>
-              <a:defRPr sz="1173" b="1"/>
+              <a:defRPr sz="1259" b="1"/>
             </a:lvl5pPr>
-            <a:lvl6pPr marL="1676324" indent="0">
+            <a:lvl6pPr marL="1798168" indent="0">
               <a:buNone/>
-              <a:defRPr sz="1173" b="1"/>
+              <a:defRPr sz="1259" b="1"/>
             </a:lvl6pPr>
-            <a:lvl7pPr marL="2011589" indent="0">
+            <a:lvl7pPr marL="2157801" indent="0">
               <a:buNone/>
-              <a:defRPr sz="1173" b="1"/>
+              <a:defRPr sz="1259" b="1"/>
             </a:lvl7pPr>
-            <a:lvl8pPr marL="2346853" indent="0">
+            <a:lvl8pPr marL="2517435" indent="0">
               <a:buNone/>
-              <a:defRPr sz="1173" b="1"/>
+              <a:defRPr sz="1259" b="1"/>
             </a:lvl8pPr>
-            <a:lvl9pPr marL="2682118" indent="0">
+            <a:lvl9pPr marL="2877068" indent="0">
               <a:buNone/>
-              <a:defRPr sz="1173" b="1"/>
+              <a:defRPr sz="1259" b="1"/>
             </a:lvl9pPr>
           </a:lstStyle>
           <a:p>
@@ -1865,8 +1865,8 @@
         </p:nvSpPr>
         <p:spPr>
           <a:xfrm>
-            <a:off x="850286" y="1837055"/>
-            <a:ext cx="5222259" cy="2702031"/>
+            <a:off x="850286" y="1970427"/>
+            <a:ext cx="5222259" cy="2898201"/>
           </a:xfrm>
         </p:spPr>
         <p:txBody>
@@ -1922,8 +1922,8 @@
         </p:nvSpPr>
         <p:spPr>
           <a:xfrm>
-            <a:off x="6249352" y="1232853"/>
-            <a:ext cx="5247978" cy="604202"/>
+            <a:off x="6249352" y="1322359"/>
+            <a:ext cx="5247978" cy="648068"/>
           </a:xfrm>
         </p:spPr>
         <p:txBody>
@@ -1931,39 +1931,39 @@
           <a:lstStyle>
             <a:lvl1pPr marL="0" indent="0">
               <a:buNone/>
-              <a:defRPr sz="1760" b="1"/>
+              <a:defRPr sz="1888" b="1"/>
             </a:lvl1pPr>
-            <a:lvl2pPr marL="335265" indent="0">
+            <a:lvl2pPr marL="359634" indent="0">
               <a:buNone/>
-              <a:defRPr sz="1467" b="1"/>
+              <a:defRPr sz="1573" b="1"/>
             </a:lvl2pPr>
-            <a:lvl3pPr marL="670530" indent="0">
+            <a:lvl3pPr marL="719267" indent="0">
               <a:buNone/>
-              <a:defRPr sz="1320" b="1"/>
+              <a:defRPr sz="1416" b="1"/>
             </a:lvl3pPr>
-            <a:lvl4pPr marL="1005794" indent="0">
+            <a:lvl4pPr marL="1078901" indent="0">
               <a:buNone/>
-              <a:defRPr sz="1173" b="1"/>
+              <a:defRPr sz="1259" b="1"/>
             </a:lvl4pPr>
-            <a:lvl5pPr marL="1341059" indent="0">
+            <a:lvl5pPr marL="1438534" indent="0">
               <a:buNone/>
-              <a:defRPr sz="1173" b="1"/>
+              <a:defRPr sz="1259" b="1"/>
             </a:lvl5pPr>
-            <a:lvl6pPr marL="1676324" indent="0">
+            <a:lvl6pPr marL="1798168" indent="0">
               <a:buNone/>
-              <a:defRPr sz="1173" b="1"/>
+              <a:defRPr sz="1259" b="1"/>
             </a:lvl6pPr>
-            <a:lvl7pPr marL="2011589" indent="0">
+            <a:lvl7pPr marL="2157801" indent="0">
               <a:buNone/>
-              <a:defRPr sz="1173" b="1"/>
+              <a:defRPr sz="1259" b="1"/>
             </a:lvl7pPr>
-            <a:lvl8pPr marL="2346853" indent="0">
+            <a:lvl8pPr marL="2517435" indent="0">
               <a:buNone/>
-              <a:defRPr sz="1173" b="1"/>
+              <a:defRPr sz="1259" b="1"/>
             </a:lvl8pPr>
-            <a:lvl9pPr marL="2682118" indent="0">
+            <a:lvl9pPr marL="2877068" indent="0">
               <a:buNone/>
-              <a:defRPr sz="1173" b="1"/>
+              <a:defRPr sz="1259" b="1"/>
             </a:lvl9pPr>
           </a:lstStyle>
           <a:p>
@@ -1987,8 +1987,8 @@
         </p:nvSpPr>
         <p:spPr>
           <a:xfrm>
-            <a:off x="6249352" y="1837055"/>
-            <a:ext cx="5247978" cy="2702031"/>
+            <a:off x="6249352" y="1970427"/>
+            <a:ext cx="5247978" cy="2898201"/>
           </a:xfrm>
         </p:spPr>
         <p:txBody>
@@ -2049,7 +2049,7 @@
           <a:p>
             <a:fld id="{DD6D9246-4FED-8E4D-BC9B-CDD794F2A5B7}" type="datetimeFigureOut">
               <a:rPr lang="en-US" smtClean="0"/>
-              <a:t>6/29/22</a:t>
+              <a:t>6/30/22</a:t>
             </a:fld>
             <a:endParaRPr lang="en-US"/>
           </a:p>
@@ -2100,7 +2100,7 @@
     </p:spTree>
     <p:extLst>
       <p:ext uri="{BB962C8B-B14F-4D97-AF65-F5344CB8AC3E}">
-        <p14:creationId xmlns:p14="http://schemas.microsoft.com/office/powerpoint/2010/main" val="2168576110"/>
+        <p14:creationId xmlns:p14="http://schemas.microsoft.com/office/powerpoint/2010/main" val="3959993007"/>
       </p:ext>
     </p:extLst>
   </p:cSld>
@@ -2167,7 +2167,7 @@
           <a:p>
             <a:fld id="{DD6D9246-4FED-8E4D-BC9B-CDD794F2A5B7}" type="datetimeFigureOut">
               <a:rPr lang="en-US" smtClean="0"/>
-              <a:t>6/29/22</a:t>
+              <a:t>6/30/22</a:t>
             </a:fld>
             <a:endParaRPr lang="en-US"/>
           </a:p>
@@ -2218,7 +2218,7 @@
     </p:spTree>
     <p:extLst>
       <p:ext uri="{BB962C8B-B14F-4D97-AF65-F5344CB8AC3E}">
-        <p14:creationId xmlns:p14="http://schemas.microsoft.com/office/powerpoint/2010/main" val="1944497434"/>
+        <p14:creationId xmlns:p14="http://schemas.microsoft.com/office/powerpoint/2010/main" val="3735503"/>
       </p:ext>
     </p:extLst>
   </p:cSld>
@@ -2262,7 +2262,7 @@
           <a:p>
             <a:fld id="{DD6D9246-4FED-8E4D-BC9B-CDD794F2A5B7}" type="datetimeFigureOut">
               <a:rPr lang="en-US" smtClean="0"/>
-              <a:t>6/29/22</a:t>
+              <a:t>6/30/22</a:t>
             </a:fld>
             <a:endParaRPr lang="en-US"/>
           </a:p>
@@ -2313,7 +2313,7 @@
     </p:spTree>
     <p:extLst>
       <p:ext uri="{BB962C8B-B14F-4D97-AF65-F5344CB8AC3E}">
-        <p14:creationId xmlns:p14="http://schemas.microsoft.com/office/powerpoint/2010/main" val="3679361313"/>
+        <p14:creationId xmlns:p14="http://schemas.microsoft.com/office/powerpoint/2010/main" val="3059466210"/>
       </p:ext>
     </p:extLst>
   </p:cSld>
@@ -2352,15 +2352,15 @@
         </p:nvSpPr>
         <p:spPr>
           <a:xfrm>
-            <a:off x="850286" y="335280"/>
-            <a:ext cx="3981390" cy="1173480"/>
+            <a:off x="850286" y="359622"/>
+            <a:ext cx="3981390" cy="1258676"/>
           </a:xfrm>
         </p:spPr>
         <p:txBody>
           <a:bodyPr anchor="b"/>
           <a:lstStyle>
             <a:lvl1pPr>
-              <a:defRPr sz="2347"/>
+              <a:defRPr sz="2517"/>
             </a:lvl1pPr>
           </a:lstStyle>
           <a:p>
@@ -2384,39 +2384,39 @@
         </p:nvSpPr>
         <p:spPr>
           <a:xfrm>
-            <a:off x="5247978" y="724112"/>
-            <a:ext cx="6249353" cy="3573992"/>
+            <a:off x="5247978" y="776683"/>
+            <a:ext cx="6249353" cy="3833467"/>
           </a:xfrm>
         </p:spPr>
         <p:txBody>
           <a:bodyPr/>
           <a:lstStyle>
             <a:lvl1pPr>
-              <a:defRPr sz="2347"/>
+              <a:defRPr sz="2517"/>
             </a:lvl1pPr>
             <a:lvl2pPr>
-              <a:defRPr sz="2053"/>
+              <a:defRPr sz="2202"/>
             </a:lvl2pPr>
             <a:lvl3pPr>
-              <a:defRPr sz="1760"/>
+              <a:defRPr sz="1888"/>
             </a:lvl3pPr>
             <a:lvl4pPr>
-              <a:defRPr sz="1467"/>
+              <a:defRPr sz="1573"/>
             </a:lvl4pPr>
             <a:lvl5pPr>
-              <a:defRPr sz="1467"/>
+              <a:defRPr sz="1573"/>
             </a:lvl5pPr>
             <a:lvl6pPr>
-              <a:defRPr sz="1467"/>
+              <a:defRPr sz="1573"/>
             </a:lvl6pPr>
             <a:lvl7pPr>
-              <a:defRPr sz="1467"/>
+              <a:defRPr sz="1573"/>
             </a:lvl7pPr>
             <a:lvl8pPr>
-              <a:defRPr sz="1467"/>
+              <a:defRPr sz="1573"/>
             </a:lvl8pPr>
             <a:lvl9pPr>
-              <a:defRPr sz="1467"/>
+              <a:defRPr sz="1573"/>
             </a:lvl9pPr>
           </a:lstStyle>
           <a:p>
@@ -2469,8 +2469,8 @@
         </p:nvSpPr>
         <p:spPr>
           <a:xfrm>
-            <a:off x="850286" y="1508760"/>
-            <a:ext cx="3981390" cy="2795165"/>
+            <a:off x="850286" y="1618298"/>
+            <a:ext cx="3981390" cy="2998096"/>
           </a:xfrm>
         </p:spPr>
         <p:txBody>
@@ -2478,39 +2478,39 @@
           <a:lstStyle>
             <a:lvl1pPr marL="0" indent="0">
               <a:buNone/>
-              <a:defRPr sz="1173"/>
+              <a:defRPr sz="1259"/>
             </a:lvl1pPr>
-            <a:lvl2pPr marL="335265" indent="0">
+            <a:lvl2pPr marL="359634" indent="0">
               <a:buNone/>
-              <a:defRPr sz="1027"/>
+              <a:defRPr sz="1101"/>
             </a:lvl2pPr>
-            <a:lvl3pPr marL="670530" indent="0">
+            <a:lvl3pPr marL="719267" indent="0">
               <a:buNone/>
-              <a:defRPr sz="880"/>
+              <a:defRPr sz="944"/>
             </a:lvl3pPr>
-            <a:lvl4pPr marL="1005794" indent="0">
+            <a:lvl4pPr marL="1078901" indent="0">
               <a:buNone/>
-              <a:defRPr sz="733"/>
+              <a:defRPr sz="787"/>
             </a:lvl4pPr>
-            <a:lvl5pPr marL="1341059" indent="0">
+            <a:lvl5pPr marL="1438534" indent="0">
               <a:buNone/>
-              <a:defRPr sz="733"/>
+              <a:defRPr sz="787"/>
             </a:lvl5pPr>
-            <a:lvl6pPr marL="1676324" indent="0">
+            <a:lvl6pPr marL="1798168" indent="0">
               <a:buNone/>
-              <a:defRPr sz="733"/>
+              <a:defRPr sz="787"/>
             </a:lvl6pPr>
-            <a:lvl7pPr marL="2011589" indent="0">
+            <a:lvl7pPr marL="2157801" indent="0">
               <a:buNone/>
-              <a:defRPr sz="733"/>
+              <a:defRPr sz="787"/>
             </a:lvl7pPr>
-            <a:lvl8pPr marL="2346853" indent="0">
+            <a:lvl8pPr marL="2517435" indent="0">
               <a:buNone/>
-              <a:defRPr sz="733"/>
+              <a:defRPr sz="787"/>
             </a:lvl8pPr>
-            <a:lvl9pPr marL="2682118" indent="0">
+            <a:lvl9pPr marL="2877068" indent="0">
               <a:buNone/>
-              <a:defRPr sz="733"/>
+              <a:defRPr sz="787"/>
             </a:lvl9pPr>
           </a:lstStyle>
           <a:p>
@@ -2539,7 +2539,7 @@
           <a:p>
             <a:fld id="{DD6D9246-4FED-8E4D-BC9B-CDD794F2A5B7}" type="datetimeFigureOut">
               <a:rPr lang="en-US" smtClean="0"/>
-              <a:t>6/29/22</a:t>
+              <a:t>6/30/22</a:t>
             </a:fld>
             <a:endParaRPr lang="en-US"/>
           </a:p>
@@ -2590,7 +2590,7 @@
     </p:spTree>
     <p:extLst>
       <p:ext uri="{BB962C8B-B14F-4D97-AF65-F5344CB8AC3E}">
-        <p14:creationId xmlns:p14="http://schemas.microsoft.com/office/powerpoint/2010/main" val="3434157086"/>
+        <p14:creationId xmlns:p14="http://schemas.microsoft.com/office/powerpoint/2010/main" val="2014806094"/>
       </p:ext>
     </p:extLst>
   </p:cSld>
@@ -2629,15 +2629,15 @@
         </p:nvSpPr>
         <p:spPr>
           <a:xfrm>
-            <a:off x="850286" y="335280"/>
-            <a:ext cx="3981390" cy="1173480"/>
+            <a:off x="850286" y="359622"/>
+            <a:ext cx="3981390" cy="1258676"/>
           </a:xfrm>
         </p:spPr>
         <p:txBody>
           <a:bodyPr anchor="b"/>
           <a:lstStyle>
             <a:lvl1pPr>
-              <a:defRPr sz="2347"/>
+              <a:defRPr sz="2517"/>
             </a:lvl1pPr>
           </a:lstStyle>
           <a:p>
@@ -2661,8 +2661,8 @@
         </p:nvSpPr>
         <p:spPr>
           <a:xfrm>
-            <a:off x="5247978" y="724112"/>
-            <a:ext cx="6249353" cy="3573992"/>
+            <a:off x="5247978" y="776683"/>
+            <a:ext cx="6249353" cy="3833467"/>
           </a:xfrm>
         </p:spPr>
         <p:txBody>
@@ -2670,39 +2670,39 @@
           <a:lstStyle>
             <a:lvl1pPr marL="0" indent="0">
               <a:buNone/>
-              <a:defRPr sz="2347"/>
+              <a:defRPr sz="2517"/>
             </a:lvl1pPr>
-            <a:lvl2pPr marL="335265" indent="0">
+            <a:lvl2pPr marL="359634" indent="0">
               <a:buNone/>
-              <a:defRPr sz="2053"/>
+              <a:defRPr sz="2202"/>
             </a:lvl2pPr>
-            <a:lvl3pPr marL="670530" indent="0">
+            <a:lvl3pPr marL="719267" indent="0">
               <a:buNone/>
-              <a:defRPr sz="1760"/>
+              <a:defRPr sz="1888"/>
             </a:lvl3pPr>
-            <a:lvl4pPr marL="1005794" indent="0">
+            <a:lvl4pPr marL="1078901" indent="0">
               <a:buNone/>
-              <a:defRPr sz="1467"/>
+              <a:defRPr sz="1573"/>
             </a:lvl4pPr>
-            <a:lvl5pPr marL="1341059" indent="0">
+            <a:lvl5pPr marL="1438534" indent="0">
               <a:buNone/>
-              <a:defRPr sz="1467"/>
+              <a:defRPr sz="1573"/>
             </a:lvl5pPr>
-            <a:lvl6pPr marL="1676324" indent="0">
+            <a:lvl6pPr marL="1798168" indent="0">
               <a:buNone/>
-              <a:defRPr sz="1467"/>
+              <a:defRPr sz="1573"/>
             </a:lvl6pPr>
-            <a:lvl7pPr marL="2011589" indent="0">
+            <a:lvl7pPr marL="2157801" indent="0">
               <a:buNone/>
-              <a:defRPr sz="1467"/>
+              <a:defRPr sz="1573"/>
             </a:lvl7pPr>
-            <a:lvl8pPr marL="2346853" indent="0">
+            <a:lvl8pPr marL="2517435" indent="0">
               <a:buNone/>
-              <a:defRPr sz="1467"/>
+              <a:defRPr sz="1573"/>
             </a:lvl8pPr>
-            <a:lvl9pPr marL="2682118" indent="0">
+            <a:lvl9pPr marL="2877068" indent="0">
               <a:buNone/>
-              <a:defRPr sz="1467"/>
+              <a:defRPr sz="1573"/>
             </a:lvl9pPr>
           </a:lstStyle>
           <a:p>
@@ -2726,8 +2726,8 @@
         </p:nvSpPr>
         <p:spPr>
           <a:xfrm>
-            <a:off x="850286" y="1508760"/>
-            <a:ext cx="3981390" cy="2795165"/>
+            <a:off x="850286" y="1618298"/>
+            <a:ext cx="3981390" cy="2998096"/>
           </a:xfrm>
         </p:spPr>
         <p:txBody>
@@ -2735,39 +2735,39 @@
           <a:lstStyle>
             <a:lvl1pPr marL="0" indent="0">
               <a:buNone/>
-              <a:defRPr sz="1173"/>
+              <a:defRPr sz="1259"/>
             </a:lvl1pPr>
-            <a:lvl2pPr marL="335265" indent="0">
+            <a:lvl2pPr marL="359634" indent="0">
               <a:buNone/>
-              <a:defRPr sz="1027"/>
+              <a:defRPr sz="1101"/>
             </a:lvl2pPr>
-            <a:lvl3pPr marL="670530" indent="0">
+            <a:lvl3pPr marL="719267" indent="0">
               <a:buNone/>
-              <a:defRPr sz="880"/>
+              <a:defRPr sz="944"/>
             </a:lvl3pPr>
-            <a:lvl4pPr marL="1005794" indent="0">
+            <a:lvl4pPr marL="1078901" indent="0">
               <a:buNone/>
-              <a:defRPr sz="733"/>
+              <a:defRPr sz="787"/>
             </a:lvl4pPr>
-            <a:lvl5pPr marL="1341059" indent="0">
+            <a:lvl5pPr marL="1438534" indent="0">
               <a:buNone/>
-              <a:defRPr sz="733"/>
+              <a:defRPr sz="787"/>
             </a:lvl5pPr>
-            <a:lvl6pPr marL="1676324" indent="0">
+            <a:lvl6pPr marL="1798168" indent="0">
               <a:buNone/>
-              <a:defRPr sz="733"/>
+              <a:defRPr sz="787"/>
             </a:lvl6pPr>
-            <a:lvl7pPr marL="2011589" indent="0">
+            <a:lvl7pPr marL="2157801" indent="0">
               <a:buNone/>
-              <a:defRPr sz="733"/>
+              <a:defRPr sz="787"/>
             </a:lvl7pPr>
-            <a:lvl8pPr marL="2346853" indent="0">
+            <a:lvl8pPr marL="2517435" indent="0">
               <a:buNone/>
-              <a:defRPr sz="733"/>
+              <a:defRPr sz="787"/>
             </a:lvl8pPr>
-            <a:lvl9pPr marL="2682118" indent="0">
+            <a:lvl9pPr marL="2877068" indent="0">
               <a:buNone/>
-              <a:defRPr sz="733"/>
+              <a:defRPr sz="787"/>
             </a:lvl9pPr>
           </a:lstStyle>
           <a:p>
@@ -2796,7 +2796,7 @@
           <a:p>
             <a:fld id="{DD6D9246-4FED-8E4D-BC9B-CDD794F2A5B7}" type="datetimeFigureOut">
               <a:rPr lang="en-US" smtClean="0"/>
-              <a:t>6/29/22</a:t>
+              <a:t>6/30/22</a:t>
             </a:fld>
             <a:endParaRPr lang="en-US"/>
           </a:p>
@@ -2847,7 +2847,7 @@
     </p:spTree>
     <p:extLst>
       <p:ext uri="{BB962C8B-B14F-4D97-AF65-F5344CB8AC3E}">
-        <p14:creationId xmlns:p14="http://schemas.microsoft.com/office/powerpoint/2010/main" val="3457648929"/>
+        <p14:creationId xmlns:p14="http://schemas.microsoft.com/office/powerpoint/2010/main" val="1754795623"/>
       </p:ext>
     </p:extLst>
   </p:cSld>
@@ -2891,8 +2891,8 @@
         </p:nvSpPr>
         <p:spPr>
           <a:xfrm>
-            <a:off x="848678" y="267758"/>
-            <a:ext cx="10647045" cy="972080"/>
+            <a:off x="848678" y="287198"/>
+            <a:ext cx="10647045" cy="1042653"/>
           </a:xfrm>
           <a:prstGeom prst="rect">
             <a:avLst/>
@@ -2924,8 +2924,8 @@
         </p:nvSpPr>
         <p:spPr>
           <a:xfrm>
-            <a:off x="848678" y="1338792"/>
-            <a:ext cx="10647045" cy="3190981"/>
+            <a:off x="848678" y="1435989"/>
+            <a:ext cx="10647045" cy="3422650"/>
           </a:xfrm>
           <a:prstGeom prst="rect">
             <a:avLst/>
@@ -2986,8 +2986,8 @@
         </p:nvSpPr>
         <p:spPr>
           <a:xfrm>
-            <a:off x="848678" y="4661324"/>
-            <a:ext cx="2777490" cy="267758"/>
+            <a:off x="848678" y="4999740"/>
+            <a:ext cx="2777490" cy="287198"/>
           </a:xfrm>
           <a:prstGeom prst="rect">
             <a:avLst/>
@@ -2997,7 +2997,7 @@
           <a:bodyPr vert="horz" lIns="91440" tIns="45720" rIns="91440" bIns="45720" rtlCol="0" anchor="ctr"/>
           <a:lstStyle>
             <a:lvl1pPr algn="l">
-              <a:defRPr sz="880">
+              <a:defRPr sz="944">
                 <a:solidFill>
                   <a:schemeClr val="tx1">
                     <a:tint val="75000"/>
@@ -3009,7 +3009,7 @@
           <a:p>
             <a:fld id="{DD6D9246-4FED-8E4D-BC9B-CDD794F2A5B7}" type="datetimeFigureOut">
               <a:rPr lang="en-US" smtClean="0"/>
-              <a:t>6/29/22</a:t>
+              <a:t>6/30/22</a:t>
             </a:fld>
             <a:endParaRPr lang="en-US"/>
           </a:p>
@@ -3027,8 +3027,8 @@
         </p:nvSpPr>
         <p:spPr>
           <a:xfrm>
-            <a:off x="4089083" y="4661324"/>
-            <a:ext cx="4166235" cy="267758"/>
+            <a:off x="4089083" y="4999740"/>
+            <a:ext cx="4166235" cy="287198"/>
           </a:xfrm>
           <a:prstGeom prst="rect">
             <a:avLst/>
@@ -3038,7 +3038,7 @@
           <a:bodyPr vert="horz" lIns="91440" tIns="45720" rIns="91440" bIns="45720" rtlCol="0" anchor="ctr"/>
           <a:lstStyle>
             <a:lvl1pPr algn="ctr">
-              <a:defRPr sz="880">
+              <a:defRPr sz="944">
                 <a:solidFill>
                   <a:schemeClr val="tx1">
                     <a:tint val="75000"/>
@@ -3064,8 +3064,8 @@
         </p:nvSpPr>
         <p:spPr>
           <a:xfrm>
-            <a:off x="8718233" y="4661324"/>
-            <a:ext cx="2777490" cy="267758"/>
+            <a:off x="8718233" y="4999740"/>
+            <a:ext cx="2777490" cy="287198"/>
           </a:xfrm>
           <a:prstGeom prst="rect">
             <a:avLst/>
@@ -3075,7 +3075,7 @@
           <a:bodyPr vert="horz" lIns="91440" tIns="45720" rIns="91440" bIns="45720" rtlCol="0" anchor="ctr"/>
           <a:lstStyle>
             <a:lvl1pPr algn="r">
-              <a:defRPr sz="880">
+              <a:defRPr sz="944">
                 <a:solidFill>
                   <a:schemeClr val="tx1">
                     <a:tint val="75000"/>
@@ -3096,27 +3096,27 @@
     </p:spTree>
     <p:extLst>
       <p:ext uri="{BB962C8B-B14F-4D97-AF65-F5344CB8AC3E}">
-        <p14:creationId xmlns:p14="http://schemas.microsoft.com/office/powerpoint/2010/main" val="4094021045"/>
+        <p14:creationId xmlns:p14="http://schemas.microsoft.com/office/powerpoint/2010/main" val="3966863208"/>
       </p:ext>
     </p:extLst>
   </p:cSld>
   <p:clrMap bg1="lt1" tx1="dk1" bg2="lt2" tx2="dk2" accent1="accent1" accent2="accent2" accent3="accent3" accent4="accent4" accent5="accent5" accent6="accent6" hlink="hlink" folHlink="folHlink"/>
   <p:sldLayoutIdLst>
-    <p:sldLayoutId id="2147483781" r:id="rId1"/>
-    <p:sldLayoutId id="2147483782" r:id="rId2"/>
-    <p:sldLayoutId id="2147483783" r:id="rId3"/>
-    <p:sldLayoutId id="2147483784" r:id="rId4"/>
-    <p:sldLayoutId id="2147483785" r:id="rId5"/>
-    <p:sldLayoutId id="2147483786" r:id="rId6"/>
-    <p:sldLayoutId id="2147483787" r:id="rId7"/>
-    <p:sldLayoutId id="2147483788" r:id="rId8"/>
-    <p:sldLayoutId id="2147483789" r:id="rId9"/>
-    <p:sldLayoutId id="2147483790" r:id="rId10"/>
-    <p:sldLayoutId id="2147483791" r:id="rId11"/>
+    <p:sldLayoutId id="2147483793" r:id="rId1"/>
+    <p:sldLayoutId id="2147483794" r:id="rId2"/>
+    <p:sldLayoutId id="2147483795" r:id="rId3"/>
+    <p:sldLayoutId id="2147483796" r:id="rId4"/>
+    <p:sldLayoutId id="2147483797" r:id="rId5"/>
+    <p:sldLayoutId id="2147483798" r:id="rId6"/>
+    <p:sldLayoutId id="2147483799" r:id="rId7"/>
+    <p:sldLayoutId id="2147483800" r:id="rId8"/>
+    <p:sldLayoutId id="2147483801" r:id="rId9"/>
+    <p:sldLayoutId id="2147483802" r:id="rId10"/>
+    <p:sldLayoutId id="2147483803" r:id="rId11"/>
   </p:sldLayoutIdLst>
   <p:txStyles>
     <p:titleStyle>
-      <a:lvl1pPr algn="l" defTabSz="670530" rtl="0" eaLnBrk="1" latinLnBrk="0" hangingPunct="1">
+      <a:lvl1pPr algn="l" defTabSz="719267" rtl="0" eaLnBrk="1" latinLnBrk="0" hangingPunct="1">
         <a:lnSpc>
           <a:spcPct val="90000"/>
         </a:lnSpc>
@@ -3124,7 +3124,7 @@
           <a:spcPct val="0"/>
         </a:spcBef>
         <a:buNone/>
-        <a:defRPr sz="3227" kern="1200">
+        <a:defRPr sz="3461" kern="1200">
           <a:solidFill>
             <a:schemeClr val="tx1"/>
           </a:solidFill>
@@ -3135,16 +3135,16 @@
       </a:lvl1pPr>
     </p:titleStyle>
     <p:bodyStyle>
-      <a:lvl1pPr marL="167632" indent="-167632" algn="l" defTabSz="670530" rtl="0" eaLnBrk="1" latinLnBrk="0" hangingPunct="1">
+      <a:lvl1pPr marL="179817" indent="-179817" algn="l" defTabSz="719267" rtl="0" eaLnBrk="1" latinLnBrk="0" hangingPunct="1">
         <a:lnSpc>
           <a:spcPct val="90000"/>
         </a:lnSpc>
         <a:spcBef>
-          <a:spcPts val="733"/>
+          <a:spcPts val="787"/>
         </a:spcBef>
         <a:buFont typeface="Arial" panose="020B0604020202020204" pitchFamily="34" charset="0"/>
         <a:buChar char="•"/>
-        <a:defRPr sz="2053" kern="1200">
+        <a:defRPr sz="2202" kern="1200">
           <a:solidFill>
             <a:schemeClr val="tx1"/>
           </a:solidFill>
@@ -3153,16 +3153,16 @@
           <a:cs typeface="+mn-cs"/>
         </a:defRPr>
       </a:lvl1pPr>
-      <a:lvl2pPr marL="502897" indent="-167632" algn="l" defTabSz="670530" rtl="0" eaLnBrk="1" latinLnBrk="0" hangingPunct="1">
+      <a:lvl2pPr marL="539450" indent="-179817" algn="l" defTabSz="719267" rtl="0" eaLnBrk="1" latinLnBrk="0" hangingPunct="1">
         <a:lnSpc>
           <a:spcPct val="90000"/>
         </a:lnSpc>
         <a:spcBef>
-          <a:spcPts val="367"/>
+          <a:spcPts val="393"/>
         </a:spcBef>
         <a:buFont typeface="Arial" panose="020B0604020202020204" pitchFamily="34" charset="0"/>
         <a:buChar char="•"/>
-        <a:defRPr sz="1760" kern="1200">
+        <a:defRPr sz="1888" kern="1200">
           <a:solidFill>
             <a:schemeClr val="tx1"/>
           </a:solidFill>
@@ -3171,16 +3171,16 @@
           <a:cs typeface="+mn-cs"/>
         </a:defRPr>
       </a:lvl2pPr>
-      <a:lvl3pPr marL="838162" indent="-167632" algn="l" defTabSz="670530" rtl="0" eaLnBrk="1" latinLnBrk="0" hangingPunct="1">
+      <a:lvl3pPr marL="899084" indent="-179817" algn="l" defTabSz="719267" rtl="0" eaLnBrk="1" latinLnBrk="0" hangingPunct="1">
         <a:lnSpc>
           <a:spcPct val="90000"/>
         </a:lnSpc>
         <a:spcBef>
-          <a:spcPts val="367"/>
+          <a:spcPts val="393"/>
         </a:spcBef>
         <a:buFont typeface="Arial" panose="020B0604020202020204" pitchFamily="34" charset="0"/>
         <a:buChar char="•"/>
-        <a:defRPr sz="1467" kern="1200">
+        <a:defRPr sz="1573" kern="1200">
           <a:solidFill>
             <a:schemeClr val="tx1"/>
           </a:solidFill>
@@ -3189,16 +3189,16 @@
           <a:cs typeface="+mn-cs"/>
         </a:defRPr>
       </a:lvl3pPr>
-      <a:lvl4pPr marL="1173427" indent="-167632" algn="l" defTabSz="670530" rtl="0" eaLnBrk="1" latinLnBrk="0" hangingPunct="1">
+      <a:lvl4pPr marL="1258717" indent="-179817" algn="l" defTabSz="719267" rtl="0" eaLnBrk="1" latinLnBrk="0" hangingPunct="1">
         <a:lnSpc>
           <a:spcPct val="90000"/>
         </a:lnSpc>
         <a:spcBef>
-          <a:spcPts val="367"/>
+          <a:spcPts val="393"/>
         </a:spcBef>
         <a:buFont typeface="Arial" panose="020B0604020202020204" pitchFamily="34" charset="0"/>
         <a:buChar char="•"/>
-        <a:defRPr sz="1320" kern="1200">
+        <a:defRPr sz="1416" kern="1200">
           <a:solidFill>
             <a:schemeClr val="tx1"/>
           </a:solidFill>
@@ -3207,16 +3207,16 @@
           <a:cs typeface="+mn-cs"/>
         </a:defRPr>
       </a:lvl4pPr>
-      <a:lvl5pPr marL="1508691" indent="-167632" algn="l" defTabSz="670530" rtl="0" eaLnBrk="1" latinLnBrk="0" hangingPunct="1">
+      <a:lvl5pPr marL="1618351" indent="-179817" algn="l" defTabSz="719267" rtl="0" eaLnBrk="1" latinLnBrk="0" hangingPunct="1">
         <a:lnSpc>
           <a:spcPct val="90000"/>
         </a:lnSpc>
         <a:spcBef>
-          <a:spcPts val="367"/>
+          <a:spcPts val="393"/>
         </a:spcBef>
         <a:buFont typeface="Arial" panose="020B0604020202020204" pitchFamily="34" charset="0"/>
         <a:buChar char="•"/>
-        <a:defRPr sz="1320" kern="1200">
+        <a:defRPr sz="1416" kern="1200">
           <a:solidFill>
             <a:schemeClr val="tx1"/>
           </a:solidFill>
@@ -3225,16 +3225,16 @@
           <a:cs typeface="+mn-cs"/>
         </a:defRPr>
       </a:lvl5pPr>
-      <a:lvl6pPr marL="1843956" indent="-167632" algn="l" defTabSz="670530" rtl="0" eaLnBrk="1" latinLnBrk="0" hangingPunct="1">
+      <a:lvl6pPr marL="1977984" indent="-179817" algn="l" defTabSz="719267" rtl="0" eaLnBrk="1" latinLnBrk="0" hangingPunct="1">
         <a:lnSpc>
           <a:spcPct val="90000"/>
         </a:lnSpc>
         <a:spcBef>
-          <a:spcPts val="367"/>
+          <a:spcPts val="393"/>
         </a:spcBef>
         <a:buFont typeface="Arial" panose="020B0604020202020204" pitchFamily="34" charset="0"/>
         <a:buChar char="•"/>
-        <a:defRPr sz="1320" kern="1200">
+        <a:defRPr sz="1416" kern="1200">
           <a:solidFill>
             <a:schemeClr val="tx1"/>
           </a:solidFill>
@@ -3243,16 +3243,16 @@
           <a:cs typeface="+mn-cs"/>
         </a:defRPr>
       </a:lvl6pPr>
-      <a:lvl7pPr marL="2179221" indent="-167632" algn="l" defTabSz="670530" rtl="0" eaLnBrk="1" latinLnBrk="0" hangingPunct="1">
+      <a:lvl7pPr marL="2337618" indent="-179817" algn="l" defTabSz="719267" rtl="0" eaLnBrk="1" latinLnBrk="0" hangingPunct="1">
         <a:lnSpc>
           <a:spcPct val="90000"/>
         </a:lnSpc>
         <a:spcBef>
-          <a:spcPts val="367"/>
+          <a:spcPts val="393"/>
         </a:spcBef>
         <a:buFont typeface="Arial" panose="020B0604020202020204" pitchFamily="34" charset="0"/>
         <a:buChar char="•"/>
-        <a:defRPr sz="1320" kern="1200">
+        <a:defRPr sz="1416" kern="1200">
           <a:solidFill>
             <a:schemeClr val="tx1"/>
           </a:solidFill>
@@ -3261,16 +3261,16 @@
           <a:cs typeface="+mn-cs"/>
         </a:defRPr>
       </a:lvl7pPr>
-      <a:lvl8pPr marL="2514486" indent="-167632" algn="l" defTabSz="670530" rtl="0" eaLnBrk="1" latinLnBrk="0" hangingPunct="1">
+      <a:lvl8pPr marL="2697251" indent="-179817" algn="l" defTabSz="719267" rtl="0" eaLnBrk="1" latinLnBrk="0" hangingPunct="1">
         <a:lnSpc>
           <a:spcPct val="90000"/>
         </a:lnSpc>
         <a:spcBef>
-          <a:spcPts val="367"/>
+          <a:spcPts val="393"/>
         </a:spcBef>
         <a:buFont typeface="Arial" panose="020B0604020202020204" pitchFamily="34" charset="0"/>
         <a:buChar char="•"/>
-        <a:defRPr sz="1320" kern="1200">
+        <a:defRPr sz="1416" kern="1200">
           <a:solidFill>
             <a:schemeClr val="tx1"/>
           </a:solidFill>
@@ -3279,16 +3279,16 @@
           <a:cs typeface="+mn-cs"/>
         </a:defRPr>
       </a:lvl8pPr>
-      <a:lvl9pPr marL="2849750" indent="-167632" algn="l" defTabSz="670530" rtl="0" eaLnBrk="1" latinLnBrk="0" hangingPunct="1">
+      <a:lvl9pPr marL="3056885" indent="-179817" algn="l" defTabSz="719267" rtl="0" eaLnBrk="1" latinLnBrk="0" hangingPunct="1">
         <a:lnSpc>
           <a:spcPct val="90000"/>
         </a:lnSpc>
         <a:spcBef>
-          <a:spcPts val="367"/>
+          <a:spcPts val="393"/>
         </a:spcBef>
         <a:buFont typeface="Arial" panose="020B0604020202020204" pitchFamily="34" charset="0"/>
         <a:buChar char="•"/>
-        <a:defRPr sz="1320" kern="1200">
+        <a:defRPr sz="1416" kern="1200">
           <a:solidFill>
             <a:schemeClr val="tx1"/>
           </a:solidFill>
@@ -3302,8 +3302,8 @@
       <a:defPPr>
         <a:defRPr lang="en-US"/>
       </a:defPPr>
-      <a:lvl1pPr marL="0" algn="l" defTabSz="670530" rtl="0" eaLnBrk="1" latinLnBrk="0" hangingPunct="1">
-        <a:defRPr sz="1320" kern="1200">
+      <a:lvl1pPr marL="0" algn="l" defTabSz="719267" rtl="0" eaLnBrk="1" latinLnBrk="0" hangingPunct="1">
+        <a:defRPr sz="1416" kern="1200">
           <a:solidFill>
             <a:schemeClr val="tx1"/>
           </a:solidFill>
@@ -3312,8 +3312,8 @@
           <a:cs typeface="+mn-cs"/>
         </a:defRPr>
       </a:lvl1pPr>
-      <a:lvl2pPr marL="335265" algn="l" defTabSz="670530" rtl="0" eaLnBrk="1" latinLnBrk="0" hangingPunct="1">
-        <a:defRPr sz="1320" kern="1200">
+      <a:lvl2pPr marL="359634" algn="l" defTabSz="719267" rtl="0" eaLnBrk="1" latinLnBrk="0" hangingPunct="1">
+        <a:defRPr sz="1416" kern="1200">
           <a:solidFill>
             <a:schemeClr val="tx1"/>
           </a:solidFill>
@@ -3322,8 +3322,8 @@
           <a:cs typeface="+mn-cs"/>
         </a:defRPr>
       </a:lvl2pPr>
-      <a:lvl3pPr marL="670530" algn="l" defTabSz="670530" rtl="0" eaLnBrk="1" latinLnBrk="0" hangingPunct="1">
-        <a:defRPr sz="1320" kern="1200">
+      <a:lvl3pPr marL="719267" algn="l" defTabSz="719267" rtl="0" eaLnBrk="1" latinLnBrk="0" hangingPunct="1">
+        <a:defRPr sz="1416" kern="1200">
           <a:solidFill>
             <a:schemeClr val="tx1"/>
           </a:solidFill>
@@ -3332,8 +3332,8 @@
           <a:cs typeface="+mn-cs"/>
         </a:defRPr>
       </a:lvl3pPr>
-      <a:lvl4pPr marL="1005794" algn="l" defTabSz="670530" rtl="0" eaLnBrk="1" latinLnBrk="0" hangingPunct="1">
-        <a:defRPr sz="1320" kern="1200">
+      <a:lvl4pPr marL="1078901" algn="l" defTabSz="719267" rtl="0" eaLnBrk="1" latinLnBrk="0" hangingPunct="1">
+        <a:defRPr sz="1416" kern="1200">
           <a:solidFill>
             <a:schemeClr val="tx1"/>
           </a:solidFill>
@@ -3342,8 +3342,8 @@
           <a:cs typeface="+mn-cs"/>
         </a:defRPr>
       </a:lvl4pPr>
-      <a:lvl5pPr marL="1341059" algn="l" defTabSz="670530" rtl="0" eaLnBrk="1" latinLnBrk="0" hangingPunct="1">
-        <a:defRPr sz="1320" kern="1200">
+      <a:lvl5pPr marL="1438534" algn="l" defTabSz="719267" rtl="0" eaLnBrk="1" latinLnBrk="0" hangingPunct="1">
+        <a:defRPr sz="1416" kern="1200">
           <a:solidFill>
             <a:schemeClr val="tx1"/>
           </a:solidFill>
@@ -3352,8 +3352,8 @@
           <a:cs typeface="+mn-cs"/>
         </a:defRPr>
       </a:lvl5pPr>
-      <a:lvl6pPr marL="1676324" algn="l" defTabSz="670530" rtl="0" eaLnBrk="1" latinLnBrk="0" hangingPunct="1">
-        <a:defRPr sz="1320" kern="1200">
+      <a:lvl6pPr marL="1798168" algn="l" defTabSz="719267" rtl="0" eaLnBrk="1" latinLnBrk="0" hangingPunct="1">
+        <a:defRPr sz="1416" kern="1200">
           <a:solidFill>
             <a:schemeClr val="tx1"/>
           </a:solidFill>
@@ -3362,8 +3362,8 @@
           <a:cs typeface="+mn-cs"/>
         </a:defRPr>
       </a:lvl6pPr>
-      <a:lvl7pPr marL="2011589" algn="l" defTabSz="670530" rtl="0" eaLnBrk="1" latinLnBrk="0" hangingPunct="1">
-        <a:defRPr sz="1320" kern="1200">
+      <a:lvl7pPr marL="2157801" algn="l" defTabSz="719267" rtl="0" eaLnBrk="1" latinLnBrk="0" hangingPunct="1">
+        <a:defRPr sz="1416" kern="1200">
           <a:solidFill>
             <a:schemeClr val="tx1"/>
           </a:solidFill>
@@ -3372,8 +3372,8 @@
           <a:cs typeface="+mn-cs"/>
         </a:defRPr>
       </a:lvl7pPr>
-      <a:lvl8pPr marL="2346853" algn="l" defTabSz="670530" rtl="0" eaLnBrk="1" latinLnBrk="0" hangingPunct="1">
-        <a:defRPr sz="1320" kern="1200">
+      <a:lvl8pPr marL="2517435" algn="l" defTabSz="719267" rtl="0" eaLnBrk="1" latinLnBrk="0" hangingPunct="1">
+        <a:defRPr sz="1416" kern="1200">
           <a:solidFill>
             <a:schemeClr val="tx1"/>
           </a:solidFill>
@@ -3382,8 +3382,8 @@
           <a:cs typeface="+mn-cs"/>
         </a:defRPr>
       </a:lvl8pPr>
-      <a:lvl9pPr marL="2682118" algn="l" defTabSz="670530" rtl="0" eaLnBrk="1" latinLnBrk="0" hangingPunct="1">
-        <a:defRPr sz="1320" kern="1200">
+      <a:lvl9pPr marL="2877068" algn="l" defTabSz="719267" rtl="0" eaLnBrk="1" latinLnBrk="0" hangingPunct="1">
+        <a:defRPr sz="1416" kern="1200">
           <a:solidFill>
             <a:schemeClr val="tx1"/>
           </a:solidFill>
@@ -3428,7 +3428,7 @@
         </p:nvSpPr>
         <p:spPr>
           <a:xfrm>
-            <a:off x="4418501" y="1865131"/>
+            <a:off x="4418501" y="1860885"/>
             <a:ext cx="6697980" cy="477054"/>
           </a:xfrm>
           <a:prstGeom prst="rect">
@@ -3514,7 +3514,7 @@
         </p:nvCxnSpPr>
         <p:spPr>
           <a:xfrm>
-            <a:off x="1605553" y="2117000"/>
+            <a:off x="1605554" y="2112754"/>
             <a:ext cx="2785439" cy="0"/>
           </a:xfrm>
           <a:prstGeom prst="line">
@@ -3557,7 +3557,7 @@
         </p:nvCxnSpPr>
         <p:spPr>
           <a:xfrm>
-            <a:off x="1605541" y="2498917"/>
+            <a:off x="1605541" y="2494671"/>
             <a:ext cx="2054114" cy="0"/>
           </a:xfrm>
           <a:prstGeom prst="line">
@@ -3600,7 +3600,7 @@
         </p:nvCxnSpPr>
         <p:spPr>
           <a:xfrm>
-            <a:off x="9011118" y="2117000"/>
+            <a:off x="9011119" y="2112754"/>
             <a:ext cx="2573401" cy="0"/>
           </a:xfrm>
           <a:prstGeom prst="line">
@@ -3643,7 +3643,7 @@
         </p:nvCxnSpPr>
         <p:spPr>
           <a:xfrm>
-            <a:off x="9592316" y="2498917"/>
+            <a:off x="9592317" y="2494671"/>
             <a:ext cx="1992203" cy="0"/>
           </a:xfrm>
           <a:prstGeom prst="line">
@@ -3684,7 +3684,7 @@
         </p:nvSpPr>
         <p:spPr>
           <a:xfrm>
-            <a:off x="233415" y="1906642"/>
+            <a:off x="233416" y="1902396"/>
             <a:ext cx="1237617" cy="369332"/>
           </a:xfrm>
           <a:prstGeom prst="rect">
@@ -3721,7 +3721,7 @@
         </p:nvSpPr>
         <p:spPr>
           <a:xfrm>
-            <a:off x="3659655" y="2251770"/>
+            <a:off x="3659655" y="2247524"/>
             <a:ext cx="5959730" cy="477054"/>
           </a:xfrm>
           <a:prstGeom prst="rect">
@@ -3829,7 +3829,7 @@
         </p:nvSpPr>
         <p:spPr>
           <a:xfrm>
-            <a:off x="233415" y="2308280"/>
+            <a:off x="233416" y="2304034"/>
             <a:ext cx="1237617" cy="369332"/>
           </a:xfrm>
           <a:prstGeom prst="rect">
@@ -3865,7 +3865,7 @@
         </p:nvSpPr>
         <p:spPr>
           <a:xfrm>
-            <a:off x="11740902" y="1941400"/>
+            <a:off x="11740903" y="1937154"/>
             <a:ext cx="1237617" cy="369332"/>
           </a:xfrm>
           <a:prstGeom prst="rect">
@@ -3900,7 +3900,7 @@
         </p:nvSpPr>
         <p:spPr>
           <a:xfrm>
-            <a:off x="11740902" y="2329915"/>
+            <a:off x="11740903" y="2325669"/>
             <a:ext cx="1237617" cy="369332"/>
           </a:xfrm>
           <a:prstGeom prst="rect">
@@ -3937,7 +3937,7 @@
         </p:nvCxnSpPr>
         <p:spPr>
           <a:xfrm>
-            <a:off x="1605541" y="4046861"/>
+            <a:off x="1605541" y="4268758"/>
             <a:ext cx="1303020" cy="0"/>
           </a:xfrm>
           <a:prstGeom prst="line">
@@ -3978,7 +3978,7 @@
         </p:nvCxnSpPr>
         <p:spPr>
           <a:xfrm>
-            <a:off x="10281487" y="4046861"/>
+            <a:off x="10281487" y="4268758"/>
             <a:ext cx="1303020" cy="0"/>
           </a:xfrm>
           <a:prstGeom prst="line">
@@ -4019,7 +4019,7 @@
         </p:nvSpPr>
         <p:spPr>
           <a:xfrm>
-            <a:off x="2908561" y="3813307"/>
+            <a:off x="2908561" y="4035204"/>
             <a:ext cx="7615784" cy="477054"/>
           </a:xfrm>
           <a:prstGeom prst="rect">
@@ -4127,7 +4127,7 @@
         </p:nvSpPr>
         <p:spPr>
           <a:xfrm>
-            <a:off x="233415" y="3876219"/>
+            <a:off x="233416" y="4098116"/>
             <a:ext cx="1237617" cy="369332"/>
           </a:xfrm>
           <a:prstGeom prst="rect">
@@ -4164,7 +4164,7 @@
         </p:nvSpPr>
         <p:spPr>
           <a:xfrm>
-            <a:off x="11740902" y="3884733"/>
+            <a:off x="11740903" y="4106630"/>
             <a:ext cx="1237617" cy="369332"/>
           </a:xfrm>
           <a:prstGeom prst="rect">
@@ -4199,7 +4199,7 @@
         </p:nvSpPr>
         <p:spPr>
           <a:xfrm rot="16200000">
-            <a:off x="9410552" y="3732729"/>
+            <a:off x="9410552" y="3954626"/>
             <a:ext cx="369332" cy="1338398"/>
           </a:xfrm>
           <a:prstGeom prst="leftBrace">
@@ -4251,7 +4251,7 @@
         </p:nvSpPr>
         <p:spPr>
           <a:xfrm rot="16200000">
-            <a:off x="3557903" y="3705667"/>
+            <a:off x="3557904" y="3927564"/>
             <a:ext cx="409377" cy="1438850"/>
           </a:xfrm>
           <a:prstGeom prst="leftBrace">
@@ -4303,7 +4303,7 @@
         </p:nvSpPr>
         <p:spPr>
           <a:xfrm rot="16200000">
-            <a:off x="6212665" y="2578263"/>
+            <a:off x="6212666" y="2800160"/>
             <a:ext cx="409377" cy="3715436"/>
           </a:xfrm>
           <a:prstGeom prst="leftBrace">
@@ -4355,7 +4355,7 @@
         </p:nvSpPr>
         <p:spPr>
           <a:xfrm rot="16200000">
-            <a:off x="8435295" y="4131527"/>
+            <a:off x="8435296" y="4353424"/>
             <a:ext cx="330521" cy="565346"/>
           </a:xfrm>
           <a:prstGeom prst="leftBrace">
@@ -4407,7 +4407,7 @@
         </p:nvSpPr>
         <p:spPr>
           <a:xfrm>
-            <a:off x="5688465" y="4671082"/>
+            <a:off x="5688465" y="4892979"/>
             <a:ext cx="2055976" cy="400110"/>
           </a:xfrm>
           <a:prstGeom prst="rect">
@@ -4445,7 +4445,7 @@
         </p:nvSpPr>
         <p:spPr>
           <a:xfrm>
-            <a:off x="7907890" y="4671082"/>
+            <a:off x="7907891" y="4892979"/>
             <a:ext cx="1392923" cy="400110"/>
           </a:xfrm>
           <a:prstGeom prst="rect">
@@ -4483,7 +4483,7 @@
         </p:nvSpPr>
         <p:spPr>
           <a:xfrm>
-            <a:off x="9300813" y="4671082"/>
+            <a:off x="9300814" y="4892979"/>
             <a:ext cx="767823" cy="400110"/>
           </a:xfrm>
           <a:prstGeom prst="rect">
@@ -4521,7 +4521,7 @@
         </p:nvSpPr>
         <p:spPr>
           <a:xfrm>
-            <a:off x="3364301" y="4671082"/>
+            <a:off x="3364302" y="4892979"/>
             <a:ext cx="767823" cy="400110"/>
           </a:xfrm>
           <a:prstGeom prst="rect">
@@ -4559,7 +4559,7 @@
         </p:nvGrpSpPr>
         <p:grpSpPr>
           <a:xfrm>
-            <a:off x="-164978" y="10999"/>
+            <a:off x="-164978" y="6754"/>
             <a:ext cx="13149592" cy="1170845"/>
             <a:chOff x="-164978" y="1983991"/>
             <a:chExt cx="13149592" cy="1170845"/>
@@ -5059,7 +5059,7 @@
         </p:nvCxnSpPr>
         <p:spPr>
           <a:xfrm>
-            <a:off x="1605541" y="2877440"/>
+            <a:off x="1605541" y="2873194"/>
             <a:ext cx="2054114" cy="0"/>
           </a:xfrm>
           <a:prstGeom prst="line">
@@ -5102,7 +5102,7 @@
         </p:nvCxnSpPr>
         <p:spPr>
           <a:xfrm>
-            <a:off x="9592316" y="2877440"/>
+            <a:off x="9592317" y="2873194"/>
             <a:ext cx="1992203" cy="0"/>
           </a:xfrm>
           <a:prstGeom prst="line">
@@ -5143,7 +5143,7 @@
         </p:nvSpPr>
         <p:spPr>
           <a:xfrm>
-            <a:off x="3659655" y="2630293"/>
+            <a:off x="3659655" y="2626047"/>
             <a:ext cx="5959730" cy="477054"/>
           </a:xfrm>
           <a:prstGeom prst="rect">
@@ -5251,7 +5251,7 @@
         </p:nvSpPr>
         <p:spPr>
           <a:xfrm>
-            <a:off x="233415" y="2686803"/>
+            <a:off x="233416" y="2682557"/>
             <a:ext cx="1237617" cy="369332"/>
           </a:xfrm>
           <a:prstGeom prst="rect">
@@ -5287,7 +5287,7 @@
         </p:nvSpPr>
         <p:spPr>
           <a:xfrm>
-            <a:off x="11740902" y="2708438"/>
+            <a:off x="11740903" y="2704192"/>
             <a:ext cx="1237617" cy="369332"/>
           </a:xfrm>
           <a:prstGeom prst="rect">
@@ -5324,7 +5324,7 @@
         </p:nvCxnSpPr>
         <p:spPr>
           <a:xfrm>
-            <a:off x="1605541" y="3619360"/>
+            <a:off x="1605541" y="3880585"/>
             <a:ext cx="1758754" cy="0"/>
           </a:xfrm>
           <a:prstGeom prst="line">
@@ -5367,7 +5367,7 @@
         </p:nvCxnSpPr>
         <p:spPr>
           <a:xfrm>
-            <a:off x="10068636" y="3619360"/>
+            <a:off x="10068637" y="3880585"/>
             <a:ext cx="1515883" cy="0"/>
           </a:xfrm>
           <a:prstGeom prst="line">
@@ -5408,7 +5408,7 @@
         </p:nvSpPr>
         <p:spPr>
           <a:xfrm>
-            <a:off x="3295471" y="3372213"/>
+            <a:off x="3295471" y="3633438"/>
             <a:ext cx="7228874" cy="477054"/>
           </a:xfrm>
           <a:prstGeom prst="rect">
@@ -5516,7 +5516,7 @@
         </p:nvSpPr>
         <p:spPr>
           <a:xfrm>
-            <a:off x="-164977" y="3428723"/>
+            <a:off x="-164977" y="3689948"/>
             <a:ext cx="1636000" cy="369332"/>
           </a:xfrm>
           <a:prstGeom prst="rect">
@@ -5553,7 +5553,7 @@
         </p:nvSpPr>
         <p:spPr>
           <a:xfrm>
-            <a:off x="11740902" y="3450358"/>
+            <a:off x="11740903" y="3711583"/>
             <a:ext cx="1237617" cy="369332"/>
           </a:xfrm>
           <a:prstGeom prst="rect">
@@ -5588,7 +5588,7 @@
         </p:nvGrpSpPr>
         <p:grpSpPr>
           <a:xfrm>
-            <a:off x="231263" y="1476617"/>
+            <a:off x="231264" y="1472371"/>
             <a:ext cx="12751209" cy="477054"/>
             <a:chOff x="231258" y="2729930"/>
             <a:chExt cx="12751209" cy="477054"/>
@@ -5839,7 +5839,7 @@
         </p:nvSpPr>
         <p:spPr>
           <a:xfrm>
-            <a:off x="4412400" y="1089976"/>
+            <a:off x="4412400" y="1085730"/>
             <a:ext cx="6697980" cy="477054"/>
           </a:xfrm>
           <a:prstGeom prst="rect">
@@ -5925,7 +5925,7 @@
         </p:nvCxnSpPr>
         <p:spPr>
           <a:xfrm flipV="1">
-            <a:off x="1599452" y="1340534"/>
+            <a:off x="1599453" y="1336289"/>
             <a:ext cx="2972553" cy="1315"/>
           </a:xfrm>
           <a:prstGeom prst="line">
@@ -5968,7 +5968,7 @@
         </p:nvCxnSpPr>
         <p:spPr>
           <a:xfrm>
-            <a:off x="9005017" y="1341845"/>
+            <a:off x="9005018" y="1337599"/>
             <a:ext cx="2573401" cy="0"/>
           </a:xfrm>
           <a:prstGeom prst="line">
@@ -6009,7 +6009,7 @@
         </p:nvSpPr>
         <p:spPr>
           <a:xfrm>
-            <a:off x="233415" y="1131487"/>
+            <a:off x="233416" y="1127241"/>
             <a:ext cx="1237617" cy="369332"/>
           </a:xfrm>
           <a:prstGeom prst="rect">
@@ -6046,7 +6046,7 @@
         </p:nvSpPr>
         <p:spPr>
           <a:xfrm>
-            <a:off x="11740902" y="1111653"/>
+            <a:off x="11740903" y="1107407"/>
             <a:ext cx="1237617" cy="369332"/>
           </a:xfrm>
           <a:prstGeom prst="rect">
@@ -6083,7 +6083,7 @@
         </p:nvCxnSpPr>
         <p:spPr>
           <a:xfrm>
-            <a:off x="1610456" y="3246146"/>
+            <a:off x="1610456" y="3507371"/>
             <a:ext cx="2054114" cy="0"/>
           </a:xfrm>
           <a:prstGeom prst="line">
@@ -6126,7 +6126,7 @@
         </p:nvCxnSpPr>
         <p:spPr>
           <a:xfrm>
-            <a:off x="9597231" y="3246146"/>
+            <a:off x="9597232" y="3507371"/>
             <a:ext cx="1992203" cy="0"/>
           </a:xfrm>
           <a:prstGeom prst="line">
@@ -6167,7 +6167,7 @@
         </p:nvSpPr>
         <p:spPr>
           <a:xfrm>
-            <a:off x="3664570" y="2998999"/>
+            <a:off x="3664570" y="3260224"/>
             <a:ext cx="5959730" cy="477054"/>
           </a:xfrm>
           <a:prstGeom prst="rect">
@@ -6275,7 +6275,7 @@
         </p:nvSpPr>
         <p:spPr>
           <a:xfrm>
-            <a:off x="1" y="3055509"/>
+            <a:off x="1" y="3316734"/>
             <a:ext cx="1475946" cy="369332"/>
           </a:xfrm>
           <a:prstGeom prst="rect">
@@ -6311,7 +6311,272 @@
         </p:nvSpPr>
         <p:spPr>
           <a:xfrm>
-            <a:off x="11745817" y="3077144"/>
+            <a:off x="11745818" y="3338369"/>
+            <a:ext cx="1237617" cy="369332"/>
+          </a:xfrm>
+          <a:prstGeom prst="rect">
+            <a:avLst/>
+          </a:prstGeom>
+          <a:noFill/>
+        </p:spPr>
+        <p:txBody>
+          <a:bodyPr wrap="square" rtlCol="0">
+            <a:spAutoFit/>
+          </a:bodyPr>
+          <a:lstStyle/>
+          <a:p>
+            <a:r>
+              <a:rPr lang="en-US" dirty="0"/>
+              <a:t>30nt</a:t>
+            </a:r>
+          </a:p>
+        </p:txBody>
+      </p:sp>
+      <p:cxnSp>
+        <p:nvCxnSpPr>
+          <p:cNvPr id="68" name="Straight Connector 67">
+            <a:extLst>
+              <a:ext uri="{FF2B5EF4-FFF2-40B4-BE49-F238E27FC236}">
+                <a16:creationId xmlns:a16="http://schemas.microsoft.com/office/drawing/2014/main" id="{58AA30BA-B5D7-91E0-5424-39FDA8171FA9}"/>
+              </a:ext>
+            </a:extLst>
+          </p:cNvPr>
+          <p:cNvCxnSpPr>
+            <a:cxnSpLocks/>
+          </p:cNvCxnSpPr>
+          <p:nvPr/>
+        </p:nvCxnSpPr>
+        <p:spPr>
+          <a:xfrm>
+            <a:off x="1600629" y="3192742"/>
+            <a:ext cx="2054114" cy="0"/>
+          </a:xfrm>
+          <a:prstGeom prst="line">
+            <a:avLst/>
+          </a:prstGeom>
+          <a:ln w="22225">
+            <a:solidFill>
+              <a:schemeClr val="tx1"/>
+            </a:solidFill>
+          </a:ln>
+        </p:spPr>
+        <p:style>
+          <a:lnRef idx="1">
+            <a:schemeClr val="accent1"/>
+          </a:lnRef>
+          <a:fillRef idx="0">
+            <a:schemeClr val="accent1"/>
+          </a:fillRef>
+          <a:effectRef idx="0">
+            <a:schemeClr val="accent1"/>
+          </a:effectRef>
+          <a:fontRef idx="minor">
+            <a:schemeClr val="tx1"/>
+          </a:fontRef>
+        </p:style>
+      </p:cxnSp>
+      <p:cxnSp>
+        <p:nvCxnSpPr>
+          <p:cNvPr id="69" name="Straight Connector 68">
+            <a:extLst>
+              <a:ext uri="{FF2B5EF4-FFF2-40B4-BE49-F238E27FC236}">
+                <a16:creationId xmlns:a16="http://schemas.microsoft.com/office/drawing/2014/main" id="{60228FF4-CB45-E5E5-048E-FAA7D13EEE2D}"/>
+              </a:ext>
+            </a:extLst>
+          </p:cNvPr>
+          <p:cNvCxnSpPr>
+            <a:cxnSpLocks/>
+          </p:cNvCxnSpPr>
+          <p:nvPr/>
+        </p:nvCxnSpPr>
+        <p:spPr>
+          <a:xfrm>
+            <a:off x="9587405" y="3192742"/>
+            <a:ext cx="1992203" cy="0"/>
+          </a:xfrm>
+          <a:prstGeom prst="line">
+            <a:avLst/>
+          </a:prstGeom>
+          <a:ln w="22225">
+            <a:solidFill>
+              <a:schemeClr val="tx1"/>
+            </a:solidFill>
+          </a:ln>
+        </p:spPr>
+        <p:style>
+          <a:lnRef idx="1">
+            <a:schemeClr val="accent1"/>
+          </a:lnRef>
+          <a:fillRef idx="0">
+            <a:schemeClr val="accent1"/>
+          </a:fillRef>
+          <a:effectRef idx="0">
+            <a:schemeClr val="accent1"/>
+          </a:effectRef>
+          <a:fontRef idx="minor">
+            <a:schemeClr val="tx1"/>
+          </a:fontRef>
+        </p:style>
+      </p:cxnSp>
+      <p:sp>
+        <p:nvSpPr>
+          <p:cNvPr id="70" name="TextBox 69">
+            <a:extLst>
+              <a:ext uri="{FF2B5EF4-FFF2-40B4-BE49-F238E27FC236}">
+                <a16:creationId xmlns:a16="http://schemas.microsoft.com/office/drawing/2014/main" id="{88CDE1CA-1515-D7EA-35DA-B1DE94BEA743}"/>
+              </a:ext>
+            </a:extLst>
+          </p:cNvPr>
+          <p:cNvSpPr txBox="1"/>
+          <p:nvPr/>
+        </p:nvSpPr>
+        <p:spPr>
+          <a:xfrm>
+            <a:off x="3654743" y="2945595"/>
+            <a:ext cx="5959730" cy="477054"/>
+          </a:xfrm>
+          <a:prstGeom prst="rect">
+            <a:avLst/>
+          </a:prstGeom>
+          <a:noFill/>
+        </p:spPr>
+        <p:txBody>
+          <a:bodyPr wrap="square" rtlCol="0">
+            <a:spAutoFit/>
+          </a:bodyPr>
+          <a:lstStyle/>
+          <a:p>
+            <a:r>
+              <a:rPr lang="en-US" sz="2500" dirty="0">
+                <a:solidFill>
+                  <a:schemeClr val="accent6">
+                    <a:lumMod val="60000"/>
+                    <a:lumOff val="40000"/>
+                  </a:schemeClr>
+                </a:solidFill>
+                <a:latin typeface="Courier" pitchFamily="2" charset="0"/>
+              </a:rPr>
+              <a:t>ACCT</a:t>
+            </a:r>
+            <a:r>
+              <a:rPr lang="en-US" sz="2500" dirty="0">
+                <a:solidFill>
+                  <a:schemeClr val="accent4">
+                    <a:lumMod val="60000"/>
+                    <a:lumOff val="40000"/>
+                  </a:schemeClr>
+                </a:solidFill>
+                <a:latin typeface="Courier" pitchFamily="2" charset="0"/>
+              </a:rPr>
+              <a:t>ATCGATGCTGATGCTA</a:t>
+            </a:r>
+            <a:r>
+              <a:rPr lang="en-US" sz="2500" dirty="0">
+                <a:solidFill>
+                  <a:srgbClr val="FF0000"/>
+                </a:solidFill>
+                <a:latin typeface="Courier" pitchFamily="2" charset="0"/>
+              </a:rPr>
+              <a:t>G</a:t>
+            </a:r>
+            <a:r>
+              <a:rPr lang="en-US" sz="2500" dirty="0">
+                <a:solidFill>
+                  <a:schemeClr val="accent4">
+                    <a:lumMod val="60000"/>
+                    <a:lumOff val="40000"/>
+                  </a:schemeClr>
+                </a:solidFill>
+                <a:latin typeface="Courier" pitchFamily="2" charset="0"/>
+              </a:rPr>
+              <a:t>ATA</a:t>
+            </a:r>
+            <a:r>
+              <a:rPr lang="en-US" sz="2500" dirty="0">
+                <a:solidFill>
+                  <a:srgbClr val="FF0000"/>
+                </a:solidFill>
+                <a:latin typeface="Courier" pitchFamily="2" charset="0"/>
+              </a:rPr>
+              <a:t>A</a:t>
+            </a:r>
+            <a:r>
+              <a:rPr lang="en-US" sz="2500" dirty="0">
+                <a:solidFill>
+                  <a:schemeClr val="accent2">
+                    <a:lumMod val="75000"/>
+                  </a:schemeClr>
+                </a:solidFill>
+                <a:latin typeface="Courier" pitchFamily="2" charset="0"/>
+              </a:rPr>
+              <a:t>GG</a:t>
+            </a:r>
+            <a:r>
+              <a:rPr lang="en-US" sz="2500" dirty="0">
+                <a:solidFill>
+                  <a:schemeClr val="accent6">
+                    <a:lumMod val="60000"/>
+                    <a:lumOff val="40000"/>
+                  </a:schemeClr>
+                </a:solidFill>
+                <a:latin typeface="Courier" pitchFamily="2" charset="0"/>
+              </a:rPr>
+              <a:t>TTG</a:t>
+            </a:r>
+          </a:p>
+        </p:txBody>
+      </p:sp>
+      <p:sp>
+        <p:nvSpPr>
+          <p:cNvPr id="71" name="TextBox 70">
+            <a:extLst>
+              <a:ext uri="{FF2B5EF4-FFF2-40B4-BE49-F238E27FC236}">
+                <a16:creationId xmlns:a16="http://schemas.microsoft.com/office/drawing/2014/main" id="{42AA71C8-C9FC-1284-9D3C-AA9C2D17BCF4}"/>
+              </a:ext>
+            </a:extLst>
+          </p:cNvPr>
+          <p:cNvSpPr txBox="1"/>
+          <p:nvPr/>
+        </p:nvSpPr>
+        <p:spPr>
+          <a:xfrm>
+            <a:off x="228504" y="3002105"/>
+            <a:ext cx="1237617" cy="369332"/>
+          </a:xfrm>
+          <a:prstGeom prst="rect">
+            <a:avLst/>
+          </a:prstGeom>
+          <a:noFill/>
+        </p:spPr>
+        <p:txBody>
+          <a:bodyPr wrap="square" rtlCol="0">
+            <a:spAutoFit/>
+          </a:bodyPr>
+          <a:lstStyle/>
+          <a:p>
+            <a:pPr algn="r"/>
+            <a:r>
+              <a:rPr lang="en-US" dirty="0"/>
+              <a:t>RuleSet3</a:t>
+            </a:r>
+          </a:p>
+        </p:txBody>
+      </p:sp>
+      <p:sp>
+        <p:nvSpPr>
+          <p:cNvPr id="72" name="TextBox 71">
+            <a:extLst>
+              <a:ext uri="{FF2B5EF4-FFF2-40B4-BE49-F238E27FC236}">
+                <a16:creationId xmlns:a16="http://schemas.microsoft.com/office/drawing/2014/main" id="{D3562DFB-E65C-3D1C-084C-3A2419EC549C}"/>
+              </a:ext>
+            </a:extLst>
+          </p:cNvPr>
+          <p:cNvSpPr txBox="1"/>
+          <p:nvPr/>
+        </p:nvSpPr>
+        <p:spPr>
+          <a:xfrm>
+            <a:off x="11735991" y="3023740"/>
             <a:ext cx="1237617" cy="369332"/>
           </a:xfrm>
           <a:prstGeom prst="rect">
